--- a/Introdução à Informática - Windows e Office 2023.1.61/Power Point/Ferguson.pptx
+++ b/Introdução à Informática - Windows e Office 2023.1.61/Power Point/Ferguson.pptx
@@ -5,7 +5,7 @@
     <p:sldMasterId id="2147483648" r:id="rId1"/>
   </p:sldMasterIdLst>
   <p:notesMasterIdLst>
-    <p:notesMasterId r:id="rId7"/>
+    <p:notesMasterId r:id="rId9"/>
   </p:notesMasterIdLst>
   <p:sldIdLst>
     <p:sldId id="256" r:id="rId2"/>
@@ -13,6 +13,8 @@
     <p:sldId id="258" r:id="rId4"/>
     <p:sldId id="259" r:id="rId5"/>
     <p:sldId id="260" r:id="rId6"/>
+    <p:sldId id="261" r:id="rId7"/>
+    <p:sldId id="262" r:id="rId8"/>
   </p:sldIdLst>
   <p:sldSz cx="12192000" cy="6858000"/>
   <p:notesSz cx="6858000" cy="9144000"/>
@@ -111,7 +113,7692 @@
       </a:defRPr>
     </a:lvl9pPr>
   </p:defaultTextStyle>
+  <p:extLst>
+    <p:ext uri="{EFAFB233-063F-42B5-8137-9DF3F51BA10A}">
+      <p15:sldGuideLst xmlns:p15="http://schemas.microsoft.com/office/powerpoint/2012/main"/>
+    </p:ext>
+    <p:ext uri="{2D200454-40CA-4A62-9FC3-DE9A4176ACB9}">
+      <p15:notesGuideLst xmlns:p15="http://schemas.microsoft.com/office/powerpoint/2012/main"/>
+    </p:ext>
+  </p:extLst>
 </p:presentation>
+</file>
+
+<file path=ppt/diagrams/colors1.xml><?xml version="1.0" encoding="utf-8"?>
+<dgm:colorsDef xmlns:dgm="http://schemas.openxmlformats.org/drawingml/2006/diagram" xmlns:a="http://schemas.openxmlformats.org/drawingml/2006/main" uniqueId="urn:microsoft.com/office/officeart/2005/8/colors/accent0_1">
+  <dgm:title val=""/>
+  <dgm:desc val=""/>
+  <dgm:catLst>
+    <dgm:cat type="mainScheme" pri="10100"/>
+  </dgm:catLst>
+  <dgm:styleLbl name="node0">
+    <dgm:fillClrLst meth="repeat">
+      <a:schemeClr val="lt1"/>
+    </dgm:fillClrLst>
+    <dgm:linClrLst meth="repeat">
+      <a:schemeClr val="dk1">
+        <a:shade val="80000"/>
+      </a:schemeClr>
+    </dgm:linClrLst>
+    <dgm:effectClrLst/>
+    <dgm:txLinClrLst/>
+    <dgm:txFillClrLst meth="repeat">
+      <a:schemeClr val="dk1"/>
+    </dgm:txFillClrLst>
+    <dgm:txEffectClrLst/>
+  </dgm:styleLbl>
+  <dgm:styleLbl name="node1">
+    <dgm:fillClrLst meth="repeat">
+      <a:schemeClr val="lt1"/>
+    </dgm:fillClrLst>
+    <dgm:linClrLst meth="repeat">
+      <a:schemeClr val="dk1">
+        <a:shade val="80000"/>
+      </a:schemeClr>
+    </dgm:linClrLst>
+    <dgm:effectClrLst/>
+    <dgm:txLinClrLst/>
+    <dgm:txFillClrLst meth="repeat">
+      <a:schemeClr val="dk1"/>
+    </dgm:txFillClrLst>
+    <dgm:txEffectClrLst/>
+  </dgm:styleLbl>
+  <dgm:styleLbl name="alignNode1">
+    <dgm:fillClrLst meth="repeat">
+      <a:schemeClr val="lt1"/>
+    </dgm:fillClrLst>
+    <dgm:linClrLst meth="repeat">
+      <a:schemeClr val="dk1">
+        <a:shade val="80000"/>
+      </a:schemeClr>
+    </dgm:linClrLst>
+    <dgm:effectClrLst/>
+    <dgm:txLinClrLst/>
+    <dgm:txFillClrLst meth="repeat">
+      <a:schemeClr val="dk1"/>
+    </dgm:txFillClrLst>
+    <dgm:txEffectClrLst/>
+  </dgm:styleLbl>
+  <dgm:styleLbl name="lnNode1">
+    <dgm:fillClrLst meth="repeat">
+      <a:schemeClr val="lt1"/>
+    </dgm:fillClrLst>
+    <dgm:linClrLst meth="repeat">
+      <a:schemeClr val="dk1">
+        <a:shade val="80000"/>
+      </a:schemeClr>
+    </dgm:linClrLst>
+    <dgm:effectClrLst/>
+    <dgm:txLinClrLst/>
+    <dgm:txFillClrLst meth="repeat">
+      <a:schemeClr val="dk1"/>
+    </dgm:txFillClrLst>
+    <dgm:txEffectClrLst/>
+  </dgm:styleLbl>
+  <dgm:styleLbl name="vennNode1">
+    <dgm:fillClrLst meth="repeat">
+      <a:schemeClr val="lt1">
+        <a:alpha val="50000"/>
+      </a:schemeClr>
+    </dgm:fillClrLst>
+    <dgm:linClrLst meth="repeat">
+      <a:schemeClr val="dk1">
+        <a:shade val="80000"/>
+      </a:schemeClr>
+    </dgm:linClrLst>
+    <dgm:effectClrLst/>
+    <dgm:txLinClrLst/>
+    <dgm:txFillClrLst/>
+    <dgm:txEffectClrLst/>
+  </dgm:styleLbl>
+  <dgm:styleLbl name="node2">
+    <dgm:fillClrLst meth="repeat">
+      <a:schemeClr val="lt1"/>
+    </dgm:fillClrLst>
+    <dgm:linClrLst meth="repeat">
+      <a:schemeClr val="dk1">
+        <a:shade val="80000"/>
+      </a:schemeClr>
+    </dgm:linClrLst>
+    <dgm:effectClrLst/>
+    <dgm:txLinClrLst/>
+    <dgm:txFillClrLst meth="repeat">
+      <a:schemeClr val="dk1"/>
+    </dgm:txFillClrLst>
+    <dgm:txEffectClrLst/>
+  </dgm:styleLbl>
+  <dgm:styleLbl name="node3">
+    <dgm:fillClrLst meth="repeat">
+      <a:schemeClr val="lt1"/>
+    </dgm:fillClrLst>
+    <dgm:linClrLst meth="repeat">
+      <a:schemeClr val="dk1">
+        <a:shade val="80000"/>
+      </a:schemeClr>
+    </dgm:linClrLst>
+    <dgm:effectClrLst/>
+    <dgm:txLinClrLst/>
+    <dgm:txFillClrLst meth="repeat">
+      <a:schemeClr val="dk1"/>
+    </dgm:txFillClrLst>
+    <dgm:txEffectClrLst/>
+  </dgm:styleLbl>
+  <dgm:styleLbl name="node4">
+    <dgm:fillClrLst meth="repeat">
+      <a:schemeClr val="lt1"/>
+    </dgm:fillClrLst>
+    <dgm:linClrLst meth="repeat">
+      <a:schemeClr val="dk1">
+        <a:shade val="80000"/>
+      </a:schemeClr>
+    </dgm:linClrLst>
+    <dgm:effectClrLst/>
+    <dgm:txLinClrLst/>
+    <dgm:txFillClrLst meth="repeat">
+      <a:schemeClr val="dk1"/>
+    </dgm:txFillClrLst>
+    <dgm:txEffectClrLst/>
+  </dgm:styleLbl>
+  <dgm:styleLbl name="fgImgPlace1">
+    <dgm:fillClrLst meth="repeat">
+      <a:schemeClr val="dk1">
+        <a:tint val="40000"/>
+      </a:schemeClr>
+    </dgm:fillClrLst>
+    <dgm:linClrLst meth="repeat">
+      <a:schemeClr val="dk1">
+        <a:shade val="80000"/>
+      </a:schemeClr>
+    </dgm:linClrLst>
+    <dgm:effectClrLst/>
+    <dgm:txLinClrLst/>
+    <dgm:txFillClrLst meth="repeat">
+      <a:schemeClr val="lt1"/>
+    </dgm:txFillClrLst>
+    <dgm:txEffectClrLst/>
+  </dgm:styleLbl>
+  <dgm:styleLbl name="alignImgPlace1">
+    <dgm:fillClrLst meth="repeat">
+      <a:schemeClr val="dk1">
+        <a:tint val="40000"/>
+      </a:schemeClr>
+    </dgm:fillClrLst>
+    <dgm:linClrLst meth="repeat">
+      <a:schemeClr val="dk1">
+        <a:shade val="80000"/>
+      </a:schemeClr>
+    </dgm:linClrLst>
+    <dgm:effectClrLst/>
+    <dgm:txLinClrLst/>
+    <dgm:txFillClrLst meth="repeat">
+      <a:schemeClr val="lt1"/>
+    </dgm:txFillClrLst>
+    <dgm:txEffectClrLst/>
+  </dgm:styleLbl>
+  <dgm:styleLbl name="bgImgPlace1">
+    <dgm:fillClrLst meth="repeat">
+      <a:schemeClr val="dk1">
+        <a:tint val="40000"/>
+      </a:schemeClr>
+    </dgm:fillClrLst>
+    <dgm:linClrLst meth="repeat">
+      <a:schemeClr val="dk1">
+        <a:shade val="80000"/>
+      </a:schemeClr>
+    </dgm:linClrLst>
+    <dgm:effectClrLst/>
+    <dgm:txLinClrLst/>
+    <dgm:txFillClrLst meth="repeat">
+      <a:schemeClr val="lt1"/>
+    </dgm:txFillClrLst>
+    <dgm:txEffectClrLst/>
+  </dgm:styleLbl>
+  <dgm:styleLbl name="sibTrans2D1">
+    <dgm:fillClrLst meth="repeat">
+      <a:schemeClr val="dk1">
+        <a:tint val="60000"/>
+      </a:schemeClr>
+    </dgm:fillClrLst>
+    <dgm:linClrLst meth="repeat">
+      <a:schemeClr val="dk1">
+        <a:tint val="60000"/>
+      </a:schemeClr>
+    </dgm:linClrLst>
+    <dgm:effectClrLst/>
+    <dgm:txLinClrLst/>
+    <dgm:txFillClrLst meth="repeat">
+      <a:schemeClr val="dk1"/>
+    </dgm:txFillClrLst>
+    <dgm:txEffectClrLst/>
+  </dgm:styleLbl>
+  <dgm:styleLbl name="fgSibTrans2D1">
+    <dgm:fillClrLst meth="repeat">
+      <a:schemeClr val="dk1">
+        <a:tint val="60000"/>
+      </a:schemeClr>
+    </dgm:fillClrLst>
+    <dgm:linClrLst meth="repeat">
+      <a:schemeClr val="dk1">
+        <a:tint val="60000"/>
+      </a:schemeClr>
+    </dgm:linClrLst>
+    <dgm:effectClrLst/>
+    <dgm:txLinClrLst/>
+    <dgm:txFillClrLst meth="repeat">
+      <a:schemeClr val="dk1"/>
+    </dgm:txFillClrLst>
+    <dgm:txEffectClrLst/>
+  </dgm:styleLbl>
+  <dgm:styleLbl name="bgSibTrans2D1">
+    <dgm:fillClrLst meth="repeat">
+      <a:schemeClr val="dk1">
+        <a:tint val="60000"/>
+      </a:schemeClr>
+    </dgm:fillClrLst>
+    <dgm:linClrLst meth="repeat">
+      <a:schemeClr val="dk1">
+        <a:tint val="60000"/>
+      </a:schemeClr>
+    </dgm:linClrLst>
+    <dgm:effectClrLst/>
+    <dgm:txLinClrLst/>
+    <dgm:txFillClrLst meth="repeat">
+      <a:schemeClr val="dk1"/>
+    </dgm:txFillClrLst>
+    <dgm:txEffectClrLst/>
+  </dgm:styleLbl>
+  <dgm:styleLbl name="sibTrans1D1">
+    <dgm:fillClrLst meth="repeat">
+      <a:schemeClr val="dk1"/>
+    </dgm:fillClrLst>
+    <dgm:linClrLst meth="repeat">
+      <a:schemeClr val="dk1"/>
+    </dgm:linClrLst>
+    <dgm:effectClrLst/>
+    <dgm:txLinClrLst/>
+    <dgm:txFillClrLst meth="repeat">
+      <a:schemeClr val="tx1"/>
+    </dgm:txFillClrLst>
+    <dgm:txEffectClrLst/>
+  </dgm:styleLbl>
+  <dgm:styleLbl name="callout">
+    <dgm:fillClrLst meth="repeat">
+      <a:schemeClr val="dk1"/>
+    </dgm:fillClrLst>
+    <dgm:linClrLst meth="repeat">
+      <a:schemeClr val="dk1"/>
+    </dgm:linClrLst>
+    <dgm:effectClrLst/>
+    <dgm:txLinClrLst/>
+    <dgm:txFillClrLst meth="repeat">
+      <a:schemeClr val="tx1"/>
+    </dgm:txFillClrLst>
+    <dgm:txEffectClrLst/>
+  </dgm:styleLbl>
+  <dgm:styleLbl name="asst0">
+    <dgm:fillClrLst meth="repeat">
+      <a:schemeClr val="lt1"/>
+    </dgm:fillClrLst>
+    <dgm:linClrLst meth="repeat">
+      <a:schemeClr val="dk1">
+        <a:shade val="80000"/>
+      </a:schemeClr>
+    </dgm:linClrLst>
+    <dgm:effectClrLst/>
+    <dgm:txLinClrLst/>
+    <dgm:txFillClrLst meth="repeat">
+      <a:schemeClr val="dk1"/>
+    </dgm:txFillClrLst>
+    <dgm:txEffectClrLst/>
+  </dgm:styleLbl>
+  <dgm:styleLbl name="asst1">
+    <dgm:fillClrLst meth="repeat">
+      <a:schemeClr val="lt1"/>
+    </dgm:fillClrLst>
+    <dgm:linClrLst meth="repeat">
+      <a:schemeClr val="dk1">
+        <a:shade val="80000"/>
+      </a:schemeClr>
+    </dgm:linClrLst>
+    <dgm:effectClrLst/>
+    <dgm:txLinClrLst/>
+    <dgm:txFillClrLst meth="repeat">
+      <a:schemeClr val="dk1"/>
+    </dgm:txFillClrLst>
+    <dgm:txEffectClrLst/>
+  </dgm:styleLbl>
+  <dgm:styleLbl name="asst2">
+    <dgm:fillClrLst meth="repeat">
+      <a:schemeClr val="lt1"/>
+    </dgm:fillClrLst>
+    <dgm:linClrLst meth="repeat">
+      <a:schemeClr val="dk1">
+        <a:shade val="80000"/>
+      </a:schemeClr>
+    </dgm:linClrLst>
+    <dgm:effectClrLst/>
+    <dgm:txLinClrLst/>
+    <dgm:txFillClrLst meth="repeat">
+      <a:schemeClr val="dk1"/>
+    </dgm:txFillClrLst>
+    <dgm:txEffectClrLst/>
+  </dgm:styleLbl>
+  <dgm:styleLbl name="asst3">
+    <dgm:fillClrLst meth="repeat">
+      <a:schemeClr val="lt1"/>
+    </dgm:fillClrLst>
+    <dgm:linClrLst meth="repeat">
+      <a:schemeClr val="dk1">
+        <a:shade val="80000"/>
+      </a:schemeClr>
+    </dgm:linClrLst>
+    <dgm:effectClrLst/>
+    <dgm:txLinClrLst/>
+    <dgm:txFillClrLst meth="repeat">
+      <a:schemeClr val="dk1"/>
+    </dgm:txFillClrLst>
+    <dgm:txEffectClrLst/>
+  </dgm:styleLbl>
+  <dgm:styleLbl name="asst4">
+    <dgm:fillClrLst meth="repeat">
+      <a:schemeClr val="lt1"/>
+    </dgm:fillClrLst>
+    <dgm:linClrLst meth="repeat">
+      <a:schemeClr val="dk1">
+        <a:shade val="80000"/>
+      </a:schemeClr>
+    </dgm:linClrLst>
+    <dgm:effectClrLst/>
+    <dgm:txLinClrLst/>
+    <dgm:txFillClrLst meth="repeat">
+      <a:schemeClr val="dk1"/>
+    </dgm:txFillClrLst>
+    <dgm:txEffectClrLst/>
+  </dgm:styleLbl>
+  <dgm:styleLbl name="parChTrans2D1">
+    <dgm:fillClrLst meth="repeat">
+      <a:schemeClr val="dk1">
+        <a:tint val="60000"/>
+      </a:schemeClr>
+    </dgm:fillClrLst>
+    <dgm:linClrLst meth="repeat">
+      <a:schemeClr val="dk1">
+        <a:tint val="60000"/>
+      </a:schemeClr>
+    </dgm:linClrLst>
+    <dgm:effectClrLst/>
+    <dgm:txLinClrLst/>
+    <dgm:txFillClrLst/>
+    <dgm:txEffectClrLst/>
+  </dgm:styleLbl>
+  <dgm:styleLbl name="parChTrans2D2">
+    <dgm:fillClrLst meth="repeat">
+      <a:schemeClr val="dk1"/>
+    </dgm:fillClrLst>
+    <dgm:linClrLst meth="repeat">
+      <a:schemeClr val="dk1"/>
+    </dgm:linClrLst>
+    <dgm:effectClrLst/>
+    <dgm:txLinClrLst/>
+    <dgm:txFillClrLst/>
+    <dgm:txEffectClrLst/>
+  </dgm:styleLbl>
+  <dgm:styleLbl name="parChTrans2D3">
+    <dgm:fillClrLst meth="repeat">
+      <a:schemeClr val="dk1"/>
+    </dgm:fillClrLst>
+    <dgm:linClrLst meth="repeat">
+      <a:schemeClr val="dk1"/>
+    </dgm:linClrLst>
+    <dgm:effectClrLst/>
+    <dgm:txLinClrLst/>
+    <dgm:txFillClrLst/>
+    <dgm:txEffectClrLst/>
+  </dgm:styleLbl>
+  <dgm:styleLbl name="parChTrans2D4">
+    <dgm:fillClrLst meth="repeat">
+      <a:schemeClr val="dk1"/>
+    </dgm:fillClrLst>
+    <dgm:linClrLst meth="repeat">
+      <a:schemeClr val="dk1"/>
+    </dgm:linClrLst>
+    <dgm:effectClrLst/>
+    <dgm:txLinClrLst/>
+    <dgm:txFillClrLst meth="repeat">
+      <a:schemeClr val="lt1"/>
+    </dgm:txFillClrLst>
+    <dgm:txEffectClrLst/>
+  </dgm:styleLbl>
+  <dgm:styleLbl name="parChTrans1D1">
+    <dgm:fillClrLst meth="repeat">
+      <a:schemeClr val="dk1"/>
+    </dgm:fillClrLst>
+    <dgm:linClrLst meth="repeat">
+      <a:schemeClr val="dk1">
+        <a:shade val="60000"/>
+      </a:schemeClr>
+    </dgm:linClrLst>
+    <dgm:effectClrLst/>
+    <dgm:txLinClrLst/>
+    <dgm:txFillClrLst meth="repeat">
+      <a:schemeClr val="tx1"/>
+    </dgm:txFillClrLst>
+    <dgm:txEffectClrLst/>
+  </dgm:styleLbl>
+  <dgm:styleLbl name="parChTrans1D2">
+    <dgm:fillClrLst meth="repeat">
+      <a:schemeClr val="dk1"/>
+    </dgm:fillClrLst>
+    <dgm:linClrLst meth="repeat">
+      <a:schemeClr val="dk1">
+        <a:shade val="60000"/>
+      </a:schemeClr>
+    </dgm:linClrLst>
+    <dgm:effectClrLst/>
+    <dgm:txLinClrLst/>
+    <dgm:txFillClrLst meth="repeat">
+      <a:schemeClr val="tx1"/>
+    </dgm:txFillClrLst>
+    <dgm:txEffectClrLst/>
+  </dgm:styleLbl>
+  <dgm:styleLbl name="parChTrans1D3">
+    <dgm:fillClrLst meth="repeat">
+      <a:schemeClr val="dk1"/>
+    </dgm:fillClrLst>
+    <dgm:linClrLst meth="repeat">
+      <a:schemeClr val="dk1">
+        <a:shade val="80000"/>
+      </a:schemeClr>
+    </dgm:linClrLst>
+    <dgm:effectClrLst/>
+    <dgm:txLinClrLst/>
+    <dgm:txFillClrLst meth="repeat">
+      <a:schemeClr val="tx1"/>
+    </dgm:txFillClrLst>
+    <dgm:txEffectClrLst/>
+  </dgm:styleLbl>
+  <dgm:styleLbl name="parChTrans1D4">
+    <dgm:fillClrLst meth="repeat">
+      <a:schemeClr val="dk1"/>
+    </dgm:fillClrLst>
+    <dgm:linClrLst meth="repeat">
+      <a:schemeClr val="dk1">
+        <a:shade val="80000"/>
+      </a:schemeClr>
+    </dgm:linClrLst>
+    <dgm:effectClrLst/>
+    <dgm:txLinClrLst/>
+    <dgm:txFillClrLst meth="repeat">
+      <a:schemeClr val="tx1"/>
+    </dgm:txFillClrLst>
+    <dgm:txEffectClrLst/>
+  </dgm:styleLbl>
+  <dgm:styleLbl name="fgAcc1">
+    <dgm:fillClrLst meth="repeat">
+      <a:schemeClr val="dk1">
+        <a:alpha val="90000"/>
+        <a:tint val="40000"/>
+      </a:schemeClr>
+    </dgm:fillClrLst>
+    <dgm:linClrLst meth="repeat">
+      <a:schemeClr val="dk1"/>
+    </dgm:linClrLst>
+    <dgm:effectClrLst/>
+    <dgm:txLinClrLst/>
+    <dgm:txFillClrLst meth="repeat">
+      <a:schemeClr val="dk1"/>
+    </dgm:txFillClrLst>
+    <dgm:txEffectClrLst/>
+  </dgm:styleLbl>
+  <dgm:styleLbl name="conFgAcc1">
+    <dgm:fillClrLst meth="repeat">
+      <a:schemeClr val="dk1">
+        <a:alpha val="90000"/>
+        <a:tint val="40000"/>
+      </a:schemeClr>
+    </dgm:fillClrLst>
+    <dgm:linClrLst meth="repeat">
+      <a:schemeClr val="dk1"/>
+    </dgm:linClrLst>
+    <dgm:effectClrLst/>
+    <dgm:txLinClrLst/>
+    <dgm:txFillClrLst meth="repeat">
+      <a:schemeClr val="dk1"/>
+    </dgm:txFillClrLst>
+    <dgm:txEffectClrLst/>
+  </dgm:styleLbl>
+  <dgm:styleLbl name="alignAcc1">
+    <dgm:fillClrLst meth="repeat">
+      <a:schemeClr val="dk1">
+        <a:alpha val="90000"/>
+        <a:tint val="40000"/>
+      </a:schemeClr>
+    </dgm:fillClrLst>
+    <dgm:linClrLst meth="repeat">
+      <a:schemeClr val="dk1"/>
+    </dgm:linClrLst>
+    <dgm:effectClrLst/>
+    <dgm:txLinClrLst/>
+    <dgm:txFillClrLst meth="repeat">
+      <a:schemeClr val="dk1"/>
+    </dgm:txFillClrLst>
+    <dgm:txEffectClrLst/>
+  </dgm:styleLbl>
+  <dgm:styleLbl name="trAlignAcc1">
+    <dgm:fillClrLst meth="repeat">
+      <a:schemeClr val="dk1">
+        <a:alpha val="40000"/>
+        <a:tint val="40000"/>
+      </a:schemeClr>
+    </dgm:fillClrLst>
+    <dgm:linClrLst meth="repeat">
+      <a:schemeClr val="dk1"/>
+    </dgm:linClrLst>
+    <dgm:effectClrLst/>
+    <dgm:txLinClrLst/>
+    <dgm:txFillClrLst meth="repeat">
+      <a:schemeClr val="dk1"/>
+    </dgm:txFillClrLst>
+    <dgm:txEffectClrLst/>
+  </dgm:styleLbl>
+  <dgm:styleLbl name="bgAcc1">
+    <dgm:fillClrLst meth="repeat">
+      <a:schemeClr val="dk1">
+        <a:alpha val="90000"/>
+        <a:tint val="40000"/>
+      </a:schemeClr>
+    </dgm:fillClrLst>
+    <dgm:linClrLst meth="repeat">
+      <a:schemeClr val="dk1"/>
+    </dgm:linClrLst>
+    <dgm:effectClrLst/>
+    <dgm:txLinClrLst/>
+    <dgm:txFillClrLst meth="repeat">
+      <a:schemeClr val="dk1"/>
+    </dgm:txFillClrLst>
+    <dgm:txEffectClrLst/>
+  </dgm:styleLbl>
+  <dgm:styleLbl name="solidFgAcc1">
+    <dgm:fillClrLst meth="repeat">
+      <a:schemeClr val="lt1"/>
+    </dgm:fillClrLst>
+    <dgm:linClrLst meth="repeat">
+      <a:schemeClr val="dk1"/>
+    </dgm:linClrLst>
+    <dgm:effectClrLst/>
+    <dgm:txLinClrLst/>
+    <dgm:txFillClrLst meth="repeat">
+      <a:schemeClr val="dk1"/>
+    </dgm:txFillClrLst>
+    <dgm:txEffectClrLst/>
+  </dgm:styleLbl>
+  <dgm:styleLbl name="solidAlignAcc1">
+    <dgm:fillClrLst meth="repeat">
+      <a:schemeClr val="lt1"/>
+    </dgm:fillClrLst>
+    <dgm:linClrLst meth="repeat">
+      <a:schemeClr val="dk1"/>
+    </dgm:linClrLst>
+    <dgm:effectClrLst/>
+    <dgm:txLinClrLst/>
+    <dgm:txFillClrLst meth="repeat">
+      <a:schemeClr val="dk1"/>
+    </dgm:txFillClrLst>
+    <dgm:txEffectClrLst/>
+  </dgm:styleLbl>
+  <dgm:styleLbl name="solidBgAcc1">
+    <dgm:fillClrLst meth="repeat">
+      <a:schemeClr val="lt1"/>
+    </dgm:fillClrLst>
+    <dgm:linClrLst meth="repeat">
+      <a:schemeClr val="dk1"/>
+    </dgm:linClrLst>
+    <dgm:effectClrLst/>
+    <dgm:txLinClrLst/>
+    <dgm:txFillClrLst meth="repeat">
+      <a:schemeClr val="dk1"/>
+    </dgm:txFillClrLst>
+    <dgm:txEffectClrLst/>
+  </dgm:styleLbl>
+  <dgm:styleLbl name="fgAccFollowNode1">
+    <dgm:fillClrLst meth="repeat">
+      <a:schemeClr val="lt1">
+        <a:alpha val="90000"/>
+        <a:tint val="40000"/>
+      </a:schemeClr>
+    </dgm:fillClrLst>
+    <dgm:linClrLst meth="repeat">
+      <a:schemeClr val="dk1">
+        <a:alpha val="90000"/>
+      </a:schemeClr>
+    </dgm:linClrLst>
+    <dgm:effectClrLst/>
+    <dgm:txLinClrLst/>
+    <dgm:txFillClrLst meth="repeat">
+      <a:schemeClr val="dk1"/>
+    </dgm:txFillClrLst>
+    <dgm:txEffectClrLst/>
+  </dgm:styleLbl>
+  <dgm:styleLbl name="alignAccFollowNode1">
+    <dgm:fillClrLst meth="repeat">
+      <a:schemeClr val="lt1">
+        <a:alpha val="90000"/>
+        <a:tint val="40000"/>
+      </a:schemeClr>
+    </dgm:fillClrLst>
+    <dgm:linClrLst meth="repeat">
+      <a:schemeClr val="dk1">
+        <a:alpha val="90000"/>
+      </a:schemeClr>
+    </dgm:linClrLst>
+    <dgm:effectClrLst/>
+    <dgm:txLinClrLst/>
+    <dgm:txFillClrLst meth="repeat">
+      <a:schemeClr val="dk1"/>
+    </dgm:txFillClrLst>
+    <dgm:txEffectClrLst/>
+  </dgm:styleLbl>
+  <dgm:styleLbl name="bgAccFollowNode1">
+    <dgm:fillClrLst meth="repeat">
+      <a:schemeClr val="lt1">
+        <a:alpha val="90000"/>
+        <a:tint val="40000"/>
+      </a:schemeClr>
+    </dgm:fillClrLst>
+    <dgm:linClrLst meth="repeat">
+      <a:schemeClr val="dk1">
+        <a:alpha val="90000"/>
+      </a:schemeClr>
+    </dgm:linClrLst>
+    <dgm:effectClrLst/>
+    <dgm:txLinClrLst/>
+    <dgm:txFillClrLst meth="repeat">
+      <a:schemeClr val="dk1"/>
+    </dgm:txFillClrLst>
+    <dgm:txEffectClrLst/>
+  </dgm:styleLbl>
+  <dgm:styleLbl name="fgAcc0">
+    <dgm:fillClrLst meth="repeat">
+      <a:schemeClr val="dk1">
+        <a:alpha val="90000"/>
+        <a:tint val="40000"/>
+      </a:schemeClr>
+    </dgm:fillClrLst>
+    <dgm:linClrLst meth="repeat">
+      <a:schemeClr val="dk1"/>
+    </dgm:linClrLst>
+    <dgm:effectClrLst/>
+    <dgm:txLinClrLst/>
+    <dgm:txFillClrLst meth="repeat">
+      <a:schemeClr val="dk1"/>
+    </dgm:txFillClrLst>
+    <dgm:txEffectClrLst/>
+  </dgm:styleLbl>
+  <dgm:styleLbl name="fgAcc2">
+    <dgm:fillClrLst meth="repeat">
+      <a:schemeClr val="dk1">
+        <a:alpha val="90000"/>
+        <a:tint val="40000"/>
+      </a:schemeClr>
+    </dgm:fillClrLst>
+    <dgm:linClrLst meth="repeat">
+      <a:schemeClr val="dk1"/>
+    </dgm:linClrLst>
+    <dgm:effectClrLst/>
+    <dgm:txLinClrLst/>
+    <dgm:txFillClrLst meth="repeat">
+      <a:schemeClr val="dk1"/>
+    </dgm:txFillClrLst>
+    <dgm:txEffectClrLst/>
+  </dgm:styleLbl>
+  <dgm:styleLbl name="fgAcc3">
+    <dgm:fillClrLst meth="repeat">
+      <a:schemeClr val="dk1">
+        <a:alpha val="90000"/>
+        <a:tint val="40000"/>
+      </a:schemeClr>
+    </dgm:fillClrLst>
+    <dgm:linClrLst meth="repeat">
+      <a:schemeClr val="dk1"/>
+    </dgm:linClrLst>
+    <dgm:effectClrLst/>
+    <dgm:txLinClrLst/>
+    <dgm:txFillClrLst meth="repeat">
+      <a:schemeClr val="dk1"/>
+    </dgm:txFillClrLst>
+    <dgm:txEffectClrLst/>
+  </dgm:styleLbl>
+  <dgm:styleLbl name="fgAcc4">
+    <dgm:fillClrLst meth="repeat">
+      <a:schemeClr val="dk1">
+        <a:alpha val="90000"/>
+        <a:tint val="40000"/>
+      </a:schemeClr>
+    </dgm:fillClrLst>
+    <dgm:linClrLst meth="repeat">
+      <a:schemeClr val="dk1"/>
+    </dgm:linClrLst>
+    <dgm:effectClrLst/>
+    <dgm:txLinClrLst/>
+    <dgm:txFillClrLst meth="repeat">
+      <a:schemeClr val="dk1"/>
+    </dgm:txFillClrLst>
+    <dgm:txEffectClrLst/>
+  </dgm:styleLbl>
+  <dgm:styleLbl name="bgShp">
+    <dgm:fillClrLst meth="repeat">
+      <a:schemeClr val="dk1">
+        <a:tint val="40000"/>
+      </a:schemeClr>
+    </dgm:fillClrLst>
+    <dgm:linClrLst meth="repeat">
+      <a:schemeClr val="dk1"/>
+    </dgm:linClrLst>
+    <dgm:effectClrLst/>
+    <dgm:txLinClrLst/>
+    <dgm:txFillClrLst meth="repeat">
+      <a:schemeClr val="dk1"/>
+    </dgm:txFillClrLst>
+    <dgm:txEffectClrLst/>
+  </dgm:styleLbl>
+  <dgm:styleLbl name="dkBgShp">
+    <dgm:fillClrLst meth="repeat">
+      <a:schemeClr val="dk1">
+        <a:shade val="80000"/>
+      </a:schemeClr>
+    </dgm:fillClrLst>
+    <dgm:linClrLst meth="repeat">
+      <a:schemeClr val="dk1"/>
+    </dgm:linClrLst>
+    <dgm:effectClrLst/>
+    <dgm:txLinClrLst/>
+    <dgm:txFillClrLst meth="repeat">
+      <a:schemeClr val="lt1"/>
+    </dgm:txFillClrLst>
+    <dgm:txEffectClrLst/>
+  </dgm:styleLbl>
+  <dgm:styleLbl name="trBgShp">
+    <dgm:fillClrLst meth="repeat">
+      <a:schemeClr val="dk1">
+        <a:tint val="50000"/>
+        <a:alpha val="40000"/>
+      </a:schemeClr>
+    </dgm:fillClrLst>
+    <dgm:linClrLst meth="repeat">
+      <a:schemeClr val="dk1"/>
+    </dgm:linClrLst>
+    <dgm:effectClrLst/>
+    <dgm:txLinClrLst/>
+    <dgm:txFillClrLst meth="repeat">
+      <a:schemeClr val="lt1"/>
+    </dgm:txFillClrLst>
+    <dgm:txEffectClrLst/>
+  </dgm:styleLbl>
+  <dgm:styleLbl name="fgShp">
+    <dgm:fillClrLst meth="repeat">
+      <a:schemeClr val="dk1">
+        <a:tint val="60000"/>
+      </a:schemeClr>
+    </dgm:fillClrLst>
+    <dgm:linClrLst meth="repeat">
+      <a:schemeClr val="lt1"/>
+    </dgm:linClrLst>
+    <dgm:effectClrLst/>
+    <dgm:txLinClrLst/>
+    <dgm:txFillClrLst meth="repeat">
+      <a:schemeClr val="dk1"/>
+    </dgm:txFillClrLst>
+    <dgm:txEffectClrLst/>
+  </dgm:styleLbl>
+  <dgm:styleLbl name="revTx">
+    <dgm:fillClrLst meth="repeat">
+      <a:schemeClr val="lt1">
+        <a:alpha val="0"/>
+      </a:schemeClr>
+    </dgm:fillClrLst>
+    <dgm:linClrLst meth="repeat">
+      <a:schemeClr val="dk1">
+        <a:alpha val="0"/>
+      </a:schemeClr>
+    </dgm:linClrLst>
+    <dgm:effectClrLst/>
+    <dgm:txLinClrLst/>
+    <dgm:txFillClrLst meth="repeat">
+      <a:schemeClr val="tx1"/>
+    </dgm:txFillClrLst>
+    <dgm:txEffectClrLst/>
+  </dgm:styleLbl>
+</dgm:colorsDef>
+</file>
+
+<file path=ppt/diagrams/colors2.xml><?xml version="1.0" encoding="utf-8"?>
+<dgm:colorsDef xmlns:dgm="http://schemas.openxmlformats.org/drawingml/2006/diagram" xmlns:a="http://schemas.openxmlformats.org/drawingml/2006/main" uniqueId="urn:microsoft.com/office/officeart/2005/8/colors/accent0_1">
+  <dgm:title val=""/>
+  <dgm:desc val=""/>
+  <dgm:catLst>
+    <dgm:cat type="mainScheme" pri="10100"/>
+  </dgm:catLst>
+  <dgm:styleLbl name="node0">
+    <dgm:fillClrLst meth="repeat">
+      <a:schemeClr val="lt1"/>
+    </dgm:fillClrLst>
+    <dgm:linClrLst meth="repeat">
+      <a:schemeClr val="dk1">
+        <a:shade val="80000"/>
+      </a:schemeClr>
+    </dgm:linClrLst>
+    <dgm:effectClrLst/>
+    <dgm:txLinClrLst/>
+    <dgm:txFillClrLst meth="repeat">
+      <a:schemeClr val="dk1"/>
+    </dgm:txFillClrLst>
+    <dgm:txEffectClrLst/>
+  </dgm:styleLbl>
+  <dgm:styleLbl name="node1">
+    <dgm:fillClrLst meth="repeat">
+      <a:schemeClr val="lt1"/>
+    </dgm:fillClrLst>
+    <dgm:linClrLst meth="repeat">
+      <a:schemeClr val="dk1">
+        <a:shade val="80000"/>
+      </a:schemeClr>
+    </dgm:linClrLst>
+    <dgm:effectClrLst/>
+    <dgm:txLinClrLst/>
+    <dgm:txFillClrLst meth="repeat">
+      <a:schemeClr val="dk1"/>
+    </dgm:txFillClrLst>
+    <dgm:txEffectClrLst/>
+  </dgm:styleLbl>
+  <dgm:styleLbl name="alignNode1">
+    <dgm:fillClrLst meth="repeat">
+      <a:schemeClr val="lt1"/>
+    </dgm:fillClrLst>
+    <dgm:linClrLst meth="repeat">
+      <a:schemeClr val="dk1">
+        <a:shade val="80000"/>
+      </a:schemeClr>
+    </dgm:linClrLst>
+    <dgm:effectClrLst/>
+    <dgm:txLinClrLst/>
+    <dgm:txFillClrLst meth="repeat">
+      <a:schemeClr val="dk1"/>
+    </dgm:txFillClrLst>
+    <dgm:txEffectClrLst/>
+  </dgm:styleLbl>
+  <dgm:styleLbl name="lnNode1">
+    <dgm:fillClrLst meth="repeat">
+      <a:schemeClr val="lt1"/>
+    </dgm:fillClrLst>
+    <dgm:linClrLst meth="repeat">
+      <a:schemeClr val="dk1">
+        <a:shade val="80000"/>
+      </a:schemeClr>
+    </dgm:linClrLst>
+    <dgm:effectClrLst/>
+    <dgm:txLinClrLst/>
+    <dgm:txFillClrLst meth="repeat">
+      <a:schemeClr val="dk1"/>
+    </dgm:txFillClrLst>
+    <dgm:txEffectClrLst/>
+  </dgm:styleLbl>
+  <dgm:styleLbl name="vennNode1">
+    <dgm:fillClrLst meth="repeat">
+      <a:schemeClr val="lt1">
+        <a:alpha val="50000"/>
+      </a:schemeClr>
+    </dgm:fillClrLst>
+    <dgm:linClrLst meth="repeat">
+      <a:schemeClr val="dk1">
+        <a:shade val="80000"/>
+      </a:schemeClr>
+    </dgm:linClrLst>
+    <dgm:effectClrLst/>
+    <dgm:txLinClrLst/>
+    <dgm:txFillClrLst/>
+    <dgm:txEffectClrLst/>
+  </dgm:styleLbl>
+  <dgm:styleLbl name="node2">
+    <dgm:fillClrLst meth="repeat">
+      <a:schemeClr val="lt1"/>
+    </dgm:fillClrLst>
+    <dgm:linClrLst meth="repeat">
+      <a:schemeClr val="dk1">
+        <a:shade val="80000"/>
+      </a:schemeClr>
+    </dgm:linClrLst>
+    <dgm:effectClrLst/>
+    <dgm:txLinClrLst/>
+    <dgm:txFillClrLst meth="repeat">
+      <a:schemeClr val="dk1"/>
+    </dgm:txFillClrLst>
+    <dgm:txEffectClrLst/>
+  </dgm:styleLbl>
+  <dgm:styleLbl name="node3">
+    <dgm:fillClrLst meth="repeat">
+      <a:schemeClr val="lt1"/>
+    </dgm:fillClrLst>
+    <dgm:linClrLst meth="repeat">
+      <a:schemeClr val="dk1">
+        <a:shade val="80000"/>
+      </a:schemeClr>
+    </dgm:linClrLst>
+    <dgm:effectClrLst/>
+    <dgm:txLinClrLst/>
+    <dgm:txFillClrLst meth="repeat">
+      <a:schemeClr val="dk1"/>
+    </dgm:txFillClrLst>
+    <dgm:txEffectClrLst/>
+  </dgm:styleLbl>
+  <dgm:styleLbl name="node4">
+    <dgm:fillClrLst meth="repeat">
+      <a:schemeClr val="lt1"/>
+    </dgm:fillClrLst>
+    <dgm:linClrLst meth="repeat">
+      <a:schemeClr val="dk1">
+        <a:shade val="80000"/>
+      </a:schemeClr>
+    </dgm:linClrLst>
+    <dgm:effectClrLst/>
+    <dgm:txLinClrLst/>
+    <dgm:txFillClrLst meth="repeat">
+      <a:schemeClr val="dk1"/>
+    </dgm:txFillClrLst>
+    <dgm:txEffectClrLst/>
+  </dgm:styleLbl>
+  <dgm:styleLbl name="fgImgPlace1">
+    <dgm:fillClrLst meth="repeat">
+      <a:schemeClr val="dk1">
+        <a:tint val="40000"/>
+      </a:schemeClr>
+    </dgm:fillClrLst>
+    <dgm:linClrLst meth="repeat">
+      <a:schemeClr val="dk1">
+        <a:shade val="80000"/>
+      </a:schemeClr>
+    </dgm:linClrLst>
+    <dgm:effectClrLst/>
+    <dgm:txLinClrLst/>
+    <dgm:txFillClrLst meth="repeat">
+      <a:schemeClr val="lt1"/>
+    </dgm:txFillClrLst>
+    <dgm:txEffectClrLst/>
+  </dgm:styleLbl>
+  <dgm:styleLbl name="alignImgPlace1">
+    <dgm:fillClrLst meth="repeat">
+      <a:schemeClr val="dk1">
+        <a:tint val="40000"/>
+      </a:schemeClr>
+    </dgm:fillClrLst>
+    <dgm:linClrLst meth="repeat">
+      <a:schemeClr val="dk1">
+        <a:shade val="80000"/>
+      </a:schemeClr>
+    </dgm:linClrLst>
+    <dgm:effectClrLst/>
+    <dgm:txLinClrLst/>
+    <dgm:txFillClrLst meth="repeat">
+      <a:schemeClr val="lt1"/>
+    </dgm:txFillClrLst>
+    <dgm:txEffectClrLst/>
+  </dgm:styleLbl>
+  <dgm:styleLbl name="bgImgPlace1">
+    <dgm:fillClrLst meth="repeat">
+      <a:schemeClr val="dk1">
+        <a:tint val="40000"/>
+      </a:schemeClr>
+    </dgm:fillClrLst>
+    <dgm:linClrLst meth="repeat">
+      <a:schemeClr val="dk1">
+        <a:shade val="80000"/>
+      </a:schemeClr>
+    </dgm:linClrLst>
+    <dgm:effectClrLst/>
+    <dgm:txLinClrLst/>
+    <dgm:txFillClrLst meth="repeat">
+      <a:schemeClr val="lt1"/>
+    </dgm:txFillClrLst>
+    <dgm:txEffectClrLst/>
+  </dgm:styleLbl>
+  <dgm:styleLbl name="sibTrans2D1">
+    <dgm:fillClrLst meth="repeat">
+      <a:schemeClr val="dk1">
+        <a:tint val="60000"/>
+      </a:schemeClr>
+    </dgm:fillClrLst>
+    <dgm:linClrLst meth="repeat">
+      <a:schemeClr val="dk1">
+        <a:tint val="60000"/>
+      </a:schemeClr>
+    </dgm:linClrLst>
+    <dgm:effectClrLst/>
+    <dgm:txLinClrLst/>
+    <dgm:txFillClrLst meth="repeat">
+      <a:schemeClr val="dk1"/>
+    </dgm:txFillClrLst>
+    <dgm:txEffectClrLst/>
+  </dgm:styleLbl>
+  <dgm:styleLbl name="fgSibTrans2D1">
+    <dgm:fillClrLst meth="repeat">
+      <a:schemeClr val="dk1">
+        <a:tint val="60000"/>
+      </a:schemeClr>
+    </dgm:fillClrLst>
+    <dgm:linClrLst meth="repeat">
+      <a:schemeClr val="dk1">
+        <a:tint val="60000"/>
+      </a:schemeClr>
+    </dgm:linClrLst>
+    <dgm:effectClrLst/>
+    <dgm:txLinClrLst/>
+    <dgm:txFillClrLst meth="repeat">
+      <a:schemeClr val="dk1"/>
+    </dgm:txFillClrLst>
+    <dgm:txEffectClrLst/>
+  </dgm:styleLbl>
+  <dgm:styleLbl name="bgSibTrans2D1">
+    <dgm:fillClrLst meth="repeat">
+      <a:schemeClr val="dk1">
+        <a:tint val="60000"/>
+      </a:schemeClr>
+    </dgm:fillClrLst>
+    <dgm:linClrLst meth="repeat">
+      <a:schemeClr val="dk1">
+        <a:tint val="60000"/>
+      </a:schemeClr>
+    </dgm:linClrLst>
+    <dgm:effectClrLst/>
+    <dgm:txLinClrLst/>
+    <dgm:txFillClrLst meth="repeat">
+      <a:schemeClr val="dk1"/>
+    </dgm:txFillClrLst>
+    <dgm:txEffectClrLst/>
+  </dgm:styleLbl>
+  <dgm:styleLbl name="sibTrans1D1">
+    <dgm:fillClrLst meth="repeat">
+      <a:schemeClr val="dk1"/>
+    </dgm:fillClrLst>
+    <dgm:linClrLst meth="repeat">
+      <a:schemeClr val="dk1"/>
+    </dgm:linClrLst>
+    <dgm:effectClrLst/>
+    <dgm:txLinClrLst/>
+    <dgm:txFillClrLst meth="repeat">
+      <a:schemeClr val="tx1"/>
+    </dgm:txFillClrLst>
+    <dgm:txEffectClrLst/>
+  </dgm:styleLbl>
+  <dgm:styleLbl name="callout">
+    <dgm:fillClrLst meth="repeat">
+      <a:schemeClr val="dk1"/>
+    </dgm:fillClrLst>
+    <dgm:linClrLst meth="repeat">
+      <a:schemeClr val="dk1"/>
+    </dgm:linClrLst>
+    <dgm:effectClrLst/>
+    <dgm:txLinClrLst/>
+    <dgm:txFillClrLst meth="repeat">
+      <a:schemeClr val="tx1"/>
+    </dgm:txFillClrLst>
+    <dgm:txEffectClrLst/>
+  </dgm:styleLbl>
+  <dgm:styleLbl name="asst0">
+    <dgm:fillClrLst meth="repeat">
+      <a:schemeClr val="lt1"/>
+    </dgm:fillClrLst>
+    <dgm:linClrLst meth="repeat">
+      <a:schemeClr val="dk1">
+        <a:shade val="80000"/>
+      </a:schemeClr>
+    </dgm:linClrLst>
+    <dgm:effectClrLst/>
+    <dgm:txLinClrLst/>
+    <dgm:txFillClrLst meth="repeat">
+      <a:schemeClr val="dk1"/>
+    </dgm:txFillClrLst>
+    <dgm:txEffectClrLst/>
+  </dgm:styleLbl>
+  <dgm:styleLbl name="asst1">
+    <dgm:fillClrLst meth="repeat">
+      <a:schemeClr val="lt1"/>
+    </dgm:fillClrLst>
+    <dgm:linClrLst meth="repeat">
+      <a:schemeClr val="dk1">
+        <a:shade val="80000"/>
+      </a:schemeClr>
+    </dgm:linClrLst>
+    <dgm:effectClrLst/>
+    <dgm:txLinClrLst/>
+    <dgm:txFillClrLst meth="repeat">
+      <a:schemeClr val="dk1"/>
+    </dgm:txFillClrLst>
+    <dgm:txEffectClrLst/>
+  </dgm:styleLbl>
+  <dgm:styleLbl name="asst2">
+    <dgm:fillClrLst meth="repeat">
+      <a:schemeClr val="lt1"/>
+    </dgm:fillClrLst>
+    <dgm:linClrLst meth="repeat">
+      <a:schemeClr val="dk1">
+        <a:shade val="80000"/>
+      </a:schemeClr>
+    </dgm:linClrLst>
+    <dgm:effectClrLst/>
+    <dgm:txLinClrLst/>
+    <dgm:txFillClrLst meth="repeat">
+      <a:schemeClr val="dk1"/>
+    </dgm:txFillClrLst>
+    <dgm:txEffectClrLst/>
+  </dgm:styleLbl>
+  <dgm:styleLbl name="asst3">
+    <dgm:fillClrLst meth="repeat">
+      <a:schemeClr val="lt1"/>
+    </dgm:fillClrLst>
+    <dgm:linClrLst meth="repeat">
+      <a:schemeClr val="dk1">
+        <a:shade val="80000"/>
+      </a:schemeClr>
+    </dgm:linClrLst>
+    <dgm:effectClrLst/>
+    <dgm:txLinClrLst/>
+    <dgm:txFillClrLst meth="repeat">
+      <a:schemeClr val="dk1"/>
+    </dgm:txFillClrLst>
+    <dgm:txEffectClrLst/>
+  </dgm:styleLbl>
+  <dgm:styleLbl name="asst4">
+    <dgm:fillClrLst meth="repeat">
+      <a:schemeClr val="lt1"/>
+    </dgm:fillClrLst>
+    <dgm:linClrLst meth="repeat">
+      <a:schemeClr val="dk1">
+        <a:shade val="80000"/>
+      </a:schemeClr>
+    </dgm:linClrLst>
+    <dgm:effectClrLst/>
+    <dgm:txLinClrLst/>
+    <dgm:txFillClrLst meth="repeat">
+      <a:schemeClr val="dk1"/>
+    </dgm:txFillClrLst>
+    <dgm:txEffectClrLst/>
+  </dgm:styleLbl>
+  <dgm:styleLbl name="parChTrans2D1">
+    <dgm:fillClrLst meth="repeat">
+      <a:schemeClr val="dk1">
+        <a:tint val="60000"/>
+      </a:schemeClr>
+    </dgm:fillClrLst>
+    <dgm:linClrLst meth="repeat">
+      <a:schemeClr val="dk1">
+        <a:tint val="60000"/>
+      </a:schemeClr>
+    </dgm:linClrLst>
+    <dgm:effectClrLst/>
+    <dgm:txLinClrLst/>
+    <dgm:txFillClrLst/>
+    <dgm:txEffectClrLst/>
+  </dgm:styleLbl>
+  <dgm:styleLbl name="parChTrans2D2">
+    <dgm:fillClrLst meth="repeat">
+      <a:schemeClr val="dk1"/>
+    </dgm:fillClrLst>
+    <dgm:linClrLst meth="repeat">
+      <a:schemeClr val="dk1"/>
+    </dgm:linClrLst>
+    <dgm:effectClrLst/>
+    <dgm:txLinClrLst/>
+    <dgm:txFillClrLst/>
+    <dgm:txEffectClrLst/>
+  </dgm:styleLbl>
+  <dgm:styleLbl name="parChTrans2D3">
+    <dgm:fillClrLst meth="repeat">
+      <a:schemeClr val="dk1"/>
+    </dgm:fillClrLst>
+    <dgm:linClrLst meth="repeat">
+      <a:schemeClr val="dk1"/>
+    </dgm:linClrLst>
+    <dgm:effectClrLst/>
+    <dgm:txLinClrLst/>
+    <dgm:txFillClrLst/>
+    <dgm:txEffectClrLst/>
+  </dgm:styleLbl>
+  <dgm:styleLbl name="parChTrans2D4">
+    <dgm:fillClrLst meth="repeat">
+      <a:schemeClr val="dk1"/>
+    </dgm:fillClrLst>
+    <dgm:linClrLst meth="repeat">
+      <a:schemeClr val="dk1"/>
+    </dgm:linClrLst>
+    <dgm:effectClrLst/>
+    <dgm:txLinClrLst/>
+    <dgm:txFillClrLst meth="repeat">
+      <a:schemeClr val="lt1"/>
+    </dgm:txFillClrLst>
+    <dgm:txEffectClrLst/>
+  </dgm:styleLbl>
+  <dgm:styleLbl name="parChTrans1D1">
+    <dgm:fillClrLst meth="repeat">
+      <a:schemeClr val="dk1"/>
+    </dgm:fillClrLst>
+    <dgm:linClrLst meth="repeat">
+      <a:schemeClr val="dk1">
+        <a:shade val="60000"/>
+      </a:schemeClr>
+    </dgm:linClrLst>
+    <dgm:effectClrLst/>
+    <dgm:txLinClrLst/>
+    <dgm:txFillClrLst meth="repeat">
+      <a:schemeClr val="tx1"/>
+    </dgm:txFillClrLst>
+    <dgm:txEffectClrLst/>
+  </dgm:styleLbl>
+  <dgm:styleLbl name="parChTrans1D2">
+    <dgm:fillClrLst meth="repeat">
+      <a:schemeClr val="dk1"/>
+    </dgm:fillClrLst>
+    <dgm:linClrLst meth="repeat">
+      <a:schemeClr val="dk1">
+        <a:shade val="60000"/>
+      </a:schemeClr>
+    </dgm:linClrLst>
+    <dgm:effectClrLst/>
+    <dgm:txLinClrLst/>
+    <dgm:txFillClrLst meth="repeat">
+      <a:schemeClr val="tx1"/>
+    </dgm:txFillClrLst>
+    <dgm:txEffectClrLst/>
+  </dgm:styleLbl>
+  <dgm:styleLbl name="parChTrans1D3">
+    <dgm:fillClrLst meth="repeat">
+      <a:schemeClr val="dk1"/>
+    </dgm:fillClrLst>
+    <dgm:linClrLst meth="repeat">
+      <a:schemeClr val="dk1">
+        <a:shade val="80000"/>
+      </a:schemeClr>
+    </dgm:linClrLst>
+    <dgm:effectClrLst/>
+    <dgm:txLinClrLst/>
+    <dgm:txFillClrLst meth="repeat">
+      <a:schemeClr val="tx1"/>
+    </dgm:txFillClrLst>
+    <dgm:txEffectClrLst/>
+  </dgm:styleLbl>
+  <dgm:styleLbl name="parChTrans1D4">
+    <dgm:fillClrLst meth="repeat">
+      <a:schemeClr val="dk1"/>
+    </dgm:fillClrLst>
+    <dgm:linClrLst meth="repeat">
+      <a:schemeClr val="dk1">
+        <a:shade val="80000"/>
+      </a:schemeClr>
+    </dgm:linClrLst>
+    <dgm:effectClrLst/>
+    <dgm:txLinClrLst/>
+    <dgm:txFillClrLst meth="repeat">
+      <a:schemeClr val="tx1"/>
+    </dgm:txFillClrLst>
+    <dgm:txEffectClrLst/>
+  </dgm:styleLbl>
+  <dgm:styleLbl name="fgAcc1">
+    <dgm:fillClrLst meth="repeat">
+      <a:schemeClr val="dk1">
+        <a:alpha val="90000"/>
+        <a:tint val="40000"/>
+      </a:schemeClr>
+    </dgm:fillClrLst>
+    <dgm:linClrLst meth="repeat">
+      <a:schemeClr val="dk1"/>
+    </dgm:linClrLst>
+    <dgm:effectClrLst/>
+    <dgm:txLinClrLst/>
+    <dgm:txFillClrLst meth="repeat">
+      <a:schemeClr val="dk1"/>
+    </dgm:txFillClrLst>
+    <dgm:txEffectClrLst/>
+  </dgm:styleLbl>
+  <dgm:styleLbl name="conFgAcc1">
+    <dgm:fillClrLst meth="repeat">
+      <a:schemeClr val="dk1">
+        <a:alpha val="90000"/>
+        <a:tint val="40000"/>
+      </a:schemeClr>
+    </dgm:fillClrLst>
+    <dgm:linClrLst meth="repeat">
+      <a:schemeClr val="dk1"/>
+    </dgm:linClrLst>
+    <dgm:effectClrLst/>
+    <dgm:txLinClrLst/>
+    <dgm:txFillClrLst meth="repeat">
+      <a:schemeClr val="dk1"/>
+    </dgm:txFillClrLst>
+    <dgm:txEffectClrLst/>
+  </dgm:styleLbl>
+  <dgm:styleLbl name="alignAcc1">
+    <dgm:fillClrLst meth="repeat">
+      <a:schemeClr val="dk1">
+        <a:alpha val="90000"/>
+        <a:tint val="40000"/>
+      </a:schemeClr>
+    </dgm:fillClrLst>
+    <dgm:linClrLst meth="repeat">
+      <a:schemeClr val="dk1"/>
+    </dgm:linClrLst>
+    <dgm:effectClrLst/>
+    <dgm:txLinClrLst/>
+    <dgm:txFillClrLst meth="repeat">
+      <a:schemeClr val="dk1"/>
+    </dgm:txFillClrLst>
+    <dgm:txEffectClrLst/>
+  </dgm:styleLbl>
+  <dgm:styleLbl name="trAlignAcc1">
+    <dgm:fillClrLst meth="repeat">
+      <a:schemeClr val="dk1">
+        <a:alpha val="40000"/>
+        <a:tint val="40000"/>
+      </a:schemeClr>
+    </dgm:fillClrLst>
+    <dgm:linClrLst meth="repeat">
+      <a:schemeClr val="dk1"/>
+    </dgm:linClrLst>
+    <dgm:effectClrLst/>
+    <dgm:txLinClrLst/>
+    <dgm:txFillClrLst meth="repeat">
+      <a:schemeClr val="dk1"/>
+    </dgm:txFillClrLst>
+    <dgm:txEffectClrLst/>
+  </dgm:styleLbl>
+  <dgm:styleLbl name="bgAcc1">
+    <dgm:fillClrLst meth="repeat">
+      <a:schemeClr val="dk1">
+        <a:alpha val="90000"/>
+        <a:tint val="40000"/>
+      </a:schemeClr>
+    </dgm:fillClrLst>
+    <dgm:linClrLst meth="repeat">
+      <a:schemeClr val="dk1"/>
+    </dgm:linClrLst>
+    <dgm:effectClrLst/>
+    <dgm:txLinClrLst/>
+    <dgm:txFillClrLst meth="repeat">
+      <a:schemeClr val="dk1"/>
+    </dgm:txFillClrLst>
+    <dgm:txEffectClrLst/>
+  </dgm:styleLbl>
+  <dgm:styleLbl name="solidFgAcc1">
+    <dgm:fillClrLst meth="repeat">
+      <a:schemeClr val="lt1"/>
+    </dgm:fillClrLst>
+    <dgm:linClrLst meth="repeat">
+      <a:schemeClr val="dk1"/>
+    </dgm:linClrLst>
+    <dgm:effectClrLst/>
+    <dgm:txLinClrLst/>
+    <dgm:txFillClrLst meth="repeat">
+      <a:schemeClr val="dk1"/>
+    </dgm:txFillClrLst>
+    <dgm:txEffectClrLst/>
+  </dgm:styleLbl>
+  <dgm:styleLbl name="solidAlignAcc1">
+    <dgm:fillClrLst meth="repeat">
+      <a:schemeClr val="lt1"/>
+    </dgm:fillClrLst>
+    <dgm:linClrLst meth="repeat">
+      <a:schemeClr val="dk1"/>
+    </dgm:linClrLst>
+    <dgm:effectClrLst/>
+    <dgm:txLinClrLst/>
+    <dgm:txFillClrLst meth="repeat">
+      <a:schemeClr val="dk1"/>
+    </dgm:txFillClrLst>
+    <dgm:txEffectClrLst/>
+  </dgm:styleLbl>
+  <dgm:styleLbl name="solidBgAcc1">
+    <dgm:fillClrLst meth="repeat">
+      <a:schemeClr val="lt1"/>
+    </dgm:fillClrLst>
+    <dgm:linClrLst meth="repeat">
+      <a:schemeClr val="dk1"/>
+    </dgm:linClrLst>
+    <dgm:effectClrLst/>
+    <dgm:txLinClrLst/>
+    <dgm:txFillClrLst meth="repeat">
+      <a:schemeClr val="dk1"/>
+    </dgm:txFillClrLst>
+    <dgm:txEffectClrLst/>
+  </dgm:styleLbl>
+  <dgm:styleLbl name="fgAccFollowNode1">
+    <dgm:fillClrLst meth="repeat">
+      <a:schemeClr val="lt1">
+        <a:alpha val="90000"/>
+        <a:tint val="40000"/>
+      </a:schemeClr>
+    </dgm:fillClrLst>
+    <dgm:linClrLst meth="repeat">
+      <a:schemeClr val="dk1">
+        <a:alpha val="90000"/>
+      </a:schemeClr>
+    </dgm:linClrLst>
+    <dgm:effectClrLst/>
+    <dgm:txLinClrLst/>
+    <dgm:txFillClrLst meth="repeat">
+      <a:schemeClr val="dk1"/>
+    </dgm:txFillClrLst>
+    <dgm:txEffectClrLst/>
+  </dgm:styleLbl>
+  <dgm:styleLbl name="alignAccFollowNode1">
+    <dgm:fillClrLst meth="repeat">
+      <a:schemeClr val="lt1">
+        <a:alpha val="90000"/>
+        <a:tint val="40000"/>
+      </a:schemeClr>
+    </dgm:fillClrLst>
+    <dgm:linClrLst meth="repeat">
+      <a:schemeClr val="dk1">
+        <a:alpha val="90000"/>
+      </a:schemeClr>
+    </dgm:linClrLst>
+    <dgm:effectClrLst/>
+    <dgm:txLinClrLst/>
+    <dgm:txFillClrLst meth="repeat">
+      <a:schemeClr val="dk1"/>
+    </dgm:txFillClrLst>
+    <dgm:txEffectClrLst/>
+  </dgm:styleLbl>
+  <dgm:styleLbl name="bgAccFollowNode1">
+    <dgm:fillClrLst meth="repeat">
+      <a:schemeClr val="lt1">
+        <a:alpha val="90000"/>
+        <a:tint val="40000"/>
+      </a:schemeClr>
+    </dgm:fillClrLst>
+    <dgm:linClrLst meth="repeat">
+      <a:schemeClr val="dk1">
+        <a:alpha val="90000"/>
+      </a:schemeClr>
+    </dgm:linClrLst>
+    <dgm:effectClrLst/>
+    <dgm:txLinClrLst/>
+    <dgm:txFillClrLst meth="repeat">
+      <a:schemeClr val="dk1"/>
+    </dgm:txFillClrLst>
+    <dgm:txEffectClrLst/>
+  </dgm:styleLbl>
+  <dgm:styleLbl name="fgAcc0">
+    <dgm:fillClrLst meth="repeat">
+      <a:schemeClr val="dk1">
+        <a:alpha val="90000"/>
+        <a:tint val="40000"/>
+      </a:schemeClr>
+    </dgm:fillClrLst>
+    <dgm:linClrLst meth="repeat">
+      <a:schemeClr val="dk1"/>
+    </dgm:linClrLst>
+    <dgm:effectClrLst/>
+    <dgm:txLinClrLst/>
+    <dgm:txFillClrLst meth="repeat">
+      <a:schemeClr val="dk1"/>
+    </dgm:txFillClrLst>
+    <dgm:txEffectClrLst/>
+  </dgm:styleLbl>
+  <dgm:styleLbl name="fgAcc2">
+    <dgm:fillClrLst meth="repeat">
+      <a:schemeClr val="dk1">
+        <a:alpha val="90000"/>
+        <a:tint val="40000"/>
+      </a:schemeClr>
+    </dgm:fillClrLst>
+    <dgm:linClrLst meth="repeat">
+      <a:schemeClr val="dk1"/>
+    </dgm:linClrLst>
+    <dgm:effectClrLst/>
+    <dgm:txLinClrLst/>
+    <dgm:txFillClrLst meth="repeat">
+      <a:schemeClr val="dk1"/>
+    </dgm:txFillClrLst>
+    <dgm:txEffectClrLst/>
+  </dgm:styleLbl>
+  <dgm:styleLbl name="fgAcc3">
+    <dgm:fillClrLst meth="repeat">
+      <a:schemeClr val="dk1">
+        <a:alpha val="90000"/>
+        <a:tint val="40000"/>
+      </a:schemeClr>
+    </dgm:fillClrLst>
+    <dgm:linClrLst meth="repeat">
+      <a:schemeClr val="dk1"/>
+    </dgm:linClrLst>
+    <dgm:effectClrLst/>
+    <dgm:txLinClrLst/>
+    <dgm:txFillClrLst meth="repeat">
+      <a:schemeClr val="dk1"/>
+    </dgm:txFillClrLst>
+    <dgm:txEffectClrLst/>
+  </dgm:styleLbl>
+  <dgm:styleLbl name="fgAcc4">
+    <dgm:fillClrLst meth="repeat">
+      <a:schemeClr val="dk1">
+        <a:alpha val="90000"/>
+        <a:tint val="40000"/>
+      </a:schemeClr>
+    </dgm:fillClrLst>
+    <dgm:linClrLst meth="repeat">
+      <a:schemeClr val="dk1"/>
+    </dgm:linClrLst>
+    <dgm:effectClrLst/>
+    <dgm:txLinClrLst/>
+    <dgm:txFillClrLst meth="repeat">
+      <a:schemeClr val="dk1"/>
+    </dgm:txFillClrLst>
+    <dgm:txEffectClrLst/>
+  </dgm:styleLbl>
+  <dgm:styleLbl name="bgShp">
+    <dgm:fillClrLst meth="repeat">
+      <a:schemeClr val="dk1">
+        <a:tint val="40000"/>
+      </a:schemeClr>
+    </dgm:fillClrLst>
+    <dgm:linClrLst meth="repeat">
+      <a:schemeClr val="dk1"/>
+    </dgm:linClrLst>
+    <dgm:effectClrLst/>
+    <dgm:txLinClrLst/>
+    <dgm:txFillClrLst meth="repeat">
+      <a:schemeClr val="dk1"/>
+    </dgm:txFillClrLst>
+    <dgm:txEffectClrLst/>
+  </dgm:styleLbl>
+  <dgm:styleLbl name="dkBgShp">
+    <dgm:fillClrLst meth="repeat">
+      <a:schemeClr val="dk1">
+        <a:shade val="80000"/>
+      </a:schemeClr>
+    </dgm:fillClrLst>
+    <dgm:linClrLst meth="repeat">
+      <a:schemeClr val="dk1"/>
+    </dgm:linClrLst>
+    <dgm:effectClrLst/>
+    <dgm:txLinClrLst/>
+    <dgm:txFillClrLst meth="repeat">
+      <a:schemeClr val="lt1"/>
+    </dgm:txFillClrLst>
+    <dgm:txEffectClrLst/>
+  </dgm:styleLbl>
+  <dgm:styleLbl name="trBgShp">
+    <dgm:fillClrLst meth="repeat">
+      <a:schemeClr val="dk1">
+        <a:tint val="50000"/>
+        <a:alpha val="40000"/>
+      </a:schemeClr>
+    </dgm:fillClrLst>
+    <dgm:linClrLst meth="repeat">
+      <a:schemeClr val="dk1"/>
+    </dgm:linClrLst>
+    <dgm:effectClrLst/>
+    <dgm:txLinClrLst/>
+    <dgm:txFillClrLst meth="repeat">
+      <a:schemeClr val="lt1"/>
+    </dgm:txFillClrLst>
+    <dgm:txEffectClrLst/>
+  </dgm:styleLbl>
+  <dgm:styleLbl name="fgShp">
+    <dgm:fillClrLst meth="repeat">
+      <a:schemeClr val="dk1">
+        <a:tint val="60000"/>
+      </a:schemeClr>
+    </dgm:fillClrLst>
+    <dgm:linClrLst meth="repeat">
+      <a:schemeClr val="lt1"/>
+    </dgm:linClrLst>
+    <dgm:effectClrLst/>
+    <dgm:txLinClrLst/>
+    <dgm:txFillClrLst meth="repeat">
+      <a:schemeClr val="dk1"/>
+    </dgm:txFillClrLst>
+    <dgm:txEffectClrLst/>
+  </dgm:styleLbl>
+  <dgm:styleLbl name="revTx">
+    <dgm:fillClrLst meth="repeat">
+      <a:schemeClr val="lt1">
+        <a:alpha val="0"/>
+      </a:schemeClr>
+    </dgm:fillClrLst>
+    <dgm:linClrLst meth="repeat">
+      <a:schemeClr val="dk1">
+        <a:alpha val="0"/>
+      </a:schemeClr>
+    </dgm:linClrLst>
+    <dgm:effectClrLst/>
+    <dgm:txLinClrLst/>
+    <dgm:txFillClrLst meth="repeat">
+      <a:schemeClr val="tx1"/>
+    </dgm:txFillClrLst>
+    <dgm:txEffectClrLst/>
+  </dgm:styleLbl>
+</dgm:colorsDef>
+</file>
+
+<file path=ppt/diagrams/data1.xml><?xml version="1.0" encoding="utf-8"?>
+<dgm:dataModel xmlns:dgm="http://schemas.openxmlformats.org/drawingml/2006/diagram" xmlns:a="http://schemas.openxmlformats.org/drawingml/2006/main">
+  <dgm:ptLst>
+    <dgm:pt modelId="{363F4F3B-BC50-4364-9AC9-FCBBFA72FCCB}" type="doc">
+      <dgm:prSet loTypeId="urn:microsoft.com/office/officeart/2005/8/layout/orgChart1" loCatId="hierarchy" qsTypeId="urn:microsoft.com/office/officeart/2005/8/quickstyle/simple1" qsCatId="simple" csTypeId="urn:microsoft.com/office/officeart/2005/8/colors/accent0_1" csCatId="mainScheme" phldr="1"/>
+      <dgm:spPr/>
+      <dgm:t>
+        <a:bodyPr/>
+        <a:lstStyle/>
+        <a:p>
+          <a:endParaRPr lang="pt-BR"/>
+        </a:p>
+      </dgm:t>
+    </dgm:pt>
+    <dgm:pt modelId="{322CB145-52B4-480F-97BF-D975E042968F}">
+      <dgm:prSet phldrT="[Texto]"/>
+      <dgm:spPr/>
+      <dgm:t>
+        <a:bodyPr/>
+        <a:lstStyle/>
+        <a:p>
+          <a:r>
+            <a:rPr lang="pt-BR" dirty="0"/>
+            <a:t>Objetivos de Clientes</a:t>
+          </a:r>
+        </a:p>
+      </dgm:t>
+    </dgm:pt>
+    <dgm:pt modelId="{6DCB1D43-0EEE-4565-9A72-AA7C5C02F8E2}" type="parTrans" cxnId="{F12D67CB-6729-4B76-A098-32E2C5C8CE9D}">
+      <dgm:prSet/>
+      <dgm:spPr/>
+      <dgm:t>
+        <a:bodyPr/>
+        <a:lstStyle/>
+        <a:p>
+          <a:endParaRPr lang="pt-BR"/>
+        </a:p>
+      </dgm:t>
+    </dgm:pt>
+    <dgm:pt modelId="{7EC7B7D3-240E-45CA-874F-7D9B333D501C}" type="sibTrans" cxnId="{F12D67CB-6729-4B76-A098-32E2C5C8CE9D}">
+      <dgm:prSet/>
+      <dgm:spPr/>
+      <dgm:t>
+        <a:bodyPr/>
+        <a:lstStyle/>
+        <a:p>
+          <a:endParaRPr lang="pt-BR"/>
+        </a:p>
+      </dgm:t>
+    </dgm:pt>
+    <dgm:pt modelId="{94B393CF-80FF-47CE-91A5-804313C8E660}">
+      <dgm:prSet phldrT="[Texto]"/>
+      <dgm:spPr/>
+      <dgm:t>
+        <a:bodyPr/>
+        <a:lstStyle/>
+        <a:p>
+          <a:r>
+            <a:rPr lang="pt-BR" dirty="0"/>
+            <a:t>Alocação de fundos</a:t>
+          </a:r>
+        </a:p>
+      </dgm:t>
+    </dgm:pt>
+    <dgm:pt modelId="{36C734B2-94C9-409B-90B6-76E09638E10C}" type="parTrans" cxnId="{6C727131-5D62-4DE0-B321-6AE7CBBBA72A}">
+      <dgm:prSet/>
+      <dgm:spPr/>
+      <dgm:t>
+        <a:bodyPr/>
+        <a:lstStyle/>
+        <a:p>
+          <a:endParaRPr lang="pt-BR"/>
+        </a:p>
+      </dgm:t>
+    </dgm:pt>
+    <dgm:pt modelId="{A9D23476-C133-4518-92CF-3F5A00DE4C7A}" type="sibTrans" cxnId="{6C727131-5D62-4DE0-B321-6AE7CBBBA72A}">
+      <dgm:prSet/>
+      <dgm:spPr/>
+      <dgm:t>
+        <a:bodyPr/>
+        <a:lstStyle/>
+        <a:p>
+          <a:endParaRPr lang="pt-BR"/>
+        </a:p>
+      </dgm:t>
+    </dgm:pt>
+    <dgm:pt modelId="{81548523-C538-4A72-A762-2783A47380DE}">
+      <dgm:prSet/>
+      <dgm:spPr/>
+      <dgm:t>
+        <a:bodyPr/>
+        <a:lstStyle/>
+        <a:p>
+          <a:r>
+            <a:rPr lang="pt-BR" dirty="0"/>
+            <a:t>Equivalente Caixa 0 a 25%</a:t>
+          </a:r>
+        </a:p>
+      </dgm:t>
+    </dgm:pt>
+    <dgm:pt modelId="{67DDEAA9-435A-4C1D-BF49-2818EF0C8834}" type="parTrans" cxnId="{161F489D-A0AF-4E14-9641-CF3FD88855F8}">
+      <dgm:prSet/>
+      <dgm:spPr/>
+      <dgm:t>
+        <a:bodyPr/>
+        <a:lstStyle/>
+        <a:p>
+          <a:endParaRPr lang="pt-BR"/>
+        </a:p>
+      </dgm:t>
+    </dgm:pt>
+    <dgm:pt modelId="{B5D03698-3CDF-41B2-BEA4-2147CA5D7494}" type="sibTrans" cxnId="{161F489D-A0AF-4E14-9641-CF3FD88855F8}">
+      <dgm:prSet/>
+      <dgm:spPr/>
+      <dgm:t>
+        <a:bodyPr/>
+        <a:lstStyle/>
+        <a:p>
+          <a:endParaRPr lang="pt-BR"/>
+        </a:p>
+      </dgm:t>
+    </dgm:pt>
+    <dgm:pt modelId="{8F111DC0-F86E-4BF2-9A4D-4F7C3EFBD9F2}">
+      <dgm:prSet/>
+      <dgm:spPr/>
+      <dgm:t>
+        <a:bodyPr/>
+        <a:lstStyle/>
+        <a:p>
+          <a:r>
+            <a:rPr lang="pt-BR" dirty="0"/>
+            <a:t>Fundos</a:t>
+          </a:r>
+        </a:p>
+        <a:p>
+          <a:r>
+            <a:rPr lang="pt-BR" dirty="0"/>
+            <a:t> 60 a 90%</a:t>
+          </a:r>
+        </a:p>
+      </dgm:t>
+    </dgm:pt>
+    <dgm:pt modelId="{3C55BAC5-E16E-44F6-A779-556FED30859D}" type="parTrans" cxnId="{7982BFFC-7A88-45EF-BD5E-735B080E1FAC}">
+      <dgm:prSet/>
+      <dgm:spPr/>
+      <dgm:t>
+        <a:bodyPr/>
+        <a:lstStyle/>
+        <a:p>
+          <a:endParaRPr lang="pt-BR"/>
+        </a:p>
+      </dgm:t>
+    </dgm:pt>
+    <dgm:pt modelId="{5F0261E1-E8E4-44D1-8A3C-05C7219E07D1}" type="sibTrans" cxnId="{7982BFFC-7A88-45EF-BD5E-735B080E1FAC}">
+      <dgm:prSet/>
+      <dgm:spPr/>
+      <dgm:t>
+        <a:bodyPr/>
+        <a:lstStyle/>
+        <a:p>
+          <a:endParaRPr lang="pt-BR"/>
+        </a:p>
+      </dgm:t>
+    </dgm:pt>
+    <dgm:pt modelId="{AC7E6F80-E7E5-48A8-B5EF-81EE7126BD8F}">
+      <dgm:prSet/>
+      <dgm:spPr/>
+      <dgm:t>
+        <a:bodyPr/>
+        <a:lstStyle/>
+        <a:p>
+          <a:r>
+            <a:rPr lang="pt-BR" dirty="0"/>
+            <a:t>Rendimentos</a:t>
+          </a:r>
+        </a:p>
+        <a:p>
+          <a:r>
+            <a:rPr lang="pt-BR" dirty="0"/>
+            <a:t> 0 a 20% </a:t>
+          </a:r>
+        </a:p>
+      </dgm:t>
+    </dgm:pt>
+    <dgm:pt modelId="{5A608535-FD28-4B5E-B864-5CACB8660019}" type="parTrans" cxnId="{14FD22A5-8F35-4951-8A09-672667E1C5C4}">
+      <dgm:prSet/>
+      <dgm:spPr/>
+      <dgm:t>
+        <a:bodyPr/>
+        <a:lstStyle/>
+        <a:p>
+          <a:endParaRPr lang="pt-BR"/>
+        </a:p>
+      </dgm:t>
+    </dgm:pt>
+    <dgm:pt modelId="{7DC10733-8285-4BDC-85B7-530D2B1E512F}" type="sibTrans" cxnId="{14FD22A5-8F35-4951-8A09-672667E1C5C4}">
+      <dgm:prSet/>
+      <dgm:spPr/>
+      <dgm:t>
+        <a:bodyPr/>
+        <a:lstStyle/>
+        <a:p>
+          <a:endParaRPr lang="pt-BR"/>
+        </a:p>
+      </dgm:t>
+    </dgm:pt>
+    <dgm:pt modelId="{85DACA6A-4082-4C23-BAEC-9A830C101130}">
+      <dgm:prSet/>
+      <dgm:spPr/>
+      <dgm:t>
+        <a:bodyPr/>
+        <a:lstStyle/>
+        <a:p>
+          <a:r>
+            <a:rPr lang="pt-BR" dirty="0"/>
+            <a:t>Ações</a:t>
+          </a:r>
+        </a:p>
+        <a:p>
+          <a:r>
+            <a:rPr lang="pt-BR" dirty="0"/>
+            <a:t>0 a 20%</a:t>
+          </a:r>
+        </a:p>
+      </dgm:t>
+    </dgm:pt>
+    <dgm:pt modelId="{0635AAB6-8C70-47DB-9C7C-40A2D6A137C4}" type="parTrans" cxnId="{E5D68929-F22F-4603-A086-10669E6D58AC}">
+      <dgm:prSet/>
+      <dgm:spPr/>
+      <dgm:t>
+        <a:bodyPr/>
+        <a:lstStyle/>
+        <a:p>
+          <a:endParaRPr lang="pt-BR"/>
+        </a:p>
+      </dgm:t>
+    </dgm:pt>
+    <dgm:pt modelId="{6D079BAC-5562-4507-9540-14A317B18683}" type="sibTrans" cxnId="{E5D68929-F22F-4603-A086-10669E6D58AC}">
+      <dgm:prSet/>
+      <dgm:spPr/>
+      <dgm:t>
+        <a:bodyPr/>
+        <a:lstStyle/>
+        <a:p>
+          <a:endParaRPr lang="pt-BR"/>
+        </a:p>
+      </dgm:t>
+    </dgm:pt>
+    <dgm:pt modelId="{751097DC-C961-4083-B793-24D321B5BB92}" type="pres">
+      <dgm:prSet presAssocID="{363F4F3B-BC50-4364-9AC9-FCBBFA72FCCB}" presName="hierChild1" presStyleCnt="0">
+        <dgm:presLayoutVars>
+          <dgm:orgChart val="1"/>
+          <dgm:chPref val="1"/>
+          <dgm:dir/>
+          <dgm:animOne val="branch"/>
+          <dgm:animLvl val="lvl"/>
+          <dgm:resizeHandles/>
+        </dgm:presLayoutVars>
+      </dgm:prSet>
+      <dgm:spPr/>
+    </dgm:pt>
+    <dgm:pt modelId="{63F61A42-8021-4B81-AF61-BFEEDE871A76}" type="pres">
+      <dgm:prSet presAssocID="{322CB145-52B4-480F-97BF-D975E042968F}" presName="hierRoot1" presStyleCnt="0">
+        <dgm:presLayoutVars>
+          <dgm:hierBranch val="init"/>
+        </dgm:presLayoutVars>
+      </dgm:prSet>
+      <dgm:spPr/>
+    </dgm:pt>
+    <dgm:pt modelId="{17253655-7707-4B13-AB2E-33606742F138}" type="pres">
+      <dgm:prSet presAssocID="{322CB145-52B4-480F-97BF-D975E042968F}" presName="rootComposite1" presStyleCnt="0"/>
+      <dgm:spPr/>
+    </dgm:pt>
+    <dgm:pt modelId="{407926B9-2154-4BE5-9993-2961F03FA24A}" type="pres">
+      <dgm:prSet presAssocID="{322CB145-52B4-480F-97BF-D975E042968F}" presName="rootText1" presStyleLbl="node0" presStyleIdx="0" presStyleCnt="1" custScaleX="163675" custScaleY="34461">
+        <dgm:presLayoutVars>
+          <dgm:chPref val="3"/>
+        </dgm:presLayoutVars>
+      </dgm:prSet>
+      <dgm:spPr/>
+    </dgm:pt>
+    <dgm:pt modelId="{1F9557F6-C8F3-4F15-AED9-02D2A5A276A6}" type="pres">
+      <dgm:prSet presAssocID="{322CB145-52B4-480F-97BF-D975E042968F}" presName="rootConnector1" presStyleLbl="node1" presStyleIdx="0" presStyleCnt="0"/>
+      <dgm:spPr/>
+    </dgm:pt>
+    <dgm:pt modelId="{73ADA255-9B1A-4761-8A31-0F24435FC2F7}" type="pres">
+      <dgm:prSet presAssocID="{322CB145-52B4-480F-97BF-D975E042968F}" presName="hierChild2" presStyleCnt="0"/>
+      <dgm:spPr/>
+    </dgm:pt>
+    <dgm:pt modelId="{E3110396-92D8-4C16-8D22-10CA673D5416}" type="pres">
+      <dgm:prSet presAssocID="{36C734B2-94C9-409B-90B6-76E09638E10C}" presName="Name37" presStyleLbl="parChTrans1D2" presStyleIdx="0" presStyleCnt="1"/>
+      <dgm:spPr/>
+    </dgm:pt>
+    <dgm:pt modelId="{7AB9BE75-F4FC-490F-BD66-C323DF7EC3B2}" type="pres">
+      <dgm:prSet presAssocID="{94B393CF-80FF-47CE-91A5-804313C8E660}" presName="hierRoot2" presStyleCnt="0">
+        <dgm:presLayoutVars>
+          <dgm:hierBranch/>
+        </dgm:presLayoutVars>
+      </dgm:prSet>
+      <dgm:spPr/>
+    </dgm:pt>
+    <dgm:pt modelId="{4F991D8F-2D3D-429A-A31D-EC3E169E1F47}" type="pres">
+      <dgm:prSet presAssocID="{94B393CF-80FF-47CE-91A5-804313C8E660}" presName="rootComposite" presStyleCnt="0"/>
+      <dgm:spPr/>
+    </dgm:pt>
+    <dgm:pt modelId="{63902D03-6346-4B82-A5D6-5F9DCEEF912D}" type="pres">
+      <dgm:prSet presAssocID="{94B393CF-80FF-47CE-91A5-804313C8E660}" presName="rootText" presStyleLbl="node2" presStyleIdx="0" presStyleCnt="1" custScaleX="166140" custScaleY="34091">
+        <dgm:presLayoutVars>
+          <dgm:chPref val="3"/>
+        </dgm:presLayoutVars>
+      </dgm:prSet>
+      <dgm:spPr/>
+    </dgm:pt>
+    <dgm:pt modelId="{B417F6DC-DE7F-4944-9EED-5AB29D9DC25C}" type="pres">
+      <dgm:prSet presAssocID="{94B393CF-80FF-47CE-91A5-804313C8E660}" presName="rootConnector" presStyleLbl="node2" presStyleIdx="0" presStyleCnt="1"/>
+      <dgm:spPr/>
+    </dgm:pt>
+    <dgm:pt modelId="{9B264734-1608-44ED-9ACD-E2BB635F48E7}" type="pres">
+      <dgm:prSet presAssocID="{94B393CF-80FF-47CE-91A5-804313C8E660}" presName="hierChild4" presStyleCnt="0"/>
+      <dgm:spPr/>
+    </dgm:pt>
+    <dgm:pt modelId="{9525B768-9342-4367-ABE7-05CCEE58327B}" type="pres">
+      <dgm:prSet presAssocID="{67DDEAA9-435A-4C1D-BF49-2818EF0C8834}" presName="Name35" presStyleLbl="parChTrans1D3" presStyleIdx="0" presStyleCnt="4"/>
+      <dgm:spPr/>
+    </dgm:pt>
+    <dgm:pt modelId="{1FF5AC7B-F2F1-4E8F-B6D7-269123AB4F93}" type="pres">
+      <dgm:prSet presAssocID="{81548523-C538-4A72-A762-2783A47380DE}" presName="hierRoot2" presStyleCnt="0">
+        <dgm:presLayoutVars>
+          <dgm:hierBranch val="init"/>
+        </dgm:presLayoutVars>
+      </dgm:prSet>
+      <dgm:spPr/>
+    </dgm:pt>
+    <dgm:pt modelId="{262028A9-A93F-4351-877A-83ECD37AE4EB}" type="pres">
+      <dgm:prSet presAssocID="{81548523-C538-4A72-A762-2783A47380DE}" presName="rootComposite" presStyleCnt="0"/>
+      <dgm:spPr/>
+    </dgm:pt>
+    <dgm:pt modelId="{3C9FB097-C81B-4758-BFF5-8F9F17497D22}" type="pres">
+      <dgm:prSet presAssocID="{81548523-C538-4A72-A762-2783A47380DE}" presName="rootText" presStyleLbl="node3" presStyleIdx="0" presStyleCnt="4" custScaleX="79861" custScaleY="49835">
+        <dgm:presLayoutVars>
+          <dgm:chPref val="3"/>
+        </dgm:presLayoutVars>
+      </dgm:prSet>
+      <dgm:spPr/>
+    </dgm:pt>
+    <dgm:pt modelId="{233A7783-86D5-4BDA-AAFF-33FD145A68E9}" type="pres">
+      <dgm:prSet presAssocID="{81548523-C538-4A72-A762-2783A47380DE}" presName="rootConnector" presStyleLbl="node3" presStyleIdx="0" presStyleCnt="4"/>
+      <dgm:spPr/>
+    </dgm:pt>
+    <dgm:pt modelId="{3DC39C44-D18E-4A67-836E-CA4FEE1BF8E7}" type="pres">
+      <dgm:prSet presAssocID="{81548523-C538-4A72-A762-2783A47380DE}" presName="hierChild4" presStyleCnt="0"/>
+      <dgm:spPr/>
+    </dgm:pt>
+    <dgm:pt modelId="{6F2822F5-0B2B-4A91-A3A9-2413FAA203FD}" type="pres">
+      <dgm:prSet presAssocID="{81548523-C538-4A72-A762-2783A47380DE}" presName="hierChild5" presStyleCnt="0"/>
+      <dgm:spPr/>
+    </dgm:pt>
+    <dgm:pt modelId="{6B83A722-F420-4AD1-8777-D6DBD0D4274E}" type="pres">
+      <dgm:prSet presAssocID="{3C55BAC5-E16E-44F6-A779-556FED30859D}" presName="Name35" presStyleLbl="parChTrans1D3" presStyleIdx="1" presStyleCnt="4"/>
+      <dgm:spPr/>
+    </dgm:pt>
+    <dgm:pt modelId="{0B8FB8F2-578A-4EC5-BD70-B6D1AD479F68}" type="pres">
+      <dgm:prSet presAssocID="{8F111DC0-F86E-4BF2-9A4D-4F7C3EFBD9F2}" presName="hierRoot2" presStyleCnt="0">
+        <dgm:presLayoutVars>
+          <dgm:hierBranch val="init"/>
+        </dgm:presLayoutVars>
+      </dgm:prSet>
+      <dgm:spPr/>
+    </dgm:pt>
+    <dgm:pt modelId="{C3D1B762-4D93-4CA9-A7F8-F6FA268F2C84}" type="pres">
+      <dgm:prSet presAssocID="{8F111DC0-F86E-4BF2-9A4D-4F7C3EFBD9F2}" presName="rootComposite" presStyleCnt="0"/>
+      <dgm:spPr/>
+    </dgm:pt>
+    <dgm:pt modelId="{A563128F-AF2C-4AFC-8EE9-678CFEE63B74}" type="pres">
+      <dgm:prSet presAssocID="{8F111DC0-F86E-4BF2-9A4D-4F7C3EFBD9F2}" presName="rootText" presStyleLbl="node3" presStyleIdx="1" presStyleCnt="4" custScaleX="83121" custScaleY="50736">
+        <dgm:presLayoutVars>
+          <dgm:chPref val="3"/>
+        </dgm:presLayoutVars>
+      </dgm:prSet>
+      <dgm:spPr/>
+    </dgm:pt>
+    <dgm:pt modelId="{90D599C7-B6B8-4A27-9ACF-8FF794753DB6}" type="pres">
+      <dgm:prSet presAssocID="{8F111DC0-F86E-4BF2-9A4D-4F7C3EFBD9F2}" presName="rootConnector" presStyleLbl="node3" presStyleIdx="1" presStyleCnt="4"/>
+      <dgm:spPr/>
+    </dgm:pt>
+    <dgm:pt modelId="{D8E45016-4A6E-4E53-99D3-BE7AC636DC33}" type="pres">
+      <dgm:prSet presAssocID="{8F111DC0-F86E-4BF2-9A4D-4F7C3EFBD9F2}" presName="hierChild4" presStyleCnt="0"/>
+      <dgm:spPr/>
+    </dgm:pt>
+    <dgm:pt modelId="{576EE25F-6A20-4BA8-A687-5D18FA104B60}" type="pres">
+      <dgm:prSet presAssocID="{8F111DC0-F86E-4BF2-9A4D-4F7C3EFBD9F2}" presName="hierChild5" presStyleCnt="0"/>
+      <dgm:spPr/>
+    </dgm:pt>
+    <dgm:pt modelId="{F0CED422-600E-4C66-8F2D-BF077B6644FD}" type="pres">
+      <dgm:prSet presAssocID="{5A608535-FD28-4B5E-B864-5CACB8660019}" presName="Name35" presStyleLbl="parChTrans1D3" presStyleIdx="2" presStyleCnt="4"/>
+      <dgm:spPr/>
+    </dgm:pt>
+    <dgm:pt modelId="{91A91D2C-2D68-42C5-B6D3-230402024B30}" type="pres">
+      <dgm:prSet presAssocID="{AC7E6F80-E7E5-48A8-B5EF-81EE7126BD8F}" presName="hierRoot2" presStyleCnt="0">
+        <dgm:presLayoutVars>
+          <dgm:hierBranch val="init"/>
+        </dgm:presLayoutVars>
+      </dgm:prSet>
+      <dgm:spPr/>
+    </dgm:pt>
+    <dgm:pt modelId="{DD6E9BF7-C7AF-4C1F-848D-3740C86B6226}" type="pres">
+      <dgm:prSet presAssocID="{AC7E6F80-E7E5-48A8-B5EF-81EE7126BD8F}" presName="rootComposite" presStyleCnt="0"/>
+      <dgm:spPr/>
+    </dgm:pt>
+    <dgm:pt modelId="{7B59362A-EE34-41DE-83E5-7B1CEF98D113}" type="pres">
+      <dgm:prSet presAssocID="{AC7E6F80-E7E5-48A8-B5EF-81EE7126BD8F}" presName="rootText" presStyleLbl="node3" presStyleIdx="2" presStyleCnt="4" custScaleX="82134" custScaleY="49258">
+        <dgm:presLayoutVars>
+          <dgm:chPref val="3"/>
+        </dgm:presLayoutVars>
+      </dgm:prSet>
+      <dgm:spPr/>
+    </dgm:pt>
+    <dgm:pt modelId="{072771EF-07FF-4B24-942C-501485B3E8AC}" type="pres">
+      <dgm:prSet presAssocID="{AC7E6F80-E7E5-48A8-B5EF-81EE7126BD8F}" presName="rootConnector" presStyleLbl="node3" presStyleIdx="2" presStyleCnt="4"/>
+      <dgm:spPr/>
+    </dgm:pt>
+    <dgm:pt modelId="{6BF298CB-AE72-4E3A-949D-90C10CDBD7E6}" type="pres">
+      <dgm:prSet presAssocID="{AC7E6F80-E7E5-48A8-B5EF-81EE7126BD8F}" presName="hierChild4" presStyleCnt="0"/>
+      <dgm:spPr/>
+    </dgm:pt>
+    <dgm:pt modelId="{1A9411F2-526A-4242-A8AC-E553976DE2EE}" type="pres">
+      <dgm:prSet presAssocID="{AC7E6F80-E7E5-48A8-B5EF-81EE7126BD8F}" presName="hierChild5" presStyleCnt="0"/>
+      <dgm:spPr/>
+    </dgm:pt>
+    <dgm:pt modelId="{D83A2B9A-1B97-4E13-927A-9EE7F37C5095}" type="pres">
+      <dgm:prSet presAssocID="{0635AAB6-8C70-47DB-9C7C-40A2D6A137C4}" presName="Name35" presStyleLbl="parChTrans1D3" presStyleIdx="3" presStyleCnt="4"/>
+      <dgm:spPr/>
+    </dgm:pt>
+    <dgm:pt modelId="{59FB4696-9A4B-4457-9A1D-BA5236863613}" type="pres">
+      <dgm:prSet presAssocID="{85DACA6A-4082-4C23-BAEC-9A830C101130}" presName="hierRoot2" presStyleCnt="0">
+        <dgm:presLayoutVars>
+          <dgm:hierBranch val="init"/>
+        </dgm:presLayoutVars>
+      </dgm:prSet>
+      <dgm:spPr/>
+    </dgm:pt>
+    <dgm:pt modelId="{879E6FA9-77F5-4672-B287-0CAFD133F95E}" type="pres">
+      <dgm:prSet presAssocID="{85DACA6A-4082-4C23-BAEC-9A830C101130}" presName="rootComposite" presStyleCnt="0"/>
+      <dgm:spPr/>
+    </dgm:pt>
+    <dgm:pt modelId="{8FE3D5AF-16F5-4076-BA53-370987B1A3A6}" type="pres">
+      <dgm:prSet presAssocID="{85DACA6A-4082-4C23-BAEC-9A830C101130}" presName="rootText" presStyleLbl="node3" presStyleIdx="3" presStyleCnt="4" custScaleX="75419" custScaleY="51314">
+        <dgm:presLayoutVars>
+          <dgm:chPref val="3"/>
+        </dgm:presLayoutVars>
+      </dgm:prSet>
+      <dgm:spPr/>
+    </dgm:pt>
+    <dgm:pt modelId="{9EF0603C-76F9-4800-A106-2E6C2E8573E5}" type="pres">
+      <dgm:prSet presAssocID="{85DACA6A-4082-4C23-BAEC-9A830C101130}" presName="rootConnector" presStyleLbl="node3" presStyleIdx="3" presStyleCnt="4"/>
+      <dgm:spPr/>
+    </dgm:pt>
+    <dgm:pt modelId="{86DA0709-4C3B-4B89-8477-346AF64B08DD}" type="pres">
+      <dgm:prSet presAssocID="{85DACA6A-4082-4C23-BAEC-9A830C101130}" presName="hierChild4" presStyleCnt="0"/>
+      <dgm:spPr/>
+    </dgm:pt>
+    <dgm:pt modelId="{886F4DA0-4E3E-4751-9C4E-70BEC11DB1DD}" type="pres">
+      <dgm:prSet presAssocID="{85DACA6A-4082-4C23-BAEC-9A830C101130}" presName="hierChild5" presStyleCnt="0"/>
+      <dgm:spPr/>
+    </dgm:pt>
+    <dgm:pt modelId="{D86C8503-21D7-4AA7-9A63-F6858C57FFF7}" type="pres">
+      <dgm:prSet presAssocID="{94B393CF-80FF-47CE-91A5-804313C8E660}" presName="hierChild5" presStyleCnt="0"/>
+      <dgm:spPr/>
+    </dgm:pt>
+    <dgm:pt modelId="{3A64F58F-8BE1-475D-B85F-DB43F7E8B3C8}" type="pres">
+      <dgm:prSet presAssocID="{322CB145-52B4-480F-97BF-D975E042968F}" presName="hierChild3" presStyleCnt="0"/>
+      <dgm:spPr/>
+    </dgm:pt>
+  </dgm:ptLst>
+  <dgm:cxnLst>
+    <dgm:cxn modelId="{1C9DCE01-09DF-4CD1-9A3C-6AED61CA20A1}" type="presOf" srcId="{85DACA6A-4082-4C23-BAEC-9A830C101130}" destId="{8FE3D5AF-16F5-4076-BA53-370987B1A3A6}" srcOrd="0" destOrd="0" presId="urn:microsoft.com/office/officeart/2005/8/layout/orgChart1"/>
+    <dgm:cxn modelId="{B6621F0A-17FF-4F6B-AD4E-82D53E707A78}" type="presOf" srcId="{94B393CF-80FF-47CE-91A5-804313C8E660}" destId="{B417F6DC-DE7F-4944-9EED-5AB29D9DC25C}" srcOrd="1" destOrd="0" presId="urn:microsoft.com/office/officeart/2005/8/layout/orgChart1"/>
+    <dgm:cxn modelId="{81D3FE14-FAF9-4D1B-9C14-1454121EAFC9}" type="presOf" srcId="{81548523-C538-4A72-A762-2783A47380DE}" destId="{3C9FB097-C81B-4758-BFF5-8F9F17497D22}" srcOrd="0" destOrd="0" presId="urn:microsoft.com/office/officeart/2005/8/layout/orgChart1"/>
+    <dgm:cxn modelId="{E5D68929-F22F-4603-A086-10669E6D58AC}" srcId="{94B393CF-80FF-47CE-91A5-804313C8E660}" destId="{85DACA6A-4082-4C23-BAEC-9A830C101130}" srcOrd="3" destOrd="0" parTransId="{0635AAB6-8C70-47DB-9C7C-40A2D6A137C4}" sibTransId="{6D079BAC-5562-4507-9540-14A317B18683}"/>
+    <dgm:cxn modelId="{006D802C-0838-4698-B215-556EFA0E066E}" type="presOf" srcId="{85DACA6A-4082-4C23-BAEC-9A830C101130}" destId="{9EF0603C-76F9-4800-A106-2E6C2E8573E5}" srcOrd="1" destOrd="0" presId="urn:microsoft.com/office/officeart/2005/8/layout/orgChart1"/>
+    <dgm:cxn modelId="{6C727131-5D62-4DE0-B321-6AE7CBBBA72A}" srcId="{322CB145-52B4-480F-97BF-D975E042968F}" destId="{94B393CF-80FF-47CE-91A5-804313C8E660}" srcOrd="0" destOrd="0" parTransId="{36C734B2-94C9-409B-90B6-76E09638E10C}" sibTransId="{A9D23476-C133-4518-92CF-3F5A00DE4C7A}"/>
+    <dgm:cxn modelId="{FD4DFF3A-EB18-4439-9EFE-E8C9BFE9823B}" type="presOf" srcId="{8F111DC0-F86E-4BF2-9A4D-4F7C3EFBD9F2}" destId="{90D599C7-B6B8-4A27-9ACF-8FF794753DB6}" srcOrd="1" destOrd="0" presId="urn:microsoft.com/office/officeart/2005/8/layout/orgChart1"/>
+    <dgm:cxn modelId="{1721313E-BB3F-4BDB-9096-D8614B2E6BD4}" type="presOf" srcId="{AC7E6F80-E7E5-48A8-B5EF-81EE7126BD8F}" destId="{7B59362A-EE34-41DE-83E5-7B1CEF98D113}" srcOrd="0" destOrd="0" presId="urn:microsoft.com/office/officeart/2005/8/layout/orgChart1"/>
+    <dgm:cxn modelId="{DF24235C-8B84-4219-9443-5034C2DAF16D}" type="presOf" srcId="{36C734B2-94C9-409B-90B6-76E09638E10C}" destId="{E3110396-92D8-4C16-8D22-10CA673D5416}" srcOrd="0" destOrd="0" presId="urn:microsoft.com/office/officeart/2005/8/layout/orgChart1"/>
+    <dgm:cxn modelId="{FB16AD4B-697B-4FCC-BF6B-48765C6FCF04}" type="presOf" srcId="{322CB145-52B4-480F-97BF-D975E042968F}" destId="{407926B9-2154-4BE5-9993-2961F03FA24A}" srcOrd="0" destOrd="0" presId="urn:microsoft.com/office/officeart/2005/8/layout/orgChart1"/>
+    <dgm:cxn modelId="{26EC8B73-E599-4723-971C-AC93910904CC}" type="presOf" srcId="{322CB145-52B4-480F-97BF-D975E042968F}" destId="{1F9557F6-C8F3-4F15-AED9-02D2A5A276A6}" srcOrd="1" destOrd="0" presId="urn:microsoft.com/office/officeart/2005/8/layout/orgChart1"/>
+    <dgm:cxn modelId="{C8984A78-8BA5-4AEC-A5FF-8349C7E35A39}" type="presOf" srcId="{81548523-C538-4A72-A762-2783A47380DE}" destId="{233A7783-86D5-4BDA-AAFF-33FD145A68E9}" srcOrd="1" destOrd="0" presId="urn:microsoft.com/office/officeart/2005/8/layout/orgChart1"/>
+    <dgm:cxn modelId="{E9BEFA79-C86F-4C73-9D9E-A52F57F44720}" type="presOf" srcId="{AC7E6F80-E7E5-48A8-B5EF-81EE7126BD8F}" destId="{072771EF-07FF-4B24-942C-501485B3E8AC}" srcOrd="1" destOrd="0" presId="urn:microsoft.com/office/officeart/2005/8/layout/orgChart1"/>
+    <dgm:cxn modelId="{3893887A-E84E-4F54-A2B7-09E87F50CAF6}" type="presOf" srcId="{5A608535-FD28-4B5E-B864-5CACB8660019}" destId="{F0CED422-600E-4C66-8F2D-BF077B6644FD}" srcOrd="0" destOrd="0" presId="urn:microsoft.com/office/officeart/2005/8/layout/orgChart1"/>
+    <dgm:cxn modelId="{F8EF788A-4ED5-4F54-A90F-B734F54D382D}" type="presOf" srcId="{67DDEAA9-435A-4C1D-BF49-2818EF0C8834}" destId="{9525B768-9342-4367-ABE7-05CCEE58327B}" srcOrd="0" destOrd="0" presId="urn:microsoft.com/office/officeart/2005/8/layout/orgChart1"/>
+    <dgm:cxn modelId="{F76A6D8D-B34E-4517-A581-74D5B6A09836}" type="presOf" srcId="{3C55BAC5-E16E-44F6-A779-556FED30859D}" destId="{6B83A722-F420-4AD1-8777-D6DBD0D4274E}" srcOrd="0" destOrd="0" presId="urn:microsoft.com/office/officeart/2005/8/layout/orgChart1"/>
+    <dgm:cxn modelId="{946AEE94-5ED8-43C3-AA3D-5346B44E17EF}" type="presOf" srcId="{0635AAB6-8C70-47DB-9C7C-40A2D6A137C4}" destId="{D83A2B9A-1B97-4E13-927A-9EE7F37C5095}" srcOrd="0" destOrd="0" presId="urn:microsoft.com/office/officeart/2005/8/layout/orgChart1"/>
+    <dgm:cxn modelId="{161F489D-A0AF-4E14-9641-CF3FD88855F8}" srcId="{94B393CF-80FF-47CE-91A5-804313C8E660}" destId="{81548523-C538-4A72-A762-2783A47380DE}" srcOrd="0" destOrd="0" parTransId="{67DDEAA9-435A-4C1D-BF49-2818EF0C8834}" sibTransId="{B5D03698-3CDF-41B2-BEA4-2147CA5D7494}"/>
+    <dgm:cxn modelId="{14FD22A5-8F35-4951-8A09-672667E1C5C4}" srcId="{94B393CF-80FF-47CE-91A5-804313C8E660}" destId="{AC7E6F80-E7E5-48A8-B5EF-81EE7126BD8F}" srcOrd="2" destOrd="0" parTransId="{5A608535-FD28-4B5E-B864-5CACB8660019}" sibTransId="{7DC10733-8285-4BDC-85B7-530D2B1E512F}"/>
+    <dgm:cxn modelId="{8F8FA3AD-492A-49FA-9EE3-24E7D9F4C13C}" type="presOf" srcId="{94B393CF-80FF-47CE-91A5-804313C8E660}" destId="{63902D03-6346-4B82-A5D6-5F9DCEEF912D}" srcOrd="0" destOrd="0" presId="urn:microsoft.com/office/officeart/2005/8/layout/orgChart1"/>
+    <dgm:cxn modelId="{E90436B1-2033-474F-9FEB-FD87F61F402E}" type="presOf" srcId="{8F111DC0-F86E-4BF2-9A4D-4F7C3EFBD9F2}" destId="{A563128F-AF2C-4AFC-8EE9-678CFEE63B74}" srcOrd="0" destOrd="0" presId="urn:microsoft.com/office/officeart/2005/8/layout/orgChart1"/>
+    <dgm:cxn modelId="{F12D67CB-6729-4B76-A098-32E2C5C8CE9D}" srcId="{363F4F3B-BC50-4364-9AC9-FCBBFA72FCCB}" destId="{322CB145-52B4-480F-97BF-D975E042968F}" srcOrd="0" destOrd="0" parTransId="{6DCB1D43-0EEE-4565-9A72-AA7C5C02F8E2}" sibTransId="{7EC7B7D3-240E-45CA-874F-7D9B333D501C}"/>
+    <dgm:cxn modelId="{2435E4F4-F3EB-4976-8A39-3A1B7E31D103}" type="presOf" srcId="{363F4F3B-BC50-4364-9AC9-FCBBFA72FCCB}" destId="{751097DC-C961-4083-B793-24D321B5BB92}" srcOrd="0" destOrd="0" presId="urn:microsoft.com/office/officeart/2005/8/layout/orgChart1"/>
+    <dgm:cxn modelId="{7982BFFC-7A88-45EF-BD5E-735B080E1FAC}" srcId="{94B393CF-80FF-47CE-91A5-804313C8E660}" destId="{8F111DC0-F86E-4BF2-9A4D-4F7C3EFBD9F2}" srcOrd="1" destOrd="0" parTransId="{3C55BAC5-E16E-44F6-A779-556FED30859D}" sibTransId="{5F0261E1-E8E4-44D1-8A3C-05C7219E07D1}"/>
+    <dgm:cxn modelId="{607D6643-67D1-4241-B0CB-CD9D7FA204D9}" type="presParOf" srcId="{751097DC-C961-4083-B793-24D321B5BB92}" destId="{63F61A42-8021-4B81-AF61-BFEEDE871A76}" srcOrd="0" destOrd="0" presId="urn:microsoft.com/office/officeart/2005/8/layout/orgChart1"/>
+    <dgm:cxn modelId="{8F75B5CB-F846-4019-98B6-E01AA4BD15F9}" type="presParOf" srcId="{63F61A42-8021-4B81-AF61-BFEEDE871A76}" destId="{17253655-7707-4B13-AB2E-33606742F138}" srcOrd="0" destOrd="0" presId="urn:microsoft.com/office/officeart/2005/8/layout/orgChart1"/>
+    <dgm:cxn modelId="{0E93174B-D5FD-4D6C-943E-8C8B5181F665}" type="presParOf" srcId="{17253655-7707-4B13-AB2E-33606742F138}" destId="{407926B9-2154-4BE5-9993-2961F03FA24A}" srcOrd="0" destOrd="0" presId="urn:microsoft.com/office/officeart/2005/8/layout/orgChart1"/>
+    <dgm:cxn modelId="{C8EA84B8-46AE-4391-B9FB-8031F37C724B}" type="presParOf" srcId="{17253655-7707-4B13-AB2E-33606742F138}" destId="{1F9557F6-C8F3-4F15-AED9-02D2A5A276A6}" srcOrd="1" destOrd="0" presId="urn:microsoft.com/office/officeart/2005/8/layout/orgChart1"/>
+    <dgm:cxn modelId="{6FE49220-5BD5-4B21-8A2B-61339B62456C}" type="presParOf" srcId="{63F61A42-8021-4B81-AF61-BFEEDE871A76}" destId="{73ADA255-9B1A-4761-8A31-0F24435FC2F7}" srcOrd="1" destOrd="0" presId="urn:microsoft.com/office/officeart/2005/8/layout/orgChart1"/>
+    <dgm:cxn modelId="{8AACFDC0-7BFB-4D61-98B0-F1E5F3C7D17D}" type="presParOf" srcId="{73ADA255-9B1A-4761-8A31-0F24435FC2F7}" destId="{E3110396-92D8-4C16-8D22-10CA673D5416}" srcOrd="0" destOrd="0" presId="urn:microsoft.com/office/officeart/2005/8/layout/orgChart1"/>
+    <dgm:cxn modelId="{D54CADD8-B33C-4525-B31B-38B33D7C37A3}" type="presParOf" srcId="{73ADA255-9B1A-4761-8A31-0F24435FC2F7}" destId="{7AB9BE75-F4FC-490F-BD66-C323DF7EC3B2}" srcOrd="1" destOrd="0" presId="urn:microsoft.com/office/officeart/2005/8/layout/orgChart1"/>
+    <dgm:cxn modelId="{F8122D3F-367A-4C51-A86B-15B24BE13F91}" type="presParOf" srcId="{7AB9BE75-F4FC-490F-BD66-C323DF7EC3B2}" destId="{4F991D8F-2D3D-429A-A31D-EC3E169E1F47}" srcOrd="0" destOrd="0" presId="urn:microsoft.com/office/officeart/2005/8/layout/orgChart1"/>
+    <dgm:cxn modelId="{A5D1215B-B9B9-4DB7-AB2E-97CAB79E8923}" type="presParOf" srcId="{4F991D8F-2D3D-429A-A31D-EC3E169E1F47}" destId="{63902D03-6346-4B82-A5D6-5F9DCEEF912D}" srcOrd="0" destOrd="0" presId="urn:microsoft.com/office/officeart/2005/8/layout/orgChart1"/>
+    <dgm:cxn modelId="{ECE8FFC3-9810-4879-AF88-1E6EB67F6D17}" type="presParOf" srcId="{4F991D8F-2D3D-429A-A31D-EC3E169E1F47}" destId="{B417F6DC-DE7F-4944-9EED-5AB29D9DC25C}" srcOrd="1" destOrd="0" presId="urn:microsoft.com/office/officeart/2005/8/layout/orgChart1"/>
+    <dgm:cxn modelId="{72D96282-1064-4B2A-870D-78AB3BE20501}" type="presParOf" srcId="{7AB9BE75-F4FC-490F-BD66-C323DF7EC3B2}" destId="{9B264734-1608-44ED-9ACD-E2BB635F48E7}" srcOrd="1" destOrd="0" presId="urn:microsoft.com/office/officeart/2005/8/layout/orgChart1"/>
+    <dgm:cxn modelId="{41FC3C40-E56B-465A-89B6-69D0DBBE0685}" type="presParOf" srcId="{9B264734-1608-44ED-9ACD-E2BB635F48E7}" destId="{9525B768-9342-4367-ABE7-05CCEE58327B}" srcOrd="0" destOrd="0" presId="urn:microsoft.com/office/officeart/2005/8/layout/orgChart1"/>
+    <dgm:cxn modelId="{A9D936CD-0ABC-439B-A931-E9B01BCEF078}" type="presParOf" srcId="{9B264734-1608-44ED-9ACD-E2BB635F48E7}" destId="{1FF5AC7B-F2F1-4E8F-B6D7-269123AB4F93}" srcOrd="1" destOrd="0" presId="urn:microsoft.com/office/officeart/2005/8/layout/orgChart1"/>
+    <dgm:cxn modelId="{10EE33BF-C57C-410E-B780-41D109F7AA36}" type="presParOf" srcId="{1FF5AC7B-F2F1-4E8F-B6D7-269123AB4F93}" destId="{262028A9-A93F-4351-877A-83ECD37AE4EB}" srcOrd="0" destOrd="0" presId="urn:microsoft.com/office/officeart/2005/8/layout/orgChart1"/>
+    <dgm:cxn modelId="{EE9173C8-7CEA-42A9-A932-6EDBF4A5027B}" type="presParOf" srcId="{262028A9-A93F-4351-877A-83ECD37AE4EB}" destId="{3C9FB097-C81B-4758-BFF5-8F9F17497D22}" srcOrd="0" destOrd="0" presId="urn:microsoft.com/office/officeart/2005/8/layout/orgChart1"/>
+    <dgm:cxn modelId="{AD9DB2CA-BE08-4DEC-9A03-6DB0B4CD5948}" type="presParOf" srcId="{262028A9-A93F-4351-877A-83ECD37AE4EB}" destId="{233A7783-86D5-4BDA-AAFF-33FD145A68E9}" srcOrd="1" destOrd="0" presId="urn:microsoft.com/office/officeart/2005/8/layout/orgChart1"/>
+    <dgm:cxn modelId="{024D4707-15A3-4DA4-A509-D9689CE92672}" type="presParOf" srcId="{1FF5AC7B-F2F1-4E8F-B6D7-269123AB4F93}" destId="{3DC39C44-D18E-4A67-836E-CA4FEE1BF8E7}" srcOrd="1" destOrd="0" presId="urn:microsoft.com/office/officeart/2005/8/layout/orgChart1"/>
+    <dgm:cxn modelId="{D3CE0187-2E18-4D05-9793-B870AFC182DB}" type="presParOf" srcId="{1FF5AC7B-F2F1-4E8F-B6D7-269123AB4F93}" destId="{6F2822F5-0B2B-4A91-A3A9-2413FAA203FD}" srcOrd="2" destOrd="0" presId="urn:microsoft.com/office/officeart/2005/8/layout/orgChart1"/>
+    <dgm:cxn modelId="{FCECC131-A914-4EE1-AAE2-857D6577D4EF}" type="presParOf" srcId="{9B264734-1608-44ED-9ACD-E2BB635F48E7}" destId="{6B83A722-F420-4AD1-8777-D6DBD0D4274E}" srcOrd="2" destOrd="0" presId="urn:microsoft.com/office/officeart/2005/8/layout/orgChart1"/>
+    <dgm:cxn modelId="{76117481-91E9-4D08-B2F6-63B3DDCE0418}" type="presParOf" srcId="{9B264734-1608-44ED-9ACD-E2BB635F48E7}" destId="{0B8FB8F2-578A-4EC5-BD70-B6D1AD479F68}" srcOrd="3" destOrd="0" presId="urn:microsoft.com/office/officeart/2005/8/layout/orgChart1"/>
+    <dgm:cxn modelId="{388B8B43-5F49-4ED6-8BAA-4D0593A3EEA2}" type="presParOf" srcId="{0B8FB8F2-578A-4EC5-BD70-B6D1AD479F68}" destId="{C3D1B762-4D93-4CA9-A7F8-F6FA268F2C84}" srcOrd="0" destOrd="0" presId="urn:microsoft.com/office/officeart/2005/8/layout/orgChart1"/>
+    <dgm:cxn modelId="{4A0B524F-8461-49C2-B58C-943F9EBC31BB}" type="presParOf" srcId="{C3D1B762-4D93-4CA9-A7F8-F6FA268F2C84}" destId="{A563128F-AF2C-4AFC-8EE9-678CFEE63B74}" srcOrd="0" destOrd="0" presId="urn:microsoft.com/office/officeart/2005/8/layout/orgChart1"/>
+    <dgm:cxn modelId="{9A215D41-C1DC-4371-9E46-C8D9B54FE7DF}" type="presParOf" srcId="{C3D1B762-4D93-4CA9-A7F8-F6FA268F2C84}" destId="{90D599C7-B6B8-4A27-9ACF-8FF794753DB6}" srcOrd="1" destOrd="0" presId="urn:microsoft.com/office/officeart/2005/8/layout/orgChart1"/>
+    <dgm:cxn modelId="{A2569B2E-0DB7-4ED4-95F7-D4441DC72773}" type="presParOf" srcId="{0B8FB8F2-578A-4EC5-BD70-B6D1AD479F68}" destId="{D8E45016-4A6E-4E53-99D3-BE7AC636DC33}" srcOrd="1" destOrd="0" presId="urn:microsoft.com/office/officeart/2005/8/layout/orgChart1"/>
+    <dgm:cxn modelId="{8A733D4D-19FC-4915-9F9E-A5921E1EE0EA}" type="presParOf" srcId="{0B8FB8F2-578A-4EC5-BD70-B6D1AD479F68}" destId="{576EE25F-6A20-4BA8-A687-5D18FA104B60}" srcOrd="2" destOrd="0" presId="urn:microsoft.com/office/officeart/2005/8/layout/orgChart1"/>
+    <dgm:cxn modelId="{EA259E6A-6AFB-4434-86C5-97711A24EEBE}" type="presParOf" srcId="{9B264734-1608-44ED-9ACD-E2BB635F48E7}" destId="{F0CED422-600E-4C66-8F2D-BF077B6644FD}" srcOrd="4" destOrd="0" presId="urn:microsoft.com/office/officeart/2005/8/layout/orgChart1"/>
+    <dgm:cxn modelId="{2A8172DF-B3AA-488F-8BB9-1C5A9BE88373}" type="presParOf" srcId="{9B264734-1608-44ED-9ACD-E2BB635F48E7}" destId="{91A91D2C-2D68-42C5-B6D3-230402024B30}" srcOrd="5" destOrd="0" presId="urn:microsoft.com/office/officeart/2005/8/layout/orgChart1"/>
+    <dgm:cxn modelId="{61CF6BEC-34E6-4067-874F-ED0210B796A0}" type="presParOf" srcId="{91A91D2C-2D68-42C5-B6D3-230402024B30}" destId="{DD6E9BF7-C7AF-4C1F-848D-3740C86B6226}" srcOrd="0" destOrd="0" presId="urn:microsoft.com/office/officeart/2005/8/layout/orgChart1"/>
+    <dgm:cxn modelId="{AE9952D6-A275-41CB-9C21-4F7FE7993231}" type="presParOf" srcId="{DD6E9BF7-C7AF-4C1F-848D-3740C86B6226}" destId="{7B59362A-EE34-41DE-83E5-7B1CEF98D113}" srcOrd="0" destOrd="0" presId="urn:microsoft.com/office/officeart/2005/8/layout/orgChart1"/>
+    <dgm:cxn modelId="{A9CA775A-F195-4EA4-884C-4498065A82D0}" type="presParOf" srcId="{DD6E9BF7-C7AF-4C1F-848D-3740C86B6226}" destId="{072771EF-07FF-4B24-942C-501485B3E8AC}" srcOrd="1" destOrd="0" presId="urn:microsoft.com/office/officeart/2005/8/layout/orgChart1"/>
+    <dgm:cxn modelId="{20EE3F5D-50D1-4140-AF33-6942DED2C342}" type="presParOf" srcId="{91A91D2C-2D68-42C5-B6D3-230402024B30}" destId="{6BF298CB-AE72-4E3A-949D-90C10CDBD7E6}" srcOrd="1" destOrd="0" presId="urn:microsoft.com/office/officeart/2005/8/layout/orgChart1"/>
+    <dgm:cxn modelId="{0502B838-5785-479A-BC1B-3A9B2018E2EC}" type="presParOf" srcId="{91A91D2C-2D68-42C5-B6D3-230402024B30}" destId="{1A9411F2-526A-4242-A8AC-E553976DE2EE}" srcOrd="2" destOrd="0" presId="urn:microsoft.com/office/officeart/2005/8/layout/orgChart1"/>
+    <dgm:cxn modelId="{BAFC8148-04CE-4D4B-9737-287CC20281CE}" type="presParOf" srcId="{9B264734-1608-44ED-9ACD-E2BB635F48E7}" destId="{D83A2B9A-1B97-4E13-927A-9EE7F37C5095}" srcOrd="6" destOrd="0" presId="urn:microsoft.com/office/officeart/2005/8/layout/orgChart1"/>
+    <dgm:cxn modelId="{E97A028D-EC8D-4022-ABDD-A3C84016887A}" type="presParOf" srcId="{9B264734-1608-44ED-9ACD-E2BB635F48E7}" destId="{59FB4696-9A4B-4457-9A1D-BA5236863613}" srcOrd="7" destOrd="0" presId="urn:microsoft.com/office/officeart/2005/8/layout/orgChart1"/>
+    <dgm:cxn modelId="{95DDCD04-2CA0-489C-976F-781A2FCB498A}" type="presParOf" srcId="{59FB4696-9A4B-4457-9A1D-BA5236863613}" destId="{879E6FA9-77F5-4672-B287-0CAFD133F95E}" srcOrd="0" destOrd="0" presId="urn:microsoft.com/office/officeart/2005/8/layout/orgChart1"/>
+    <dgm:cxn modelId="{8D1C7B80-6DB9-4CA0-B440-E50BD601E4A7}" type="presParOf" srcId="{879E6FA9-77F5-4672-B287-0CAFD133F95E}" destId="{8FE3D5AF-16F5-4076-BA53-370987B1A3A6}" srcOrd="0" destOrd="0" presId="urn:microsoft.com/office/officeart/2005/8/layout/orgChart1"/>
+    <dgm:cxn modelId="{A6276A5A-1327-4927-906E-74D65B8C4013}" type="presParOf" srcId="{879E6FA9-77F5-4672-B287-0CAFD133F95E}" destId="{9EF0603C-76F9-4800-A106-2E6C2E8573E5}" srcOrd="1" destOrd="0" presId="urn:microsoft.com/office/officeart/2005/8/layout/orgChart1"/>
+    <dgm:cxn modelId="{433FD614-A168-4750-9B00-98839C4C5583}" type="presParOf" srcId="{59FB4696-9A4B-4457-9A1D-BA5236863613}" destId="{86DA0709-4C3B-4B89-8477-346AF64B08DD}" srcOrd="1" destOrd="0" presId="urn:microsoft.com/office/officeart/2005/8/layout/orgChart1"/>
+    <dgm:cxn modelId="{9B8C670B-C596-42B5-8E0A-42E08F1A44AD}" type="presParOf" srcId="{59FB4696-9A4B-4457-9A1D-BA5236863613}" destId="{886F4DA0-4E3E-4751-9C4E-70BEC11DB1DD}" srcOrd="2" destOrd="0" presId="urn:microsoft.com/office/officeart/2005/8/layout/orgChart1"/>
+    <dgm:cxn modelId="{86B15D65-E4B0-44F0-8B71-48744CA800A8}" type="presParOf" srcId="{7AB9BE75-F4FC-490F-BD66-C323DF7EC3B2}" destId="{D86C8503-21D7-4AA7-9A63-F6858C57FFF7}" srcOrd="2" destOrd="0" presId="urn:microsoft.com/office/officeart/2005/8/layout/orgChart1"/>
+    <dgm:cxn modelId="{B1CA0B85-8872-45E6-81EF-5BB96668C3A9}" type="presParOf" srcId="{63F61A42-8021-4B81-AF61-BFEEDE871A76}" destId="{3A64F58F-8BE1-475D-B85F-DB43F7E8B3C8}" srcOrd="2" destOrd="0" presId="urn:microsoft.com/office/officeart/2005/8/layout/orgChart1"/>
+  </dgm:cxnLst>
+  <dgm:bg/>
+  <dgm:whole/>
+  <dgm:extLst>
+    <a:ext uri="http://schemas.microsoft.com/office/drawing/2008/diagram">
+      <dsp:dataModelExt xmlns:dsp="http://schemas.microsoft.com/office/drawing/2008/diagram" relId="rId6" minVer="http://schemas.openxmlformats.org/drawingml/2006/diagram"/>
+    </a:ext>
+  </dgm:extLst>
+</dgm:dataModel>
+</file>
+
+<file path=ppt/diagrams/data2.xml><?xml version="1.0" encoding="utf-8"?>
+<dgm:dataModel xmlns:dgm="http://schemas.openxmlformats.org/drawingml/2006/diagram" xmlns:a="http://schemas.openxmlformats.org/drawingml/2006/main">
+  <dgm:ptLst>
+    <dgm:pt modelId="{105F52D4-41A8-4235-B256-FACD3AD1C6BD}" type="doc">
+      <dgm:prSet loTypeId="urn:microsoft.com/office/officeart/2005/8/layout/radial5" loCatId="cycle" qsTypeId="urn:microsoft.com/office/officeart/2005/8/quickstyle/simple1" qsCatId="simple" csTypeId="urn:microsoft.com/office/officeart/2005/8/colors/accent0_1" csCatId="mainScheme" phldr="1"/>
+      <dgm:spPr/>
+      <dgm:t>
+        <a:bodyPr/>
+        <a:lstStyle/>
+        <a:p>
+          <a:endParaRPr lang="pt-BR"/>
+        </a:p>
+      </dgm:t>
+    </dgm:pt>
+    <dgm:pt modelId="{A124DDF6-4C9C-490F-9E36-D9C451F553BE}">
+      <dgm:prSet phldrT="[Texto]"/>
+      <dgm:spPr/>
+      <dgm:t>
+        <a:bodyPr/>
+        <a:lstStyle/>
+        <a:p>
+          <a:r>
+            <a:rPr lang="pt-BR" dirty="0"/>
+            <a:t>Introdução à Informática- Windows e Office</a:t>
+          </a:r>
+        </a:p>
+      </dgm:t>
+    </dgm:pt>
+    <dgm:pt modelId="{B078F180-ED7D-4B04-8ECF-950C5D1E8FB4}" type="parTrans" cxnId="{FDBF5143-757D-4F73-8464-C52817CBED90}">
+      <dgm:prSet/>
+      <dgm:spPr/>
+      <dgm:t>
+        <a:bodyPr/>
+        <a:lstStyle/>
+        <a:p>
+          <a:endParaRPr lang="pt-BR"/>
+        </a:p>
+      </dgm:t>
+    </dgm:pt>
+    <dgm:pt modelId="{53F71E2D-DCC6-424B-AB29-FD13DE149D9F}" type="sibTrans" cxnId="{FDBF5143-757D-4F73-8464-C52817CBED90}">
+      <dgm:prSet/>
+      <dgm:spPr/>
+      <dgm:t>
+        <a:bodyPr/>
+        <a:lstStyle/>
+        <a:p>
+          <a:endParaRPr lang="pt-BR"/>
+        </a:p>
+      </dgm:t>
+    </dgm:pt>
+    <dgm:pt modelId="{42CD09C9-E3E8-40E9-86AC-9E39C19379A2}">
+      <dgm:prSet phldrT="[Texto]"/>
+      <dgm:spPr/>
+      <dgm:t>
+        <a:bodyPr/>
+        <a:lstStyle/>
+        <a:p>
+          <a:r>
+            <a:rPr lang="pt-BR" dirty="0"/>
+            <a:t>Windows</a:t>
+          </a:r>
+        </a:p>
+      </dgm:t>
+    </dgm:pt>
+    <dgm:pt modelId="{9F6520A4-7602-43C5-9534-ADD34DD83A9C}" type="parTrans" cxnId="{31A41053-A8FE-47F2-B56A-C7F44C29EA4E}">
+      <dgm:prSet/>
+      <dgm:spPr/>
+      <dgm:t>
+        <a:bodyPr/>
+        <a:lstStyle/>
+        <a:p>
+          <a:endParaRPr lang="pt-BR"/>
+        </a:p>
+      </dgm:t>
+    </dgm:pt>
+    <dgm:pt modelId="{EEF0712F-2B8B-4F1C-AAA0-235F7BDA7B9F}" type="sibTrans" cxnId="{31A41053-A8FE-47F2-B56A-C7F44C29EA4E}">
+      <dgm:prSet/>
+      <dgm:spPr/>
+      <dgm:t>
+        <a:bodyPr/>
+        <a:lstStyle/>
+        <a:p>
+          <a:endParaRPr lang="pt-BR"/>
+        </a:p>
+      </dgm:t>
+    </dgm:pt>
+    <dgm:pt modelId="{4EF24A25-E502-4755-9414-B56BA28073EC}">
+      <dgm:prSet phldrT="[Texto]"/>
+      <dgm:spPr/>
+      <dgm:t>
+        <a:bodyPr/>
+        <a:lstStyle/>
+        <a:p>
+          <a:r>
+            <a:rPr lang="pt-BR" dirty="0"/>
+            <a:t>Internet</a:t>
+          </a:r>
+        </a:p>
+      </dgm:t>
+    </dgm:pt>
+    <dgm:pt modelId="{B2D68EF5-DF88-4C38-8A9F-C940C2BA59BB}" type="parTrans" cxnId="{1DB3146D-5398-4D65-B656-8B1A9D9E5A79}">
+      <dgm:prSet/>
+      <dgm:spPr/>
+      <dgm:t>
+        <a:bodyPr/>
+        <a:lstStyle/>
+        <a:p>
+          <a:endParaRPr lang="pt-BR"/>
+        </a:p>
+      </dgm:t>
+    </dgm:pt>
+    <dgm:pt modelId="{60310AAF-7724-4D11-820C-7B54DD3CBF0F}" type="sibTrans" cxnId="{1DB3146D-5398-4D65-B656-8B1A9D9E5A79}">
+      <dgm:prSet/>
+      <dgm:spPr/>
+      <dgm:t>
+        <a:bodyPr/>
+        <a:lstStyle/>
+        <a:p>
+          <a:endParaRPr lang="pt-BR"/>
+        </a:p>
+      </dgm:t>
+    </dgm:pt>
+    <dgm:pt modelId="{DC3CEA42-95CC-4A99-BD72-64E5743C8C93}">
+      <dgm:prSet phldrT="[Texto]"/>
+      <dgm:spPr/>
+      <dgm:t>
+        <a:bodyPr/>
+        <a:lstStyle/>
+        <a:p>
+          <a:r>
+            <a:rPr lang="pt-BR"/>
+            <a:t>Word</a:t>
+          </a:r>
+          <a:endParaRPr lang="pt-BR" dirty="0"/>
+        </a:p>
+      </dgm:t>
+    </dgm:pt>
+    <dgm:pt modelId="{C0C9451C-D578-40A0-80D3-70C15F109C3C}" type="parTrans" cxnId="{2538C3E1-A1A7-4239-BB7F-C9436CFCAC2F}">
+      <dgm:prSet/>
+      <dgm:spPr/>
+      <dgm:t>
+        <a:bodyPr/>
+        <a:lstStyle/>
+        <a:p>
+          <a:endParaRPr lang="pt-BR"/>
+        </a:p>
+      </dgm:t>
+    </dgm:pt>
+    <dgm:pt modelId="{D9E4DA04-58DF-4853-8E56-94B645577AD7}" type="sibTrans" cxnId="{2538C3E1-A1A7-4239-BB7F-C9436CFCAC2F}">
+      <dgm:prSet/>
+      <dgm:spPr/>
+      <dgm:t>
+        <a:bodyPr/>
+        <a:lstStyle/>
+        <a:p>
+          <a:endParaRPr lang="pt-BR"/>
+        </a:p>
+      </dgm:t>
+    </dgm:pt>
+    <dgm:pt modelId="{0095A144-475F-4622-AA20-6006D9C9E10B}">
+      <dgm:prSet phldrT="[Texto]"/>
+      <dgm:spPr/>
+      <dgm:t>
+        <a:bodyPr/>
+        <a:lstStyle/>
+        <a:p>
+          <a:r>
+            <a:rPr lang="pt-BR" dirty="0"/>
+            <a:t>Excel</a:t>
+          </a:r>
+        </a:p>
+      </dgm:t>
+    </dgm:pt>
+    <dgm:pt modelId="{DAD22875-6C49-4A1A-BCCB-038A161BC786}" type="parTrans" cxnId="{E004E43F-C4DA-40A5-927C-918AAAF9F263}">
+      <dgm:prSet/>
+      <dgm:spPr/>
+      <dgm:t>
+        <a:bodyPr/>
+        <a:lstStyle/>
+        <a:p>
+          <a:endParaRPr lang="pt-BR"/>
+        </a:p>
+      </dgm:t>
+    </dgm:pt>
+    <dgm:pt modelId="{3FE1E0D8-A44A-436E-BAE2-AF3958494FF5}" type="sibTrans" cxnId="{E004E43F-C4DA-40A5-927C-918AAAF9F263}">
+      <dgm:prSet/>
+      <dgm:spPr/>
+      <dgm:t>
+        <a:bodyPr/>
+        <a:lstStyle/>
+        <a:p>
+          <a:endParaRPr lang="pt-BR"/>
+        </a:p>
+      </dgm:t>
+    </dgm:pt>
+    <dgm:pt modelId="{BC128835-1871-4037-94C0-F97C36587108}">
+      <dgm:prSet/>
+      <dgm:spPr/>
+      <dgm:t>
+        <a:bodyPr/>
+        <a:lstStyle/>
+        <a:p>
+          <a:r>
+            <a:rPr lang="pt-BR" dirty="0"/>
+            <a:t>Powerpoint</a:t>
+          </a:r>
+        </a:p>
+      </dgm:t>
+    </dgm:pt>
+    <dgm:pt modelId="{4509D49B-056F-4600-9B47-88EEC6B7DA96}" type="parTrans" cxnId="{99354DD2-5E14-434C-8587-B55FBCDAFA9B}">
+      <dgm:prSet/>
+      <dgm:spPr/>
+      <dgm:t>
+        <a:bodyPr/>
+        <a:lstStyle/>
+        <a:p>
+          <a:endParaRPr lang="pt-BR"/>
+        </a:p>
+      </dgm:t>
+    </dgm:pt>
+    <dgm:pt modelId="{48B8F212-FFF1-45E4-AC67-017DBF9C8014}" type="sibTrans" cxnId="{99354DD2-5E14-434C-8587-B55FBCDAFA9B}">
+      <dgm:prSet/>
+      <dgm:spPr/>
+      <dgm:t>
+        <a:bodyPr/>
+        <a:lstStyle/>
+        <a:p>
+          <a:endParaRPr lang="pt-BR"/>
+        </a:p>
+      </dgm:t>
+    </dgm:pt>
+    <dgm:pt modelId="{750613B0-5EDA-4994-AC16-B224AF8FAFE8}" type="pres">
+      <dgm:prSet presAssocID="{105F52D4-41A8-4235-B256-FACD3AD1C6BD}" presName="Name0" presStyleCnt="0">
+        <dgm:presLayoutVars>
+          <dgm:chMax val="1"/>
+          <dgm:dir/>
+          <dgm:animLvl val="ctr"/>
+          <dgm:resizeHandles val="exact"/>
+        </dgm:presLayoutVars>
+      </dgm:prSet>
+      <dgm:spPr/>
+    </dgm:pt>
+    <dgm:pt modelId="{B8633B02-D514-4FF2-8A5D-F0B1854CEE8D}" type="pres">
+      <dgm:prSet presAssocID="{A124DDF6-4C9C-490F-9E36-D9C451F553BE}" presName="centerShape" presStyleLbl="node0" presStyleIdx="0" presStyleCnt="1"/>
+      <dgm:spPr/>
+    </dgm:pt>
+    <dgm:pt modelId="{202FEB8C-4085-43ED-96A8-F80CF0931382}" type="pres">
+      <dgm:prSet presAssocID="{9F6520A4-7602-43C5-9534-ADD34DD83A9C}" presName="parTrans" presStyleLbl="sibTrans2D1" presStyleIdx="0" presStyleCnt="5"/>
+      <dgm:spPr/>
+    </dgm:pt>
+    <dgm:pt modelId="{C1D03F14-320F-4E59-8475-C558DE9E60AE}" type="pres">
+      <dgm:prSet presAssocID="{9F6520A4-7602-43C5-9534-ADD34DD83A9C}" presName="connectorText" presStyleLbl="sibTrans2D1" presStyleIdx="0" presStyleCnt="5"/>
+      <dgm:spPr/>
+    </dgm:pt>
+    <dgm:pt modelId="{8131B865-A797-4E00-8122-D7D093392C05}" type="pres">
+      <dgm:prSet presAssocID="{42CD09C9-E3E8-40E9-86AC-9E39C19379A2}" presName="node" presStyleLbl="node1" presStyleIdx="0" presStyleCnt="5">
+        <dgm:presLayoutVars>
+          <dgm:bulletEnabled val="1"/>
+        </dgm:presLayoutVars>
+      </dgm:prSet>
+      <dgm:spPr/>
+    </dgm:pt>
+    <dgm:pt modelId="{FF111F76-B53A-49FC-8144-5DCE2CD23D2D}" type="pres">
+      <dgm:prSet presAssocID="{B2D68EF5-DF88-4C38-8A9F-C940C2BA59BB}" presName="parTrans" presStyleLbl="sibTrans2D1" presStyleIdx="1" presStyleCnt="5"/>
+      <dgm:spPr/>
+    </dgm:pt>
+    <dgm:pt modelId="{E68410C1-AC63-4596-8C87-35311DB23804}" type="pres">
+      <dgm:prSet presAssocID="{B2D68EF5-DF88-4C38-8A9F-C940C2BA59BB}" presName="connectorText" presStyleLbl="sibTrans2D1" presStyleIdx="1" presStyleCnt="5"/>
+      <dgm:spPr/>
+    </dgm:pt>
+    <dgm:pt modelId="{9EA96FAB-A35D-4B52-BD5F-295BC21BF544}" type="pres">
+      <dgm:prSet presAssocID="{4EF24A25-E502-4755-9414-B56BA28073EC}" presName="node" presStyleLbl="node1" presStyleIdx="1" presStyleCnt="5">
+        <dgm:presLayoutVars>
+          <dgm:bulletEnabled val="1"/>
+        </dgm:presLayoutVars>
+      </dgm:prSet>
+      <dgm:spPr/>
+    </dgm:pt>
+    <dgm:pt modelId="{722373D9-1346-41D3-82C9-2253F57B5184}" type="pres">
+      <dgm:prSet presAssocID="{C0C9451C-D578-40A0-80D3-70C15F109C3C}" presName="parTrans" presStyleLbl="sibTrans2D1" presStyleIdx="2" presStyleCnt="5"/>
+      <dgm:spPr/>
+    </dgm:pt>
+    <dgm:pt modelId="{C6702D7B-E5D3-4A45-8212-92D27F0EA497}" type="pres">
+      <dgm:prSet presAssocID="{C0C9451C-D578-40A0-80D3-70C15F109C3C}" presName="connectorText" presStyleLbl="sibTrans2D1" presStyleIdx="2" presStyleCnt="5"/>
+      <dgm:spPr/>
+    </dgm:pt>
+    <dgm:pt modelId="{F1CBED74-315F-419D-A1E4-D2B28B364B58}" type="pres">
+      <dgm:prSet presAssocID="{DC3CEA42-95CC-4A99-BD72-64E5743C8C93}" presName="node" presStyleLbl="node1" presStyleIdx="2" presStyleCnt="5">
+        <dgm:presLayoutVars>
+          <dgm:bulletEnabled val="1"/>
+        </dgm:presLayoutVars>
+      </dgm:prSet>
+      <dgm:spPr/>
+    </dgm:pt>
+    <dgm:pt modelId="{77725F6A-1C55-4FD8-AE2A-66A3D029DAF0}" type="pres">
+      <dgm:prSet presAssocID="{DAD22875-6C49-4A1A-BCCB-038A161BC786}" presName="parTrans" presStyleLbl="sibTrans2D1" presStyleIdx="3" presStyleCnt="5"/>
+      <dgm:spPr/>
+    </dgm:pt>
+    <dgm:pt modelId="{CA4444CA-294F-4ABC-ACEF-7A53634743F7}" type="pres">
+      <dgm:prSet presAssocID="{DAD22875-6C49-4A1A-BCCB-038A161BC786}" presName="connectorText" presStyleLbl="sibTrans2D1" presStyleIdx="3" presStyleCnt="5"/>
+      <dgm:spPr/>
+    </dgm:pt>
+    <dgm:pt modelId="{F9902BE3-66F0-4C39-BA24-4FC96B75059F}" type="pres">
+      <dgm:prSet presAssocID="{0095A144-475F-4622-AA20-6006D9C9E10B}" presName="node" presStyleLbl="node1" presStyleIdx="3" presStyleCnt="5">
+        <dgm:presLayoutVars>
+          <dgm:bulletEnabled val="1"/>
+        </dgm:presLayoutVars>
+      </dgm:prSet>
+      <dgm:spPr/>
+    </dgm:pt>
+    <dgm:pt modelId="{3D0201D3-405C-42A9-85AF-480E6D2991B3}" type="pres">
+      <dgm:prSet presAssocID="{4509D49B-056F-4600-9B47-88EEC6B7DA96}" presName="parTrans" presStyleLbl="sibTrans2D1" presStyleIdx="4" presStyleCnt="5"/>
+      <dgm:spPr/>
+    </dgm:pt>
+    <dgm:pt modelId="{CEBD8D7D-3A13-4CB9-8D16-BB94DFE0328C}" type="pres">
+      <dgm:prSet presAssocID="{4509D49B-056F-4600-9B47-88EEC6B7DA96}" presName="connectorText" presStyleLbl="sibTrans2D1" presStyleIdx="4" presStyleCnt="5"/>
+      <dgm:spPr/>
+    </dgm:pt>
+    <dgm:pt modelId="{71979E39-2CBC-4058-98C0-3D3F0E2CFB8B}" type="pres">
+      <dgm:prSet presAssocID="{BC128835-1871-4037-94C0-F97C36587108}" presName="node" presStyleLbl="node1" presStyleIdx="4" presStyleCnt="5">
+        <dgm:presLayoutVars>
+          <dgm:bulletEnabled val="1"/>
+        </dgm:presLayoutVars>
+      </dgm:prSet>
+      <dgm:spPr/>
+    </dgm:pt>
+  </dgm:ptLst>
+  <dgm:cxnLst>
+    <dgm:cxn modelId="{E908380F-921D-4FF7-9AD6-DD8DFE9478C7}" type="presOf" srcId="{105F52D4-41A8-4235-B256-FACD3AD1C6BD}" destId="{750613B0-5EDA-4994-AC16-B224AF8FAFE8}" srcOrd="0" destOrd="0" presId="urn:microsoft.com/office/officeart/2005/8/layout/radial5"/>
+    <dgm:cxn modelId="{D344A324-666F-46A7-8AC5-E07D1C5B3FF1}" type="presOf" srcId="{4509D49B-056F-4600-9B47-88EEC6B7DA96}" destId="{3D0201D3-405C-42A9-85AF-480E6D2991B3}" srcOrd="0" destOrd="0" presId="urn:microsoft.com/office/officeart/2005/8/layout/radial5"/>
+    <dgm:cxn modelId="{A6BA372F-71C8-468B-A25A-CC969EF89D1B}" type="presOf" srcId="{C0C9451C-D578-40A0-80D3-70C15F109C3C}" destId="{C6702D7B-E5D3-4A45-8212-92D27F0EA497}" srcOrd="1" destOrd="0" presId="urn:microsoft.com/office/officeart/2005/8/layout/radial5"/>
+    <dgm:cxn modelId="{D456F93A-724D-437C-89B8-F40D32503DFF}" type="presOf" srcId="{4509D49B-056F-4600-9B47-88EEC6B7DA96}" destId="{CEBD8D7D-3A13-4CB9-8D16-BB94DFE0328C}" srcOrd="1" destOrd="0" presId="urn:microsoft.com/office/officeart/2005/8/layout/radial5"/>
+    <dgm:cxn modelId="{E004E43F-C4DA-40A5-927C-918AAAF9F263}" srcId="{A124DDF6-4C9C-490F-9E36-D9C451F553BE}" destId="{0095A144-475F-4622-AA20-6006D9C9E10B}" srcOrd="3" destOrd="0" parTransId="{DAD22875-6C49-4A1A-BCCB-038A161BC786}" sibTransId="{3FE1E0D8-A44A-436E-BAE2-AF3958494FF5}"/>
+    <dgm:cxn modelId="{B8076A60-4237-44C6-861B-B4F9B55E9BE5}" type="presOf" srcId="{9F6520A4-7602-43C5-9534-ADD34DD83A9C}" destId="{202FEB8C-4085-43ED-96A8-F80CF0931382}" srcOrd="0" destOrd="0" presId="urn:microsoft.com/office/officeart/2005/8/layout/radial5"/>
+    <dgm:cxn modelId="{FE488441-823E-4585-98E2-B2AB428FE8C2}" type="presOf" srcId="{B2D68EF5-DF88-4C38-8A9F-C940C2BA59BB}" destId="{FF111F76-B53A-49FC-8144-5DCE2CD23D2D}" srcOrd="0" destOrd="0" presId="urn:microsoft.com/office/officeart/2005/8/layout/radial5"/>
+    <dgm:cxn modelId="{FDBF5143-757D-4F73-8464-C52817CBED90}" srcId="{105F52D4-41A8-4235-B256-FACD3AD1C6BD}" destId="{A124DDF6-4C9C-490F-9E36-D9C451F553BE}" srcOrd="0" destOrd="0" parTransId="{B078F180-ED7D-4B04-8ECF-950C5D1E8FB4}" sibTransId="{53F71E2D-DCC6-424B-AB29-FD13DE149D9F}"/>
+    <dgm:cxn modelId="{1DB3146D-5398-4D65-B656-8B1A9D9E5A79}" srcId="{A124DDF6-4C9C-490F-9E36-D9C451F553BE}" destId="{4EF24A25-E502-4755-9414-B56BA28073EC}" srcOrd="1" destOrd="0" parTransId="{B2D68EF5-DF88-4C38-8A9F-C940C2BA59BB}" sibTransId="{60310AAF-7724-4D11-820C-7B54DD3CBF0F}"/>
+    <dgm:cxn modelId="{31A41053-A8FE-47F2-B56A-C7F44C29EA4E}" srcId="{A124DDF6-4C9C-490F-9E36-D9C451F553BE}" destId="{42CD09C9-E3E8-40E9-86AC-9E39C19379A2}" srcOrd="0" destOrd="0" parTransId="{9F6520A4-7602-43C5-9534-ADD34DD83A9C}" sibTransId="{EEF0712F-2B8B-4F1C-AAA0-235F7BDA7B9F}"/>
+    <dgm:cxn modelId="{72443456-A9A9-45AD-83E9-E28FF180922B}" type="presOf" srcId="{4EF24A25-E502-4755-9414-B56BA28073EC}" destId="{9EA96FAB-A35D-4B52-BD5F-295BC21BF544}" srcOrd="0" destOrd="0" presId="urn:microsoft.com/office/officeart/2005/8/layout/radial5"/>
+    <dgm:cxn modelId="{B3365796-9153-4C4B-B3D2-A0B81E2CFBA2}" type="presOf" srcId="{9F6520A4-7602-43C5-9534-ADD34DD83A9C}" destId="{C1D03F14-320F-4E59-8475-C558DE9E60AE}" srcOrd="1" destOrd="0" presId="urn:microsoft.com/office/officeart/2005/8/layout/radial5"/>
+    <dgm:cxn modelId="{69E5C099-4CC0-40C3-B777-08002536F604}" type="presOf" srcId="{DAD22875-6C49-4A1A-BCCB-038A161BC786}" destId="{CA4444CA-294F-4ABC-ACEF-7A53634743F7}" srcOrd="1" destOrd="0" presId="urn:microsoft.com/office/officeart/2005/8/layout/radial5"/>
+    <dgm:cxn modelId="{4444A1AB-C5F0-4803-85EE-116AB1F90E13}" type="presOf" srcId="{DC3CEA42-95CC-4A99-BD72-64E5743C8C93}" destId="{F1CBED74-315F-419D-A1E4-D2B28B364B58}" srcOrd="0" destOrd="0" presId="urn:microsoft.com/office/officeart/2005/8/layout/radial5"/>
+    <dgm:cxn modelId="{FEAD6FB8-AA4F-4EFB-A3D5-916C9C28AFEB}" type="presOf" srcId="{0095A144-475F-4622-AA20-6006D9C9E10B}" destId="{F9902BE3-66F0-4C39-BA24-4FC96B75059F}" srcOrd="0" destOrd="0" presId="urn:microsoft.com/office/officeart/2005/8/layout/radial5"/>
+    <dgm:cxn modelId="{EB0592C1-D2F0-4FEF-9B7E-0112195B5E71}" type="presOf" srcId="{BC128835-1871-4037-94C0-F97C36587108}" destId="{71979E39-2CBC-4058-98C0-3D3F0E2CFB8B}" srcOrd="0" destOrd="0" presId="urn:microsoft.com/office/officeart/2005/8/layout/radial5"/>
+    <dgm:cxn modelId="{1B6C85C7-AD2C-424F-B4DD-F48ED83891BC}" type="presOf" srcId="{DAD22875-6C49-4A1A-BCCB-038A161BC786}" destId="{77725F6A-1C55-4FD8-AE2A-66A3D029DAF0}" srcOrd="0" destOrd="0" presId="urn:microsoft.com/office/officeart/2005/8/layout/radial5"/>
+    <dgm:cxn modelId="{7E353ECF-AFA3-40FB-B5EE-B68A1B1E7A5B}" type="presOf" srcId="{B2D68EF5-DF88-4C38-8A9F-C940C2BA59BB}" destId="{E68410C1-AC63-4596-8C87-35311DB23804}" srcOrd="1" destOrd="0" presId="urn:microsoft.com/office/officeart/2005/8/layout/radial5"/>
+    <dgm:cxn modelId="{99354DD2-5E14-434C-8587-B55FBCDAFA9B}" srcId="{A124DDF6-4C9C-490F-9E36-D9C451F553BE}" destId="{BC128835-1871-4037-94C0-F97C36587108}" srcOrd="4" destOrd="0" parTransId="{4509D49B-056F-4600-9B47-88EEC6B7DA96}" sibTransId="{48B8F212-FFF1-45E4-AC67-017DBF9C8014}"/>
+    <dgm:cxn modelId="{3713EEDB-4711-4EBF-9887-FA2447FDEF0D}" type="presOf" srcId="{A124DDF6-4C9C-490F-9E36-D9C451F553BE}" destId="{B8633B02-D514-4FF2-8A5D-F0B1854CEE8D}" srcOrd="0" destOrd="0" presId="urn:microsoft.com/office/officeart/2005/8/layout/radial5"/>
+    <dgm:cxn modelId="{2538C3E1-A1A7-4239-BB7F-C9436CFCAC2F}" srcId="{A124DDF6-4C9C-490F-9E36-D9C451F553BE}" destId="{DC3CEA42-95CC-4A99-BD72-64E5743C8C93}" srcOrd="2" destOrd="0" parTransId="{C0C9451C-D578-40A0-80D3-70C15F109C3C}" sibTransId="{D9E4DA04-58DF-4853-8E56-94B645577AD7}"/>
+    <dgm:cxn modelId="{11F984EA-9C05-4388-9DB5-1E6394B2FC66}" type="presOf" srcId="{C0C9451C-D578-40A0-80D3-70C15F109C3C}" destId="{722373D9-1346-41D3-82C9-2253F57B5184}" srcOrd="0" destOrd="0" presId="urn:microsoft.com/office/officeart/2005/8/layout/radial5"/>
+    <dgm:cxn modelId="{86D83CFF-481A-473F-B183-C96AD9E5385C}" type="presOf" srcId="{42CD09C9-E3E8-40E9-86AC-9E39C19379A2}" destId="{8131B865-A797-4E00-8122-D7D093392C05}" srcOrd="0" destOrd="0" presId="urn:microsoft.com/office/officeart/2005/8/layout/radial5"/>
+    <dgm:cxn modelId="{8076C406-C5B1-4CCF-99C0-7E7082D2474E}" type="presParOf" srcId="{750613B0-5EDA-4994-AC16-B224AF8FAFE8}" destId="{B8633B02-D514-4FF2-8A5D-F0B1854CEE8D}" srcOrd="0" destOrd="0" presId="urn:microsoft.com/office/officeart/2005/8/layout/radial5"/>
+    <dgm:cxn modelId="{5426B04E-6AC3-4775-8BEF-483F2DCD18A4}" type="presParOf" srcId="{750613B0-5EDA-4994-AC16-B224AF8FAFE8}" destId="{202FEB8C-4085-43ED-96A8-F80CF0931382}" srcOrd="1" destOrd="0" presId="urn:microsoft.com/office/officeart/2005/8/layout/radial5"/>
+    <dgm:cxn modelId="{CAA2C1A5-4E0C-4BDD-B395-20C6EED9741D}" type="presParOf" srcId="{202FEB8C-4085-43ED-96A8-F80CF0931382}" destId="{C1D03F14-320F-4E59-8475-C558DE9E60AE}" srcOrd="0" destOrd="0" presId="urn:microsoft.com/office/officeart/2005/8/layout/radial5"/>
+    <dgm:cxn modelId="{635978C6-BDA1-49DA-87B5-1A6735EB5016}" type="presParOf" srcId="{750613B0-5EDA-4994-AC16-B224AF8FAFE8}" destId="{8131B865-A797-4E00-8122-D7D093392C05}" srcOrd="2" destOrd="0" presId="urn:microsoft.com/office/officeart/2005/8/layout/radial5"/>
+    <dgm:cxn modelId="{51E6C038-E9D1-4385-873D-A2A8FF16A105}" type="presParOf" srcId="{750613B0-5EDA-4994-AC16-B224AF8FAFE8}" destId="{FF111F76-B53A-49FC-8144-5DCE2CD23D2D}" srcOrd="3" destOrd="0" presId="urn:microsoft.com/office/officeart/2005/8/layout/radial5"/>
+    <dgm:cxn modelId="{489E176C-7985-446D-B49F-27450322EED2}" type="presParOf" srcId="{FF111F76-B53A-49FC-8144-5DCE2CD23D2D}" destId="{E68410C1-AC63-4596-8C87-35311DB23804}" srcOrd="0" destOrd="0" presId="urn:microsoft.com/office/officeart/2005/8/layout/radial5"/>
+    <dgm:cxn modelId="{956FFD60-6C61-4397-ADDC-A90CBEB0E1E0}" type="presParOf" srcId="{750613B0-5EDA-4994-AC16-B224AF8FAFE8}" destId="{9EA96FAB-A35D-4B52-BD5F-295BC21BF544}" srcOrd="4" destOrd="0" presId="urn:microsoft.com/office/officeart/2005/8/layout/radial5"/>
+    <dgm:cxn modelId="{ADA38ADB-066C-4A0F-B285-A3DA31BD8E26}" type="presParOf" srcId="{750613B0-5EDA-4994-AC16-B224AF8FAFE8}" destId="{722373D9-1346-41D3-82C9-2253F57B5184}" srcOrd="5" destOrd="0" presId="urn:microsoft.com/office/officeart/2005/8/layout/radial5"/>
+    <dgm:cxn modelId="{81DC75FC-F7EA-49DB-9602-6001A1D2583B}" type="presParOf" srcId="{722373D9-1346-41D3-82C9-2253F57B5184}" destId="{C6702D7B-E5D3-4A45-8212-92D27F0EA497}" srcOrd="0" destOrd="0" presId="urn:microsoft.com/office/officeart/2005/8/layout/radial5"/>
+    <dgm:cxn modelId="{E793AD86-C150-4542-87C2-2FD9A73C1FD3}" type="presParOf" srcId="{750613B0-5EDA-4994-AC16-B224AF8FAFE8}" destId="{F1CBED74-315F-419D-A1E4-D2B28B364B58}" srcOrd="6" destOrd="0" presId="urn:microsoft.com/office/officeart/2005/8/layout/radial5"/>
+    <dgm:cxn modelId="{7F235017-C6F4-49D2-9BA5-D9823577685C}" type="presParOf" srcId="{750613B0-5EDA-4994-AC16-B224AF8FAFE8}" destId="{77725F6A-1C55-4FD8-AE2A-66A3D029DAF0}" srcOrd="7" destOrd="0" presId="urn:microsoft.com/office/officeart/2005/8/layout/radial5"/>
+    <dgm:cxn modelId="{559863B2-BF40-4B4C-B91F-055C28E59E86}" type="presParOf" srcId="{77725F6A-1C55-4FD8-AE2A-66A3D029DAF0}" destId="{CA4444CA-294F-4ABC-ACEF-7A53634743F7}" srcOrd="0" destOrd="0" presId="urn:microsoft.com/office/officeart/2005/8/layout/radial5"/>
+    <dgm:cxn modelId="{DB486ED4-F5BA-4242-830E-16CAC888AC55}" type="presParOf" srcId="{750613B0-5EDA-4994-AC16-B224AF8FAFE8}" destId="{F9902BE3-66F0-4C39-BA24-4FC96B75059F}" srcOrd="8" destOrd="0" presId="urn:microsoft.com/office/officeart/2005/8/layout/radial5"/>
+    <dgm:cxn modelId="{8855A2B7-4574-4768-BBF8-A7DDFB3BEC20}" type="presParOf" srcId="{750613B0-5EDA-4994-AC16-B224AF8FAFE8}" destId="{3D0201D3-405C-42A9-85AF-480E6D2991B3}" srcOrd="9" destOrd="0" presId="urn:microsoft.com/office/officeart/2005/8/layout/radial5"/>
+    <dgm:cxn modelId="{EC6F42B9-3290-42C6-A530-4122ACB83A58}" type="presParOf" srcId="{3D0201D3-405C-42A9-85AF-480E6D2991B3}" destId="{CEBD8D7D-3A13-4CB9-8D16-BB94DFE0328C}" srcOrd="0" destOrd="0" presId="urn:microsoft.com/office/officeart/2005/8/layout/radial5"/>
+    <dgm:cxn modelId="{E7B650DC-887F-40C1-9763-5D8166725A9B}" type="presParOf" srcId="{750613B0-5EDA-4994-AC16-B224AF8FAFE8}" destId="{71979E39-2CBC-4058-98C0-3D3F0E2CFB8B}" srcOrd="10" destOrd="0" presId="urn:microsoft.com/office/officeart/2005/8/layout/radial5"/>
+  </dgm:cxnLst>
+  <dgm:bg/>
+  <dgm:whole/>
+  <dgm:extLst>
+    <a:ext uri="http://schemas.microsoft.com/office/drawing/2008/diagram">
+      <dsp:dataModelExt xmlns:dsp="http://schemas.microsoft.com/office/drawing/2008/diagram" relId="rId6" minVer="http://schemas.openxmlformats.org/drawingml/2006/diagram"/>
+    </a:ext>
+  </dgm:extLst>
+</dgm:dataModel>
+</file>
+
+<file path=ppt/diagrams/drawing1.xml><?xml version="1.0" encoding="utf-8"?>
+<dsp:drawing xmlns:dgm="http://schemas.openxmlformats.org/drawingml/2006/diagram" xmlns:dsp="http://schemas.microsoft.com/office/drawing/2008/diagram" xmlns:a="http://schemas.openxmlformats.org/drawingml/2006/main">
+  <dsp:spTree>
+    <dsp:nvGrpSpPr>
+      <dsp:cNvPr id="0" name=""/>
+      <dsp:cNvGrpSpPr/>
+    </dsp:nvGrpSpPr>
+    <dsp:grpSpPr/>
+    <dsp:sp modelId="{D83A2B9A-1B97-4E13-927A-9EE7F37C5095}">
+      <dsp:nvSpPr>
+        <dsp:cNvPr id="0" name=""/>
+        <dsp:cNvSpPr/>
+      </dsp:nvSpPr>
+      <dsp:spPr>
+        <a:xfrm>
+          <a:off x="5257799" y="2157962"/>
+          <a:ext cx="4222077" cy="575521"/>
+        </a:xfrm>
+        <a:custGeom>
+          <a:avLst/>
+          <a:gdLst/>
+          <a:ahLst/>
+          <a:cxnLst/>
+          <a:rect l="0" t="0" r="0" b="0"/>
+          <a:pathLst>
+            <a:path>
+              <a:moveTo>
+                <a:pt x="0" y="0"/>
+              </a:moveTo>
+              <a:lnTo>
+                <a:pt x="0" y="287760"/>
+              </a:lnTo>
+              <a:lnTo>
+                <a:pt x="4222077" y="287760"/>
+              </a:lnTo>
+              <a:lnTo>
+                <a:pt x="4222077" y="575521"/>
+              </a:lnTo>
+            </a:path>
+          </a:pathLst>
+        </a:custGeom>
+        <a:noFill/>
+        <a:ln w="12700" cap="flat" cmpd="sng" algn="ctr">
+          <a:solidFill>
+            <a:schemeClr val="dk1">
+              <a:shade val="80000"/>
+              <a:hueOff val="0"/>
+              <a:satOff val="0"/>
+              <a:lumOff val="0"/>
+              <a:alphaOff val="0"/>
+            </a:schemeClr>
+          </a:solidFill>
+          <a:prstDash val="solid"/>
+          <a:miter lim="800000"/>
+        </a:ln>
+        <a:effectLst/>
+      </dsp:spPr>
+      <dsp:style>
+        <a:lnRef idx="2">
+          <a:scrgbClr r="0" g="0" b="0"/>
+        </a:lnRef>
+        <a:fillRef idx="0">
+          <a:scrgbClr r="0" g="0" b="0"/>
+        </a:fillRef>
+        <a:effectRef idx="0">
+          <a:scrgbClr r="0" g="0" b="0"/>
+        </a:effectRef>
+        <a:fontRef idx="minor"/>
+      </dsp:style>
+    </dsp:sp>
+    <dsp:sp modelId="{F0CED422-600E-4C66-8F2D-BF077B6644FD}">
+      <dsp:nvSpPr>
+        <dsp:cNvPr id="0" name=""/>
+        <dsp:cNvSpPr/>
+      </dsp:nvSpPr>
+      <dsp:spPr>
+        <a:xfrm>
+          <a:off x="5257799" y="2157962"/>
+          <a:ext cx="1487626" cy="575521"/>
+        </a:xfrm>
+        <a:custGeom>
+          <a:avLst/>
+          <a:gdLst/>
+          <a:ahLst/>
+          <a:cxnLst/>
+          <a:rect l="0" t="0" r="0" b="0"/>
+          <a:pathLst>
+            <a:path>
+              <a:moveTo>
+                <a:pt x="0" y="0"/>
+              </a:moveTo>
+              <a:lnTo>
+                <a:pt x="0" y="287760"/>
+              </a:lnTo>
+              <a:lnTo>
+                <a:pt x="1487626" y="287760"/>
+              </a:lnTo>
+              <a:lnTo>
+                <a:pt x="1487626" y="575521"/>
+              </a:lnTo>
+            </a:path>
+          </a:pathLst>
+        </a:custGeom>
+        <a:noFill/>
+        <a:ln w="12700" cap="flat" cmpd="sng" algn="ctr">
+          <a:solidFill>
+            <a:schemeClr val="dk1">
+              <a:shade val="80000"/>
+              <a:hueOff val="0"/>
+              <a:satOff val="0"/>
+              <a:lumOff val="0"/>
+              <a:alphaOff val="0"/>
+            </a:schemeClr>
+          </a:solidFill>
+          <a:prstDash val="solid"/>
+          <a:miter lim="800000"/>
+        </a:ln>
+        <a:effectLst/>
+      </dsp:spPr>
+      <dsp:style>
+        <a:lnRef idx="2">
+          <a:scrgbClr r="0" g="0" b="0"/>
+        </a:lnRef>
+        <a:fillRef idx="0">
+          <a:scrgbClr r="0" g="0" b="0"/>
+        </a:fillRef>
+        <a:effectRef idx="0">
+          <a:scrgbClr r="0" g="0" b="0"/>
+        </a:effectRef>
+        <a:fontRef idx="minor"/>
+      </dsp:style>
+    </dsp:sp>
+    <dsp:sp modelId="{6B83A722-F420-4AD1-8777-D6DBD0D4274E}">
+      <dsp:nvSpPr>
+        <dsp:cNvPr id="0" name=""/>
+        <dsp:cNvSpPr/>
+      </dsp:nvSpPr>
+      <dsp:spPr>
+        <a:xfrm>
+          <a:off x="3905434" y="2157962"/>
+          <a:ext cx="1352365" cy="575521"/>
+        </a:xfrm>
+        <a:custGeom>
+          <a:avLst/>
+          <a:gdLst/>
+          <a:ahLst/>
+          <a:cxnLst/>
+          <a:rect l="0" t="0" r="0" b="0"/>
+          <a:pathLst>
+            <a:path>
+              <a:moveTo>
+                <a:pt x="1352365" y="0"/>
+              </a:moveTo>
+              <a:lnTo>
+                <a:pt x="1352365" y="287760"/>
+              </a:lnTo>
+              <a:lnTo>
+                <a:pt x="0" y="287760"/>
+              </a:lnTo>
+              <a:lnTo>
+                <a:pt x="0" y="575521"/>
+              </a:lnTo>
+            </a:path>
+          </a:pathLst>
+        </a:custGeom>
+        <a:noFill/>
+        <a:ln w="12700" cap="flat" cmpd="sng" algn="ctr">
+          <a:solidFill>
+            <a:schemeClr val="dk1">
+              <a:shade val="80000"/>
+              <a:hueOff val="0"/>
+              <a:satOff val="0"/>
+              <a:lumOff val="0"/>
+              <a:alphaOff val="0"/>
+            </a:schemeClr>
+          </a:solidFill>
+          <a:prstDash val="solid"/>
+          <a:miter lim="800000"/>
+        </a:ln>
+        <a:effectLst/>
+      </dsp:spPr>
+      <dsp:style>
+        <a:lnRef idx="2">
+          <a:scrgbClr r="0" g="0" b="0"/>
+        </a:lnRef>
+        <a:fillRef idx="0">
+          <a:scrgbClr r="0" g="0" b="0"/>
+        </a:fillRef>
+        <a:effectRef idx="0">
+          <a:scrgbClr r="0" g="0" b="0"/>
+        </a:effectRef>
+        <a:fontRef idx="minor"/>
+      </dsp:style>
+    </dsp:sp>
+    <dsp:sp modelId="{9525B768-9342-4367-ABE7-05CCEE58327B}">
+      <dsp:nvSpPr>
+        <dsp:cNvPr id="0" name=""/>
+        <dsp:cNvSpPr/>
+      </dsp:nvSpPr>
+      <dsp:spPr>
+        <a:xfrm>
+          <a:off x="1096590" y="2157962"/>
+          <a:ext cx="4161209" cy="575521"/>
+        </a:xfrm>
+        <a:custGeom>
+          <a:avLst/>
+          <a:gdLst/>
+          <a:ahLst/>
+          <a:cxnLst/>
+          <a:rect l="0" t="0" r="0" b="0"/>
+          <a:pathLst>
+            <a:path>
+              <a:moveTo>
+                <a:pt x="4161209" y="0"/>
+              </a:moveTo>
+              <a:lnTo>
+                <a:pt x="4161209" y="287760"/>
+              </a:lnTo>
+              <a:lnTo>
+                <a:pt x="0" y="287760"/>
+              </a:lnTo>
+              <a:lnTo>
+                <a:pt x="0" y="575521"/>
+              </a:lnTo>
+            </a:path>
+          </a:pathLst>
+        </a:custGeom>
+        <a:noFill/>
+        <a:ln w="12700" cap="flat" cmpd="sng" algn="ctr">
+          <a:solidFill>
+            <a:schemeClr val="dk1">
+              <a:shade val="80000"/>
+              <a:hueOff val="0"/>
+              <a:satOff val="0"/>
+              <a:lumOff val="0"/>
+              <a:alphaOff val="0"/>
+            </a:schemeClr>
+          </a:solidFill>
+          <a:prstDash val="solid"/>
+          <a:miter lim="800000"/>
+        </a:ln>
+        <a:effectLst/>
+      </dsp:spPr>
+      <dsp:style>
+        <a:lnRef idx="2">
+          <a:scrgbClr r="0" g="0" b="0"/>
+        </a:lnRef>
+        <a:fillRef idx="0">
+          <a:scrgbClr r="0" g="0" b="0"/>
+        </a:fillRef>
+        <a:effectRef idx="0">
+          <a:scrgbClr r="0" g="0" b="0"/>
+        </a:effectRef>
+        <a:fontRef idx="minor"/>
+      </dsp:style>
+    </dsp:sp>
+    <dsp:sp modelId="{E3110396-92D8-4C16-8D22-10CA673D5416}">
+      <dsp:nvSpPr>
+        <dsp:cNvPr id="0" name=""/>
+        <dsp:cNvSpPr/>
+      </dsp:nvSpPr>
+      <dsp:spPr>
+        <a:xfrm>
+          <a:off x="5212079" y="1115296"/>
+          <a:ext cx="91440" cy="575521"/>
+        </a:xfrm>
+        <a:custGeom>
+          <a:avLst/>
+          <a:gdLst/>
+          <a:ahLst/>
+          <a:cxnLst/>
+          <a:rect l="0" t="0" r="0" b="0"/>
+          <a:pathLst>
+            <a:path>
+              <a:moveTo>
+                <a:pt x="45720" y="0"/>
+              </a:moveTo>
+              <a:lnTo>
+                <a:pt x="45720" y="575521"/>
+              </a:lnTo>
+            </a:path>
+          </a:pathLst>
+        </a:custGeom>
+        <a:noFill/>
+        <a:ln w="12700" cap="flat" cmpd="sng" algn="ctr">
+          <a:solidFill>
+            <a:schemeClr val="dk1">
+              <a:shade val="60000"/>
+              <a:hueOff val="0"/>
+              <a:satOff val="0"/>
+              <a:lumOff val="0"/>
+              <a:alphaOff val="0"/>
+            </a:schemeClr>
+          </a:solidFill>
+          <a:prstDash val="solid"/>
+          <a:miter lim="800000"/>
+        </a:ln>
+        <a:effectLst/>
+      </dsp:spPr>
+      <dsp:style>
+        <a:lnRef idx="2">
+          <a:scrgbClr r="0" g="0" b="0"/>
+        </a:lnRef>
+        <a:fillRef idx="0">
+          <a:scrgbClr r="0" g="0" b="0"/>
+        </a:fillRef>
+        <a:effectRef idx="0">
+          <a:scrgbClr r="0" g="0" b="0"/>
+        </a:effectRef>
+        <a:fontRef idx="minor"/>
+      </dsp:style>
+    </dsp:sp>
+    <dsp:sp modelId="{407926B9-2154-4BE5-9993-2961F03FA24A}">
+      <dsp:nvSpPr>
+        <dsp:cNvPr id="0" name=""/>
+        <dsp:cNvSpPr/>
+      </dsp:nvSpPr>
+      <dsp:spPr>
+        <a:xfrm>
+          <a:off x="3014980" y="643081"/>
+          <a:ext cx="4485639" cy="472215"/>
+        </a:xfrm>
+        <a:prstGeom prst="rect">
+          <a:avLst/>
+        </a:prstGeom>
+        <a:solidFill>
+          <a:schemeClr val="lt1">
+            <a:hueOff val="0"/>
+            <a:satOff val="0"/>
+            <a:lumOff val="0"/>
+            <a:alphaOff val="0"/>
+          </a:schemeClr>
+        </a:solidFill>
+        <a:ln w="12700" cap="flat" cmpd="sng" algn="ctr">
+          <a:solidFill>
+            <a:schemeClr val="dk1">
+              <a:shade val="80000"/>
+              <a:hueOff val="0"/>
+              <a:satOff val="0"/>
+              <a:lumOff val="0"/>
+              <a:alphaOff val="0"/>
+            </a:schemeClr>
+          </a:solidFill>
+          <a:prstDash val="solid"/>
+          <a:miter lim="800000"/>
+        </a:ln>
+        <a:effectLst/>
+      </dsp:spPr>
+      <dsp:style>
+        <a:lnRef idx="2">
+          <a:scrgbClr r="0" g="0" b="0"/>
+        </a:lnRef>
+        <a:fillRef idx="1">
+          <a:scrgbClr r="0" g="0" b="0"/>
+        </a:fillRef>
+        <a:effectRef idx="0">
+          <a:scrgbClr r="0" g="0" b="0"/>
+        </a:effectRef>
+        <a:fontRef idx="minor">
+          <a:schemeClr val="lt1"/>
+        </a:fontRef>
+      </dsp:style>
+      <dsp:txBody>
+        <a:bodyPr spcFirstLastPara="0" vert="horz" wrap="square" lIns="12065" tIns="12065" rIns="12065" bIns="12065" numCol="1" spcCol="1270" anchor="ctr" anchorCtr="0">
+          <a:noAutofit/>
+        </a:bodyPr>
+        <a:lstStyle/>
+        <a:p>
+          <a:pPr marL="0" lvl="0" indent="0" algn="ctr" defTabSz="844550">
+            <a:lnSpc>
+              <a:spcPct val="90000"/>
+            </a:lnSpc>
+            <a:spcBef>
+              <a:spcPct val="0"/>
+            </a:spcBef>
+            <a:spcAft>
+              <a:spcPct val="35000"/>
+            </a:spcAft>
+            <a:buNone/>
+          </a:pPr>
+          <a:r>
+            <a:rPr lang="pt-BR" sz="1900" kern="1200" dirty="0"/>
+            <a:t>Objetivos de Clientes</a:t>
+          </a:r>
+        </a:p>
+      </dsp:txBody>
+      <dsp:txXfrm>
+        <a:off x="3014980" y="643081"/>
+        <a:ext cx="4485639" cy="472215"/>
+      </dsp:txXfrm>
+    </dsp:sp>
+    <dsp:sp modelId="{63902D03-6346-4B82-A5D6-5F9DCEEF912D}">
+      <dsp:nvSpPr>
+        <dsp:cNvPr id="0" name=""/>
+        <dsp:cNvSpPr/>
+      </dsp:nvSpPr>
+      <dsp:spPr>
+        <a:xfrm>
+          <a:off x="2981202" y="1690817"/>
+          <a:ext cx="4553194" cy="467145"/>
+        </a:xfrm>
+        <a:prstGeom prst="rect">
+          <a:avLst/>
+        </a:prstGeom>
+        <a:solidFill>
+          <a:schemeClr val="lt1">
+            <a:hueOff val="0"/>
+            <a:satOff val="0"/>
+            <a:lumOff val="0"/>
+            <a:alphaOff val="0"/>
+          </a:schemeClr>
+        </a:solidFill>
+        <a:ln w="12700" cap="flat" cmpd="sng" algn="ctr">
+          <a:solidFill>
+            <a:schemeClr val="dk1">
+              <a:shade val="80000"/>
+              <a:hueOff val="0"/>
+              <a:satOff val="0"/>
+              <a:lumOff val="0"/>
+              <a:alphaOff val="0"/>
+            </a:schemeClr>
+          </a:solidFill>
+          <a:prstDash val="solid"/>
+          <a:miter lim="800000"/>
+        </a:ln>
+        <a:effectLst/>
+      </dsp:spPr>
+      <dsp:style>
+        <a:lnRef idx="2">
+          <a:scrgbClr r="0" g="0" b="0"/>
+        </a:lnRef>
+        <a:fillRef idx="1">
+          <a:scrgbClr r="0" g="0" b="0"/>
+        </a:fillRef>
+        <a:effectRef idx="0">
+          <a:scrgbClr r="0" g="0" b="0"/>
+        </a:effectRef>
+        <a:fontRef idx="minor">
+          <a:schemeClr val="lt1"/>
+        </a:fontRef>
+      </dsp:style>
+      <dsp:txBody>
+        <a:bodyPr spcFirstLastPara="0" vert="horz" wrap="square" lIns="12065" tIns="12065" rIns="12065" bIns="12065" numCol="1" spcCol="1270" anchor="ctr" anchorCtr="0">
+          <a:noAutofit/>
+        </a:bodyPr>
+        <a:lstStyle/>
+        <a:p>
+          <a:pPr marL="0" lvl="0" indent="0" algn="ctr" defTabSz="844550">
+            <a:lnSpc>
+              <a:spcPct val="90000"/>
+            </a:lnSpc>
+            <a:spcBef>
+              <a:spcPct val="0"/>
+            </a:spcBef>
+            <a:spcAft>
+              <a:spcPct val="35000"/>
+            </a:spcAft>
+            <a:buNone/>
+          </a:pPr>
+          <a:r>
+            <a:rPr lang="pt-BR" sz="1900" kern="1200" dirty="0"/>
+            <a:t>Alocação de fundos</a:t>
+          </a:r>
+        </a:p>
+      </dsp:txBody>
+      <dsp:txXfrm>
+        <a:off x="2981202" y="1690817"/>
+        <a:ext cx="4553194" cy="467145"/>
+      </dsp:txXfrm>
+    </dsp:sp>
+    <dsp:sp modelId="{3C9FB097-C81B-4758-BFF5-8F9F17497D22}">
+      <dsp:nvSpPr>
+        <dsp:cNvPr id="0" name=""/>
+        <dsp:cNvSpPr/>
+      </dsp:nvSpPr>
+      <dsp:spPr>
+        <a:xfrm>
+          <a:off x="2264" y="2733483"/>
+          <a:ext cx="2188652" cy="682883"/>
+        </a:xfrm>
+        <a:prstGeom prst="rect">
+          <a:avLst/>
+        </a:prstGeom>
+        <a:solidFill>
+          <a:schemeClr val="lt1">
+            <a:hueOff val="0"/>
+            <a:satOff val="0"/>
+            <a:lumOff val="0"/>
+            <a:alphaOff val="0"/>
+          </a:schemeClr>
+        </a:solidFill>
+        <a:ln w="12700" cap="flat" cmpd="sng" algn="ctr">
+          <a:solidFill>
+            <a:schemeClr val="dk1">
+              <a:shade val="80000"/>
+              <a:hueOff val="0"/>
+              <a:satOff val="0"/>
+              <a:lumOff val="0"/>
+              <a:alphaOff val="0"/>
+            </a:schemeClr>
+          </a:solidFill>
+          <a:prstDash val="solid"/>
+          <a:miter lim="800000"/>
+        </a:ln>
+        <a:effectLst/>
+      </dsp:spPr>
+      <dsp:style>
+        <a:lnRef idx="2">
+          <a:scrgbClr r="0" g="0" b="0"/>
+        </a:lnRef>
+        <a:fillRef idx="1">
+          <a:scrgbClr r="0" g="0" b="0"/>
+        </a:fillRef>
+        <a:effectRef idx="0">
+          <a:scrgbClr r="0" g="0" b="0"/>
+        </a:effectRef>
+        <a:fontRef idx="minor">
+          <a:schemeClr val="lt1"/>
+        </a:fontRef>
+      </dsp:style>
+      <dsp:txBody>
+        <a:bodyPr spcFirstLastPara="0" vert="horz" wrap="square" lIns="12065" tIns="12065" rIns="12065" bIns="12065" numCol="1" spcCol="1270" anchor="ctr" anchorCtr="0">
+          <a:noAutofit/>
+        </a:bodyPr>
+        <a:lstStyle/>
+        <a:p>
+          <a:pPr marL="0" lvl="0" indent="0" algn="ctr" defTabSz="844550">
+            <a:lnSpc>
+              <a:spcPct val="90000"/>
+            </a:lnSpc>
+            <a:spcBef>
+              <a:spcPct val="0"/>
+            </a:spcBef>
+            <a:spcAft>
+              <a:spcPct val="35000"/>
+            </a:spcAft>
+            <a:buNone/>
+          </a:pPr>
+          <a:r>
+            <a:rPr lang="pt-BR" sz="1900" kern="1200" dirty="0"/>
+            <a:t>Equivalente Caixa 0 a 25%</a:t>
+          </a:r>
+        </a:p>
+      </dsp:txBody>
+      <dsp:txXfrm>
+        <a:off x="2264" y="2733483"/>
+        <a:ext cx="2188652" cy="682883"/>
+      </dsp:txXfrm>
+    </dsp:sp>
+    <dsp:sp modelId="{A563128F-AF2C-4AFC-8EE9-678CFEE63B74}">
+      <dsp:nvSpPr>
+        <dsp:cNvPr id="0" name=""/>
+        <dsp:cNvSpPr/>
+      </dsp:nvSpPr>
+      <dsp:spPr>
+        <a:xfrm>
+          <a:off x="2766437" y="2733483"/>
+          <a:ext cx="2277994" cy="695229"/>
+        </a:xfrm>
+        <a:prstGeom prst="rect">
+          <a:avLst/>
+        </a:prstGeom>
+        <a:solidFill>
+          <a:schemeClr val="lt1">
+            <a:hueOff val="0"/>
+            <a:satOff val="0"/>
+            <a:lumOff val="0"/>
+            <a:alphaOff val="0"/>
+          </a:schemeClr>
+        </a:solidFill>
+        <a:ln w="12700" cap="flat" cmpd="sng" algn="ctr">
+          <a:solidFill>
+            <a:schemeClr val="dk1">
+              <a:shade val="80000"/>
+              <a:hueOff val="0"/>
+              <a:satOff val="0"/>
+              <a:lumOff val="0"/>
+              <a:alphaOff val="0"/>
+            </a:schemeClr>
+          </a:solidFill>
+          <a:prstDash val="solid"/>
+          <a:miter lim="800000"/>
+        </a:ln>
+        <a:effectLst/>
+      </dsp:spPr>
+      <dsp:style>
+        <a:lnRef idx="2">
+          <a:scrgbClr r="0" g="0" b="0"/>
+        </a:lnRef>
+        <a:fillRef idx="1">
+          <a:scrgbClr r="0" g="0" b="0"/>
+        </a:fillRef>
+        <a:effectRef idx="0">
+          <a:scrgbClr r="0" g="0" b="0"/>
+        </a:effectRef>
+        <a:fontRef idx="minor">
+          <a:schemeClr val="lt1"/>
+        </a:fontRef>
+      </dsp:style>
+      <dsp:txBody>
+        <a:bodyPr spcFirstLastPara="0" vert="horz" wrap="square" lIns="12065" tIns="12065" rIns="12065" bIns="12065" numCol="1" spcCol="1270" anchor="ctr" anchorCtr="0">
+          <a:noAutofit/>
+        </a:bodyPr>
+        <a:lstStyle/>
+        <a:p>
+          <a:pPr marL="0" lvl="0" indent="0" algn="ctr" defTabSz="844550">
+            <a:lnSpc>
+              <a:spcPct val="90000"/>
+            </a:lnSpc>
+            <a:spcBef>
+              <a:spcPct val="0"/>
+            </a:spcBef>
+            <a:spcAft>
+              <a:spcPct val="35000"/>
+            </a:spcAft>
+            <a:buNone/>
+          </a:pPr>
+          <a:r>
+            <a:rPr lang="pt-BR" sz="1900" kern="1200" dirty="0"/>
+            <a:t>Fundos</a:t>
+          </a:r>
+        </a:p>
+        <a:p>
+          <a:pPr marL="0" lvl="0" indent="0" algn="ctr" defTabSz="844550">
+            <a:lnSpc>
+              <a:spcPct val="90000"/>
+            </a:lnSpc>
+            <a:spcBef>
+              <a:spcPct val="0"/>
+            </a:spcBef>
+            <a:spcAft>
+              <a:spcPct val="35000"/>
+            </a:spcAft>
+            <a:buNone/>
+          </a:pPr>
+          <a:r>
+            <a:rPr lang="pt-BR" sz="1900" kern="1200" dirty="0"/>
+            <a:t> 60 a 90%</a:t>
+          </a:r>
+        </a:p>
+      </dsp:txBody>
+      <dsp:txXfrm>
+        <a:off x="2766437" y="2733483"/>
+        <a:ext cx="2277994" cy="695229"/>
+      </dsp:txXfrm>
+    </dsp:sp>
+    <dsp:sp modelId="{7B59362A-EE34-41DE-83E5-7B1CEF98D113}">
+      <dsp:nvSpPr>
+        <dsp:cNvPr id="0" name=""/>
+        <dsp:cNvSpPr/>
+      </dsp:nvSpPr>
+      <dsp:spPr>
+        <a:xfrm>
+          <a:off x="5619953" y="2733483"/>
+          <a:ext cx="2250945" cy="674976"/>
+        </a:xfrm>
+        <a:prstGeom prst="rect">
+          <a:avLst/>
+        </a:prstGeom>
+        <a:solidFill>
+          <a:schemeClr val="lt1">
+            <a:hueOff val="0"/>
+            <a:satOff val="0"/>
+            <a:lumOff val="0"/>
+            <a:alphaOff val="0"/>
+          </a:schemeClr>
+        </a:solidFill>
+        <a:ln w="12700" cap="flat" cmpd="sng" algn="ctr">
+          <a:solidFill>
+            <a:schemeClr val="dk1">
+              <a:shade val="80000"/>
+              <a:hueOff val="0"/>
+              <a:satOff val="0"/>
+              <a:lumOff val="0"/>
+              <a:alphaOff val="0"/>
+            </a:schemeClr>
+          </a:solidFill>
+          <a:prstDash val="solid"/>
+          <a:miter lim="800000"/>
+        </a:ln>
+        <a:effectLst/>
+      </dsp:spPr>
+      <dsp:style>
+        <a:lnRef idx="2">
+          <a:scrgbClr r="0" g="0" b="0"/>
+        </a:lnRef>
+        <a:fillRef idx="1">
+          <a:scrgbClr r="0" g="0" b="0"/>
+        </a:fillRef>
+        <a:effectRef idx="0">
+          <a:scrgbClr r="0" g="0" b="0"/>
+        </a:effectRef>
+        <a:fontRef idx="minor">
+          <a:schemeClr val="lt1"/>
+        </a:fontRef>
+      </dsp:style>
+      <dsp:txBody>
+        <a:bodyPr spcFirstLastPara="0" vert="horz" wrap="square" lIns="12065" tIns="12065" rIns="12065" bIns="12065" numCol="1" spcCol="1270" anchor="ctr" anchorCtr="0">
+          <a:noAutofit/>
+        </a:bodyPr>
+        <a:lstStyle/>
+        <a:p>
+          <a:pPr marL="0" lvl="0" indent="0" algn="ctr" defTabSz="844550">
+            <a:lnSpc>
+              <a:spcPct val="90000"/>
+            </a:lnSpc>
+            <a:spcBef>
+              <a:spcPct val="0"/>
+            </a:spcBef>
+            <a:spcAft>
+              <a:spcPct val="35000"/>
+            </a:spcAft>
+            <a:buNone/>
+          </a:pPr>
+          <a:r>
+            <a:rPr lang="pt-BR" sz="1900" kern="1200" dirty="0"/>
+            <a:t>Rendimentos</a:t>
+          </a:r>
+        </a:p>
+        <a:p>
+          <a:pPr marL="0" lvl="0" indent="0" algn="ctr" defTabSz="844550">
+            <a:lnSpc>
+              <a:spcPct val="90000"/>
+            </a:lnSpc>
+            <a:spcBef>
+              <a:spcPct val="0"/>
+            </a:spcBef>
+            <a:spcAft>
+              <a:spcPct val="35000"/>
+            </a:spcAft>
+            <a:buNone/>
+          </a:pPr>
+          <a:r>
+            <a:rPr lang="pt-BR" sz="1900" kern="1200" dirty="0"/>
+            <a:t> 0 a 20% </a:t>
+          </a:r>
+        </a:p>
+      </dsp:txBody>
+      <dsp:txXfrm>
+        <a:off x="5619953" y="2733483"/>
+        <a:ext cx="2250945" cy="674976"/>
+      </dsp:txXfrm>
+    </dsp:sp>
+    <dsp:sp modelId="{8FE3D5AF-16F5-4076-BA53-370987B1A3A6}">
+      <dsp:nvSpPr>
+        <dsp:cNvPr id="0" name=""/>
+        <dsp:cNvSpPr/>
+      </dsp:nvSpPr>
+      <dsp:spPr>
+        <a:xfrm>
+          <a:off x="8446420" y="2733483"/>
+          <a:ext cx="2066915" cy="703149"/>
+        </a:xfrm>
+        <a:prstGeom prst="rect">
+          <a:avLst/>
+        </a:prstGeom>
+        <a:solidFill>
+          <a:schemeClr val="lt1">
+            <a:hueOff val="0"/>
+            <a:satOff val="0"/>
+            <a:lumOff val="0"/>
+            <a:alphaOff val="0"/>
+          </a:schemeClr>
+        </a:solidFill>
+        <a:ln w="12700" cap="flat" cmpd="sng" algn="ctr">
+          <a:solidFill>
+            <a:schemeClr val="dk1">
+              <a:shade val="80000"/>
+              <a:hueOff val="0"/>
+              <a:satOff val="0"/>
+              <a:lumOff val="0"/>
+              <a:alphaOff val="0"/>
+            </a:schemeClr>
+          </a:solidFill>
+          <a:prstDash val="solid"/>
+          <a:miter lim="800000"/>
+        </a:ln>
+        <a:effectLst/>
+      </dsp:spPr>
+      <dsp:style>
+        <a:lnRef idx="2">
+          <a:scrgbClr r="0" g="0" b="0"/>
+        </a:lnRef>
+        <a:fillRef idx="1">
+          <a:scrgbClr r="0" g="0" b="0"/>
+        </a:fillRef>
+        <a:effectRef idx="0">
+          <a:scrgbClr r="0" g="0" b="0"/>
+        </a:effectRef>
+        <a:fontRef idx="minor">
+          <a:schemeClr val="lt1"/>
+        </a:fontRef>
+      </dsp:style>
+      <dsp:txBody>
+        <a:bodyPr spcFirstLastPara="0" vert="horz" wrap="square" lIns="12065" tIns="12065" rIns="12065" bIns="12065" numCol="1" spcCol="1270" anchor="ctr" anchorCtr="0">
+          <a:noAutofit/>
+        </a:bodyPr>
+        <a:lstStyle/>
+        <a:p>
+          <a:pPr marL="0" lvl="0" indent="0" algn="ctr" defTabSz="844550">
+            <a:lnSpc>
+              <a:spcPct val="90000"/>
+            </a:lnSpc>
+            <a:spcBef>
+              <a:spcPct val="0"/>
+            </a:spcBef>
+            <a:spcAft>
+              <a:spcPct val="35000"/>
+            </a:spcAft>
+            <a:buNone/>
+          </a:pPr>
+          <a:r>
+            <a:rPr lang="pt-BR" sz="1900" kern="1200" dirty="0"/>
+            <a:t>Ações</a:t>
+          </a:r>
+        </a:p>
+        <a:p>
+          <a:pPr marL="0" lvl="0" indent="0" algn="ctr" defTabSz="844550">
+            <a:lnSpc>
+              <a:spcPct val="90000"/>
+            </a:lnSpc>
+            <a:spcBef>
+              <a:spcPct val="0"/>
+            </a:spcBef>
+            <a:spcAft>
+              <a:spcPct val="35000"/>
+            </a:spcAft>
+            <a:buNone/>
+          </a:pPr>
+          <a:r>
+            <a:rPr lang="pt-BR" sz="1900" kern="1200" dirty="0"/>
+            <a:t>0 a 20%</a:t>
+          </a:r>
+        </a:p>
+      </dsp:txBody>
+      <dsp:txXfrm>
+        <a:off x="8446420" y="2733483"/>
+        <a:ext cx="2066915" cy="703149"/>
+      </dsp:txXfrm>
+    </dsp:sp>
+  </dsp:spTree>
+</dsp:drawing>
+</file>
+
+<file path=ppt/diagrams/drawing2.xml><?xml version="1.0" encoding="utf-8"?>
+<dsp:drawing xmlns:dgm="http://schemas.openxmlformats.org/drawingml/2006/diagram" xmlns:dsp="http://schemas.microsoft.com/office/drawing/2008/diagram" xmlns:a="http://schemas.openxmlformats.org/drawingml/2006/main">
+  <dsp:spTree>
+    <dsp:nvGrpSpPr>
+      <dsp:cNvPr id="0" name=""/>
+      <dsp:cNvGrpSpPr/>
+    </dsp:nvGrpSpPr>
+    <dsp:grpSpPr/>
+    <dsp:sp modelId="{B8633B02-D514-4FF2-8A5D-F0B1854CEE8D}">
+      <dsp:nvSpPr>
+        <dsp:cNvPr id="0" name=""/>
+        <dsp:cNvSpPr/>
+      </dsp:nvSpPr>
+      <dsp:spPr>
+        <a:xfrm>
+          <a:off x="4642935" y="1725361"/>
+          <a:ext cx="1229729" cy="1229729"/>
+        </a:xfrm>
+        <a:prstGeom prst="ellipse">
+          <a:avLst/>
+        </a:prstGeom>
+        <a:solidFill>
+          <a:schemeClr val="lt1">
+            <a:hueOff val="0"/>
+            <a:satOff val="0"/>
+            <a:lumOff val="0"/>
+            <a:alphaOff val="0"/>
+          </a:schemeClr>
+        </a:solidFill>
+        <a:ln w="12700" cap="flat" cmpd="sng" algn="ctr">
+          <a:solidFill>
+            <a:schemeClr val="dk1">
+              <a:shade val="80000"/>
+              <a:hueOff val="0"/>
+              <a:satOff val="0"/>
+              <a:lumOff val="0"/>
+              <a:alphaOff val="0"/>
+            </a:schemeClr>
+          </a:solidFill>
+          <a:prstDash val="solid"/>
+          <a:miter lim="800000"/>
+        </a:ln>
+        <a:effectLst/>
+      </dsp:spPr>
+      <dsp:style>
+        <a:lnRef idx="2">
+          <a:scrgbClr r="0" g="0" b="0"/>
+        </a:lnRef>
+        <a:fillRef idx="1">
+          <a:scrgbClr r="0" g="0" b="0"/>
+        </a:fillRef>
+        <a:effectRef idx="0">
+          <a:scrgbClr r="0" g="0" b="0"/>
+        </a:effectRef>
+        <a:fontRef idx="minor">
+          <a:schemeClr val="lt1"/>
+        </a:fontRef>
+      </dsp:style>
+      <dsp:txBody>
+        <a:bodyPr spcFirstLastPara="0" vert="horz" wrap="square" lIns="15240" tIns="15240" rIns="15240" bIns="15240" numCol="1" spcCol="1270" anchor="ctr" anchorCtr="0">
+          <a:noAutofit/>
+        </a:bodyPr>
+        <a:lstStyle/>
+        <a:p>
+          <a:pPr marL="0" lvl="0" indent="0" algn="ctr" defTabSz="533400">
+            <a:lnSpc>
+              <a:spcPct val="90000"/>
+            </a:lnSpc>
+            <a:spcBef>
+              <a:spcPct val="0"/>
+            </a:spcBef>
+            <a:spcAft>
+              <a:spcPct val="35000"/>
+            </a:spcAft>
+            <a:buNone/>
+          </a:pPr>
+          <a:r>
+            <a:rPr lang="pt-BR" sz="1200" kern="1200" dirty="0"/>
+            <a:t>Introdução à Informática- Windows e Office</a:t>
+          </a:r>
+        </a:p>
+      </dsp:txBody>
+      <dsp:txXfrm>
+        <a:off x="4823025" y="1905451"/>
+        <a:ext cx="869549" cy="869549"/>
+      </dsp:txXfrm>
+    </dsp:sp>
+    <dsp:sp modelId="{202FEB8C-4085-43ED-96A8-F80CF0931382}">
+      <dsp:nvSpPr>
+        <dsp:cNvPr id="0" name=""/>
+        <dsp:cNvSpPr/>
+      </dsp:nvSpPr>
+      <dsp:spPr>
+        <a:xfrm rot="16200000">
+          <a:off x="5127011" y="1276940"/>
+          <a:ext cx="261576" cy="418108"/>
+        </a:xfrm>
+        <a:prstGeom prst="rightArrow">
+          <a:avLst>
+            <a:gd name="adj1" fmla="val 60000"/>
+            <a:gd name="adj2" fmla="val 50000"/>
+          </a:avLst>
+        </a:prstGeom>
+        <a:solidFill>
+          <a:schemeClr val="dk1">
+            <a:tint val="60000"/>
+            <a:hueOff val="0"/>
+            <a:satOff val="0"/>
+            <a:lumOff val="0"/>
+            <a:alphaOff val="0"/>
+          </a:schemeClr>
+        </a:solidFill>
+        <a:ln>
+          <a:noFill/>
+        </a:ln>
+        <a:effectLst/>
+      </dsp:spPr>
+      <dsp:style>
+        <a:lnRef idx="0">
+          <a:scrgbClr r="0" g="0" b="0"/>
+        </a:lnRef>
+        <a:fillRef idx="1">
+          <a:scrgbClr r="0" g="0" b="0"/>
+        </a:fillRef>
+        <a:effectRef idx="0">
+          <a:scrgbClr r="0" g="0" b="0"/>
+        </a:effectRef>
+        <a:fontRef idx="minor">
+          <a:schemeClr val="lt1"/>
+        </a:fontRef>
+      </dsp:style>
+      <dsp:txBody>
+        <a:bodyPr spcFirstLastPara="0" vert="horz" wrap="square" lIns="0" tIns="0" rIns="0" bIns="0" numCol="1" spcCol="1270" anchor="ctr" anchorCtr="0">
+          <a:noAutofit/>
+        </a:bodyPr>
+        <a:lstStyle/>
+        <a:p>
+          <a:pPr marL="0" lvl="0" indent="0" algn="ctr" defTabSz="400050">
+            <a:lnSpc>
+              <a:spcPct val="90000"/>
+            </a:lnSpc>
+            <a:spcBef>
+              <a:spcPct val="0"/>
+            </a:spcBef>
+            <a:spcAft>
+              <a:spcPct val="35000"/>
+            </a:spcAft>
+            <a:buNone/>
+          </a:pPr>
+          <a:endParaRPr lang="pt-BR" sz="900" kern="1200"/>
+        </a:p>
+      </dsp:txBody>
+      <dsp:txXfrm>
+        <a:off x="5166248" y="1399799"/>
+        <a:ext cx="183103" cy="250864"/>
+      </dsp:txXfrm>
+    </dsp:sp>
+    <dsp:sp modelId="{8131B865-A797-4E00-8122-D7D093392C05}">
+      <dsp:nvSpPr>
+        <dsp:cNvPr id="0" name=""/>
+        <dsp:cNvSpPr/>
+      </dsp:nvSpPr>
+      <dsp:spPr>
+        <a:xfrm>
+          <a:off x="4642935" y="2091"/>
+          <a:ext cx="1229729" cy="1229729"/>
+        </a:xfrm>
+        <a:prstGeom prst="ellipse">
+          <a:avLst/>
+        </a:prstGeom>
+        <a:solidFill>
+          <a:schemeClr val="lt1">
+            <a:hueOff val="0"/>
+            <a:satOff val="0"/>
+            <a:lumOff val="0"/>
+            <a:alphaOff val="0"/>
+          </a:schemeClr>
+        </a:solidFill>
+        <a:ln w="12700" cap="flat" cmpd="sng" algn="ctr">
+          <a:solidFill>
+            <a:schemeClr val="dk1">
+              <a:shade val="80000"/>
+              <a:hueOff val="0"/>
+              <a:satOff val="0"/>
+              <a:lumOff val="0"/>
+              <a:alphaOff val="0"/>
+            </a:schemeClr>
+          </a:solidFill>
+          <a:prstDash val="solid"/>
+          <a:miter lim="800000"/>
+        </a:ln>
+        <a:effectLst/>
+      </dsp:spPr>
+      <dsp:style>
+        <a:lnRef idx="2">
+          <a:scrgbClr r="0" g="0" b="0"/>
+        </a:lnRef>
+        <a:fillRef idx="1">
+          <a:scrgbClr r="0" g="0" b="0"/>
+        </a:fillRef>
+        <a:effectRef idx="0">
+          <a:scrgbClr r="0" g="0" b="0"/>
+        </a:effectRef>
+        <a:fontRef idx="minor">
+          <a:schemeClr val="lt1"/>
+        </a:fontRef>
+      </dsp:style>
+      <dsp:txBody>
+        <a:bodyPr spcFirstLastPara="0" vert="horz" wrap="square" lIns="15240" tIns="15240" rIns="15240" bIns="15240" numCol="1" spcCol="1270" anchor="ctr" anchorCtr="0">
+          <a:noAutofit/>
+        </a:bodyPr>
+        <a:lstStyle/>
+        <a:p>
+          <a:pPr marL="0" lvl="0" indent="0" algn="ctr" defTabSz="533400">
+            <a:lnSpc>
+              <a:spcPct val="90000"/>
+            </a:lnSpc>
+            <a:spcBef>
+              <a:spcPct val="0"/>
+            </a:spcBef>
+            <a:spcAft>
+              <a:spcPct val="35000"/>
+            </a:spcAft>
+            <a:buNone/>
+          </a:pPr>
+          <a:r>
+            <a:rPr lang="pt-BR" sz="1200" kern="1200" dirty="0"/>
+            <a:t>Windows</a:t>
+          </a:r>
+        </a:p>
+      </dsp:txBody>
+      <dsp:txXfrm>
+        <a:off x="4823025" y="182181"/>
+        <a:ext cx="869549" cy="869549"/>
+      </dsp:txXfrm>
+    </dsp:sp>
+    <dsp:sp modelId="{FF111F76-B53A-49FC-8144-5DCE2CD23D2D}">
+      <dsp:nvSpPr>
+        <dsp:cNvPr id="0" name=""/>
+        <dsp:cNvSpPr/>
+      </dsp:nvSpPr>
+      <dsp:spPr>
+        <a:xfrm rot="20520000">
+          <a:off x="5939434" y="1867200"/>
+          <a:ext cx="261576" cy="418108"/>
+        </a:xfrm>
+        <a:prstGeom prst="rightArrow">
+          <a:avLst>
+            <a:gd name="adj1" fmla="val 60000"/>
+            <a:gd name="adj2" fmla="val 50000"/>
+          </a:avLst>
+        </a:prstGeom>
+        <a:solidFill>
+          <a:schemeClr val="dk1">
+            <a:tint val="60000"/>
+            <a:hueOff val="0"/>
+            <a:satOff val="0"/>
+            <a:lumOff val="0"/>
+            <a:alphaOff val="0"/>
+          </a:schemeClr>
+        </a:solidFill>
+        <a:ln>
+          <a:noFill/>
+        </a:ln>
+        <a:effectLst/>
+      </dsp:spPr>
+      <dsp:style>
+        <a:lnRef idx="0">
+          <a:scrgbClr r="0" g="0" b="0"/>
+        </a:lnRef>
+        <a:fillRef idx="1">
+          <a:scrgbClr r="0" g="0" b="0"/>
+        </a:fillRef>
+        <a:effectRef idx="0">
+          <a:scrgbClr r="0" g="0" b="0"/>
+        </a:effectRef>
+        <a:fontRef idx="minor">
+          <a:schemeClr val="lt1"/>
+        </a:fontRef>
+      </dsp:style>
+      <dsp:txBody>
+        <a:bodyPr spcFirstLastPara="0" vert="horz" wrap="square" lIns="0" tIns="0" rIns="0" bIns="0" numCol="1" spcCol="1270" anchor="ctr" anchorCtr="0">
+          <a:noAutofit/>
+        </a:bodyPr>
+        <a:lstStyle/>
+        <a:p>
+          <a:pPr marL="0" lvl="0" indent="0" algn="ctr" defTabSz="400050">
+            <a:lnSpc>
+              <a:spcPct val="90000"/>
+            </a:lnSpc>
+            <a:spcBef>
+              <a:spcPct val="0"/>
+            </a:spcBef>
+            <a:spcAft>
+              <a:spcPct val="35000"/>
+            </a:spcAft>
+            <a:buNone/>
+          </a:pPr>
+          <a:endParaRPr lang="pt-BR" sz="900" kern="1200"/>
+        </a:p>
+      </dsp:txBody>
+      <dsp:txXfrm>
+        <a:off x="5941354" y="1962947"/>
+        <a:ext cx="183103" cy="250864"/>
+      </dsp:txXfrm>
+    </dsp:sp>
+    <dsp:sp modelId="{9EA96FAB-A35D-4B52-BD5F-295BC21BF544}">
+      <dsp:nvSpPr>
+        <dsp:cNvPr id="0" name=""/>
+        <dsp:cNvSpPr/>
+      </dsp:nvSpPr>
+      <dsp:spPr>
+        <a:xfrm>
+          <a:off x="6281862" y="1192842"/>
+          <a:ext cx="1229729" cy="1229729"/>
+        </a:xfrm>
+        <a:prstGeom prst="ellipse">
+          <a:avLst/>
+        </a:prstGeom>
+        <a:solidFill>
+          <a:schemeClr val="lt1">
+            <a:hueOff val="0"/>
+            <a:satOff val="0"/>
+            <a:lumOff val="0"/>
+            <a:alphaOff val="0"/>
+          </a:schemeClr>
+        </a:solidFill>
+        <a:ln w="12700" cap="flat" cmpd="sng" algn="ctr">
+          <a:solidFill>
+            <a:schemeClr val="dk1">
+              <a:shade val="80000"/>
+              <a:hueOff val="0"/>
+              <a:satOff val="0"/>
+              <a:lumOff val="0"/>
+              <a:alphaOff val="0"/>
+            </a:schemeClr>
+          </a:solidFill>
+          <a:prstDash val="solid"/>
+          <a:miter lim="800000"/>
+        </a:ln>
+        <a:effectLst/>
+      </dsp:spPr>
+      <dsp:style>
+        <a:lnRef idx="2">
+          <a:scrgbClr r="0" g="0" b="0"/>
+        </a:lnRef>
+        <a:fillRef idx="1">
+          <a:scrgbClr r="0" g="0" b="0"/>
+        </a:fillRef>
+        <a:effectRef idx="0">
+          <a:scrgbClr r="0" g="0" b="0"/>
+        </a:effectRef>
+        <a:fontRef idx="minor">
+          <a:schemeClr val="lt1"/>
+        </a:fontRef>
+      </dsp:style>
+      <dsp:txBody>
+        <a:bodyPr spcFirstLastPara="0" vert="horz" wrap="square" lIns="15240" tIns="15240" rIns="15240" bIns="15240" numCol="1" spcCol="1270" anchor="ctr" anchorCtr="0">
+          <a:noAutofit/>
+        </a:bodyPr>
+        <a:lstStyle/>
+        <a:p>
+          <a:pPr marL="0" lvl="0" indent="0" algn="ctr" defTabSz="533400">
+            <a:lnSpc>
+              <a:spcPct val="90000"/>
+            </a:lnSpc>
+            <a:spcBef>
+              <a:spcPct val="0"/>
+            </a:spcBef>
+            <a:spcAft>
+              <a:spcPct val="35000"/>
+            </a:spcAft>
+            <a:buNone/>
+          </a:pPr>
+          <a:r>
+            <a:rPr lang="pt-BR" sz="1200" kern="1200" dirty="0"/>
+            <a:t>Internet</a:t>
+          </a:r>
+        </a:p>
+      </dsp:txBody>
+      <dsp:txXfrm>
+        <a:off x="6461952" y="1372932"/>
+        <a:ext cx="869549" cy="869549"/>
+      </dsp:txXfrm>
+    </dsp:sp>
+    <dsp:sp modelId="{722373D9-1346-41D3-82C9-2253F57B5184}">
+      <dsp:nvSpPr>
+        <dsp:cNvPr id="0" name=""/>
+        <dsp:cNvSpPr/>
+      </dsp:nvSpPr>
+      <dsp:spPr>
+        <a:xfrm rot="3240000">
+          <a:off x="5629116" y="2822260"/>
+          <a:ext cx="261576" cy="418108"/>
+        </a:xfrm>
+        <a:prstGeom prst="rightArrow">
+          <a:avLst>
+            <a:gd name="adj1" fmla="val 60000"/>
+            <a:gd name="adj2" fmla="val 50000"/>
+          </a:avLst>
+        </a:prstGeom>
+        <a:solidFill>
+          <a:schemeClr val="dk1">
+            <a:tint val="60000"/>
+            <a:hueOff val="0"/>
+            <a:satOff val="0"/>
+            <a:lumOff val="0"/>
+            <a:alphaOff val="0"/>
+          </a:schemeClr>
+        </a:solidFill>
+        <a:ln>
+          <a:noFill/>
+        </a:ln>
+        <a:effectLst/>
+      </dsp:spPr>
+      <dsp:style>
+        <a:lnRef idx="0">
+          <a:scrgbClr r="0" g="0" b="0"/>
+        </a:lnRef>
+        <a:fillRef idx="1">
+          <a:scrgbClr r="0" g="0" b="0"/>
+        </a:fillRef>
+        <a:effectRef idx="0">
+          <a:scrgbClr r="0" g="0" b="0"/>
+        </a:effectRef>
+        <a:fontRef idx="minor">
+          <a:schemeClr val="lt1"/>
+        </a:fontRef>
+      </dsp:style>
+      <dsp:txBody>
+        <a:bodyPr spcFirstLastPara="0" vert="horz" wrap="square" lIns="0" tIns="0" rIns="0" bIns="0" numCol="1" spcCol="1270" anchor="ctr" anchorCtr="0">
+          <a:noAutofit/>
+        </a:bodyPr>
+        <a:lstStyle/>
+        <a:p>
+          <a:pPr marL="0" lvl="0" indent="0" algn="ctr" defTabSz="400050">
+            <a:lnSpc>
+              <a:spcPct val="90000"/>
+            </a:lnSpc>
+            <a:spcBef>
+              <a:spcPct val="0"/>
+            </a:spcBef>
+            <a:spcAft>
+              <a:spcPct val="35000"/>
+            </a:spcAft>
+            <a:buNone/>
+          </a:pPr>
+          <a:endParaRPr lang="pt-BR" sz="900" kern="1200"/>
+        </a:p>
+      </dsp:txBody>
+      <dsp:txXfrm>
+        <a:off x="5645290" y="2874139"/>
+        <a:ext cx="183103" cy="250864"/>
+      </dsp:txXfrm>
+    </dsp:sp>
+    <dsp:sp modelId="{F1CBED74-315F-419D-A1E4-D2B28B364B58}">
+      <dsp:nvSpPr>
+        <dsp:cNvPr id="0" name=""/>
+        <dsp:cNvSpPr/>
+      </dsp:nvSpPr>
+      <dsp:spPr>
+        <a:xfrm>
+          <a:off x="5655848" y="3119516"/>
+          <a:ext cx="1229729" cy="1229729"/>
+        </a:xfrm>
+        <a:prstGeom prst="ellipse">
+          <a:avLst/>
+        </a:prstGeom>
+        <a:solidFill>
+          <a:schemeClr val="lt1">
+            <a:hueOff val="0"/>
+            <a:satOff val="0"/>
+            <a:lumOff val="0"/>
+            <a:alphaOff val="0"/>
+          </a:schemeClr>
+        </a:solidFill>
+        <a:ln w="12700" cap="flat" cmpd="sng" algn="ctr">
+          <a:solidFill>
+            <a:schemeClr val="dk1">
+              <a:shade val="80000"/>
+              <a:hueOff val="0"/>
+              <a:satOff val="0"/>
+              <a:lumOff val="0"/>
+              <a:alphaOff val="0"/>
+            </a:schemeClr>
+          </a:solidFill>
+          <a:prstDash val="solid"/>
+          <a:miter lim="800000"/>
+        </a:ln>
+        <a:effectLst/>
+      </dsp:spPr>
+      <dsp:style>
+        <a:lnRef idx="2">
+          <a:scrgbClr r="0" g="0" b="0"/>
+        </a:lnRef>
+        <a:fillRef idx="1">
+          <a:scrgbClr r="0" g="0" b="0"/>
+        </a:fillRef>
+        <a:effectRef idx="0">
+          <a:scrgbClr r="0" g="0" b="0"/>
+        </a:effectRef>
+        <a:fontRef idx="minor">
+          <a:schemeClr val="lt1"/>
+        </a:fontRef>
+      </dsp:style>
+      <dsp:txBody>
+        <a:bodyPr spcFirstLastPara="0" vert="horz" wrap="square" lIns="15240" tIns="15240" rIns="15240" bIns="15240" numCol="1" spcCol="1270" anchor="ctr" anchorCtr="0">
+          <a:noAutofit/>
+        </a:bodyPr>
+        <a:lstStyle/>
+        <a:p>
+          <a:pPr marL="0" lvl="0" indent="0" algn="ctr" defTabSz="533400">
+            <a:lnSpc>
+              <a:spcPct val="90000"/>
+            </a:lnSpc>
+            <a:spcBef>
+              <a:spcPct val="0"/>
+            </a:spcBef>
+            <a:spcAft>
+              <a:spcPct val="35000"/>
+            </a:spcAft>
+            <a:buNone/>
+          </a:pPr>
+          <a:r>
+            <a:rPr lang="pt-BR" sz="1200" kern="1200"/>
+            <a:t>Word</a:t>
+          </a:r>
+          <a:endParaRPr lang="pt-BR" sz="1200" kern="1200" dirty="0"/>
+        </a:p>
+      </dsp:txBody>
+      <dsp:txXfrm>
+        <a:off x="5835938" y="3299606"/>
+        <a:ext cx="869549" cy="869549"/>
+      </dsp:txXfrm>
+    </dsp:sp>
+    <dsp:sp modelId="{77725F6A-1C55-4FD8-AE2A-66A3D029DAF0}">
+      <dsp:nvSpPr>
+        <dsp:cNvPr id="0" name=""/>
+        <dsp:cNvSpPr/>
+      </dsp:nvSpPr>
+      <dsp:spPr>
+        <a:xfrm rot="7560000">
+          <a:off x="4624906" y="2822260"/>
+          <a:ext cx="261576" cy="418108"/>
+        </a:xfrm>
+        <a:prstGeom prst="rightArrow">
+          <a:avLst>
+            <a:gd name="adj1" fmla="val 60000"/>
+            <a:gd name="adj2" fmla="val 50000"/>
+          </a:avLst>
+        </a:prstGeom>
+        <a:solidFill>
+          <a:schemeClr val="dk1">
+            <a:tint val="60000"/>
+            <a:hueOff val="0"/>
+            <a:satOff val="0"/>
+            <a:lumOff val="0"/>
+            <a:alphaOff val="0"/>
+          </a:schemeClr>
+        </a:solidFill>
+        <a:ln>
+          <a:noFill/>
+        </a:ln>
+        <a:effectLst/>
+      </dsp:spPr>
+      <dsp:style>
+        <a:lnRef idx="0">
+          <a:scrgbClr r="0" g="0" b="0"/>
+        </a:lnRef>
+        <a:fillRef idx="1">
+          <a:scrgbClr r="0" g="0" b="0"/>
+        </a:fillRef>
+        <a:effectRef idx="0">
+          <a:scrgbClr r="0" g="0" b="0"/>
+        </a:effectRef>
+        <a:fontRef idx="minor">
+          <a:schemeClr val="lt1"/>
+        </a:fontRef>
+      </dsp:style>
+      <dsp:txBody>
+        <a:bodyPr spcFirstLastPara="0" vert="horz" wrap="square" lIns="0" tIns="0" rIns="0" bIns="0" numCol="1" spcCol="1270" anchor="ctr" anchorCtr="0">
+          <a:noAutofit/>
+        </a:bodyPr>
+        <a:lstStyle/>
+        <a:p>
+          <a:pPr marL="0" lvl="0" indent="0" algn="ctr" defTabSz="400050">
+            <a:lnSpc>
+              <a:spcPct val="90000"/>
+            </a:lnSpc>
+            <a:spcBef>
+              <a:spcPct val="0"/>
+            </a:spcBef>
+            <a:spcAft>
+              <a:spcPct val="35000"/>
+            </a:spcAft>
+            <a:buNone/>
+          </a:pPr>
+          <a:endParaRPr lang="pt-BR" sz="900" kern="1200"/>
+        </a:p>
+      </dsp:txBody>
+      <dsp:txXfrm rot="10800000">
+        <a:off x="4687205" y="2874139"/>
+        <a:ext cx="183103" cy="250864"/>
+      </dsp:txXfrm>
+    </dsp:sp>
+    <dsp:sp modelId="{F9902BE3-66F0-4C39-BA24-4FC96B75059F}">
+      <dsp:nvSpPr>
+        <dsp:cNvPr id="0" name=""/>
+        <dsp:cNvSpPr/>
+      </dsp:nvSpPr>
+      <dsp:spPr>
+        <a:xfrm>
+          <a:off x="3630022" y="3119516"/>
+          <a:ext cx="1229729" cy="1229729"/>
+        </a:xfrm>
+        <a:prstGeom prst="ellipse">
+          <a:avLst/>
+        </a:prstGeom>
+        <a:solidFill>
+          <a:schemeClr val="lt1">
+            <a:hueOff val="0"/>
+            <a:satOff val="0"/>
+            <a:lumOff val="0"/>
+            <a:alphaOff val="0"/>
+          </a:schemeClr>
+        </a:solidFill>
+        <a:ln w="12700" cap="flat" cmpd="sng" algn="ctr">
+          <a:solidFill>
+            <a:schemeClr val="dk1">
+              <a:shade val="80000"/>
+              <a:hueOff val="0"/>
+              <a:satOff val="0"/>
+              <a:lumOff val="0"/>
+              <a:alphaOff val="0"/>
+            </a:schemeClr>
+          </a:solidFill>
+          <a:prstDash val="solid"/>
+          <a:miter lim="800000"/>
+        </a:ln>
+        <a:effectLst/>
+      </dsp:spPr>
+      <dsp:style>
+        <a:lnRef idx="2">
+          <a:scrgbClr r="0" g="0" b="0"/>
+        </a:lnRef>
+        <a:fillRef idx="1">
+          <a:scrgbClr r="0" g="0" b="0"/>
+        </a:fillRef>
+        <a:effectRef idx="0">
+          <a:scrgbClr r="0" g="0" b="0"/>
+        </a:effectRef>
+        <a:fontRef idx="minor">
+          <a:schemeClr val="lt1"/>
+        </a:fontRef>
+      </dsp:style>
+      <dsp:txBody>
+        <a:bodyPr spcFirstLastPara="0" vert="horz" wrap="square" lIns="15240" tIns="15240" rIns="15240" bIns="15240" numCol="1" spcCol="1270" anchor="ctr" anchorCtr="0">
+          <a:noAutofit/>
+        </a:bodyPr>
+        <a:lstStyle/>
+        <a:p>
+          <a:pPr marL="0" lvl="0" indent="0" algn="ctr" defTabSz="533400">
+            <a:lnSpc>
+              <a:spcPct val="90000"/>
+            </a:lnSpc>
+            <a:spcBef>
+              <a:spcPct val="0"/>
+            </a:spcBef>
+            <a:spcAft>
+              <a:spcPct val="35000"/>
+            </a:spcAft>
+            <a:buNone/>
+          </a:pPr>
+          <a:r>
+            <a:rPr lang="pt-BR" sz="1200" kern="1200" dirty="0"/>
+            <a:t>Excel</a:t>
+          </a:r>
+        </a:p>
+      </dsp:txBody>
+      <dsp:txXfrm>
+        <a:off x="3810112" y="3299606"/>
+        <a:ext cx="869549" cy="869549"/>
+      </dsp:txXfrm>
+    </dsp:sp>
+    <dsp:sp modelId="{3D0201D3-405C-42A9-85AF-480E6D2991B3}">
+      <dsp:nvSpPr>
+        <dsp:cNvPr id="0" name=""/>
+        <dsp:cNvSpPr/>
+      </dsp:nvSpPr>
+      <dsp:spPr>
+        <a:xfrm rot="11880000">
+          <a:off x="4314588" y="1867200"/>
+          <a:ext cx="261576" cy="418108"/>
+        </a:xfrm>
+        <a:prstGeom prst="rightArrow">
+          <a:avLst>
+            <a:gd name="adj1" fmla="val 60000"/>
+            <a:gd name="adj2" fmla="val 50000"/>
+          </a:avLst>
+        </a:prstGeom>
+        <a:solidFill>
+          <a:schemeClr val="dk1">
+            <a:tint val="60000"/>
+            <a:hueOff val="0"/>
+            <a:satOff val="0"/>
+            <a:lumOff val="0"/>
+            <a:alphaOff val="0"/>
+          </a:schemeClr>
+        </a:solidFill>
+        <a:ln>
+          <a:noFill/>
+        </a:ln>
+        <a:effectLst/>
+      </dsp:spPr>
+      <dsp:style>
+        <a:lnRef idx="0">
+          <a:scrgbClr r="0" g="0" b="0"/>
+        </a:lnRef>
+        <a:fillRef idx="1">
+          <a:scrgbClr r="0" g="0" b="0"/>
+        </a:fillRef>
+        <a:effectRef idx="0">
+          <a:scrgbClr r="0" g="0" b="0"/>
+        </a:effectRef>
+        <a:fontRef idx="minor">
+          <a:schemeClr val="lt1"/>
+        </a:fontRef>
+      </dsp:style>
+      <dsp:txBody>
+        <a:bodyPr spcFirstLastPara="0" vert="horz" wrap="square" lIns="0" tIns="0" rIns="0" bIns="0" numCol="1" spcCol="1270" anchor="ctr" anchorCtr="0">
+          <a:noAutofit/>
+        </a:bodyPr>
+        <a:lstStyle/>
+        <a:p>
+          <a:pPr marL="0" lvl="0" indent="0" algn="ctr" defTabSz="400050">
+            <a:lnSpc>
+              <a:spcPct val="90000"/>
+            </a:lnSpc>
+            <a:spcBef>
+              <a:spcPct val="0"/>
+            </a:spcBef>
+            <a:spcAft>
+              <a:spcPct val="35000"/>
+            </a:spcAft>
+            <a:buNone/>
+          </a:pPr>
+          <a:endParaRPr lang="pt-BR" sz="900" kern="1200"/>
+        </a:p>
+      </dsp:txBody>
+      <dsp:txXfrm rot="10800000">
+        <a:off x="4391141" y="1962947"/>
+        <a:ext cx="183103" cy="250864"/>
+      </dsp:txXfrm>
+    </dsp:sp>
+    <dsp:sp modelId="{71979E39-2CBC-4058-98C0-3D3F0E2CFB8B}">
+      <dsp:nvSpPr>
+        <dsp:cNvPr id="0" name=""/>
+        <dsp:cNvSpPr/>
+      </dsp:nvSpPr>
+      <dsp:spPr>
+        <a:xfrm>
+          <a:off x="3004007" y="1192842"/>
+          <a:ext cx="1229729" cy="1229729"/>
+        </a:xfrm>
+        <a:prstGeom prst="ellipse">
+          <a:avLst/>
+        </a:prstGeom>
+        <a:solidFill>
+          <a:schemeClr val="lt1">
+            <a:hueOff val="0"/>
+            <a:satOff val="0"/>
+            <a:lumOff val="0"/>
+            <a:alphaOff val="0"/>
+          </a:schemeClr>
+        </a:solidFill>
+        <a:ln w="12700" cap="flat" cmpd="sng" algn="ctr">
+          <a:solidFill>
+            <a:schemeClr val="dk1">
+              <a:shade val="80000"/>
+              <a:hueOff val="0"/>
+              <a:satOff val="0"/>
+              <a:lumOff val="0"/>
+              <a:alphaOff val="0"/>
+            </a:schemeClr>
+          </a:solidFill>
+          <a:prstDash val="solid"/>
+          <a:miter lim="800000"/>
+        </a:ln>
+        <a:effectLst/>
+      </dsp:spPr>
+      <dsp:style>
+        <a:lnRef idx="2">
+          <a:scrgbClr r="0" g="0" b="0"/>
+        </a:lnRef>
+        <a:fillRef idx="1">
+          <a:scrgbClr r="0" g="0" b="0"/>
+        </a:fillRef>
+        <a:effectRef idx="0">
+          <a:scrgbClr r="0" g="0" b="0"/>
+        </a:effectRef>
+        <a:fontRef idx="minor">
+          <a:schemeClr val="lt1"/>
+        </a:fontRef>
+      </dsp:style>
+      <dsp:txBody>
+        <a:bodyPr spcFirstLastPara="0" vert="horz" wrap="square" lIns="15240" tIns="15240" rIns="15240" bIns="15240" numCol="1" spcCol="1270" anchor="ctr" anchorCtr="0">
+          <a:noAutofit/>
+        </a:bodyPr>
+        <a:lstStyle/>
+        <a:p>
+          <a:pPr marL="0" lvl="0" indent="0" algn="ctr" defTabSz="533400">
+            <a:lnSpc>
+              <a:spcPct val="90000"/>
+            </a:lnSpc>
+            <a:spcBef>
+              <a:spcPct val="0"/>
+            </a:spcBef>
+            <a:spcAft>
+              <a:spcPct val="35000"/>
+            </a:spcAft>
+            <a:buNone/>
+          </a:pPr>
+          <a:r>
+            <a:rPr lang="pt-BR" sz="1200" kern="1200" dirty="0"/>
+            <a:t>Powerpoint</a:t>
+          </a:r>
+        </a:p>
+      </dsp:txBody>
+      <dsp:txXfrm>
+        <a:off x="3184097" y="1372932"/>
+        <a:ext cx="869549" cy="869549"/>
+      </dsp:txXfrm>
+    </dsp:sp>
+  </dsp:spTree>
+</dsp:drawing>
+</file>
+
+<file path=ppt/diagrams/layout1.xml><?xml version="1.0" encoding="utf-8"?>
+<dgm:layoutDef xmlns:dgm="http://schemas.openxmlformats.org/drawingml/2006/diagram" xmlns:a="http://schemas.openxmlformats.org/drawingml/2006/main" uniqueId="urn:microsoft.com/office/officeart/2005/8/layout/orgChart1">
+  <dgm:title val=""/>
+  <dgm:desc val=""/>
+  <dgm:catLst>
+    <dgm:cat type="hierarchy" pri="1000"/>
+    <dgm:cat type="convert" pri="6000"/>
+  </dgm:catLst>
+  <dgm:sampData>
+    <dgm:dataModel>
+      <dgm:ptLst>
+        <dgm:pt modelId="0" type="doc"/>
+        <dgm:pt modelId="1">
+          <dgm:prSet phldr="1"/>
+        </dgm:pt>
+        <dgm:pt modelId="2" type="asst">
+          <dgm:prSet phldr="1"/>
+        </dgm:pt>
+        <dgm:pt modelId="3">
+          <dgm:prSet phldr="1"/>
+        </dgm:pt>
+        <dgm:pt modelId="4">
+          <dgm:prSet phldr="1"/>
+        </dgm:pt>
+        <dgm:pt modelId="5">
+          <dgm:prSet phldr="1"/>
+        </dgm:pt>
+      </dgm:ptLst>
+      <dgm:cxnLst>
+        <dgm:cxn modelId="5" srcId="0" destId="1" srcOrd="0" destOrd="0"/>
+        <dgm:cxn modelId="6" srcId="1" destId="2" srcOrd="0" destOrd="0"/>
+        <dgm:cxn modelId="7" srcId="1" destId="3" srcOrd="1" destOrd="0"/>
+        <dgm:cxn modelId="8" srcId="1" destId="4" srcOrd="2" destOrd="0"/>
+        <dgm:cxn modelId="9" srcId="1" destId="5" srcOrd="3" destOrd="0"/>
+      </dgm:cxnLst>
+      <dgm:bg/>
+      <dgm:whole/>
+    </dgm:dataModel>
+  </dgm:sampData>
+  <dgm:styleData>
+    <dgm:dataModel>
+      <dgm:ptLst>
+        <dgm:pt modelId="0" type="doc"/>
+        <dgm:pt modelId="1"/>
+        <dgm:pt modelId="12"/>
+        <dgm:pt modelId="13"/>
+      </dgm:ptLst>
+      <dgm:cxnLst>
+        <dgm:cxn modelId="2" srcId="0" destId="1" srcOrd="0" destOrd="0"/>
+        <dgm:cxn modelId="16" srcId="1" destId="12" srcOrd="1" destOrd="0"/>
+        <dgm:cxn modelId="17" srcId="1" destId="13" srcOrd="2" destOrd="0"/>
+      </dgm:cxnLst>
+      <dgm:bg/>
+      <dgm:whole/>
+    </dgm:dataModel>
+  </dgm:styleData>
+  <dgm:clrData>
+    <dgm:dataModel>
+      <dgm:ptLst>
+        <dgm:pt modelId="0" type="doc"/>
+        <dgm:pt modelId="1"/>
+        <dgm:pt modelId="11" type="asst"/>
+        <dgm:pt modelId="12"/>
+        <dgm:pt modelId="13"/>
+        <dgm:pt modelId="14"/>
+      </dgm:ptLst>
+      <dgm:cxnLst>
+        <dgm:cxn modelId="2" srcId="0" destId="1" srcOrd="0" destOrd="0"/>
+        <dgm:cxn modelId="15" srcId="1" destId="11" srcOrd="0" destOrd="0"/>
+        <dgm:cxn modelId="16" srcId="1" destId="12" srcOrd="1" destOrd="0"/>
+        <dgm:cxn modelId="17" srcId="1" destId="13" srcOrd="2" destOrd="0"/>
+        <dgm:cxn modelId="18" srcId="1" destId="14" srcOrd="2" destOrd="0"/>
+      </dgm:cxnLst>
+      <dgm:bg/>
+      <dgm:whole/>
+    </dgm:dataModel>
+  </dgm:clrData>
+  <dgm:layoutNode name="hierChild1">
+    <dgm:varLst>
+      <dgm:orgChart val="1"/>
+      <dgm:chPref val="1"/>
+      <dgm:dir/>
+      <dgm:animOne val="branch"/>
+      <dgm:animLvl val="lvl"/>
+      <dgm:resizeHandles/>
+    </dgm:varLst>
+    <dgm:choose name="Name0">
+      <dgm:if name="Name1" func="var" arg="dir" op="equ" val="norm">
+        <dgm:alg type="hierChild">
+          <dgm:param type="linDir" val="fromL"/>
+        </dgm:alg>
+      </dgm:if>
+      <dgm:else name="Name2">
+        <dgm:alg type="hierChild">
+          <dgm:param type="linDir" val="fromR"/>
+        </dgm:alg>
+      </dgm:else>
+    </dgm:choose>
+    <dgm:shape xmlns:r="http://schemas.openxmlformats.org/officeDocument/2006/relationships" r:blip="">
+      <dgm:adjLst/>
+    </dgm:shape>
+    <dgm:presOf/>
+    <dgm:constrLst>
+      <dgm:constr type="w" for="des" forName="rootComposite1" refType="w" fact="10"/>
+      <dgm:constr type="h" for="des" forName="rootComposite1" refType="w" refFor="des" refForName="rootComposite1" fact="0.5"/>
+      <dgm:constr type="w" for="des" forName="rootComposite" refType="w" fact="10"/>
+      <dgm:constr type="h" for="des" forName="rootComposite" refType="w" refFor="des" refForName="rootComposite1" fact="0.5"/>
+      <dgm:constr type="w" for="des" forName="rootComposite3" refType="w" fact="10"/>
+      <dgm:constr type="h" for="des" forName="rootComposite3" refType="w" refFor="des" refForName="rootComposite1" fact="0.5"/>
+      <dgm:constr type="primFontSz" for="des" ptType="node" op="equ"/>
+      <dgm:constr type="sp" for="des" op="equ"/>
+      <dgm:constr type="sp" for="des" forName="hierRoot1" refType="w" refFor="des" refForName="rootComposite1" fact="0.21"/>
+      <dgm:constr type="sp" for="des" forName="hierRoot2" refType="sp" refFor="des" refForName="hierRoot1"/>
+      <dgm:constr type="sp" for="des" forName="hierRoot3" refType="sp" refFor="des" refForName="hierRoot1"/>
+      <dgm:constr type="sibSp" refType="w" refFor="des" refForName="rootComposite1" fact="0.21"/>
+      <dgm:constr type="sibSp" for="des" forName="hierChild2" refType="sibSp"/>
+      <dgm:constr type="sibSp" for="des" forName="hierChild3" refType="sibSp"/>
+      <dgm:constr type="sibSp" for="des" forName="hierChild4" refType="sibSp"/>
+      <dgm:constr type="sibSp" for="des" forName="hierChild5" refType="sibSp"/>
+      <dgm:constr type="sibSp" for="des" forName="hierChild6" refType="sibSp"/>
+      <dgm:constr type="sibSp" for="des" forName="hierChild7" refType="sibSp"/>
+      <dgm:constr type="secSibSp" refType="w" refFor="des" refForName="rootComposite1" fact="0.21"/>
+      <dgm:constr type="secSibSp" for="des" forName="hierChild2" refType="secSibSp"/>
+      <dgm:constr type="secSibSp" for="des" forName="hierChild3" refType="secSibSp"/>
+      <dgm:constr type="secSibSp" for="des" forName="hierChild4" refType="secSibSp"/>
+      <dgm:constr type="secSibSp" for="des" forName="hierChild5" refType="secSibSp"/>
+      <dgm:constr type="secSibSp" for="des" forName="hierChild6" refType="secSibSp"/>
+      <dgm:constr type="secSibSp" for="des" forName="hierChild7" refType="secSibSp"/>
+    </dgm:constrLst>
+    <dgm:ruleLst/>
+    <dgm:forEach name="Name3" axis="ch">
+      <dgm:forEach name="Name4" axis="self" ptType="node">
+        <dgm:layoutNode name="hierRoot1">
+          <dgm:varLst>
+            <dgm:hierBranch val="init"/>
+          </dgm:varLst>
+          <dgm:choose name="Name5">
+            <dgm:if name="Name6" func="var" arg="hierBranch" op="equ" val="l">
+              <dgm:choose name="Name7">
+                <dgm:if name="Name8" axis="ch" ptType="asst" func="cnt" op="gte" val="1">
+                  <dgm:alg type="hierRoot">
+                    <dgm:param type="hierAlign" val="tR"/>
+                  </dgm:alg>
+                  <dgm:constrLst>
+                    <dgm:constr type="alignOff" val="0.65"/>
+                  </dgm:constrLst>
+                </dgm:if>
+                <dgm:else name="Name9">
+                  <dgm:alg type="hierRoot">
+                    <dgm:param type="hierAlign" val="tR"/>
+                  </dgm:alg>
+                  <dgm:constrLst>
+                    <dgm:constr type="alignOff" val="0.25"/>
+                  </dgm:constrLst>
+                </dgm:else>
+              </dgm:choose>
+            </dgm:if>
+            <dgm:if name="Name10" func="var" arg="hierBranch" op="equ" val="r">
+              <dgm:choose name="Name11">
+                <dgm:if name="Name12" axis="ch" ptType="asst" func="cnt" op="gte" val="1">
+                  <dgm:alg type="hierRoot">
+                    <dgm:param type="hierAlign" val="tL"/>
+                  </dgm:alg>
+                  <dgm:constrLst>
+                    <dgm:constr type="alignOff" val="0.65"/>
+                  </dgm:constrLst>
+                </dgm:if>
+                <dgm:else name="Name13">
+                  <dgm:alg type="hierRoot">
+                    <dgm:param type="hierAlign" val="tL"/>
+                  </dgm:alg>
+                  <dgm:constrLst>
+                    <dgm:constr type="alignOff" val="0.25"/>
+                  </dgm:constrLst>
+                </dgm:else>
+              </dgm:choose>
+            </dgm:if>
+            <dgm:if name="Name14" func="var" arg="hierBranch" op="equ" val="hang">
+              <dgm:alg type="hierRoot"/>
+              <dgm:constrLst>
+                <dgm:constr type="alignOff" val="0.65"/>
+              </dgm:constrLst>
+            </dgm:if>
+            <dgm:else name="Name15">
+              <dgm:alg type="hierRoot"/>
+              <dgm:constrLst>
+                <dgm:constr type="alignOff"/>
+                <dgm:constr type="bendDist" for="des" ptType="parTrans" refType="sp" fact="0.5"/>
+              </dgm:constrLst>
+            </dgm:else>
+          </dgm:choose>
+          <dgm:shape xmlns:r="http://schemas.openxmlformats.org/officeDocument/2006/relationships" r:blip="">
+            <dgm:adjLst/>
+          </dgm:shape>
+          <dgm:presOf/>
+          <dgm:ruleLst/>
+          <dgm:layoutNode name="rootComposite1">
+            <dgm:alg type="composite"/>
+            <dgm:shape xmlns:r="http://schemas.openxmlformats.org/officeDocument/2006/relationships" r:blip="">
+              <dgm:adjLst/>
+            </dgm:shape>
+            <dgm:presOf axis="self" ptType="node" cnt="1"/>
+            <dgm:choose name="Name16">
+              <dgm:if name="Name17" func="var" arg="hierBranch" op="equ" val="init">
+                <dgm:constrLst>
+                  <dgm:constr type="l" for="ch" forName="rootText1"/>
+                  <dgm:constr type="t" for="ch" forName="rootText1"/>
+                  <dgm:constr type="w" for="ch" forName="rootText1" refType="w"/>
+                  <dgm:constr type="h" for="ch" forName="rootText1" refType="h"/>
+                  <dgm:constr type="l" for="ch" forName="rootConnector1"/>
+                  <dgm:constr type="t" for="ch" forName="rootConnector1"/>
+                  <dgm:constr type="w" for="ch" forName="rootConnector1" refType="w" refFor="ch" refForName="rootText1" fact="0.2"/>
+                  <dgm:constr type="h" for="ch" forName="rootConnector1" refType="h" refFor="ch" refForName="rootText1"/>
+                </dgm:constrLst>
+              </dgm:if>
+              <dgm:if name="Name18" func="var" arg="hierBranch" op="equ" val="l">
+                <dgm:constrLst>
+                  <dgm:constr type="l" for="ch" forName="rootText1"/>
+                  <dgm:constr type="t" for="ch" forName="rootText1"/>
+                  <dgm:constr type="w" for="ch" forName="rootText1" refType="w"/>
+                  <dgm:constr type="h" for="ch" forName="rootText1" refType="h"/>
+                  <dgm:constr type="r" for="ch" forName="rootConnector1" refType="w"/>
+                  <dgm:constr type="t" for="ch" forName="rootConnector1"/>
+                  <dgm:constr type="w" for="ch" forName="rootConnector1" refType="w" refFor="ch" refForName="rootText1" fact="0.2"/>
+                  <dgm:constr type="h" for="ch" forName="rootConnector1" refType="h" refFor="ch" refForName="rootText1"/>
+                </dgm:constrLst>
+              </dgm:if>
+              <dgm:if name="Name19" func="var" arg="hierBranch" op="equ" val="r">
+                <dgm:constrLst>
+                  <dgm:constr type="l" for="ch" forName="rootText1"/>
+                  <dgm:constr type="t" for="ch" forName="rootText1"/>
+                  <dgm:constr type="w" for="ch" forName="rootText1" refType="w"/>
+                  <dgm:constr type="h" for="ch" forName="rootText1" refType="h"/>
+                  <dgm:constr type="l" for="ch" forName="rootConnector1"/>
+                  <dgm:constr type="t" for="ch" forName="rootConnector1"/>
+                  <dgm:constr type="w" for="ch" forName="rootConnector1" refType="w" refFor="ch" refForName="rootText1" fact="0.2"/>
+                  <dgm:constr type="h" for="ch" forName="rootConnector1" refType="h" refFor="ch" refForName="rootText1"/>
+                </dgm:constrLst>
+              </dgm:if>
+              <dgm:else name="Name20">
+                <dgm:constrLst>
+                  <dgm:constr type="l" for="ch" forName="rootText1"/>
+                  <dgm:constr type="t" for="ch" forName="rootText1"/>
+                  <dgm:constr type="w" for="ch" forName="rootText1" refType="w"/>
+                  <dgm:constr type="h" for="ch" forName="rootText1" refType="h"/>
+                  <dgm:constr type="r" for="ch" forName="rootConnector1" refType="w"/>
+                  <dgm:constr type="t" for="ch" forName="rootConnector1"/>
+                  <dgm:constr type="w" for="ch" forName="rootConnector1" refType="w" refFor="ch" refForName="rootText1" fact="0.2"/>
+                  <dgm:constr type="h" for="ch" forName="rootConnector1" refType="h" refFor="ch" refForName="rootText1"/>
+                </dgm:constrLst>
+              </dgm:else>
+            </dgm:choose>
+            <dgm:ruleLst/>
+            <dgm:layoutNode name="rootText1" styleLbl="node0">
+              <dgm:varLst>
+                <dgm:chPref val="3"/>
+              </dgm:varLst>
+              <dgm:alg type="tx"/>
+              <dgm:shape xmlns:r="http://schemas.openxmlformats.org/officeDocument/2006/relationships" type="rect" r:blip="">
+                <dgm:adjLst/>
+              </dgm:shape>
+              <dgm:presOf axis="self" ptType="node" cnt="1"/>
+              <dgm:constrLst>
+                <dgm:constr type="primFontSz" val="65"/>
+                <dgm:constr type="lMarg" refType="primFontSz" fact="0.05"/>
+                <dgm:constr type="rMarg" refType="primFontSz" fact="0.05"/>
+                <dgm:constr type="tMarg" refType="primFontSz" fact="0.05"/>
+                <dgm:constr type="bMarg" refType="primFontSz" fact="0.05"/>
+              </dgm:constrLst>
+              <dgm:ruleLst>
+                <dgm:rule type="primFontSz" val="5" fact="NaN" max="NaN"/>
+              </dgm:ruleLst>
+            </dgm:layoutNode>
+            <dgm:layoutNode name="rootConnector1" moveWith="rootText1">
+              <dgm:alg type="sp"/>
+              <dgm:shape xmlns:r="http://schemas.openxmlformats.org/officeDocument/2006/relationships" type="rect" r:blip="" hideGeom="1">
+                <dgm:adjLst/>
+              </dgm:shape>
+              <dgm:presOf axis="self" ptType="node" cnt="1"/>
+              <dgm:constrLst/>
+              <dgm:ruleLst/>
+            </dgm:layoutNode>
+          </dgm:layoutNode>
+          <dgm:layoutNode name="hierChild2">
+            <dgm:choose name="Name21">
+              <dgm:if name="Name22" func="var" arg="hierBranch" op="equ" val="l">
+                <dgm:alg type="hierChild">
+                  <dgm:param type="chAlign" val="r"/>
+                  <dgm:param type="linDir" val="fromT"/>
+                </dgm:alg>
+              </dgm:if>
+              <dgm:if name="Name23" func="var" arg="hierBranch" op="equ" val="r">
+                <dgm:alg type="hierChild">
+                  <dgm:param type="chAlign" val="l"/>
+                  <dgm:param type="linDir" val="fromT"/>
+                </dgm:alg>
+              </dgm:if>
+              <dgm:if name="Name24" func="var" arg="hierBranch" op="equ" val="hang">
+                <dgm:choose name="Name25">
+                  <dgm:if name="Name26" func="var" arg="dir" op="equ" val="norm">
+                    <dgm:alg type="hierChild">
+                      <dgm:param type="chAlign" val="l"/>
+                      <dgm:param type="linDir" val="fromL"/>
+                      <dgm:param type="secChAlign" val="t"/>
+                      <dgm:param type="secLinDir" val="fromT"/>
+                    </dgm:alg>
+                  </dgm:if>
+                  <dgm:else name="Name27">
+                    <dgm:alg type="hierChild">
+                      <dgm:param type="chAlign" val="l"/>
+                      <dgm:param type="linDir" val="fromR"/>
+                      <dgm:param type="secChAlign" val="t"/>
+                      <dgm:param type="secLinDir" val="fromT"/>
+                    </dgm:alg>
+                  </dgm:else>
+                </dgm:choose>
+              </dgm:if>
+              <dgm:else name="Name28">
+                <dgm:choose name="Name29">
+                  <dgm:if name="Name30" func="var" arg="dir" op="equ" val="norm">
+                    <dgm:alg type="hierChild"/>
+                  </dgm:if>
+                  <dgm:else name="Name31">
+                    <dgm:alg type="hierChild">
+                      <dgm:param type="linDir" val="fromR"/>
+                    </dgm:alg>
+                  </dgm:else>
+                </dgm:choose>
+              </dgm:else>
+            </dgm:choose>
+            <dgm:shape xmlns:r="http://schemas.openxmlformats.org/officeDocument/2006/relationships" r:blip="">
+              <dgm:adjLst/>
+            </dgm:shape>
+            <dgm:presOf/>
+            <dgm:constrLst/>
+            <dgm:ruleLst/>
+            <dgm:forEach name="rep2a" axis="ch" ptType="nonAsst">
+              <dgm:forEach name="Name32" axis="precedSib" ptType="parTrans" st="-1" cnt="1">
+                <dgm:choose name="Name33">
+                  <dgm:if name="Name34" func="var" arg="hierBranch" op="equ" val="std">
+                    <dgm:layoutNode name="Name35">
+                      <dgm:alg type="conn">
+                        <dgm:param type="connRout" val="bend"/>
+                        <dgm:param type="dim" val="1D"/>
+                        <dgm:param type="endSty" val="noArr"/>
+                        <dgm:param type="begPts" val="bCtr"/>
+                        <dgm:param type="endPts" val="tCtr"/>
+                        <dgm:param type="bendPt" val="end"/>
+                      </dgm:alg>
+                      <dgm:shape xmlns:r="http://schemas.openxmlformats.org/officeDocument/2006/relationships" type="conn" r:blip="" zOrderOff="-99999">
+                        <dgm:adjLst/>
+                      </dgm:shape>
+                      <dgm:presOf axis="self"/>
+                      <dgm:constrLst>
+                        <dgm:constr type="begPad"/>
+                        <dgm:constr type="endPad"/>
+                      </dgm:constrLst>
+                      <dgm:ruleLst/>
+                    </dgm:layoutNode>
+                  </dgm:if>
+                  <dgm:if name="Name36" func="var" arg="hierBranch" op="equ" val="init">
+                    <dgm:layoutNode name="Name37">
+                      <dgm:choose name="Name38">
+                        <dgm:if name="Name39" axis="self" func="depth" op="lte" val="2">
+                          <dgm:alg type="conn">
+                            <dgm:param type="connRout" val="bend"/>
+                            <dgm:param type="dim" val="1D"/>
+                            <dgm:param type="endSty" val="noArr"/>
+                            <dgm:param type="begPts" val="bCtr"/>
+                            <dgm:param type="endPts" val="tCtr"/>
+                            <dgm:param type="bendPt" val="end"/>
+                          </dgm:alg>
+                        </dgm:if>
+                        <dgm:else name="Name40">
+                          <dgm:choose name="Name41">
+                            <dgm:if name="Name42" axis="par des" func="maxDepth" op="lte" val="1">
+                              <dgm:choose name="Name43">
+                                <dgm:if name="Name44" axis="par ch" ptType="node asst" func="cnt" op="gte" val="1">
+                                  <dgm:alg type="conn">
+                                    <dgm:param type="connRout" val="bend"/>
+                                    <dgm:param type="dim" val="1D"/>
+                                    <dgm:param type="endSty" val="noArr"/>
+                                    <dgm:param type="begPts" val="bCtr"/>
+                                    <dgm:param type="endPts" val="midL midR"/>
+                                  </dgm:alg>
+                                </dgm:if>
+                                <dgm:else name="Name45">
+                                  <dgm:alg type="conn">
+                                    <dgm:param type="connRout" val="bend"/>
+                                    <dgm:param type="dim" val="1D"/>
+                                    <dgm:param type="endSty" val="noArr"/>
+                                    <dgm:param type="begPts" val="bCtr"/>
+                                    <dgm:param type="endPts" val="midL midR"/>
+                                    <dgm:param type="srcNode" val="rootConnector"/>
+                                  </dgm:alg>
+                                </dgm:else>
+                              </dgm:choose>
+                            </dgm:if>
+                            <dgm:else name="Name46">
+                              <dgm:alg type="conn">
+                                <dgm:param type="connRout" val="bend"/>
+                                <dgm:param type="dim" val="1D"/>
+                                <dgm:param type="endSty" val="noArr"/>
+                                <dgm:param type="begPts" val="bCtr"/>
+                                <dgm:param type="endPts" val="tCtr"/>
+                                <dgm:param type="bendPt" val="end"/>
+                              </dgm:alg>
+                            </dgm:else>
+                          </dgm:choose>
+                        </dgm:else>
+                      </dgm:choose>
+                      <dgm:shape xmlns:r="http://schemas.openxmlformats.org/officeDocument/2006/relationships" type="conn" r:blip="" zOrderOff="-99999">
+                        <dgm:adjLst/>
+                      </dgm:shape>
+                      <dgm:presOf axis="self"/>
+                      <dgm:constrLst>
+                        <dgm:constr type="begPad"/>
+                        <dgm:constr type="endPad"/>
+                      </dgm:constrLst>
+                      <dgm:ruleLst/>
+                    </dgm:layoutNode>
+                  </dgm:if>
+                  <dgm:if name="Name47" func="var" arg="hierBranch" op="equ" val="hang">
+                    <dgm:layoutNode name="Name48">
+                      <dgm:alg type="conn">
+                        <dgm:param type="connRout" val="bend"/>
+                        <dgm:param type="dim" val="1D"/>
+                        <dgm:param type="endSty" val="noArr"/>
+                        <dgm:param type="begPts" val="bCtr"/>
+                        <dgm:param type="endPts" val="midL midR"/>
+                      </dgm:alg>
+                      <dgm:shape xmlns:r="http://schemas.openxmlformats.org/officeDocument/2006/relationships" type="conn" r:blip="" zOrderOff="-99999">
+                        <dgm:adjLst/>
+                      </dgm:shape>
+                      <dgm:presOf axis="self"/>
+                      <dgm:constrLst>
+                        <dgm:constr type="begPad"/>
+                        <dgm:constr type="endPad"/>
+                      </dgm:constrLst>
+                      <dgm:ruleLst/>
+                    </dgm:layoutNode>
+                  </dgm:if>
+                  <dgm:else name="Name49">
+                    <dgm:layoutNode name="Name50">
+                      <dgm:choose name="Name51">
+                        <dgm:if name="Name52" axis="self" func="depth" op="lte" val="2">
+                          <dgm:choose name="Name53">
+                            <dgm:if name="Name54" axis="par ch" ptType="node asst" func="cnt" op="gte" val="1">
+                              <dgm:alg type="conn">
+                                <dgm:param type="connRout" val="bend"/>
+                                <dgm:param type="dim" val="1D"/>
+                                <dgm:param type="endSty" val="noArr"/>
+                                <dgm:param type="begPts" val="bCtr"/>
+                                <dgm:param type="endPts" val="midL midR"/>
+                              </dgm:alg>
+                            </dgm:if>
+                            <dgm:else name="Name55">
+                              <dgm:alg type="conn">
+                                <dgm:param type="connRout" val="bend"/>
+                                <dgm:param type="dim" val="1D"/>
+                                <dgm:param type="endSty" val="noArr"/>
+                                <dgm:param type="begPts" val="bCtr"/>
+                                <dgm:param type="endPts" val="midL midR"/>
+                                <dgm:param type="srcNode" val="rootConnector1"/>
+                              </dgm:alg>
+                            </dgm:else>
+                          </dgm:choose>
+                        </dgm:if>
+                        <dgm:else name="Name56">
+                          <dgm:choose name="Name57">
+                            <dgm:if name="Name58" axis="par ch" ptType="node asst" func="cnt" op="gte" val="1">
+                              <dgm:alg type="conn">
+                                <dgm:param type="connRout" val="bend"/>
+                                <dgm:param type="dim" val="1D"/>
+                                <dgm:param type="endSty" val="noArr"/>
+                                <dgm:param type="begPts" val="bCtr"/>
+                                <dgm:param type="endPts" val="midL midR"/>
+                              </dgm:alg>
+                            </dgm:if>
+                            <dgm:else name="Name59">
+                              <dgm:alg type="conn">
+                                <dgm:param type="connRout" val="bend"/>
+                                <dgm:param type="dim" val="1D"/>
+                                <dgm:param type="endSty" val="noArr"/>
+                                <dgm:param type="begPts" val="bCtr"/>
+                                <dgm:param type="endPts" val="midL midR"/>
+                                <dgm:param type="srcNode" val="rootConnector"/>
+                              </dgm:alg>
+                            </dgm:else>
+                          </dgm:choose>
+                        </dgm:else>
+                      </dgm:choose>
+                      <dgm:shape xmlns:r="http://schemas.openxmlformats.org/officeDocument/2006/relationships" type="conn" r:blip="" zOrderOff="-99999">
+                        <dgm:adjLst/>
+                      </dgm:shape>
+                      <dgm:presOf axis="self"/>
+                      <dgm:constrLst>
+                        <dgm:constr type="begPad"/>
+                        <dgm:constr type="endPad"/>
+                      </dgm:constrLst>
+                      <dgm:ruleLst/>
+                    </dgm:layoutNode>
+                  </dgm:else>
+                </dgm:choose>
+              </dgm:forEach>
+              <dgm:layoutNode name="hierRoot2">
+                <dgm:varLst>
+                  <dgm:hierBranch val="init"/>
+                </dgm:varLst>
+                <dgm:choose name="Name60">
+                  <dgm:if name="Name61" func="var" arg="hierBranch" op="equ" val="l">
+                    <dgm:choose name="Name62">
+                      <dgm:if name="Name63" axis="ch" ptType="asst" func="cnt" op="gte" val="1">
+                        <dgm:alg type="hierRoot">
+                          <dgm:param type="hierAlign" val="tR"/>
+                        </dgm:alg>
+                        <dgm:shape xmlns:r="http://schemas.openxmlformats.org/officeDocument/2006/relationships" r:blip="">
+                          <dgm:adjLst/>
+                        </dgm:shape>
+                        <dgm:presOf/>
+                        <dgm:constrLst>
+                          <dgm:constr type="alignOff" val="0.65"/>
+                        </dgm:constrLst>
+                      </dgm:if>
+                      <dgm:else name="Name64">
+                        <dgm:alg type="hierRoot">
+                          <dgm:param type="hierAlign" val="tR"/>
+                        </dgm:alg>
+                        <dgm:shape xmlns:r="http://schemas.openxmlformats.org/officeDocument/2006/relationships" r:blip="">
+                          <dgm:adjLst/>
+                        </dgm:shape>
+                        <dgm:presOf/>
+                        <dgm:constrLst>
+                          <dgm:constr type="alignOff" val="0.25"/>
+                        </dgm:constrLst>
+                      </dgm:else>
+                    </dgm:choose>
+                  </dgm:if>
+                  <dgm:if name="Name65" func="var" arg="hierBranch" op="equ" val="r">
+                    <dgm:choose name="Name66">
+                      <dgm:if name="Name67" axis="ch" ptType="asst" func="cnt" op="gte" val="1">
+                        <dgm:alg type="hierRoot">
+                          <dgm:param type="hierAlign" val="tL"/>
+                        </dgm:alg>
+                        <dgm:shape xmlns:r="http://schemas.openxmlformats.org/officeDocument/2006/relationships" r:blip="">
+                          <dgm:adjLst/>
+                        </dgm:shape>
+                        <dgm:presOf/>
+                        <dgm:constrLst>
+                          <dgm:constr type="alignOff" val="0.65"/>
+                        </dgm:constrLst>
+                      </dgm:if>
+                      <dgm:else name="Name68">
+                        <dgm:alg type="hierRoot">
+                          <dgm:param type="hierAlign" val="tL"/>
+                        </dgm:alg>
+                        <dgm:shape xmlns:r="http://schemas.openxmlformats.org/officeDocument/2006/relationships" r:blip="">
+                          <dgm:adjLst/>
+                        </dgm:shape>
+                        <dgm:presOf/>
+                        <dgm:constrLst>
+                          <dgm:constr type="alignOff" val="0.25"/>
+                        </dgm:constrLst>
+                      </dgm:else>
+                    </dgm:choose>
+                  </dgm:if>
+                  <dgm:if name="Name69" func="var" arg="hierBranch" op="equ" val="std">
+                    <dgm:alg type="hierRoot"/>
+                    <dgm:shape xmlns:r="http://schemas.openxmlformats.org/officeDocument/2006/relationships" r:blip="">
+                      <dgm:adjLst/>
+                    </dgm:shape>
+                    <dgm:presOf/>
+                    <dgm:constrLst>
+                      <dgm:constr type="alignOff"/>
+                      <dgm:constr type="bendDist" for="des" ptType="parTrans" refType="sp" fact="0.5"/>
+                    </dgm:constrLst>
+                  </dgm:if>
+                  <dgm:if name="Name70" func="var" arg="hierBranch" op="equ" val="init">
+                    <dgm:choose name="Name71">
+                      <dgm:if name="Name72" axis="des" func="maxDepth" op="lte" val="1">
+                        <dgm:choose name="Name73">
+                          <dgm:if name="Name74" axis="ch" ptType="asst" func="cnt" op="gte" val="1">
+                            <dgm:alg type="hierRoot">
+                              <dgm:param type="hierAlign" val="tL"/>
+                            </dgm:alg>
+                            <dgm:shape xmlns:r="http://schemas.openxmlformats.org/officeDocument/2006/relationships" r:blip="">
+                              <dgm:adjLst/>
+                            </dgm:shape>
+                            <dgm:presOf/>
+                            <dgm:constrLst>
+                              <dgm:constr type="alignOff" val="0.65"/>
+                            </dgm:constrLst>
+                          </dgm:if>
+                          <dgm:else name="Name75">
+                            <dgm:alg type="hierRoot">
+                              <dgm:param type="hierAlign" val="tL"/>
+                            </dgm:alg>
+                            <dgm:shape xmlns:r="http://schemas.openxmlformats.org/officeDocument/2006/relationships" r:blip="">
+                              <dgm:adjLst/>
+                            </dgm:shape>
+                            <dgm:presOf/>
+                            <dgm:constrLst>
+                              <dgm:constr type="alignOff" val="0.25"/>
+                            </dgm:constrLst>
+                          </dgm:else>
+                        </dgm:choose>
+                      </dgm:if>
+                      <dgm:else name="Name76">
+                        <dgm:alg type="hierRoot"/>
+                        <dgm:shape xmlns:r="http://schemas.openxmlformats.org/officeDocument/2006/relationships" r:blip="">
+                          <dgm:adjLst/>
+                        </dgm:shape>
+                        <dgm:presOf/>
+                        <dgm:constrLst>
+                          <dgm:constr type="alignOff"/>
+                          <dgm:constr type="bendDist" for="des" ptType="parTrans" refType="sp" fact="0.5"/>
+                        </dgm:constrLst>
+                      </dgm:else>
+                    </dgm:choose>
+                  </dgm:if>
+                  <dgm:else name="Name77">
+                    <dgm:alg type="hierRoot"/>
+                    <dgm:shape xmlns:r="http://schemas.openxmlformats.org/officeDocument/2006/relationships" r:blip="">
+                      <dgm:adjLst/>
+                    </dgm:shape>
+                    <dgm:presOf/>
+                    <dgm:constrLst>
+                      <dgm:constr type="alignOff" val="0.65"/>
+                    </dgm:constrLst>
+                  </dgm:else>
+                </dgm:choose>
+                <dgm:ruleLst/>
+                <dgm:layoutNode name="rootComposite">
+                  <dgm:alg type="composite"/>
+                  <dgm:shape xmlns:r="http://schemas.openxmlformats.org/officeDocument/2006/relationships" r:blip="">
+                    <dgm:adjLst/>
+                  </dgm:shape>
+                  <dgm:presOf axis="self" ptType="node" cnt="1"/>
+                  <dgm:choose name="Name78">
+                    <dgm:if name="Name79" func="var" arg="hierBranch" op="equ" val="init">
+                      <dgm:constrLst>
+                        <dgm:constr type="l" for="ch" forName="rootText"/>
+                        <dgm:constr type="t" for="ch" forName="rootText"/>
+                        <dgm:constr type="w" for="ch" forName="rootText" refType="w"/>
+                        <dgm:constr type="h" for="ch" forName="rootText" refType="h"/>
+                        <dgm:constr type="l" for="ch" forName="rootConnector"/>
+                        <dgm:constr type="t" for="ch" forName="rootConnector"/>
+                        <dgm:constr type="w" for="ch" forName="rootConnector" refType="w" refFor="ch" refForName="rootText" fact="0.2"/>
+                        <dgm:constr type="h" for="ch" forName="rootConnector" refType="h" refFor="ch" refForName="rootText"/>
+                      </dgm:constrLst>
+                    </dgm:if>
+                    <dgm:if name="Name80" func="var" arg="hierBranch" op="equ" val="l">
+                      <dgm:constrLst>
+                        <dgm:constr type="l" for="ch" forName="rootText"/>
+                        <dgm:constr type="t" for="ch" forName="rootText"/>
+                        <dgm:constr type="w" for="ch" forName="rootText" refType="w"/>
+                        <dgm:constr type="h" for="ch" forName="rootText" refType="h"/>
+                        <dgm:constr type="r" for="ch" forName="rootConnector" refType="w"/>
+                        <dgm:constr type="t" for="ch" forName="rootConnector"/>
+                        <dgm:constr type="w" for="ch" forName="rootConnector" refType="w" refFor="ch" refForName="rootText" fact="0.2"/>
+                        <dgm:constr type="h" for="ch" forName="rootConnector" refType="h" refFor="ch" refForName="rootText"/>
+                      </dgm:constrLst>
+                    </dgm:if>
+                    <dgm:if name="Name81" func="var" arg="hierBranch" op="equ" val="r">
+                      <dgm:constrLst>
+                        <dgm:constr type="l" for="ch" forName="rootText"/>
+                        <dgm:constr type="t" for="ch" forName="rootText"/>
+                        <dgm:constr type="w" for="ch" forName="rootText" refType="w"/>
+                        <dgm:constr type="h" for="ch" forName="rootText" refType="h"/>
+                        <dgm:constr type="l" for="ch" forName="rootConnector"/>
+                        <dgm:constr type="t" for="ch" forName="rootConnector"/>
+                        <dgm:constr type="w" for="ch" forName="rootConnector" refType="w" refFor="ch" refForName="rootText" fact="0.2"/>
+                        <dgm:constr type="h" for="ch" forName="rootConnector" refType="h" refFor="ch" refForName="rootText"/>
+                      </dgm:constrLst>
+                    </dgm:if>
+                    <dgm:else name="Name82">
+                      <dgm:constrLst>
+                        <dgm:constr type="l" for="ch" forName="rootText"/>
+                        <dgm:constr type="t" for="ch" forName="rootText"/>
+                        <dgm:constr type="w" for="ch" forName="rootText" refType="w"/>
+                        <dgm:constr type="h" for="ch" forName="rootText" refType="h"/>
+                        <dgm:constr type="r" for="ch" forName="rootConnector" refType="w"/>
+                        <dgm:constr type="t" for="ch" forName="rootConnector"/>
+                        <dgm:constr type="w" for="ch" forName="rootConnector" refType="w" refFor="ch" refForName="rootText" fact="0.2"/>
+                        <dgm:constr type="h" for="ch" forName="rootConnector" refType="h" refFor="ch" refForName="rootText"/>
+                      </dgm:constrLst>
+                    </dgm:else>
+                  </dgm:choose>
+                  <dgm:ruleLst/>
+                  <dgm:layoutNode name="rootText">
+                    <dgm:varLst>
+                      <dgm:chPref val="3"/>
+                    </dgm:varLst>
+                    <dgm:alg type="tx"/>
+                    <dgm:shape xmlns:r="http://schemas.openxmlformats.org/officeDocument/2006/relationships" type="rect" r:blip="">
+                      <dgm:adjLst/>
+                    </dgm:shape>
+                    <dgm:presOf axis="self" ptType="node" cnt="1"/>
+                    <dgm:constrLst>
+                      <dgm:constr type="primFontSz" val="65"/>
+                      <dgm:constr type="lMarg" refType="primFontSz" fact="0.05"/>
+                      <dgm:constr type="rMarg" refType="primFontSz" fact="0.05"/>
+                      <dgm:constr type="tMarg" refType="primFontSz" fact="0.05"/>
+                      <dgm:constr type="bMarg" refType="primFontSz" fact="0.05"/>
+                    </dgm:constrLst>
+                    <dgm:ruleLst>
+                      <dgm:rule type="primFontSz" val="5" fact="NaN" max="NaN"/>
+                    </dgm:ruleLst>
+                  </dgm:layoutNode>
+                  <dgm:layoutNode name="rootConnector" moveWith="rootText">
+                    <dgm:alg type="sp"/>
+                    <dgm:shape xmlns:r="http://schemas.openxmlformats.org/officeDocument/2006/relationships" type="rect" r:blip="" hideGeom="1">
+                      <dgm:adjLst/>
+                    </dgm:shape>
+                    <dgm:presOf axis="self" ptType="node" cnt="1"/>
+                    <dgm:constrLst/>
+                    <dgm:ruleLst/>
+                  </dgm:layoutNode>
+                </dgm:layoutNode>
+                <dgm:layoutNode name="hierChild4">
+                  <dgm:choose name="Name83">
+                    <dgm:if name="Name84" func="var" arg="hierBranch" op="equ" val="l">
+                      <dgm:alg type="hierChild">
+                        <dgm:param type="chAlign" val="r"/>
+                        <dgm:param type="linDir" val="fromT"/>
+                      </dgm:alg>
+                    </dgm:if>
+                    <dgm:if name="Name85" func="var" arg="hierBranch" op="equ" val="r">
+                      <dgm:alg type="hierChild">
+                        <dgm:param type="chAlign" val="l"/>
+                        <dgm:param type="linDir" val="fromT"/>
+                      </dgm:alg>
+                    </dgm:if>
+                    <dgm:if name="Name86" func="var" arg="hierBranch" op="equ" val="hang">
+                      <dgm:choose name="Name87">
+                        <dgm:if name="Name88" func="var" arg="dir" op="equ" val="norm">
+                          <dgm:alg type="hierChild">
+                            <dgm:param type="chAlign" val="l"/>
+                            <dgm:param type="linDir" val="fromL"/>
+                            <dgm:param type="secChAlign" val="t"/>
+                            <dgm:param type="secLinDir" val="fromT"/>
+                          </dgm:alg>
+                        </dgm:if>
+                        <dgm:else name="Name89">
+                          <dgm:alg type="hierChild">
+                            <dgm:param type="chAlign" val="l"/>
+                            <dgm:param type="linDir" val="fromR"/>
+                            <dgm:param type="secChAlign" val="t"/>
+                            <dgm:param type="secLinDir" val="fromT"/>
+                          </dgm:alg>
+                        </dgm:else>
+                      </dgm:choose>
+                    </dgm:if>
+                    <dgm:if name="Name90" func="var" arg="hierBranch" op="equ" val="std">
+                      <dgm:choose name="Name91">
+                        <dgm:if name="Name92" func="var" arg="dir" op="equ" val="norm">
+                          <dgm:alg type="hierChild"/>
+                        </dgm:if>
+                        <dgm:else name="Name93">
+                          <dgm:alg type="hierChild">
+                            <dgm:param type="linDir" val="fromR"/>
+                          </dgm:alg>
+                        </dgm:else>
+                      </dgm:choose>
+                    </dgm:if>
+                    <dgm:if name="Name94" func="var" arg="hierBranch" op="equ" val="init">
+                      <dgm:choose name="Name95">
+                        <dgm:if name="Name96" axis="des" func="maxDepth" op="lte" val="1">
+                          <dgm:alg type="hierChild">
+                            <dgm:param type="chAlign" val="l"/>
+                            <dgm:param type="linDir" val="fromT"/>
+                          </dgm:alg>
+                        </dgm:if>
+                        <dgm:else name="Name97">
+                          <dgm:choose name="Name98">
+                            <dgm:if name="Name99" func="var" arg="dir" op="equ" val="norm">
+                              <dgm:alg type="hierChild"/>
+                            </dgm:if>
+                            <dgm:else name="Name100">
+                              <dgm:alg type="hierChild">
+                                <dgm:param type="linDir" val="fromR"/>
+                              </dgm:alg>
+                            </dgm:else>
+                          </dgm:choose>
+                        </dgm:else>
+                      </dgm:choose>
+                    </dgm:if>
+                    <dgm:else name="Name101"/>
+                  </dgm:choose>
+                  <dgm:shape xmlns:r="http://schemas.openxmlformats.org/officeDocument/2006/relationships" r:blip="">
+                    <dgm:adjLst/>
+                  </dgm:shape>
+                  <dgm:presOf/>
+                  <dgm:constrLst/>
+                  <dgm:ruleLst/>
+                  <dgm:forEach name="Name102" ref="rep2a"/>
+                </dgm:layoutNode>
+                <dgm:layoutNode name="hierChild5">
+                  <dgm:choose name="Name103">
+                    <dgm:if name="Name104" func="var" arg="dir" op="equ" val="norm">
+                      <dgm:alg type="hierChild">
+                        <dgm:param type="chAlign" val="l"/>
+                        <dgm:param type="linDir" val="fromL"/>
+                        <dgm:param type="secChAlign" val="t"/>
+                        <dgm:param type="secLinDir" val="fromT"/>
+                      </dgm:alg>
+                    </dgm:if>
+                    <dgm:else name="Name105">
+                      <dgm:alg type="hierChild">
+                        <dgm:param type="chAlign" val="l"/>
+                        <dgm:param type="linDir" val="fromR"/>
+                        <dgm:param type="secChAlign" val="t"/>
+                        <dgm:param type="secLinDir" val="fromT"/>
+                      </dgm:alg>
+                    </dgm:else>
+                  </dgm:choose>
+                  <dgm:shape xmlns:r="http://schemas.openxmlformats.org/officeDocument/2006/relationships" r:blip="">
+                    <dgm:adjLst/>
+                  </dgm:shape>
+                  <dgm:presOf/>
+                  <dgm:constrLst/>
+                  <dgm:ruleLst/>
+                  <dgm:forEach name="Name106" ref="rep2b"/>
+                </dgm:layoutNode>
+              </dgm:layoutNode>
+            </dgm:forEach>
+          </dgm:layoutNode>
+          <dgm:layoutNode name="hierChild3">
+            <dgm:choose name="Name107">
+              <dgm:if name="Name108" func="var" arg="dir" op="equ" val="norm">
+                <dgm:alg type="hierChild">
+                  <dgm:param type="chAlign" val="l"/>
+                  <dgm:param type="linDir" val="fromL"/>
+                  <dgm:param type="secChAlign" val="t"/>
+                  <dgm:param type="secLinDir" val="fromT"/>
+                </dgm:alg>
+              </dgm:if>
+              <dgm:else name="Name109">
+                <dgm:alg type="hierChild">
+                  <dgm:param type="chAlign" val="l"/>
+                  <dgm:param type="linDir" val="fromR"/>
+                  <dgm:param type="secChAlign" val="t"/>
+                  <dgm:param type="secLinDir" val="fromT"/>
+                </dgm:alg>
+              </dgm:else>
+            </dgm:choose>
+            <dgm:shape xmlns:r="http://schemas.openxmlformats.org/officeDocument/2006/relationships" r:blip="">
+              <dgm:adjLst/>
+            </dgm:shape>
+            <dgm:presOf/>
+            <dgm:constrLst/>
+            <dgm:ruleLst/>
+            <dgm:forEach name="rep2b" axis="ch" ptType="asst">
+              <dgm:forEach name="Name110" axis="precedSib" ptType="parTrans" st="-1" cnt="1">
+                <dgm:layoutNode name="Name111">
+                  <dgm:alg type="conn">
+                    <dgm:param type="connRout" val="bend"/>
+                    <dgm:param type="dim" val="1D"/>
+                    <dgm:param type="endSty" val="noArr"/>
+                    <dgm:param type="begPts" val="bCtr"/>
+                    <dgm:param type="endPts" val="midL midR"/>
+                  </dgm:alg>
+                  <dgm:shape xmlns:r="http://schemas.openxmlformats.org/officeDocument/2006/relationships" type="conn" r:blip="" zOrderOff="-99999">
+                    <dgm:adjLst/>
+                  </dgm:shape>
+                  <dgm:presOf axis="self"/>
+                  <dgm:constrLst>
+                    <dgm:constr type="begPad"/>
+                    <dgm:constr type="endPad"/>
+                  </dgm:constrLst>
+                  <dgm:ruleLst/>
+                </dgm:layoutNode>
+              </dgm:forEach>
+              <dgm:layoutNode name="hierRoot3">
+                <dgm:varLst>
+                  <dgm:hierBranch val="init"/>
+                </dgm:varLst>
+                <dgm:choose name="Name112">
+                  <dgm:if name="Name113" func="var" arg="hierBranch" op="equ" val="l">
+                    <dgm:alg type="hierRoot">
+                      <dgm:param type="hierAlign" val="tR"/>
+                    </dgm:alg>
+                    <dgm:shape xmlns:r="http://schemas.openxmlformats.org/officeDocument/2006/relationships" r:blip="">
+                      <dgm:adjLst/>
+                    </dgm:shape>
+                    <dgm:presOf/>
+                    <dgm:constrLst>
+                      <dgm:constr type="alignOff" val="0.65"/>
+                    </dgm:constrLst>
+                  </dgm:if>
+                  <dgm:if name="Name114" func="var" arg="hierBranch" op="equ" val="r">
+                    <dgm:alg type="hierRoot">
+                      <dgm:param type="hierAlign" val="tL"/>
+                    </dgm:alg>
+                    <dgm:shape xmlns:r="http://schemas.openxmlformats.org/officeDocument/2006/relationships" r:blip="">
+                      <dgm:adjLst/>
+                    </dgm:shape>
+                    <dgm:presOf/>
+                    <dgm:constrLst>
+                      <dgm:constr type="alignOff" val="0.65"/>
+                    </dgm:constrLst>
+                  </dgm:if>
+                  <dgm:if name="Name115" func="var" arg="hierBranch" op="equ" val="hang">
+                    <dgm:alg type="hierRoot"/>
+                    <dgm:shape xmlns:r="http://schemas.openxmlformats.org/officeDocument/2006/relationships" r:blip="">
+                      <dgm:adjLst/>
+                    </dgm:shape>
+                    <dgm:presOf/>
+                    <dgm:constrLst>
+                      <dgm:constr type="alignOff" val="0.65"/>
+                    </dgm:constrLst>
+                  </dgm:if>
+                  <dgm:if name="Name116" func="var" arg="hierBranch" op="equ" val="std">
+                    <dgm:alg type="hierRoot"/>
+                    <dgm:shape xmlns:r="http://schemas.openxmlformats.org/officeDocument/2006/relationships" r:blip="">
+                      <dgm:adjLst/>
+                    </dgm:shape>
+                    <dgm:presOf/>
+                    <dgm:constrLst>
+                      <dgm:constr type="alignOff"/>
+                      <dgm:constr type="bendDist" for="des" ptType="parTrans" refType="sp" fact="0.5"/>
+                    </dgm:constrLst>
+                  </dgm:if>
+                  <dgm:if name="Name117" func="var" arg="hierBranch" op="equ" val="init">
+                    <dgm:choose name="Name118">
+                      <dgm:if name="Name119" axis="des" func="maxDepth" op="lte" val="1">
+                        <dgm:alg type="hierRoot">
+                          <dgm:param type="hierAlign" val="tL"/>
+                        </dgm:alg>
+                        <dgm:shape xmlns:r="http://schemas.openxmlformats.org/officeDocument/2006/relationships" r:blip="">
+                          <dgm:adjLst/>
+                        </dgm:shape>
+                        <dgm:presOf/>
+                        <dgm:constrLst>
+                          <dgm:constr type="alignOff" val="0.65"/>
+                        </dgm:constrLst>
+                      </dgm:if>
+                      <dgm:else name="Name120">
+                        <dgm:alg type="hierRoot"/>
+                        <dgm:shape xmlns:r="http://schemas.openxmlformats.org/officeDocument/2006/relationships" r:blip="">
+                          <dgm:adjLst/>
+                        </dgm:shape>
+                        <dgm:presOf/>
+                        <dgm:constrLst>
+                          <dgm:constr type="alignOff"/>
+                          <dgm:constr type="bendDist" for="des" ptType="parTrans" refType="sp" fact="0.5"/>
+                        </dgm:constrLst>
+                      </dgm:else>
+                    </dgm:choose>
+                  </dgm:if>
+                  <dgm:else name="Name121"/>
+                </dgm:choose>
+                <dgm:ruleLst/>
+                <dgm:layoutNode name="rootComposite3">
+                  <dgm:alg type="composite"/>
+                  <dgm:shape xmlns:r="http://schemas.openxmlformats.org/officeDocument/2006/relationships" r:blip="">
+                    <dgm:adjLst/>
+                  </dgm:shape>
+                  <dgm:presOf axis="self" ptType="node" cnt="1"/>
+                  <dgm:choose name="Name122">
+                    <dgm:if name="Name123" func="var" arg="hierBranch" op="equ" val="init">
+                      <dgm:constrLst>
+                        <dgm:constr type="l" for="ch" forName="rootText3"/>
+                        <dgm:constr type="t" for="ch" forName="rootText3"/>
+                        <dgm:constr type="w" for="ch" forName="rootText3" refType="w"/>
+                        <dgm:constr type="h" for="ch" forName="rootText3" refType="h"/>
+                        <dgm:constr type="l" for="ch" forName="rootConnector3"/>
+                        <dgm:constr type="t" for="ch" forName="rootConnector3"/>
+                        <dgm:constr type="w" for="ch" forName="rootConnector3" refType="w" refFor="ch" refForName="rootText3" fact="0.2"/>
+                        <dgm:constr type="h" for="ch" forName="rootConnector3" refType="h" refFor="ch" refForName="rootText3"/>
+                      </dgm:constrLst>
+                    </dgm:if>
+                    <dgm:if name="Name124" func="var" arg="hierBranch" op="equ" val="l">
+                      <dgm:constrLst>
+                        <dgm:constr type="l" for="ch" forName="rootText3"/>
+                        <dgm:constr type="t" for="ch" forName="rootText3"/>
+                        <dgm:constr type="w" for="ch" forName="rootText3" refType="w"/>
+                        <dgm:constr type="h" for="ch" forName="rootText3" refType="h"/>
+                        <dgm:constr type="r" for="ch" forName="rootConnector3" refType="w"/>
+                        <dgm:constr type="t" for="ch" forName="rootConnector3"/>
+                        <dgm:constr type="w" for="ch" forName="rootConnector3" refType="w" refFor="ch" refForName="rootText3" fact="0.2"/>
+                        <dgm:constr type="h" for="ch" forName="rootConnector3" refType="h" refFor="ch" refForName="rootText3"/>
+                      </dgm:constrLst>
+                    </dgm:if>
+                    <dgm:if name="Name125" func="var" arg="hierBranch" op="equ" val="r">
+                      <dgm:constrLst>
+                        <dgm:constr type="l" for="ch" forName="rootText3"/>
+                        <dgm:constr type="t" for="ch" forName="rootText3"/>
+                        <dgm:constr type="w" for="ch" forName="rootText3" refType="w"/>
+                        <dgm:constr type="h" for="ch" forName="rootText3" refType="h"/>
+                        <dgm:constr type="l" for="ch" forName="rootConnector3"/>
+                        <dgm:constr type="t" for="ch" forName="rootConnector3"/>
+                        <dgm:constr type="w" for="ch" forName="rootConnector3" refType="w" refFor="ch" refForName="rootText3" fact="0.2"/>
+                        <dgm:constr type="h" for="ch" forName="rootConnector3" refType="h" refFor="ch" refForName="rootText3"/>
+                      </dgm:constrLst>
+                    </dgm:if>
+                    <dgm:else name="Name126">
+                      <dgm:constrLst>
+                        <dgm:constr type="l" for="ch" forName="rootText3"/>
+                        <dgm:constr type="t" for="ch" forName="rootText3"/>
+                        <dgm:constr type="w" for="ch" forName="rootText3" refType="w"/>
+                        <dgm:constr type="h" for="ch" forName="rootText3" refType="h"/>
+                        <dgm:constr type="r" for="ch" forName="rootConnector3" refType="w"/>
+                        <dgm:constr type="t" for="ch" forName="rootConnector3"/>
+                        <dgm:constr type="w" for="ch" forName="rootConnector3" refType="w" refFor="ch" refForName="rootText3" fact="0.2"/>
+                        <dgm:constr type="h" for="ch" forName="rootConnector3" refType="h" refFor="ch" refForName="rootText3"/>
+                      </dgm:constrLst>
+                    </dgm:else>
+                  </dgm:choose>
+                  <dgm:ruleLst/>
+                  <dgm:layoutNode name="rootText3">
+                    <dgm:varLst>
+                      <dgm:chPref val="3"/>
+                    </dgm:varLst>
+                    <dgm:alg type="tx"/>
+                    <dgm:shape xmlns:r="http://schemas.openxmlformats.org/officeDocument/2006/relationships" type="rect" r:blip="">
+                      <dgm:adjLst/>
+                    </dgm:shape>
+                    <dgm:presOf axis="self" ptType="node" cnt="1"/>
+                    <dgm:constrLst>
+                      <dgm:constr type="primFontSz" val="65"/>
+                      <dgm:constr type="lMarg" refType="primFontSz" fact="0.05"/>
+                      <dgm:constr type="rMarg" refType="primFontSz" fact="0.05"/>
+                      <dgm:constr type="tMarg" refType="primFontSz" fact="0.05"/>
+                      <dgm:constr type="bMarg" refType="primFontSz" fact="0.05"/>
+                    </dgm:constrLst>
+                    <dgm:ruleLst>
+                      <dgm:rule type="primFontSz" val="5" fact="NaN" max="NaN"/>
+                    </dgm:ruleLst>
+                  </dgm:layoutNode>
+                  <dgm:layoutNode name="rootConnector3" moveWith="rootText1">
+                    <dgm:alg type="sp"/>
+                    <dgm:shape xmlns:r="http://schemas.openxmlformats.org/officeDocument/2006/relationships" type="rect" r:blip="" hideGeom="1">
+                      <dgm:adjLst/>
+                    </dgm:shape>
+                    <dgm:presOf axis="self" ptType="node" cnt="1"/>
+                    <dgm:constrLst/>
+                    <dgm:ruleLst/>
+                  </dgm:layoutNode>
+                </dgm:layoutNode>
+                <dgm:layoutNode name="hierChild6">
+                  <dgm:choose name="Name127">
+                    <dgm:if name="Name128" func="var" arg="hierBranch" op="equ" val="l">
+                      <dgm:alg type="hierChild">
+                        <dgm:param type="chAlign" val="r"/>
+                        <dgm:param type="linDir" val="fromT"/>
+                      </dgm:alg>
+                    </dgm:if>
+                    <dgm:if name="Name129" func="var" arg="hierBranch" op="equ" val="r">
+                      <dgm:alg type="hierChild">
+                        <dgm:param type="chAlign" val="l"/>
+                        <dgm:param type="linDir" val="fromT"/>
+                      </dgm:alg>
+                    </dgm:if>
+                    <dgm:if name="Name130" func="var" arg="hierBranch" op="equ" val="hang">
+                      <dgm:choose name="Name131">
+                        <dgm:if name="Name132" func="var" arg="dir" op="equ" val="norm">
+                          <dgm:alg type="hierChild">
+                            <dgm:param type="chAlign" val="l"/>
+                            <dgm:param type="linDir" val="fromL"/>
+                            <dgm:param type="secChAlign" val="t"/>
+                            <dgm:param type="secLinDir" val="fromT"/>
+                          </dgm:alg>
+                        </dgm:if>
+                        <dgm:else name="Name133">
+                          <dgm:alg type="hierChild">
+                            <dgm:param type="chAlign" val="l"/>
+                            <dgm:param type="linDir" val="fromR"/>
+                            <dgm:param type="secChAlign" val="t"/>
+                            <dgm:param type="secLinDir" val="fromT"/>
+                          </dgm:alg>
+                        </dgm:else>
+                      </dgm:choose>
+                    </dgm:if>
+                    <dgm:if name="Name134" func="var" arg="hierBranch" op="equ" val="std">
+                      <dgm:choose name="Name135">
+                        <dgm:if name="Name136" func="var" arg="dir" op="equ" val="norm">
+                          <dgm:alg type="hierChild"/>
+                        </dgm:if>
+                        <dgm:else name="Name137">
+                          <dgm:alg type="hierChild">
+                            <dgm:param type="linDir" val="fromR"/>
+                          </dgm:alg>
+                        </dgm:else>
+                      </dgm:choose>
+                    </dgm:if>
+                    <dgm:if name="Name138" func="var" arg="hierBranch" op="equ" val="init">
+                      <dgm:choose name="Name139">
+                        <dgm:if name="Name140" axis="des" func="maxDepth" op="lte" val="1">
+                          <dgm:alg type="hierChild">
+                            <dgm:param type="chAlign" val="l"/>
+                            <dgm:param type="linDir" val="fromT"/>
+                          </dgm:alg>
+                        </dgm:if>
+                        <dgm:else name="Name141">
+                          <dgm:alg type="hierChild"/>
+                        </dgm:else>
+                      </dgm:choose>
+                    </dgm:if>
+                    <dgm:else name="Name142"/>
+                  </dgm:choose>
+                  <dgm:shape xmlns:r="http://schemas.openxmlformats.org/officeDocument/2006/relationships" r:blip="">
+                    <dgm:adjLst/>
+                  </dgm:shape>
+                  <dgm:presOf/>
+                  <dgm:constrLst/>
+                  <dgm:ruleLst/>
+                  <dgm:forEach name="Name143" ref="rep2a"/>
+                </dgm:layoutNode>
+                <dgm:layoutNode name="hierChild7">
+                  <dgm:choose name="Name144">
+                    <dgm:if name="Name145" func="var" arg="dir" op="equ" val="norm">
+                      <dgm:alg type="hierChild">
+                        <dgm:param type="chAlign" val="l"/>
+                        <dgm:param type="linDir" val="fromL"/>
+                        <dgm:param type="secChAlign" val="t"/>
+                        <dgm:param type="secLinDir" val="fromT"/>
+                      </dgm:alg>
+                    </dgm:if>
+                    <dgm:else name="Name146">
+                      <dgm:alg type="hierChild">
+                        <dgm:param type="chAlign" val="l"/>
+                        <dgm:param type="linDir" val="fromR"/>
+                        <dgm:param type="secChAlign" val="t"/>
+                        <dgm:param type="secLinDir" val="fromT"/>
+                      </dgm:alg>
+                    </dgm:else>
+                  </dgm:choose>
+                  <dgm:shape xmlns:r="http://schemas.openxmlformats.org/officeDocument/2006/relationships" r:blip="">
+                    <dgm:adjLst/>
+                  </dgm:shape>
+                  <dgm:presOf/>
+                  <dgm:constrLst/>
+                  <dgm:ruleLst/>
+                  <dgm:forEach name="Name147" ref="rep2b"/>
+                </dgm:layoutNode>
+              </dgm:layoutNode>
+            </dgm:forEach>
+          </dgm:layoutNode>
+        </dgm:layoutNode>
+      </dgm:forEach>
+    </dgm:forEach>
+  </dgm:layoutNode>
+</dgm:layoutDef>
+</file>
+
+<file path=ppt/diagrams/layout2.xml><?xml version="1.0" encoding="utf-8"?>
+<dgm:layoutDef xmlns:dgm="http://schemas.openxmlformats.org/drawingml/2006/diagram" xmlns:a="http://schemas.openxmlformats.org/drawingml/2006/main" uniqueId="urn:microsoft.com/office/officeart/2005/8/layout/radial5">
+  <dgm:title val=""/>
+  <dgm:desc val=""/>
+  <dgm:catLst>
+    <dgm:cat type="relationship" pri="23000"/>
+    <dgm:cat type="cycle" pri="11000"/>
+  </dgm:catLst>
+  <dgm:sampData>
+    <dgm:dataModel>
+      <dgm:ptLst>
+        <dgm:pt modelId="0" type="doc"/>
+        <dgm:pt modelId="1">
+          <dgm:prSet phldr="1"/>
+        </dgm:pt>
+        <dgm:pt modelId="11">
+          <dgm:prSet phldr="1"/>
+        </dgm:pt>
+        <dgm:pt modelId="12">
+          <dgm:prSet phldr="1"/>
+        </dgm:pt>
+        <dgm:pt modelId="13">
+          <dgm:prSet phldr="1"/>
+        </dgm:pt>
+        <dgm:pt modelId="14">
+          <dgm:prSet phldr="1"/>
+        </dgm:pt>
+      </dgm:ptLst>
+      <dgm:cxnLst>
+        <dgm:cxn modelId="2" srcId="0" destId="1" srcOrd="0" destOrd="0"/>
+        <dgm:cxn modelId="3" srcId="1" destId="11" srcOrd="0" destOrd="0"/>
+        <dgm:cxn modelId="4" srcId="1" destId="12" srcOrd="1" destOrd="0"/>
+        <dgm:cxn modelId="5" srcId="1" destId="13" srcOrd="2" destOrd="0"/>
+        <dgm:cxn modelId="6" srcId="1" destId="14" srcOrd="3" destOrd="0"/>
+      </dgm:cxnLst>
+      <dgm:bg/>
+      <dgm:whole/>
+    </dgm:dataModel>
+  </dgm:sampData>
+  <dgm:styleData>
+    <dgm:dataModel>
+      <dgm:ptLst>
+        <dgm:pt modelId="0" type="doc"/>
+        <dgm:pt modelId="1"/>
+        <dgm:pt modelId="11"/>
+        <dgm:pt modelId="12"/>
+        <dgm:pt modelId="13"/>
+      </dgm:ptLst>
+      <dgm:cxnLst>
+        <dgm:cxn modelId="2" srcId="0" destId="1" srcOrd="0" destOrd="0"/>
+        <dgm:cxn modelId="15" srcId="1" destId="11" srcOrd="0" destOrd="0"/>
+        <dgm:cxn modelId="16" srcId="1" destId="12" srcOrd="1" destOrd="0"/>
+        <dgm:cxn modelId="17" srcId="1" destId="13" srcOrd="2" destOrd="0"/>
+      </dgm:cxnLst>
+      <dgm:bg/>
+      <dgm:whole/>
+    </dgm:dataModel>
+  </dgm:styleData>
+  <dgm:clrData>
+    <dgm:dataModel>
+      <dgm:ptLst>
+        <dgm:pt modelId="0" type="doc"/>
+        <dgm:pt modelId="1"/>
+        <dgm:pt modelId="11"/>
+        <dgm:pt modelId="12"/>
+        <dgm:pt modelId="13"/>
+        <dgm:pt modelId="14"/>
+        <dgm:pt modelId="15"/>
+        <dgm:pt modelId="16"/>
+      </dgm:ptLst>
+      <dgm:cxnLst>
+        <dgm:cxn modelId="2" srcId="0" destId="1" srcOrd="0" destOrd="0"/>
+        <dgm:cxn modelId="16" srcId="1" destId="11" srcOrd="0" destOrd="0"/>
+        <dgm:cxn modelId="17" srcId="1" destId="12" srcOrd="1" destOrd="0"/>
+        <dgm:cxn modelId="18" srcId="1" destId="13" srcOrd="2" destOrd="0"/>
+        <dgm:cxn modelId="19" srcId="1" destId="14" srcOrd="3" destOrd="0"/>
+        <dgm:cxn modelId="20" srcId="1" destId="15" srcOrd="4" destOrd="0"/>
+        <dgm:cxn modelId="21" srcId="1" destId="16" srcOrd="5" destOrd="0"/>
+      </dgm:cxnLst>
+      <dgm:bg/>
+      <dgm:whole/>
+    </dgm:dataModel>
+  </dgm:clrData>
+  <dgm:layoutNode name="Name0">
+    <dgm:varLst>
+      <dgm:chMax val="1"/>
+      <dgm:dir/>
+      <dgm:animLvl val="ctr"/>
+      <dgm:resizeHandles val="exact"/>
+    </dgm:varLst>
+    <dgm:choose name="Name1">
+      <dgm:if name="Name2" func="var" arg="dir" op="equ" val="norm">
+        <dgm:alg type="cycle">
+          <dgm:param type="stAng" val="0"/>
+          <dgm:param type="spanAng" val="360"/>
+          <dgm:param type="ctrShpMap" val="fNode"/>
+        </dgm:alg>
+      </dgm:if>
+      <dgm:else name="Name3">
+        <dgm:alg type="cycle">
+          <dgm:param type="stAng" val="0"/>
+          <dgm:param type="spanAng" val="-360"/>
+          <dgm:param type="ctrShpMap" val="fNode"/>
+        </dgm:alg>
+      </dgm:else>
+    </dgm:choose>
+    <dgm:shape xmlns:r="http://schemas.openxmlformats.org/officeDocument/2006/relationships" r:blip="">
+      <dgm:adjLst/>
+    </dgm:shape>
+    <dgm:presOf/>
+    <dgm:constrLst>
+      <dgm:constr type="w" for="ch" forName="centerShape" refType="w"/>
+      <dgm:constr type="w" for="ch" forName="parTrans" refType="w" refFor="ch" refForName="centerShape" fact="0.4"/>
+      <dgm:constr type="w" for="ch" forName="node" refType="w" refFor="ch" refForName="centerShape" op="equ" fact="1.25"/>
+      <dgm:constr type="sp" refType="w" refFor="ch" refForName="centerShape" op="equ" fact="0.4"/>
+      <dgm:constr type="sibSp" refType="w" refFor="ch" refForName="node" fact="0.3"/>
+      <dgm:constr type="primFontSz" for="ch" forName="centerShape" val="65"/>
+      <dgm:constr type="primFontSz" for="des" forName="node" op="equ" val="65"/>
+      <dgm:constr type="primFontSz" for="des" forName="node" refType="primFontSz" refFor="ch" refForName="centerShape" op="lte"/>
+      <dgm:constr type="primFontSz" for="des" forName="connectorText" op="equ" val="55"/>
+      <dgm:constr type="primFontSz" for="des" forName="connectorText" refType="primFontSz" refFor="ch" refForName="centerShape" op="lte" fact="0.8"/>
+      <dgm:constr type="primFontSz" for="des" forName="connectorText" refType="primFontSz" refFor="des" refForName="node" op="lte"/>
+    </dgm:constrLst>
+    <dgm:choose name="Name4">
+      <dgm:if name="Name5" axis="ch ch" ptType="node node" st="1 1" cnt="1 0" func="cnt" op="lte" val="6">
+        <dgm:ruleLst>
+          <dgm:rule type="w" for="ch" forName="node" val="NaN" fact="1" max="NaN"/>
+        </dgm:ruleLst>
+      </dgm:if>
+      <dgm:if name="Name6" axis="ch ch" ptType="node node" st="1 1" cnt="1 0" func="cnt" op="lte" val="8">
+        <dgm:ruleLst>
+          <dgm:rule type="w" for="ch" forName="node" val="NaN" fact="0.9" max="NaN"/>
+        </dgm:ruleLst>
+      </dgm:if>
+      <dgm:if name="Name7" axis="ch ch" ptType="node node" st="1 1" cnt="1 0" func="cnt" op="lte" val="10">
+        <dgm:ruleLst>
+          <dgm:rule type="w" for="ch" forName="node" val="NaN" fact="0.8" max="NaN"/>
+        </dgm:ruleLst>
+      </dgm:if>
+      <dgm:if name="Name8" axis="ch ch" ptType="node node" st="1 1" cnt="1 0" func="cnt" op="lte" val="12">
+        <dgm:ruleLst>
+          <dgm:rule type="w" for="ch" forName="node" val="NaN" fact="0.7" max="NaN"/>
+        </dgm:ruleLst>
+      </dgm:if>
+      <dgm:if name="Name9" axis="ch ch" ptType="node node" st="1 1" cnt="1 0" func="cnt" op="lte" val="14">
+        <dgm:ruleLst>
+          <dgm:rule type="w" for="ch" forName="node" val="NaN" fact="0.6" max="NaN"/>
+        </dgm:ruleLst>
+      </dgm:if>
+      <dgm:else name="Name10">
+        <dgm:ruleLst>
+          <dgm:rule type="w" for="ch" forName="node" val="NaN" fact="0.5" max="NaN"/>
+        </dgm:ruleLst>
+      </dgm:else>
+    </dgm:choose>
+    <dgm:forEach name="Name11" axis="ch" ptType="node" cnt="1">
+      <dgm:layoutNode name="centerShape" styleLbl="node0">
+        <dgm:alg type="tx"/>
+        <dgm:shape xmlns:r="http://schemas.openxmlformats.org/officeDocument/2006/relationships" type="ellipse" r:blip="">
+          <dgm:adjLst/>
+        </dgm:shape>
+        <dgm:presOf axis="self"/>
+        <dgm:constrLst>
+          <dgm:constr type="h" refType="w"/>
+          <dgm:constr type="tMarg" refType="primFontSz" fact="0.1"/>
+          <dgm:constr type="bMarg" refType="primFontSz" fact="0.1"/>
+          <dgm:constr type="lMarg" refType="primFontSz" fact="0.1"/>
+          <dgm:constr type="rMarg" refType="primFontSz" fact="0.1"/>
+        </dgm:constrLst>
+        <dgm:ruleLst>
+          <dgm:rule type="primFontSz" val="5" fact="NaN" max="NaN"/>
+        </dgm:ruleLst>
+      </dgm:layoutNode>
+      <dgm:forEach name="Name12" axis="ch">
+        <dgm:forEach name="Name13" axis="self" ptType="parTrans">
+          <dgm:layoutNode name="parTrans" styleLbl="sibTrans2D1">
+            <dgm:alg type="conn">
+              <dgm:param type="begPts" val="auto"/>
+              <dgm:param type="endPts" val="auto"/>
+            </dgm:alg>
+            <dgm:shape xmlns:r="http://schemas.openxmlformats.org/officeDocument/2006/relationships" type="conn" r:blip="">
+              <dgm:adjLst/>
+            </dgm:shape>
+            <dgm:presOf axis="self"/>
+            <dgm:constrLst>
+              <dgm:constr type="h" refType="w" fact="0.85"/>
+            </dgm:constrLst>
+            <dgm:ruleLst/>
+            <dgm:layoutNode name="connectorText">
+              <dgm:alg type="tx">
+                <dgm:param type="autoTxRot" val="grav"/>
+              </dgm:alg>
+              <dgm:shape xmlns:r="http://schemas.openxmlformats.org/officeDocument/2006/relationships" type="conn" r:blip="" hideGeom="1">
+                <dgm:adjLst/>
+              </dgm:shape>
+              <dgm:presOf axis="self"/>
+              <dgm:constrLst>
+                <dgm:constr type="lMarg"/>
+                <dgm:constr type="rMarg"/>
+                <dgm:constr type="tMarg"/>
+                <dgm:constr type="bMarg"/>
+              </dgm:constrLst>
+              <dgm:ruleLst>
+                <dgm:rule type="primFontSz" val="5" fact="NaN" max="NaN"/>
+              </dgm:ruleLst>
+            </dgm:layoutNode>
+          </dgm:layoutNode>
+        </dgm:forEach>
+        <dgm:forEach name="Name14" axis="self" ptType="node">
+          <dgm:layoutNode name="node" styleLbl="node1">
+            <dgm:varLst>
+              <dgm:bulletEnabled val="1"/>
+            </dgm:varLst>
+            <dgm:alg type="tx">
+              <dgm:param type="txAnchorVertCh" val="mid"/>
+            </dgm:alg>
+            <dgm:shape xmlns:r="http://schemas.openxmlformats.org/officeDocument/2006/relationships" type="ellipse" r:blip="">
+              <dgm:adjLst/>
+            </dgm:shape>
+            <dgm:presOf axis="desOrSelf" ptType="node"/>
+            <dgm:constrLst>
+              <dgm:constr type="h" refType="w"/>
+              <dgm:constr type="tMarg" refType="primFontSz" fact="0.1"/>
+              <dgm:constr type="bMarg" refType="primFontSz" fact="0.1"/>
+              <dgm:constr type="lMarg" refType="primFontSz" fact="0.1"/>
+              <dgm:constr type="rMarg" refType="primFontSz" fact="0.1"/>
+            </dgm:constrLst>
+            <dgm:ruleLst>
+              <dgm:rule type="w" val="INF" fact="NaN" max="NaN"/>
+              <dgm:rule type="primFontSz" val="5" fact="NaN" max="NaN"/>
+            </dgm:ruleLst>
+          </dgm:layoutNode>
+        </dgm:forEach>
+      </dgm:forEach>
+    </dgm:forEach>
+  </dgm:layoutNode>
+</dgm:layoutDef>
+</file>
+
+<file path=ppt/diagrams/quickStyle1.xml><?xml version="1.0" encoding="utf-8"?>
+<dgm:styleDef xmlns:dgm="http://schemas.openxmlformats.org/drawingml/2006/diagram" xmlns:a="http://schemas.openxmlformats.org/drawingml/2006/main" uniqueId="urn:microsoft.com/office/officeart/2005/8/quickstyle/simple1">
+  <dgm:title val=""/>
+  <dgm:desc val=""/>
+  <dgm:catLst>
+    <dgm:cat type="simple" pri="10100"/>
+  </dgm:catLst>
+  <dgm:scene3d>
+    <a:camera prst="orthographicFront"/>
+    <a:lightRig rig="threePt" dir="t"/>
+  </dgm:scene3d>
+  <dgm:styleLbl name="node0">
+    <dgm:scene3d>
+      <a:camera prst="orthographicFront"/>
+      <a:lightRig rig="threePt" dir="t"/>
+    </dgm:scene3d>
+    <dgm:sp3d/>
+    <dgm:txPr/>
+    <dgm:style>
+      <a:lnRef idx="2">
+        <a:scrgbClr r="0" g="0" b="0"/>
+      </a:lnRef>
+      <a:fillRef idx="1">
+        <a:scrgbClr r="0" g="0" b="0"/>
+      </a:fillRef>
+      <a:effectRef idx="0">
+        <a:scrgbClr r="0" g="0" b="0"/>
+      </a:effectRef>
+      <a:fontRef idx="minor">
+        <a:schemeClr val="lt1"/>
+      </a:fontRef>
+    </dgm:style>
+  </dgm:styleLbl>
+  <dgm:styleLbl name="lnNode1">
+    <dgm:scene3d>
+      <a:camera prst="orthographicFront"/>
+      <a:lightRig rig="threePt" dir="t"/>
+    </dgm:scene3d>
+    <dgm:sp3d/>
+    <dgm:txPr/>
+    <dgm:style>
+      <a:lnRef idx="2">
+        <a:scrgbClr r="0" g="0" b="0"/>
+      </a:lnRef>
+      <a:fillRef idx="1">
+        <a:scrgbClr r="0" g="0" b="0"/>
+      </a:fillRef>
+      <a:effectRef idx="0">
+        <a:scrgbClr r="0" g="0" b="0"/>
+      </a:effectRef>
+      <a:fontRef idx="minor">
+        <a:schemeClr val="lt1"/>
+      </a:fontRef>
+    </dgm:style>
+  </dgm:styleLbl>
+  <dgm:styleLbl name="vennNode1">
+    <dgm:scene3d>
+      <a:camera prst="orthographicFront"/>
+      <a:lightRig rig="threePt" dir="t"/>
+    </dgm:scene3d>
+    <dgm:sp3d/>
+    <dgm:txPr/>
+    <dgm:style>
+      <a:lnRef idx="2">
+        <a:scrgbClr r="0" g="0" b="0"/>
+      </a:lnRef>
+      <a:fillRef idx="1">
+        <a:scrgbClr r="0" g="0" b="0"/>
+      </a:fillRef>
+      <a:effectRef idx="0">
+        <a:scrgbClr r="0" g="0" b="0"/>
+      </a:effectRef>
+      <a:fontRef idx="minor">
+        <a:schemeClr val="tx1"/>
+      </a:fontRef>
+    </dgm:style>
+  </dgm:styleLbl>
+  <dgm:styleLbl name="alignNode1">
+    <dgm:scene3d>
+      <a:camera prst="orthographicFront"/>
+      <a:lightRig rig="threePt" dir="t"/>
+    </dgm:scene3d>
+    <dgm:sp3d/>
+    <dgm:txPr/>
+    <dgm:style>
+      <a:lnRef idx="2">
+        <a:scrgbClr r="0" g="0" b="0"/>
+      </a:lnRef>
+      <a:fillRef idx="1">
+        <a:scrgbClr r="0" g="0" b="0"/>
+      </a:fillRef>
+      <a:effectRef idx="0">
+        <a:scrgbClr r="0" g="0" b="0"/>
+      </a:effectRef>
+      <a:fontRef idx="minor">
+        <a:schemeClr val="lt1"/>
+      </a:fontRef>
+    </dgm:style>
+  </dgm:styleLbl>
+  <dgm:styleLbl name="node1">
+    <dgm:scene3d>
+      <a:camera prst="orthographicFront"/>
+      <a:lightRig rig="threePt" dir="t"/>
+    </dgm:scene3d>
+    <dgm:sp3d/>
+    <dgm:txPr/>
+    <dgm:style>
+      <a:lnRef idx="2">
+        <a:scrgbClr r="0" g="0" b="0"/>
+      </a:lnRef>
+      <a:fillRef idx="1">
+        <a:scrgbClr r="0" g="0" b="0"/>
+      </a:fillRef>
+      <a:effectRef idx="0">
+        <a:scrgbClr r="0" g="0" b="0"/>
+      </a:effectRef>
+      <a:fontRef idx="minor">
+        <a:schemeClr val="lt1"/>
+      </a:fontRef>
+    </dgm:style>
+  </dgm:styleLbl>
+  <dgm:styleLbl name="node2">
+    <dgm:scene3d>
+      <a:camera prst="orthographicFront"/>
+      <a:lightRig rig="threePt" dir="t"/>
+    </dgm:scene3d>
+    <dgm:sp3d/>
+    <dgm:txPr/>
+    <dgm:style>
+      <a:lnRef idx="2">
+        <a:scrgbClr r="0" g="0" b="0"/>
+      </a:lnRef>
+      <a:fillRef idx="1">
+        <a:scrgbClr r="0" g="0" b="0"/>
+      </a:fillRef>
+      <a:effectRef idx="0">
+        <a:scrgbClr r="0" g="0" b="0"/>
+      </a:effectRef>
+      <a:fontRef idx="minor">
+        <a:schemeClr val="lt1"/>
+      </a:fontRef>
+    </dgm:style>
+  </dgm:styleLbl>
+  <dgm:styleLbl name="node3">
+    <dgm:scene3d>
+      <a:camera prst="orthographicFront"/>
+      <a:lightRig rig="threePt" dir="t"/>
+    </dgm:scene3d>
+    <dgm:sp3d/>
+    <dgm:txPr/>
+    <dgm:style>
+      <a:lnRef idx="2">
+        <a:scrgbClr r="0" g="0" b="0"/>
+      </a:lnRef>
+      <a:fillRef idx="1">
+        <a:scrgbClr r="0" g="0" b="0"/>
+      </a:fillRef>
+      <a:effectRef idx="0">
+        <a:scrgbClr r="0" g="0" b="0"/>
+      </a:effectRef>
+      <a:fontRef idx="minor">
+        <a:schemeClr val="lt1"/>
+      </a:fontRef>
+    </dgm:style>
+  </dgm:styleLbl>
+  <dgm:styleLbl name="node4">
+    <dgm:scene3d>
+      <a:camera prst="orthographicFront"/>
+      <a:lightRig rig="threePt" dir="t"/>
+    </dgm:scene3d>
+    <dgm:sp3d/>
+    <dgm:txPr/>
+    <dgm:style>
+      <a:lnRef idx="2">
+        <a:scrgbClr r="0" g="0" b="0"/>
+      </a:lnRef>
+      <a:fillRef idx="1">
+        <a:scrgbClr r="0" g="0" b="0"/>
+      </a:fillRef>
+      <a:effectRef idx="0">
+        <a:scrgbClr r="0" g="0" b="0"/>
+      </a:effectRef>
+      <a:fontRef idx="minor">
+        <a:schemeClr val="lt1"/>
+      </a:fontRef>
+    </dgm:style>
+  </dgm:styleLbl>
+  <dgm:styleLbl name="fgImgPlace1">
+    <dgm:scene3d>
+      <a:camera prst="orthographicFront"/>
+      <a:lightRig rig="threePt" dir="t"/>
+    </dgm:scene3d>
+    <dgm:sp3d/>
+    <dgm:txPr/>
+    <dgm:style>
+      <a:lnRef idx="2">
+        <a:scrgbClr r="0" g="0" b="0"/>
+      </a:lnRef>
+      <a:fillRef idx="1">
+        <a:scrgbClr r="0" g="0" b="0"/>
+      </a:fillRef>
+      <a:effectRef idx="0">
+        <a:scrgbClr r="0" g="0" b="0"/>
+      </a:effectRef>
+      <a:fontRef idx="minor"/>
+    </dgm:style>
+  </dgm:styleLbl>
+  <dgm:styleLbl name="alignImgPlace1">
+    <dgm:scene3d>
+      <a:camera prst="orthographicFront"/>
+      <a:lightRig rig="threePt" dir="t"/>
+    </dgm:scene3d>
+    <dgm:sp3d/>
+    <dgm:txPr/>
+    <dgm:style>
+      <a:lnRef idx="2">
+        <a:scrgbClr r="0" g="0" b="0"/>
+      </a:lnRef>
+      <a:fillRef idx="1">
+        <a:scrgbClr r="0" g="0" b="0"/>
+      </a:fillRef>
+      <a:effectRef idx="0">
+        <a:scrgbClr r="0" g="0" b="0"/>
+      </a:effectRef>
+      <a:fontRef idx="minor"/>
+    </dgm:style>
+  </dgm:styleLbl>
+  <dgm:styleLbl name="bgImgPlace1">
+    <dgm:scene3d>
+      <a:camera prst="orthographicFront"/>
+      <a:lightRig rig="threePt" dir="t"/>
+    </dgm:scene3d>
+    <dgm:sp3d/>
+    <dgm:txPr/>
+    <dgm:style>
+      <a:lnRef idx="2">
+        <a:scrgbClr r="0" g="0" b="0"/>
+      </a:lnRef>
+      <a:fillRef idx="1">
+        <a:scrgbClr r="0" g="0" b="0"/>
+      </a:fillRef>
+      <a:effectRef idx="0">
+        <a:scrgbClr r="0" g="0" b="0"/>
+      </a:effectRef>
+      <a:fontRef idx="minor"/>
+    </dgm:style>
+  </dgm:styleLbl>
+  <dgm:styleLbl name="sibTrans2D1">
+    <dgm:scene3d>
+      <a:camera prst="orthographicFront"/>
+      <a:lightRig rig="threePt" dir="t"/>
+    </dgm:scene3d>
+    <dgm:sp3d/>
+    <dgm:txPr/>
+    <dgm:style>
+      <a:lnRef idx="0">
+        <a:scrgbClr r="0" g="0" b="0"/>
+      </a:lnRef>
+      <a:fillRef idx="1">
+        <a:scrgbClr r="0" g="0" b="0"/>
+      </a:fillRef>
+      <a:effectRef idx="0">
+        <a:scrgbClr r="0" g="0" b="0"/>
+      </a:effectRef>
+      <a:fontRef idx="minor">
+        <a:schemeClr val="lt1"/>
+      </a:fontRef>
+    </dgm:style>
+  </dgm:styleLbl>
+  <dgm:styleLbl name="fgSibTrans2D1">
+    <dgm:scene3d>
+      <a:camera prst="orthographicFront"/>
+      <a:lightRig rig="threePt" dir="t"/>
+    </dgm:scene3d>
+    <dgm:sp3d/>
+    <dgm:txPr/>
+    <dgm:style>
+      <a:lnRef idx="0">
+        <a:scrgbClr r="0" g="0" b="0"/>
+      </a:lnRef>
+      <a:fillRef idx="1">
+        <a:scrgbClr r="0" g="0" b="0"/>
+      </a:fillRef>
+      <a:effectRef idx="0">
+        <a:scrgbClr r="0" g="0" b="0"/>
+      </a:effectRef>
+      <a:fontRef idx="minor">
+        <a:schemeClr val="lt1"/>
+      </a:fontRef>
+    </dgm:style>
+  </dgm:styleLbl>
+  <dgm:styleLbl name="bgSibTrans2D1">
+    <dgm:scene3d>
+      <a:camera prst="orthographicFront"/>
+      <a:lightRig rig="threePt" dir="t"/>
+    </dgm:scene3d>
+    <dgm:sp3d/>
+    <dgm:txPr/>
+    <dgm:style>
+      <a:lnRef idx="0">
+        <a:scrgbClr r="0" g="0" b="0"/>
+      </a:lnRef>
+      <a:fillRef idx="1">
+        <a:scrgbClr r="0" g="0" b="0"/>
+      </a:fillRef>
+      <a:effectRef idx="0">
+        <a:scrgbClr r="0" g="0" b="0"/>
+      </a:effectRef>
+      <a:fontRef idx="minor">
+        <a:schemeClr val="lt1"/>
+      </a:fontRef>
+    </dgm:style>
+  </dgm:styleLbl>
+  <dgm:styleLbl name="sibTrans1D1">
+    <dgm:scene3d>
+      <a:camera prst="orthographicFront"/>
+      <a:lightRig rig="threePt" dir="t"/>
+    </dgm:scene3d>
+    <dgm:sp3d/>
+    <dgm:txPr/>
+    <dgm:style>
+      <a:lnRef idx="1">
+        <a:scrgbClr r="0" g="0" b="0"/>
+      </a:lnRef>
+      <a:fillRef idx="0">
+        <a:scrgbClr r="0" g="0" b="0"/>
+      </a:fillRef>
+      <a:effectRef idx="0">
+        <a:scrgbClr r="0" g="0" b="0"/>
+      </a:effectRef>
+      <a:fontRef idx="minor"/>
+    </dgm:style>
+  </dgm:styleLbl>
+  <dgm:styleLbl name="callout">
+    <dgm:scene3d>
+      <a:camera prst="orthographicFront"/>
+      <a:lightRig rig="threePt" dir="t"/>
+    </dgm:scene3d>
+    <dgm:sp3d/>
+    <dgm:txPr/>
+    <dgm:style>
+      <a:lnRef idx="2">
+        <a:scrgbClr r="0" g="0" b="0"/>
+      </a:lnRef>
+      <a:fillRef idx="1">
+        <a:scrgbClr r="0" g="0" b="0"/>
+      </a:fillRef>
+      <a:effectRef idx="0">
+        <a:scrgbClr r="0" g="0" b="0"/>
+      </a:effectRef>
+      <a:fontRef idx="minor"/>
+    </dgm:style>
+  </dgm:styleLbl>
+  <dgm:styleLbl name="asst0">
+    <dgm:scene3d>
+      <a:camera prst="orthographicFront"/>
+      <a:lightRig rig="threePt" dir="t"/>
+    </dgm:scene3d>
+    <dgm:sp3d/>
+    <dgm:txPr/>
+    <dgm:style>
+      <a:lnRef idx="2">
+        <a:scrgbClr r="0" g="0" b="0"/>
+      </a:lnRef>
+      <a:fillRef idx="1">
+        <a:scrgbClr r="0" g="0" b="0"/>
+      </a:fillRef>
+      <a:effectRef idx="0">
+        <a:scrgbClr r="0" g="0" b="0"/>
+      </a:effectRef>
+      <a:fontRef idx="minor">
+        <a:schemeClr val="lt1"/>
+      </a:fontRef>
+    </dgm:style>
+  </dgm:styleLbl>
+  <dgm:styleLbl name="asst1">
+    <dgm:scene3d>
+      <a:camera prst="orthographicFront"/>
+      <a:lightRig rig="threePt" dir="t"/>
+    </dgm:scene3d>
+    <dgm:sp3d/>
+    <dgm:txPr/>
+    <dgm:style>
+      <a:lnRef idx="2">
+        <a:scrgbClr r="0" g="0" b="0"/>
+      </a:lnRef>
+      <a:fillRef idx="1">
+        <a:scrgbClr r="0" g="0" b="0"/>
+      </a:fillRef>
+      <a:effectRef idx="0">
+        <a:scrgbClr r="0" g="0" b="0"/>
+      </a:effectRef>
+      <a:fontRef idx="minor">
+        <a:schemeClr val="lt1"/>
+      </a:fontRef>
+    </dgm:style>
+  </dgm:styleLbl>
+  <dgm:styleLbl name="asst2">
+    <dgm:scene3d>
+      <a:camera prst="orthographicFront"/>
+      <a:lightRig rig="threePt" dir="t"/>
+    </dgm:scene3d>
+    <dgm:sp3d/>
+    <dgm:txPr/>
+    <dgm:style>
+      <a:lnRef idx="2">
+        <a:scrgbClr r="0" g="0" b="0"/>
+      </a:lnRef>
+      <a:fillRef idx="1">
+        <a:scrgbClr r="0" g="0" b="0"/>
+      </a:fillRef>
+      <a:effectRef idx="0">
+        <a:scrgbClr r="0" g="0" b="0"/>
+      </a:effectRef>
+      <a:fontRef idx="minor">
+        <a:schemeClr val="lt1"/>
+      </a:fontRef>
+    </dgm:style>
+  </dgm:styleLbl>
+  <dgm:styleLbl name="asst3">
+    <dgm:scene3d>
+      <a:camera prst="orthographicFront"/>
+      <a:lightRig rig="threePt" dir="t"/>
+    </dgm:scene3d>
+    <dgm:sp3d/>
+    <dgm:txPr/>
+    <dgm:style>
+      <a:lnRef idx="2">
+        <a:scrgbClr r="0" g="0" b="0"/>
+      </a:lnRef>
+      <a:fillRef idx="1">
+        <a:scrgbClr r="0" g="0" b="0"/>
+      </a:fillRef>
+      <a:effectRef idx="0">
+        <a:scrgbClr r="0" g="0" b="0"/>
+      </a:effectRef>
+      <a:fontRef idx="minor">
+        <a:schemeClr val="lt1"/>
+      </a:fontRef>
+    </dgm:style>
+  </dgm:styleLbl>
+  <dgm:styleLbl name="asst4">
+    <dgm:scene3d>
+      <a:camera prst="orthographicFront"/>
+      <a:lightRig rig="threePt" dir="t"/>
+    </dgm:scene3d>
+    <dgm:sp3d/>
+    <dgm:txPr/>
+    <dgm:style>
+      <a:lnRef idx="2">
+        <a:scrgbClr r="0" g="0" b="0"/>
+      </a:lnRef>
+      <a:fillRef idx="1">
+        <a:scrgbClr r="0" g="0" b="0"/>
+      </a:fillRef>
+      <a:effectRef idx="0">
+        <a:scrgbClr r="0" g="0" b="0"/>
+      </a:effectRef>
+      <a:fontRef idx="minor">
+        <a:schemeClr val="lt1"/>
+      </a:fontRef>
+    </dgm:style>
+  </dgm:styleLbl>
+  <dgm:styleLbl name="parChTrans2D1">
+    <dgm:scene3d>
+      <a:camera prst="orthographicFront"/>
+      <a:lightRig rig="threePt" dir="t"/>
+    </dgm:scene3d>
+    <dgm:sp3d/>
+    <dgm:txPr/>
+    <dgm:style>
+      <a:lnRef idx="2">
+        <a:scrgbClr r="0" g="0" b="0"/>
+      </a:lnRef>
+      <a:fillRef idx="1">
+        <a:scrgbClr r="0" g="0" b="0"/>
+      </a:fillRef>
+      <a:effectRef idx="0">
+        <a:scrgbClr r="0" g="0" b="0"/>
+      </a:effectRef>
+      <a:fontRef idx="minor">
+        <a:schemeClr val="lt1"/>
+      </a:fontRef>
+    </dgm:style>
+  </dgm:styleLbl>
+  <dgm:styleLbl name="parChTrans2D2">
+    <dgm:scene3d>
+      <a:camera prst="orthographicFront"/>
+      <a:lightRig rig="threePt" dir="t"/>
+    </dgm:scene3d>
+    <dgm:sp3d/>
+    <dgm:txPr/>
+    <dgm:style>
+      <a:lnRef idx="2">
+        <a:scrgbClr r="0" g="0" b="0"/>
+      </a:lnRef>
+      <a:fillRef idx="1">
+        <a:scrgbClr r="0" g="0" b="0"/>
+      </a:fillRef>
+      <a:effectRef idx="0">
+        <a:scrgbClr r="0" g="0" b="0"/>
+      </a:effectRef>
+      <a:fontRef idx="minor">
+        <a:schemeClr val="lt1"/>
+      </a:fontRef>
+    </dgm:style>
+  </dgm:styleLbl>
+  <dgm:styleLbl name="parChTrans2D3">
+    <dgm:scene3d>
+      <a:camera prst="orthographicFront"/>
+      <a:lightRig rig="threePt" dir="t"/>
+    </dgm:scene3d>
+    <dgm:sp3d/>
+    <dgm:txPr/>
+    <dgm:style>
+      <a:lnRef idx="2">
+        <a:scrgbClr r="0" g="0" b="0"/>
+      </a:lnRef>
+      <a:fillRef idx="1">
+        <a:scrgbClr r="0" g="0" b="0"/>
+      </a:fillRef>
+      <a:effectRef idx="0">
+        <a:scrgbClr r="0" g="0" b="0"/>
+      </a:effectRef>
+      <a:fontRef idx="minor">
+        <a:schemeClr val="lt1"/>
+      </a:fontRef>
+    </dgm:style>
+  </dgm:styleLbl>
+  <dgm:styleLbl name="parChTrans2D4">
+    <dgm:scene3d>
+      <a:camera prst="orthographicFront"/>
+      <a:lightRig rig="threePt" dir="t"/>
+    </dgm:scene3d>
+    <dgm:sp3d/>
+    <dgm:txPr/>
+    <dgm:style>
+      <a:lnRef idx="2">
+        <a:scrgbClr r="0" g="0" b="0"/>
+      </a:lnRef>
+      <a:fillRef idx="1">
+        <a:scrgbClr r="0" g="0" b="0"/>
+      </a:fillRef>
+      <a:effectRef idx="0">
+        <a:scrgbClr r="0" g="0" b="0"/>
+      </a:effectRef>
+      <a:fontRef idx="minor">
+        <a:schemeClr val="lt1"/>
+      </a:fontRef>
+    </dgm:style>
+  </dgm:styleLbl>
+  <dgm:styleLbl name="parChTrans1D1">
+    <dgm:scene3d>
+      <a:camera prst="orthographicFront"/>
+      <a:lightRig rig="threePt" dir="t"/>
+    </dgm:scene3d>
+    <dgm:sp3d/>
+    <dgm:txPr/>
+    <dgm:style>
+      <a:lnRef idx="2">
+        <a:scrgbClr r="0" g="0" b="0"/>
+      </a:lnRef>
+      <a:fillRef idx="0">
+        <a:scrgbClr r="0" g="0" b="0"/>
+      </a:fillRef>
+      <a:effectRef idx="0">
+        <a:scrgbClr r="0" g="0" b="0"/>
+      </a:effectRef>
+      <a:fontRef idx="minor"/>
+    </dgm:style>
+  </dgm:styleLbl>
+  <dgm:styleLbl name="parChTrans1D2">
+    <dgm:scene3d>
+      <a:camera prst="orthographicFront"/>
+      <a:lightRig rig="threePt" dir="t"/>
+    </dgm:scene3d>
+    <dgm:sp3d/>
+    <dgm:txPr/>
+    <dgm:style>
+      <a:lnRef idx="2">
+        <a:scrgbClr r="0" g="0" b="0"/>
+      </a:lnRef>
+      <a:fillRef idx="0">
+        <a:scrgbClr r="0" g="0" b="0"/>
+      </a:fillRef>
+      <a:effectRef idx="0">
+        <a:scrgbClr r="0" g="0" b="0"/>
+      </a:effectRef>
+      <a:fontRef idx="minor"/>
+    </dgm:style>
+  </dgm:styleLbl>
+  <dgm:styleLbl name="parChTrans1D3">
+    <dgm:scene3d>
+      <a:camera prst="orthographicFront"/>
+      <a:lightRig rig="threePt" dir="t"/>
+    </dgm:scene3d>
+    <dgm:sp3d/>
+    <dgm:txPr/>
+    <dgm:style>
+      <a:lnRef idx="2">
+        <a:scrgbClr r="0" g="0" b="0"/>
+      </a:lnRef>
+      <a:fillRef idx="0">
+        <a:scrgbClr r="0" g="0" b="0"/>
+      </a:fillRef>
+      <a:effectRef idx="0">
+        <a:scrgbClr r="0" g="0" b="0"/>
+      </a:effectRef>
+      <a:fontRef idx="minor"/>
+    </dgm:style>
+  </dgm:styleLbl>
+  <dgm:styleLbl name="parChTrans1D4">
+    <dgm:scene3d>
+      <a:camera prst="orthographicFront"/>
+      <a:lightRig rig="threePt" dir="t"/>
+    </dgm:scene3d>
+    <dgm:sp3d/>
+    <dgm:txPr/>
+    <dgm:style>
+      <a:lnRef idx="2">
+        <a:scrgbClr r="0" g="0" b="0"/>
+      </a:lnRef>
+      <a:fillRef idx="0">
+        <a:scrgbClr r="0" g="0" b="0"/>
+      </a:fillRef>
+      <a:effectRef idx="0">
+        <a:scrgbClr r="0" g="0" b="0"/>
+      </a:effectRef>
+      <a:fontRef idx="minor"/>
+    </dgm:style>
+  </dgm:styleLbl>
+  <dgm:styleLbl name="fgAcc1">
+    <dgm:scene3d>
+      <a:camera prst="orthographicFront"/>
+      <a:lightRig rig="threePt" dir="t"/>
+    </dgm:scene3d>
+    <dgm:sp3d/>
+    <dgm:txPr/>
+    <dgm:style>
+      <a:lnRef idx="2">
+        <a:scrgbClr r="0" g="0" b="0"/>
+      </a:lnRef>
+      <a:fillRef idx="1">
+        <a:scrgbClr r="0" g="0" b="0"/>
+      </a:fillRef>
+      <a:effectRef idx="0">
+        <a:scrgbClr r="0" g="0" b="0"/>
+      </a:effectRef>
+      <a:fontRef idx="minor"/>
+    </dgm:style>
+  </dgm:styleLbl>
+  <dgm:styleLbl name="conFgAcc1">
+    <dgm:scene3d>
+      <a:camera prst="orthographicFront"/>
+      <a:lightRig rig="threePt" dir="t"/>
+    </dgm:scene3d>
+    <dgm:sp3d/>
+    <dgm:txPr/>
+    <dgm:style>
+      <a:lnRef idx="2">
+        <a:scrgbClr r="0" g="0" b="0"/>
+      </a:lnRef>
+      <a:fillRef idx="1">
+        <a:scrgbClr r="0" g="0" b="0"/>
+      </a:fillRef>
+      <a:effectRef idx="0">
+        <a:scrgbClr r="0" g="0" b="0"/>
+      </a:effectRef>
+      <a:fontRef idx="minor"/>
+    </dgm:style>
+  </dgm:styleLbl>
+  <dgm:styleLbl name="alignAcc1">
+    <dgm:scene3d>
+      <a:camera prst="orthographicFront"/>
+      <a:lightRig rig="threePt" dir="t"/>
+    </dgm:scene3d>
+    <dgm:sp3d/>
+    <dgm:txPr/>
+    <dgm:style>
+      <a:lnRef idx="2">
+        <a:scrgbClr r="0" g="0" b="0"/>
+      </a:lnRef>
+      <a:fillRef idx="1">
+        <a:scrgbClr r="0" g="0" b="0"/>
+      </a:fillRef>
+      <a:effectRef idx="0">
+        <a:scrgbClr r="0" g="0" b="0"/>
+      </a:effectRef>
+      <a:fontRef idx="minor"/>
+    </dgm:style>
+  </dgm:styleLbl>
+  <dgm:styleLbl name="trAlignAcc1">
+    <dgm:scene3d>
+      <a:camera prst="orthographicFront"/>
+      <a:lightRig rig="threePt" dir="t"/>
+    </dgm:scene3d>
+    <dgm:sp3d/>
+    <dgm:txPr/>
+    <dgm:style>
+      <a:lnRef idx="1">
+        <a:scrgbClr r="0" g="0" b="0"/>
+      </a:lnRef>
+      <a:fillRef idx="1">
+        <a:scrgbClr r="0" g="0" b="0"/>
+      </a:fillRef>
+      <a:effectRef idx="0">
+        <a:scrgbClr r="0" g="0" b="0"/>
+      </a:effectRef>
+      <a:fontRef idx="minor"/>
+    </dgm:style>
+  </dgm:styleLbl>
+  <dgm:styleLbl name="bgAcc1">
+    <dgm:scene3d>
+      <a:camera prst="orthographicFront"/>
+      <a:lightRig rig="threePt" dir="t"/>
+    </dgm:scene3d>
+    <dgm:sp3d/>
+    <dgm:txPr/>
+    <dgm:style>
+      <a:lnRef idx="2">
+        <a:scrgbClr r="0" g="0" b="0"/>
+      </a:lnRef>
+      <a:fillRef idx="1">
+        <a:scrgbClr r="0" g="0" b="0"/>
+      </a:fillRef>
+      <a:effectRef idx="0">
+        <a:scrgbClr r="0" g="0" b="0"/>
+      </a:effectRef>
+      <a:fontRef idx="minor"/>
+    </dgm:style>
+  </dgm:styleLbl>
+  <dgm:styleLbl name="solidFgAcc1">
+    <dgm:scene3d>
+      <a:camera prst="orthographicFront"/>
+      <a:lightRig rig="threePt" dir="t"/>
+    </dgm:scene3d>
+    <dgm:sp3d/>
+    <dgm:txPr/>
+    <dgm:style>
+      <a:lnRef idx="2">
+        <a:scrgbClr r="0" g="0" b="0"/>
+      </a:lnRef>
+      <a:fillRef idx="1">
+        <a:scrgbClr r="0" g="0" b="0"/>
+      </a:fillRef>
+      <a:effectRef idx="0">
+        <a:scrgbClr r="0" g="0" b="0"/>
+      </a:effectRef>
+      <a:fontRef idx="minor"/>
+    </dgm:style>
+  </dgm:styleLbl>
+  <dgm:styleLbl name="solidAlignAcc1">
+    <dgm:scene3d>
+      <a:camera prst="orthographicFront"/>
+      <a:lightRig rig="threePt" dir="t"/>
+    </dgm:scene3d>
+    <dgm:sp3d/>
+    <dgm:txPr/>
+    <dgm:style>
+      <a:lnRef idx="2">
+        <a:scrgbClr r="0" g="0" b="0"/>
+      </a:lnRef>
+      <a:fillRef idx="1">
+        <a:scrgbClr r="0" g="0" b="0"/>
+      </a:fillRef>
+      <a:effectRef idx="0">
+        <a:scrgbClr r="0" g="0" b="0"/>
+      </a:effectRef>
+      <a:fontRef idx="minor"/>
+    </dgm:style>
+  </dgm:styleLbl>
+  <dgm:styleLbl name="solidBgAcc1">
+    <dgm:scene3d>
+      <a:camera prst="orthographicFront"/>
+      <a:lightRig rig="threePt" dir="t"/>
+    </dgm:scene3d>
+    <dgm:sp3d/>
+    <dgm:txPr/>
+    <dgm:style>
+      <a:lnRef idx="2">
+        <a:scrgbClr r="0" g="0" b="0"/>
+      </a:lnRef>
+      <a:fillRef idx="1">
+        <a:scrgbClr r="0" g="0" b="0"/>
+      </a:fillRef>
+      <a:effectRef idx="0">
+        <a:scrgbClr r="0" g="0" b="0"/>
+      </a:effectRef>
+      <a:fontRef idx="minor"/>
+    </dgm:style>
+  </dgm:styleLbl>
+  <dgm:styleLbl name="fgAccFollowNode1">
+    <dgm:scene3d>
+      <a:camera prst="orthographicFront"/>
+      <a:lightRig rig="threePt" dir="t"/>
+    </dgm:scene3d>
+    <dgm:sp3d/>
+    <dgm:txPr/>
+    <dgm:style>
+      <a:lnRef idx="2">
+        <a:scrgbClr r="0" g="0" b="0"/>
+      </a:lnRef>
+      <a:fillRef idx="1">
+        <a:scrgbClr r="0" g="0" b="0"/>
+      </a:fillRef>
+      <a:effectRef idx="0">
+        <a:scrgbClr r="0" g="0" b="0"/>
+      </a:effectRef>
+      <a:fontRef idx="minor"/>
+    </dgm:style>
+  </dgm:styleLbl>
+  <dgm:styleLbl name="alignAccFollowNode1">
+    <dgm:scene3d>
+      <a:camera prst="orthographicFront"/>
+      <a:lightRig rig="threePt" dir="t"/>
+    </dgm:scene3d>
+    <dgm:sp3d/>
+    <dgm:txPr/>
+    <dgm:style>
+      <a:lnRef idx="2">
+        <a:scrgbClr r="0" g="0" b="0"/>
+      </a:lnRef>
+      <a:fillRef idx="1">
+        <a:scrgbClr r="0" g="0" b="0"/>
+      </a:fillRef>
+      <a:effectRef idx="0">
+        <a:scrgbClr r="0" g="0" b="0"/>
+      </a:effectRef>
+      <a:fontRef idx="minor"/>
+    </dgm:style>
+  </dgm:styleLbl>
+  <dgm:styleLbl name="bgAccFollowNode1">
+    <dgm:scene3d>
+      <a:camera prst="orthographicFront"/>
+      <a:lightRig rig="threePt" dir="t"/>
+    </dgm:scene3d>
+    <dgm:sp3d/>
+    <dgm:txPr/>
+    <dgm:style>
+      <a:lnRef idx="2">
+        <a:scrgbClr r="0" g="0" b="0"/>
+      </a:lnRef>
+      <a:fillRef idx="1">
+        <a:scrgbClr r="0" g="0" b="0"/>
+      </a:fillRef>
+      <a:effectRef idx="0">
+        <a:scrgbClr r="0" g="0" b="0"/>
+      </a:effectRef>
+      <a:fontRef idx="minor"/>
+    </dgm:style>
+  </dgm:styleLbl>
+  <dgm:styleLbl name="fgAcc0">
+    <dgm:scene3d>
+      <a:camera prst="orthographicFront"/>
+      <a:lightRig rig="threePt" dir="t"/>
+    </dgm:scene3d>
+    <dgm:sp3d/>
+    <dgm:txPr/>
+    <dgm:style>
+      <a:lnRef idx="2">
+        <a:scrgbClr r="0" g="0" b="0"/>
+      </a:lnRef>
+      <a:fillRef idx="1">
+        <a:scrgbClr r="0" g="0" b="0"/>
+      </a:fillRef>
+      <a:effectRef idx="0">
+        <a:scrgbClr r="0" g="0" b="0"/>
+      </a:effectRef>
+      <a:fontRef idx="minor"/>
+    </dgm:style>
+  </dgm:styleLbl>
+  <dgm:styleLbl name="fgAcc2">
+    <dgm:scene3d>
+      <a:camera prst="orthographicFront"/>
+      <a:lightRig rig="threePt" dir="t"/>
+    </dgm:scene3d>
+    <dgm:sp3d/>
+    <dgm:txPr/>
+    <dgm:style>
+      <a:lnRef idx="2">
+        <a:scrgbClr r="0" g="0" b="0"/>
+      </a:lnRef>
+      <a:fillRef idx="1">
+        <a:scrgbClr r="0" g="0" b="0"/>
+      </a:fillRef>
+      <a:effectRef idx="0">
+        <a:scrgbClr r="0" g="0" b="0"/>
+      </a:effectRef>
+      <a:fontRef idx="minor"/>
+    </dgm:style>
+  </dgm:styleLbl>
+  <dgm:styleLbl name="fgAcc3">
+    <dgm:scene3d>
+      <a:camera prst="orthographicFront"/>
+      <a:lightRig rig="threePt" dir="t"/>
+    </dgm:scene3d>
+    <dgm:sp3d/>
+    <dgm:txPr/>
+    <dgm:style>
+      <a:lnRef idx="2">
+        <a:scrgbClr r="0" g="0" b="0"/>
+      </a:lnRef>
+      <a:fillRef idx="1">
+        <a:scrgbClr r="0" g="0" b="0"/>
+      </a:fillRef>
+      <a:effectRef idx="0">
+        <a:scrgbClr r="0" g="0" b="0"/>
+      </a:effectRef>
+      <a:fontRef idx="minor"/>
+    </dgm:style>
+  </dgm:styleLbl>
+  <dgm:styleLbl name="fgAcc4">
+    <dgm:scene3d>
+      <a:camera prst="orthographicFront"/>
+      <a:lightRig rig="threePt" dir="t"/>
+    </dgm:scene3d>
+    <dgm:sp3d/>
+    <dgm:txPr/>
+    <dgm:style>
+      <a:lnRef idx="2">
+        <a:scrgbClr r="0" g="0" b="0"/>
+      </a:lnRef>
+      <a:fillRef idx="1">
+        <a:scrgbClr r="0" g="0" b="0"/>
+      </a:fillRef>
+      <a:effectRef idx="0">
+        <a:scrgbClr r="0" g="0" b="0"/>
+      </a:effectRef>
+      <a:fontRef idx="minor"/>
+    </dgm:style>
+  </dgm:styleLbl>
+  <dgm:styleLbl name="bgShp">
+    <dgm:scene3d>
+      <a:camera prst="orthographicFront"/>
+      <a:lightRig rig="threePt" dir="t"/>
+    </dgm:scene3d>
+    <dgm:sp3d/>
+    <dgm:txPr/>
+    <dgm:style>
+      <a:lnRef idx="0">
+        <a:scrgbClr r="0" g="0" b="0"/>
+      </a:lnRef>
+      <a:fillRef idx="1">
+        <a:scrgbClr r="0" g="0" b="0"/>
+      </a:fillRef>
+      <a:effectRef idx="0">
+        <a:scrgbClr r="0" g="0" b="0"/>
+      </a:effectRef>
+      <a:fontRef idx="minor"/>
+    </dgm:style>
+  </dgm:styleLbl>
+  <dgm:styleLbl name="dkBgShp">
+    <dgm:scene3d>
+      <a:camera prst="orthographicFront"/>
+      <a:lightRig rig="threePt" dir="t"/>
+    </dgm:scene3d>
+    <dgm:sp3d/>
+    <dgm:txPr/>
+    <dgm:style>
+      <a:lnRef idx="0">
+        <a:scrgbClr r="0" g="0" b="0"/>
+      </a:lnRef>
+      <a:fillRef idx="1">
+        <a:scrgbClr r="0" g="0" b="0"/>
+      </a:fillRef>
+      <a:effectRef idx="0">
+        <a:scrgbClr r="0" g="0" b="0"/>
+      </a:effectRef>
+      <a:fontRef idx="minor"/>
+    </dgm:style>
+  </dgm:styleLbl>
+  <dgm:styleLbl name="trBgShp">
+    <dgm:scene3d>
+      <a:camera prst="orthographicFront"/>
+      <a:lightRig rig="threePt" dir="t"/>
+    </dgm:scene3d>
+    <dgm:sp3d/>
+    <dgm:txPr/>
+    <dgm:style>
+      <a:lnRef idx="0">
+        <a:scrgbClr r="0" g="0" b="0"/>
+      </a:lnRef>
+      <a:fillRef idx="1">
+        <a:scrgbClr r="0" g="0" b="0"/>
+      </a:fillRef>
+      <a:effectRef idx="0">
+        <a:scrgbClr r="0" g="0" b="0"/>
+      </a:effectRef>
+      <a:fontRef idx="minor"/>
+    </dgm:style>
+  </dgm:styleLbl>
+  <dgm:styleLbl name="fgShp">
+    <dgm:scene3d>
+      <a:camera prst="orthographicFront"/>
+      <a:lightRig rig="threePt" dir="t"/>
+    </dgm:scene3d>
+    <dgm:sp3d/>
+    <dgm:txPr/>
+    <dgm:style>
+      <a:lnRef idx="2">
+        <a:scrgbClr r="0" g="0" b="0"/>
+      </a:lnRef>
+      <a:fillRef idx="1">
+        <a:scrgbClr r="0" g="0" b="0"/>
+      </a:fillRef>
+      <a:effectRef idx="0">
+        <a:scrgbClr r="0" g="0" b="0"/>
+      </a:effectRef>
+      <a:fontRef idx="minor"/>
+    </dgm:style>
+  </dgm:styleLbl>
+  <dgm:styleLbl name="revTx">
+    <dgm:scene3d>
+      <a:camera prst="orthographicFront"/>
+      <a:lightRig rig="threePt" dir="t"/>
+    </dgm:scene3d>
+    <dgm:sp3d/>
+    <dgm:txPr/>
+    <dgm:style>
+      <a:lnRef idx="0">
+        <a:scrgbClr r="0" g="0" b="0"/>
+      </a:lnRef>
+      <a:fillRef idx="0">
+        <a:scrgbClr r="0" g="0" b="0"/>
+      </a:fillRef>
+      <a:effectRef idx="0">
+        <a:scrgbClr r="0" g="0" b="0"/>
+      </a:effectRef>
+      <a:fontRef idx="minor"/>
+    </dgm:style>
+  </dgm:styleLbl>
+</dgm:styleDef>
+</file>
+
+<file path=ppt/diagrams/quickStyle2.xml><?xml version="1.0" encoding="utf-8"?>
+<dgm:styleDef xmlns:dgm="http://schemas.openxmlformats.org/drawingml/2006/diagram" xmlns:a="http://schemas.openxmlformats.org/drawingml/2006/main" uniqueId="urn:microsoft.com/office/officeart/2005/8/quickstyle/simple1">
+  <dgm:title val=""/>
+  <dgm:desc val=""/>
+  <dgm:catLst>
+    <dgm:cat type="simple" pri="10100"/>
+  </dgm:catLst>
+  <dgm:scene3d>
+    <a:camera prst="orthographicFront"/>
+    <a:lightRig rig="threePt" dir="t"/>
+  </dgm:scene3d>
+  <dgm:styleLbl name="node0">
+    <dgm:scene3d>
+      <a:camera prst="orthographicFront"/>
+      <a:lightRig rig="threePt" dir="t"/>
+    </dgm:scene3d>
+    <dgm:sp3d/>
+    <dgm:txPr/>
+    <dgm:style>
+      <a:lnRef idx="2">
+        <a:scrgbClr r="0" g="0" b="0"/>
+      </a:lnRef>
+      <a:fillRef idx="1">
+        <a:scrgbClr r="0" g="0" b="0"/>
+      </a:fillRef>
+      <a:effectRef idx="0">
+        <a:scrgbClr r="0" g="0" b="0"/>
+      </a:effectRef>
+      <a:fontRef idx="minor">
+        <a:schemeClr val="lt1"/>
+      </a:fontRef>
+    </dgm:style>
+  </dgm:styleLbl>
+  <dgm:styleLbl name="lnNode1">
+    <dgm:scene3d>
+      <a:camera prst="orthographicFront"/>
+      <a:lightRig rig="threePt" dir="t"/>
+    </dgm:scene3d>
+    <dgm:sp3d/>
+    <dgm:txPr/>
+    <dgm:style>
+      <a:lnRef idx="2">
+        <a:scrgbClr r="0" g="0" b="0"/>
+      </a:lnRef>
+      <a:fillRef idx="1">
+        <a:scrgbClr r="0" g="0" b="0"/>
+      </a:fillRef>
+      <a:effectRef idx="0">
+        <a:scrgbClr r="0" g="0" b="0"/>
+      </a:effectRef>
+      <a:fontRef idx="minor">
+        <a:schemeClr val="lt1"/>
+      </a:fontRef>
+    </dgm:style>
+  </dgm:styleLbl>
+  <dgm:styleLbl name="vennNode1">
+    <dgm:scene3d>
+      <a:camera prst="orthographicFront"/>
+      <a:lightRig rig="threePt" dir="t"/>
+    </dgm:scene3d>
+    <dgm:sp3d/>
+    <dgm:txPr/>
+    <dgm:style>
+      <a:lnRef idx="2">
+        <a:scrgbClr r="0" g="0" b="0"/>
+      </a:lnRef>
+      <a:fillRef idx="1">
+        <a:scrgbClr r="0" g="0" b="0"/>
+      </a:fillRef>
+      <a:effectRef idx="0">
+        <a:scrgbClr r="0" g="0" b="0"/>
+      </a:effectRef>
+      <a:fontRef idx="minor">
+        <a:schemeClr val="tx1"/>
+      </a:fontRef>
+    </dgm:style>
+  </dgm:styleLbl>
+  <dgm:styleLbl name="alignNode1">
+    <dgm:scene3d>
+      <a:camera prst="orthographicFront"/>
+      <a:lightRig rig="threePt" dir="t"/>
+    </dgm:scene3d>
+    <dgm:sp3d/>
+    <dgm:txPr/>
+    <dgm:style>
+      <a:lnRef idx="2">
+        <a:scrgbClr r="0" g="0" b="0"/>
+      </a:lnRef>
+      <a:fillRef idx="1">
+        <a:scrgbClr r="0" g="0" b="0"/>
+      </a:fillRef>
+      <a:effectRef idx="0">
+        <a:scrgbClr r="0" g="0" b="0"/>
+      </a:effectRef>
+      <a:fontRef idx="minor">
+        <a:schemeClr val="lt1"/>
+      </a:fontRef>
+    </dgm:style>
+  </dgm:styleLbl>
+  <dgm:styleLbl name="node1">
+    <dgm:scene3d>
+      <a:camera prst="orthographicFront"/>
+      <a:lightRig rig="threePt" dir="t"/>
+    </dgm:scene3d>
+    <dgm:sp3d/>
+    <dgm:txPr/>
+    <dgm:style>
+      <a:lnRef idx="2">
+        <a:scrgbClr r="0" g="0" b="0"/>
+      </a:lnRef>
+      <a:fillRef idx="1">
+        <a:scrgbClr r="0" g="0" b="0"/>
+      </a:fillRef>
+      <a:effectRef idx="0">
+        <a:scrgbClr r="0" g="0" b="0"/>
+      </a:effectRef>
+      <a:fontRef idx="minor">
+        <a:schemeClr val="lt1"/>
+      </a:fontRef>
+    </dgm:style>
+  </dgm:styleLbl>
+  <dgm:styleLbl name="node2">
+    <dgm:scene3d>
+      <a:camera prst="orthographicFront"/>
+      <a:lightRig rig="threePt" dir="t"/>
+    </dgm:scene3d>
+    <dgm:sp3d/>
+    <dgm:txPr/>
+    <dgm:style>
+      <a:lnRef idx="2">
+        <a:scrgbClr r="0" g="0" b="0"/>
+      </a:lnRef>
+      <a:fillRef idx="1">
+        <a:scrgbClr r="0" g="0" b="0"/>
+      </a:fillRef>
+      <a:effectRef idx="0">
+        <a:scrgbClr r="0" g="0" b="0"/>
+      </a:effectRef>
+      <a:fontRef idx="minor">
+        <a:schemeClr val="lt1"/>
+      </a:fontRef>
+    </dgm:style>
+  </dgm:styleLbl>
+  <dgm:styleLbl name="node3">
+    <dgm:scene3d>
+      <a:camera prst="orthographicFront"/>
+      <a:lightRig rig="threePt" dir="t"/>
+    </dgm:scene3d>
+    <dgm:sp3d/>
+    <dgm:txPr/>
+    <dgm:style>
+      <a:lnRef idx="2">
+        <a:scrgbClr r="0" g="0" b="0"/>
+      </a:lnRef>
+      <a:fillRef idx="1">
+        <a:scrgbClr r="0" g="0" b="0"/>
+      </a:fillRef>
+      <a:effectRef idx="0">
+        <a:scrgbClr r="0" g="0" b="0"/>
+      </a:effectRef>
+      <a:fontRef idx="minor">
+        <a:schemeClr val="lt1"/>
+      </a:fontRef>
+    </dgm:style>
+  </dgm:styleLbl>
+  <dgm:styleLbl name="node4">
+    <dgm:scene3d>
+      <a:camera prst="orthographicFront"/>
+      <a:lightRig rig="threePt" dir="t"/>
+    </dgm:scene3d>
+    <dgm:sp3d/>
+    <dgm:txPr/>
+    <dgm:style>
+      <a:lnRef idx="2">
+        <a:scrgbClr r="0" g="0" b="0"/>
+      </a:lnRef>
+      <a:fillRef idx="1">
+        <a:scrgbClr r="0" g="0" b="0"/>
+      </a:fillRef>
+      <a:effectRef idx="0">
+        <a:scrgbClr r="0" g="0" b="0"/>
+      </a:effectRef>
+      <a:fontRef idx="minor">
+        <a:schemeClr val="lt1"/>
+      </a:fontRef>
+    </dgm:style>
+  </dgm:styleLbl>
+  <dgm:styleLbl name="fgImgPlace1">
+    <dgm:scene3d>
+      <a:camera prst="orthographicFront"/>
+      <a:lightRig rig="threePt" dir="t"/>
+    </dgm:scene3d>
+    <dgm:sp3d/>
+    <dgm:txPr/>
+    <dgm:style>
+      <a:lnRef idx="2">
+        <a:scrgbClr r="0" g="0" b="0"/>
+      </a:lnRef>
+      <a:fillRef idx="1">
+        <a:scrgbClr r="0" g="0" b="0"/>
+      </a:fillRef>
+      <a:effectRef idx="0">
+        <a:scrgbClr r="0" g="0" b="0"/>
+      </a:effectRef>
+      <a:fontRef idx="minor"/>
+    </dgm:style>
+  </dgm:styleLbl>
+  <dgm:styleLbl name="alignImgPlace1">
+    <dgm:scene3d>
+      <a:camera prst="orthographicFront"/>
+      <a:lightRig rig="threePt" dir="t"/>
+    </dgm:scene3d>
+    <dgm:sp3d/>
+    <dgm:txPr/>
+    <dgm:style>
+      <a:lnRef idx="2">
+        <a:scrgbClr r="0" g="0" b="0"/>
+      </a:lnRef>
+      <a:fillRef idx="1">
+        <a:scrgbClr r="0" g="0" b="0"/>
+      </a:fillRef>
+      <a:effectRef idx="0">
+        <a:scrgbClr r="0" g="0" b="0"/>
+      </a:effectRef>
+      <a:fontRef idx="minor"/>
+    </dgm:style>
+  </dgm:styleLbl>
+  <dgm:styleLbl name="bgImgPlace1">
+    <dgm:scene3d>
+      <a:camera prst="orthographicFront"/>
+      <a:lightRig rig="threePt" dir="t"/>
+    </dgm:scene3d>
+    <dgm:sp3d/>
+    <dgm:txPr/>
+    <dgm:style>
+      <a:lnRef idx="2">
+        <a:scrgbClr r="0" g="0" b="0"/>
+      </a:lnRef>
+      <a:fillRef idx="1">
+        <a:scrgbClr r="0" g="0" b="0"/>
+      </a:fillRef>
+      <a:effectRef idx="0">
+        <a:scrgbClr r="0" g="0" b="0"/>
+      </a:effectRef>
+      <a:fontRef idx="minor"/>
+    </dgm:style>
+  </dgm:styleLbl>
+  <dgm:styleLbl name="sibTrans2D1">
+    <dgm:scene3d>
+      <a:camera prst="orthographicFront"/>
+      <a:lightRig rig="threePt" dir="t"/>
+    </dgm:scene3d>
+    <dgm:sp3d/>
+    <dgm:txPr/>
+    <dgm:style>
+      <a:lnRef idx="0">
+        <a:scrgbClr r="0" g="0" b="0"/>
+      </a:lnRef>
+      <a:fillRef idx="1">
+        <a:scrgbClr r="0" g="0" b="0"/>
+      </a:fillRef>
+      <a:effectRef idx="0">
+        <a:scrgbClr r="0" g="0" b="0"/>
+      </a:effectRef>
+      <a:fontRef idx="minor">
+        <a:schemeClr val="lt1"/>
+      </a:fontRef>
+    </dgm:style>
+  </dgm:styleLbl>
+  <dgm:styleLbl name="fgSibTrans2D1">
+    <dgm:scene3d>
+      <a:camera prst="orthographicFront"/>
+      <a:lightRig rig="threePt" dir="t"/>
+    </dgm:scene3d>
+    <dgm:sp3d/>
+    <dgm:txPr/>
+    <dgm:style>
+      <a:lnRef idx="0">
+        <a:scrgbClr r="0" g="0" b="0"/>
+      </a:lnRef>
+      <a:fillRef idx="1">
+        <a:scrgbClr r="0" g="0" b="0"/>
+      </a:fillRef>
+      <a:effectRef idx="0">
+        <a:scrgbClr r="0" g="0" b="0"/>
+      </a:effectRef>
+      <a:fontRef idx="minor">
+        <a:schemeClr val="lt1"/>
+      </a:fontRef>
+    </dgm:style>
+  </dgm:styleLbl>
+  <dgm:styleLbl name="bgSibTrans2D1">
+    <dgm:scene3d>
+      <a:camera prst="orthographicFront"/>
+      <a:lightRig rig="threePt" dir="t"/>
+    </dgm:scene3d>
+    <dgm:sp3d/>
+    <dgm:txPr/>
+    <dgm:style>
+      <a:lnRef idx="0">
+        <a:scrgbClr r="0" g="0" b="0"/>
+      </a:lnRef>
+      <a:fillRef idx="1">
+        <a:scrgbClr r="0" g="0" b="0"/>
+      </a:fillRef>
+      <a:effectRef idx="0">
+        <a:scrgbClr r="0" g="0" b="0"/>
+      </a:effectRef>
+      <a:fontRef idx="minor">
+        <a:schemeClr val="lt1"/>
+      </a:fontRef>
+    </dgm:style>
+  </dgm:styleLbl>
+  <dgm:styleLbl name="sibTrans1D1">
+    <dgm:scene3d>
+      <a:camera prst="orthographicFront"/>
+      <a:lightRig rig="threePt" dir="t"/>
+    </dgm:scene3d>
+    <dgm:sp3d/>
+    <dgm:txPr/>
+    <dgm:style>
+      <a:lnRef idx="1">
+        <a:scrgbClr r="0" g="0" b="0"/>
+      </a:lnRef>
+      <a:fillRef idx="0">
+        <a:scrgbClr r="0" g="0" b="0"/>
+      </a:fillRef>
+      <a:effectRef idx="0">
+        <a:scrgbClr r="0" g="0" b="0"/>
+      </a:effectRef>
+      <a:fontRef idx="minor"/>
+    </dgm:style>
+  </dgm:styleLbl>
+  <dgm:styleLbl name="callout">
+    <dgm:scene3d>
+      <a:camera prst="orthographicFront"/>
+      <a:lightRig rig="threePt" dir="t"/>
+    </dgm:scene3d>
+    <dgm:sp3d/>
+    <dgm:txPr/>
+    <dgm:style>
+      <a:lnRef idx="2">
+        <a:scrgbClr r="0" g="0" b="0"/>
+      </a:lnRef>
+      <a:fillRef idx="1">
+        <a:scrgbClr r="0" g="0" b="0"/>
+      </a:fillRef>
+      <a:effectRef idx="0">
+        <a:scrgbClr r="0" g="0" b="0"/>
+      </a:effectRef>
+      <a:fontRef idx="minor"/>
+    </dgm:style>
+  </dgm:styleLbl>
+  <dgm:styleLbl name="asst0">
+    <dgm:scene3d>
+      <a:camera prst="orthographicFront"/>
+      <a:lightRig rig="threePt" dir="t"/>
+    </dgm:scene3d>
+    <dgm:sp3d/>
+    <dgm:txPr/>
+    <dgm:style>
+      <a:lnRef idx="2">
+        <a:scrgbClr r="0" g="0" b="0"/>
+      </a:lnRef>
+      <a:fillRef idx="1">
+        <a:scrgbClr r="0" g="0" b="0"/>
+      </a:fillRef>
+      <a:effectRef idx="0">
+        <a:scrgbClr r="0" g="0" b="0"/>
+      </a:effectRef>
+      <a:fontRef idx="minor">
+        <a:schemeClr val="lt1"/>
+      </a:fontRef>
+    </dgm:style>
+  </dgm:styleLbl>
+  <dgm:styleLbl name="asst1">
+    <dgm:scene3d>
+      <a:camera prst="orthographicFront"/>
+      <a:lightRig rig="threePt" dir="t"/>
+    </dgm:scene3d>
+    <dgm:sp3d/>
+    <dgm:txPr/>
+    <dgm:style>
+      <a:lnRef idx="2">
+        <a:scrgbClr r="0" g="0" b="0"/>
+      </a:lnRef>
+      <a:fillRef idx="1">
+        <a:scrgbClr r="0" g="0" b="0"/>
+      </a:fillRef>
+      <a:effectRef idx="0">
+        <a:scrgbClr r="0" g="0" b="0"/>
+      </a:effectRef>
+      <a:fontRef idx="minor">
+        <a:schemeClr val="lt1"/>
+      </a:fontRef>
+    </dgm:style>
+  </dgm:styleLbl>
+  <dgm:styleLbl name="asst2">
+    <dgm:scene3d>
+      <a:camera prst="orthographicFront"/>
+      <a:lightRig rig="threePt" dir="t"/>
+    </dgm:scene3d>
+    <dgm:sp3d/>
+    <dgm:txPr/>
+    <dgm:style>
+      <a:lnRef idx="2">
+        <a:scrgbClr r="0" g="0" b="0"/>
+      </a:lnRef>
+      <a:fillRef idx="1">
+        <a:scrgbClr r="0" g="0" b="0"/>
+      </a:fillRef>
+      <a:effectRef idx="0">
+        <a:scrgbClr r="0" g="0" b="0"/>
+      </a:effectRef>
+      <a:fontRef idx="minor">
+        <a:schemeClr val="lt1"/>
+      </a:fontRef>
+    </dgm:style>
+  </dgm:styleLbl>
+  <dgm:styleLbl name="asst3">
+    <dgm:scene3d>
+      <a:camera prst="orthographicFront"/>
+      <a:lightRig rig="threePt" dir="t"/>
+    </dgm:scene3d>
+    <dgm:sp3d/>
+    <dgm:txPr/>
+    <dgm:style>
+      <a:lnRef idx="2">
+        <a:scrgbClr r="0" g="0" b="0"/>
+      </a:lnRef>
+      <a:fillRef idx="1">
+        <a:scrgbClr r="0" g="0" b="0"/>
+      </a:fillRef>
+      <a:effectRef idx="0">
+        <a:scrgbClr r="0" g="0" b="0"/>
+      </a:effectRef>
+      <a:fontRef idx="minor">
+        <a:schemeClr val="lt1"/>
+      </a:fontRef>
+    </dgm:style>
+  </dgm:styleLbl>
+  <dgm:styleLbl name="asst4">
+    <dgm:scene3d>
+      <a:camera prst="orthographicFront"/>
+      <a:lightRig rig="threePt" dir="t"/>
+    </dgm:scene3d>
+    <dgm:sp3d/>
+    <dgm:txPr/>
+    <dgm:style>
+      <a:lnRef idx="2">
+        <a:scrgbClr r="0" g="0" b="0"/>
+      </a:lnRef>
+      <a:fillRef idx="1">
+        <a:scrgbClr r="0" g="0" b="0"/>
+      </a:fillRef>
+      <a:effectRef idx="0">
+        <a:scrgbClr r="0" g="0" b="0"/>
+      </a:effectRef>
+      <a:fontRef idx="minor">
+        <a:schemeClr val="lt1"/>
+      </a:fontRef>
+    </dgm:style>
+  </dgm:styleLbl>
+  <dgm:styleLbl name="parChTrans2D1">
+    <dgm:scene3d>
+      <a:camera prst="orthographicFront"/>
+      <a:lightRig rig="threePt" dir="t"/>
+    </dgm:scene3d>
+    <dgm:sp3d/>
+    <dgm:txPr/>
+    <dgm:style>
+      <a:lnRef idx="2">
+        <a:scrgbClr r="0" g="0" b="0"/>
+      </a:lnRef>
+      <a:fillRef idx="1">
+        <a:scrgbClr r="0" g="0" b="0"/>
+      </a:fillRef>
+      <a:effectRef idx="0">
+        <a:scrgbClr r="0" g="0" b="0"/>
+      </a:effectRef>
+      <a:fontRef idx="minor">
+        <a:schemeClr val="lt1"/>
+      </a:fontRef>
+    </dgm:style>
+  </dgm:styleLbl>
+  <dgm:styleLbl name="parChTrans2D2">
+    <dgm:scene3d>
+      <a:camera prst="orthographicFront"/>
+      <a:lightRig rig="threePt" dir="t"/>
+    </dgm:scene3d>
+    <dgm:sp3d/>
+    <dgm:txPr/>
+    <dgm:style>
+      <a:lnRef idx="2">
+        <a:scrgbClr r="0" g="0" b="0"/>
+      </a:lnRef>
+      <a:fillRef idx="1">
+        <a:scrgbClr r="0" g="0" b="0"/>
+      </a:fillRef>
+      <a:effectRef idx="0">
+        <a:scrgbClr r="0" g="0" b="0"/>
+      </a:effectRef>
+      <a:fontRef idx="minor">
+        <a:schemeClr val="lt1"/>
+      </a:fontRef>
+    </dgm:style>
+  </dgm:styleLbl>
+  <dgm:styleLbl name="parChTrans2D3">
+    <dgm:scene3d>
+      <a:camera prst="orthographicFront"/>
+      <a:lightRig rig="threePt" dir="t"/>
+    </dgm:scene3d>
+    <dgm:sp3d/>
+    <dgm:txPr/>
+    <dgm:style>
+      <a:lnRef idx="2">
+        <a:scrgbClr r="0" g="0" b="0"/>
+      </a:lnRef>
+      <a:fillRef idx="1">
+        <a:scrgbClr r="0" g="0" b="0"/>
+      </a:fillRef>
+      <a:effectRef idx="0">
+        <a:scrgbClr r="0" g="0" b="0"/>
+      </a:effectRef>
+      <a:fontRef idx="minor">
+        <a:schemeClr val="lt1"/>
+      </a:fontRef>
+    </dgm:style>
+  </dgm:styleLbl>
+  <dgm:styleLbl name="parChTrans2D4">
+    <dgm:scene3d>
+      <a:camera prst="orthographicFront"/>
+      <a:lightRig rig="threePt" dir="t"/>
+    </dgm:scene3d>
+    <dgm:sp3d/>
+    <dgm:txPr/>
+    <dgm:style>
+      <a:lnRef idx="2">
+        <a:scrgbClr r="0" g="0" b="0"/>
+      </a:lnRef>
+      <a:fillRef idx="1">
+        <a:scrgbClr r="0" g="0" b="0"/>
+      </a:fillRef>
+      <a:effectRef idx="0">
+        <a:scrgbClr r="0" g="0" b="0"/>
+      </a:effectRef>
+      <a:fontRef idx="minor">
+        <a:schemeClr val="lt1"/>
+      </a:fontRef>
+    </dgm:style>
+  </dgm:styleLbl>
+  <dgm:styleLbl name="parChTrans1D1">
+    <dgm:scene3d>
+      <a:camera prst="orthographicFront"/>
+      <a:lightRig rig="threePt" dir="t"/>
+    </dgm:scene3d>
+    <dgm:sp3d/>
+    <dgm:txPr/>
+    <dgm:style>
+      <a:lnRef idx="2">
+        <a:scrgbClr r="0" g="0" b="0"/>
+      </a:lnRef>
+      <a:fillRef idx="0">
+        <a:scrgbClr r="0" g="0" b="0"/>
+      </a:fillRef>
+      <a:effectRef idx="0">
+        <a:scrgbClr r="0" g="0" b="0"/>
+      </a:effectRef>
+      <a:fontRef idx="minor"/>
+    </dgm:style>
+  </dgm:styleLbl>
+  <dgm:styleLbl name="parChTrans1D2">
+    <dgm:scene3d>
+      <a:camera prst="orthographicFront"/>
+      <a:lightRig rig="threePt" dir="t"/>
+    </dgm:scene3d>
+    <dgm:sp3d/>
+    <dgm:txPr/>
+    <dgm:style>
+      <a:lnRef idx="2">
+        <a:scrgbClr r="0" g="0" b="0"/>
+      </a:lnRef>
+      <a:fillRef idx="0">
+        <a:scrgbClr r="0" g="0" b="0"/>
+      </a:fillRef>
+      <a:effectRef idx="0">
+        <a:scrgbClr r="0" g="0" b="0"/>
+      </a:effectRef>
+      <a:fontRef idx="minor"/>
+    </dgm:style>
+  </dgm:styleLbl>
+  <dgm:styleLbl name="parChTrans1D3">
+    <dgm:scene3d>
+      <a:camera prst="orthographicFront"/>
+      <a:lightRig rig="threePt" dir="t"/>
+    </dgm:scene3d>
+    <dgm:sp3d/>
+    <dgm:txPr/>
+    <dgm:style>
+      <a:lnRef idx="2">
+        <a:scrgbClr r="0" g="0" b="0"/>
+      </a:lnRef>
+      <a:fillRef idx="0">
+        <a:scrgbClr r="0" g="0" b="0"/>
+      </a:fillRef>
+      <a:effectRef idx="0">
+        <a:scrgbClr r="0" g="0" b="0"/>
+      </a:effectRef>
+      <a:fontRef idx="minor"/>
+    </dgm:style>
+  </dgm:styleLbl>
+  <dgm:styleLbl name="parChTrans1D4">
+    <dgm:scene3d>
+      <a:camera prst="orthographicFront"/>
+      <a:lightRig rig="threePt" dir="t"/>
+    </dgm:scene3d>
+    <dgm:sp3d/>
+    <dgm:txPr/>
+    <dgm:style>
+      <a:lnRef idx="2">
+        <a:scrgbClr r="0" g="0" b="0"/>
+      </a:lnRef>
+      <a:fillRef idx="0">
+        <a:scrgbClr r="0" g="0" b="0"/>
+      </a:fillRef>
+      <a:effectRef idx="0">
+        <a:scrgbClr r="0" g="0" b="0"/>
+      </a:effectRef>
+      <a:fontRef idx="minor"/>
+    </dgm:style>
+  </dgm:styleLbl>
+  <dgm:styleLbl name="fgAcc1">
+    <dgm:scene3d>
+      <a:camera prst="orthographicFront"/>
+      <a:lightRig rig="threePt" dir="t"/>
+    </dgm:scene3d>
+    <dgm:sp3d/>
+    <dgm:txPr/>
+    <dgm:style>
+      <a:lnRef idx="2">
+        <a:scrgbClr r="0" g="0" b="0"/>
+      </a:lnRef>
+      <a:fillRef idx="1">
+        <a:scrgbClr r="0" g="0" b="0"/>
+      </a:fillRef>
+      <a:effectRef idx="0">
+        <a:scrgbClr r="0" g="0" b="0"/>
+      </a:effectRef>
+      <a:fontRef idx="minor"/>
+    </dgm:style>
+  </dgm:styleLbl>
+  <dgm:styleLbl name="conFgAcc1">
+    <dgm:scene3d>
+      <a:camera prst="orthographicFront"/>
+      <a:lightRig rig="threePt" dir="t"/>
+    </dgm:scene3d>
+    <dgm:sp3d/>
+    <dgm:txPr/>
+    <dgm:style>
+      <a:lnRef idx="2">
+        <a:scrgbClr r="0" g="0" b="0"/>
+      </a:lnRef>
+      <a:fillRef idx="1">
+        <a:scrgbClr r="0" g="0" b="0"/>
+      </a:fillRef>
+      <a:effectRef idx="0">
+        <a:scrgbClr r="0" g="0" b="0"/>
+      </a:effectRef>
+      <a:fontRef idx="minor"/>
+    </dgm:style>
+  </dgm:styleLbl>
+  <dgm:styleLbl name="alignAcc1">
+    <dgm:scene3d>
+      <a:camera prst="orthographicFront"/>
+      <a:lightRig rig="threePt" dir="t"/>
+    </dgm:scene3d>
+    <dgm:sp3d/>
+    <dgm:txPr/>
+    <dgm:style>
+      <a:lnRef idx="2">
+        <a:scrgbClr r="0" g="0" b="0"/>
+      </a:lnRef>
+      <a:fillRef idx="1">
+        <a:scrgbClr r="0" g="0" b="0"/>
+      </a:fillRef>
+      <a:effectRef idx="0">
+        <a:scrgbClr r="0" g="0" b="0"/>
+      </a:effectRef>
+      <a:fontRef idx="minor"/>
+    </dgm:style>
+  </dgm:styleLbl>
+  <dgm:styleLbl name="trAlignAcc1">
+    <dgm:scene3d>
+      <a:camera prst="orthographicFront"/>
+      <a:lightRig rig="threePt" dir="t"/>
+    </dgm:scene3d>
+    <dgm:sp3d/>
+    <dgm:txPr/>
+    <dgm:style>
+      <a:lnRef idx="1">
+        <a:scrgbClr r="0" g="0" b="0"/>
+      </a:lnRef>
+      <a:fillRef idx="1">
+        <a:scrgbClr r="0" g="0" b="0"/>
+      </a:fillRef>
+      <a:effectRef idx="0">
+        <a:scrgbClr r="0" g="0" b="0"/>
+      </a:effectRef>
+      <a:fontRef idx="minor"/>
+    </dgm:style>
+  </dgm:styleLbl>
+  <dgm:styleLbl name="bgAcc1">
+    <dgm:scene3d>
+      <a:camera prst="orthographicFront"/>
+      <a:lightRig rig="threePt" dir="t"/>
+    </dgm:scene3d>
+    <dgm:sp3d/>
+    <dgm:txPr/>
+    <dgm:style>
+      <a:lnRef idx="2">
+        <a:scrgbClr r="0" g="0" b="0"/>
+      </a:lnRef>
+      <a:fillRef idx="1">
+        <a:scrgbClr r="0" g="0" b="0"/>
+      </a:fillRef>
+      <a:effectRef idx="0">
+        <a:scrgbClr r="0" g="0" b="0"/>
+      </a:effectRef>
+      <a:fontRef idx="minor"/>
+    </dgm:style>
+  </dgm:styleLbl>
+  <dgm:styleLbl name="solidFgAcc1">
+    <dgm:scene3d>
+      <a:camera prst="orthographicFront"/>
+      <a:lightRig rig="threePt" dir="t"/>
+    </dgm:scene3d>
+    <dgm:sp3d/>
+    <dgm:txPr/>
+    <dgm:style>
+      <a:lnRef idx="2">
+        <a:scrgbClr r="0" g="0" b="0"/>
+      </a:lnRef>
+      <a:fillRef idx="1">
+        <a:scrgbClr r="0" g="0" b="0"/>
+      </a:fillRef>
+      <a:effectRef idx="0">
+        <a:scrgbClr r="0" g="0" b="0"/>
+      </a:effectRef>
+      <a:fontRef idx="minor"/>
+    </dgm:style>
+  </dgm:styleLbl>
+  <dgm:styleLbl name="solidAlignAcc1">
+    <dgm:scene3d>
+      <a:camera prst="orthographicFront"/>
+      <a:lightRig rig="threePt" dir="t"/>
+    </dgm:scene3d>
+    <dgm:sp3d/>
+    <dgm:txPr/>
+    <dgm:style>
+      <a:lnRef idx="2">
+        <a:scrgbClr r="0" g="0" b="0"/>
+      </a:lnRef>
+      <a:fillRef idx="1">
+        <a:scrgbClr r="0" g="0" b="0"/>
+      </a:fillRef>
+      <a:effectRef idx="0">
+        <a:scrgbClr r="0" g="0" b="0"/>
+      </a:effectRef>
+      <a:fontRef idx="minor"/>
+    </dgm:style>
+  </dgm:styleLbl>
+  <dgm:styleLbl name="solidBgAcc1">
+    <dgm:scene3d>
+      <a:camera prst="orthographicFront"/>
+      <a:lightRig rig="threePt" dir="t"/>
+    </dgm:scene3d>
+    <dgm:sp3d/>
+    <dgm:txPr/>
+    <dgm:style>
+      <a:lnRef idx="2">
+        <a:scrgbClr r="0" g="0" b="0"/>
+      </a:lnRef>
+      <a:fillRef idx="1">
+        <a:scrgbClr r="0" g="0" b="0"/>
+      </a:fillRef>
+      <a:effectRef idx="0">
+        <a:scrgbClr r="0" g="0" b="0"/>
+      </a:effectRef>
+      <a:fontRef idx="minor"/>
+    </dgm:style>
+  </dgm:styleLbl>
+  <dgm:styleLbl name="fgAccFollowNode1">
+    <dgm:scene3d>
+      <a:camera prst="orthographicFront"/>
+      <a:lightRig rig="threePt" dir="t"/>
+    </dgm:scene3d>
+    <dgm:sp3d/>
+    <dgm:txPr/>
+    <dgm:style>
+      <a:lnRef idx="2">
+        <a:scrgbClr r="0" g="0" b="0"/>
+      </a:lnRef>
+      <a:fillRef idx="1">
+        <a:scrgbClr r="0" g="0" b="0"/>
+      </a:fillRef>
+      <a:effectRef idx="0">
+        <a:scrgbClr r="0" g="0" b="0"/>
+      </a:effectRef>
+      <a:fontRef idx="minor"/>
+    </dgm:style>
+  </dgm:styleLbl>
+  <dgm:styleLbl name="alignAccFollowNode1">
+    <dgm:scene3d>
+      <a:camera prst="orthographicFront"/>
+      <a:lightRig rig="threePt" dir="t"/>
+    </dgm:scene3d>
+    <dgm:sp3d/>
+    <dgm:txPr/>
+    <dgm:style>
+      <a:lnRef idx="2">
+        <a:scrgbClr r="0" g="0" b="0"/>
+      </a:lnRef>
+      <a:fillRef idx="1">
+        <a:scrgbClr r="0" g="0" b="0"/>
+      </a:fillRef>
+      <a:effectRef idx="0">
+        <a:scrgbClr r="0" g="0" b="0"/>
+      </a:effectRef>
+      <a:fontRef idx="minor"/>
+    </dgm:style>
+  </dgm:styleLbl>
+  <dgm:styleLbl name="bgAccFollowNode1">
+    <dgm:scene3d>
+      <a:camera prst="orthographicFront"/>
+      <a:lightRig rig="threePt" dir="t"/>
+    </dgm:scene3d>
+    <dgm:sp3d/>
+    <dgm:txPr/>
+    <dgm:style>
+      <a:lnRef idx="2">
+        <a:scrgbClr r="0" g="0" b="0"/>
+      </a:lnRef>
+      <a:fillRef idx="1">
+        <a:scrgbClr r="0" g="0" b="0"/>
+      </a:fillRef>
+      <a:effectRef idx="0">
+        <a:scrgbClr r="0" g="0" b="0"/>
+      </a:effectRef>
+      <a:fontRef idx="minor"/>
+    </dgm:style>
+  </dgm:styleLbl>
+  <dgm:styleLbl name="fgAcc0">
+    <dgm:scene3d>
+      <a:camera prst="orthographicFront"/>
+      <a:lightRig rig="threePt" dir="t"/>
+    </dgm:scene3d>
+    <dgm:sp3d/>
+    <dgm:txPr/>
+    <dgm:style>
+      <a:lnRef idx="2">
+        <a:scrgbClr r="0" g="0" b="0"/>
+      </a:lnRef>
+      <a:fillRef idx="1">
+        <a:scrgbClr r="0" g="0" b="0"/>
+      </a:fillRef>
+      <a:effectRef idx="0">
+        <a:scrgbClr r="0" g="0" b="0"/>
+      </a:effectRef>
+      <a:fontRef idx="minor"/>
+    </dgm:style>
+  </dgm:styleLbl>
+  <dgm:styleLbl name="fgAcc2">
+    <dgm:scene3d>
+      <a:camera prst="orthographicFront"/>
+      <a:lightRig rig="threePt" dir="t"/>
+    </dgm:scene3d>
+    <dgm:sp3d/>
+    <dgm:txPr/>
+    <dgm:style>
+      <a:lnRef idx="2">
+        <a:scrgbClr r="0" g="0" b="0"/>
+      </a:lnRef>
+      <a:fillRef idx="1">
+        <a:scrgbClr r="0" g="0" b="0"/>
+      </a:fillRef>
+      <a:effectRef idx="0">
+        <a:scrgbClr r="0" g="0" b="0"/>
+      </a:effectRef>
+      <a:fontRef idx="minor"/>
+    </dgm:style>
+  </dgm:styleLbl>
+  <dgm:styleLbl name="fgAcc3">
+    <dgm:scene3d>
+      <a:camera prst="orthographicFront"/>
+      <a:lightRig rig="threePt" dir="t"/>
+    </dgm:scene3d>
+    <dgm:sp3d/>
+    <dgm:txPr/>
+    <dgm:style>
+      <a:lnRef idx="2">
+        <a:scrgbClr r="0" g="0" b="0"/>
+      </a:lnRef>
+      <a:fillRef idx="1">
+        <a:scrgbClr r="0" g="0" b="0"/>
+      </a:fillRef>
+      <a:effectRef idx="0">
+        <a:scrgbClr r="0" g="0" b="0"/>
+      </a:effectRef>
+      <a:fontRef idx="minor"/>
+    </dgm:style>
+  </dgm:styleLbl>
+  <dgm:styleLbl name="fgAcc4">
+    <dgm:scene3d>
+      <a:camera prst="orthographicFront"/>
+      <a:lightRig rig="threePt" dir="t"/>
+    </dgm:scene3d>
+    <dgm:sp3d/>
+    <dgm:txPr/>
+    <dgm:style>
+      <a:lnRef idx="2">
+        <a:scrgbClr r="0" g="0" b="0"/>
+      </a:lnRef>
+      <a:fillRef idx="1">
+        <a:scrgbClr r="0" g="0" b="0"/>
+      </a:fillRef>
+      <a:effectRef idx="0">
+        <a:scrgbClr r="0" g="0" b="0"/>
+      </a:effectRef>
+      <a:fontRef idx="minor"/>
+    </dgm:style>
+  </dgm:styleLbl>
+  <dgm:styleLbl name="bgShp">
+    <dgm:scene3d>
+      <a:camera prst="orthographicFront"/>
+      <a:lightRig rig="threePt" dir="t"/>
+    </dgm:scene3d>
+    <dgm:sp3d/>
+    <dgm:txPr/>
+    <dgm:style>
+      <a:lnRef idx="0">
+        <a:scrgbClr r="0" g="0" b="0"/>
+      </a:lnRef>
+      <a:fillRef idx="1">
+        <a:scrgbClr r="0" g="0" b="0"/>
+      </a:fillRef>
+      <a:effectRef idx="0">
+        <a:scrgbClr r="0" g="0" b="0"/>
+      </a:effectRef>
+      <a:fontRef idx="minor"/>
+    </dgm:style>
+  </dgm:styleLbl>
+  <dgm:styleLbl name="dkBgShp">
+    <dgm:scene3d>
+      <a:camera prst="orthographicFront"/>
+      <a:lightRig rig="threePt" dir="t"/>
+    </dgm:scene3d>
+    <dgm:sp3d/>
+    <dgm:txPr/>
+    <dgm:style>
+      <a:lnRef idx="0">
+        <a:scrgbClr r="0" g="0" b="0"/>
+      </a:lnRef>
+      <a:fillRef idx="1">
+        <a:scrgbClr r="0" g="0" b="0"/>
+      </a:fillRef>
+      <a:effectRef idx="0">
+        <a:scrgbClr r="0" g="0" b="0"/>
+      </a:effectRef>
+      <a:fontRef idx="minor"/>
+    </dgm:style>
+  </dgm:styleLbl>
+  <dgm:styleLbl name="trBgShp">
+    <dgm:scene3d>
+      <a:camera prst="orthographicFront"/>
+      <a:lightRig rig="threePt" dir="t"/>
+    </dgm:scene3d>
+    <dgm:sp3d/>
+    <dgm:txPr/>
+    <dgm:style>
+      <a:lnRef idx="0">
+        <a:scrgbClr r="0" g="0" b="0"/>
+      </a:lnRef>
+      <a:fillRef idx="1">
+        <a:scrgbClr r="0" g="0" b="0"/>
+      </a:fillRef>
+      <a:effectRef idx="0">
+        <a:scrgbClr r="0" g="0" b="0"/>
+      </a:effectRef>
+      <a:fontRef idx="minor"/>
+    </dgm:style>
+  </dgm:styleLbl>
+  <dgm:styleLbl name="fgShp">
+    <dgm:scene3d>
+      <a:camera prst="orthographicFront"/>
+      <a:lightRig rig="threePt" dir="t"/>
+    </dgm:scene3d>
+    <dgm:sp3d/>
+    <dgm:txPr/>
+    <dgm:style>
+      <a:lnRef idx="2">
+        <a:scrgbClr r="0" g="0" b="0"/>
+      </a:lnRef>
+      <a:fillRef idx="1">
+        <a:scrgbClr r="0" g="0" b="0"/>
+      </a:fillRef>
+      <a:effectRef idx="0">
+        <a:scrgbClr r="0" g="0" b="0"/>
+      </a:effectRef>
+      <a:fontRef idx="minor"/>
+    </dgm:style>
+  </dgm:styleLbl>
+  <dgm:styleLbl name="revTx">
+    <dgm:scene3d>
+      <a:camera prst="orthographicFront"/>
+      <a:lightRig rig="threePt" dir="t"/>
+    </dgm:scene3d>
+    <dgm:sp3d/>
+    <dgm:txPr/>
+    <dgm:style>
+      <a:lnRef idx="0">
+        <a:scrgbClr r="0" g="0" b="0"/>
+      </a:lnRef>
+      <a:fillRef idx="0">
+        <a:scrgbClr r="0" g="0" b="0"/>
+      </a:fillRef>
+      <a:effectRef idx="0">
+        <a:scrgbClr r="0" g="0" b="0"/>
+      </a:effectRef>
+      <a:fontRef idx="minor"/>
+    </dgm:style>
+  </dgm:styleLbl>
+</dgm:styleDef>
 </file>
 
 <file path=ppt/notesMasters/notesMaster1.xml><?xml version="1.0" encoding="utf-8"?>
@@ -196,7 +7883,7 @@
           <a:p>
             <a:fld id="{94402961-76CC-4AA6-8CA7-D70A1AE3245E}" type="datetimeFigureOut">
               <a:rPr lang="pt-BR" smtClean="0"/>
-              <a:t>14/06/2023</a:t>
+              <a:t>15/06/2023</a:t>
             </a:fld>
             <a:endParaRPr lang="pt-BR"/>
           </a:p>
@@ -784,7 +8471,7 @@
           <a:p>
             <a:fld id="{BF8E8D3C-8C4C-4380-845F-39227C122ED1}" type="datetimeFigureOut">
               <a:rPr lang="pt-BR" smtClean="0"/>
-              <a:t>14/06/2023</a:t>
+              <a:t>15/06/2023</a:t>
             </a:fld>
             <a:endParaRPr lang="pt-BR"/>
           </a:p>
@@ -982,7 +8669,7 @@
           <a:p>
             <a:fld id="{BF8E8D3C-8C4C-4380-845F-39227C122ED1}" type="datetimeFigureOut">
               <a:rPr lang="pt-BR" smtClean="0"/>
-              <a:t>14/06/2023</a:t>
+              <a:t>15/06/2023</a:t>
             </a:fld>
             <a:endParaRPr lang="pt-BR"/>
           </a:p>
@@ -1190,7 +8877,7 @@
           <a:p>
             <a:fld id="{BF8E8D3C-8C4C-4380-845F-39227C122ED1}" type="datetimeFigureOut">
               <a:rPr lang="pt-BR" smtClean="0"/>
-              <a:t>14/06/2023</a:t>
+              <a:t>15/06/2023</a:t>
             </a:fld>
             <a:endParaRPr lang="pt-BR"/>
           </a:p>
@@ -1388,7 +9075,7 @@
           <a:p>
             <a:fld id="{BF8E8D3C-8C4C-4380-845F-39227C122ED1}" type="datetimeFigureOut">
               <a:rPr lang="pt-BR" smtClean="0"/>
-              <a:t>14/06/2023</a:t>
+              <a:t>15/06/2023</a:t>
             </a:fld>
             <a:endParaRPr lang="pt-BR"/>
           </a:p>
@@ -1663,7 +9350,7 @@
           <a:p>
             <a:fld id="{BF8E8D3C-8C4C-4380-845F-39227C122ED1}" type="datetimeFigureOut">
               <a:rPr lang="pt-BR" smtClean="0"/>
-              <a:t>14/06/2023</a:t>
+              <a:t>15/06/2023</a:t>
             </a:fld>
             <a:endParaRPr lang="pt-BR"/>
           </a:p>
@@ -1928,7 +9615,7 @@
           <a:p>
             <a:fld id="{BF8E8D3C-8C4C-4380-845F-39227C122ED1}" type="datetimeFigureOut">
               <a:rPr lang="pt-BR" smtClean="0"/>
-              <a:t>14/06/2023</a:t>
+              <a:t>15/06/2023</a:t>
             </a:fld>
             <a:endParaRPr lang="pt-BR"/>
           </a:p>
@@ -2340,7 +10027,7 @@
           <a:p>
             <a:fld id="{BF8E8D3C-8C4C-4380-845F-39227C122ED1}" type="datetimeFigureOut">
               <a:rPr lang="pt-BR" smtClean="0"/>
-              <a:t>14/06/2023</a:t>
+              <a:t>15/06/2023</a:t>
             </a:fld>
             <a:endParaRPr lang="pt-BR"/>
           </a:p>
@@ -2481,7 +10168,7 @@
           <a:p>
             <a:fld id="{BF8E8D3C-8C4C-4380-845F-39227C122ED1}" type="datetimeFigureOut">
               <a:rPr lang="pt-BR" smtClean="0"/>
-              <a:t>14/06/2023</a:t>
+              <a:t>15/06/2023</a:t>
             </a:fld>
             <a:endParaRPr lang="pt-BR"/>
           </a:p>
@@ -2594,7 +10281,7 @@
           <a:p>
             <a:fld id="{BF8E8D3C-8C4C-4380-845F-39227C122ED1}" type="datetimeFigureOut">
               <a:rPr lang="pt-BR" smtClean="0"/>
-              <a:t>14/06/2023</a:t>
+              <a:t>15/06/2023</a:t>
             </a:fld>
             <a:endParaRPr lang="pt-BR"/>
           </a:p>
@@ -2905,7 +10592,7 @@
           <a:p>
             <a:fld id="{BF8E8D3C-8C4C-4380-845F-39227C122ED1}" type="datetimeFigureOut">
               <a:rPr lang="pt-BR" smtClean="0"/>
-              <a:t>14/06/2023</a:t>
+              <a:t>15/06/2023</a:t>
             </a:fld>
             <a:endParaRPr lang="pt-BR"/>
           </a:p>
@@ -3193,7 +10880,7 @@
           <a:p>
             <a:fld id="{BF8E8D3C-8C4C-4380-845F-39227C122ED1}" type="datetimeFigureOut">
               <a:rPr lang="pt-BR" smtClean="0"/>
-              <a:t>14/06/2023</a:t>
+              <a:t>15/06/2023</a:t>
             </a:fld>
             <a:endParaRPr lang="pt-BR"/>
           </a:p>
@@ -3434,7 +11121,7 @@
           <a:p>
             <a:fld id="{BF8E8D3C-8C4C-4380-845F-39227C122ED1}" type="datetimeFigureOut">
               <a:rPr lang="pt-BR" smtClean="0"/>
-              <a:t>14/06/2023</a:t>
+              <a:t>15/06/2023</a:t>
             </a:fld>
             <a:endParaRPr lang="pt-BR"/>
           </a:p>
@@ -4621,10 +12308,10 @@
       </p:sp>
       <p:sp>
         <p:nvSpPr>
-          <p:cNvPr id="16" name="Retângulo 15">
+          <p:cNvPr id="3" name="Retângulo 2">
             <a:extLst>
               <a:ext uri="{FF2B5EF4-FFF2-40B4-BE49-F238E27FC236}">
-                <a16:creationId xmlns:a16="http://schemas.microsoft.com/office/drawing/2014/main" id="{E91FDF04-9074-C6CA-20C4-CA78F496CE56}"/>
+                <a16:creationId xmlns:a16="http://schemas.microsoft.com/office/drawing/2014/main" id="{A454E1D3-F1FF-B364-39A0-94FBB54583B9}"/>
               </a:ext>
             </a:extLst>
           </p:cNvPr>
@@ -4633,8 +12320,8 @@
         </p:nvSpPr>
         <p:spPr>
           <a:xfrm>
-            <a:off x="4513277" y="4280177"/>
-            <a:ext cx="1845578" cy="780053"/>
+            <a:off x="4379054" y="4362275"/>
+            <a:ext cx="1585520" cy="697956"/>
           </a:xfrm>
           <a:prstGeom prst="rect">
             <a:avLst/>
@@ -4673,6 +12360,11 @@
             <a:pPr algn="ctr"/>
             <a:r>
               <a:rPr lang="pt-BR" dirty="0">
+                <a:ln>
+                  <a:solidFill>
+                    <a:schemeClr val="tx1"/>
+                  </a:solidFill>
+                </a:ln>
                 <a:solidFill>
                   <a:schemeClr val="tx1"/>
                 </a:solidFill>
@@ -4756,14 +12448,14 @@
             <p:ph idx="1"/>
             <p:extLst>
               <p:ext uri="{D42A27DB-BD31-4B8C-83A1-F6EECF244321}">
-                <p14:modId xmlns:p14="http://schemas.microsoft.com/office/powerpoint/2010/main" val="1165318328"/>
+                <p14:modId xmlns:p14="http://schemas.microsoft.com/office/powerpoint/2010/main" val="392752442"/>
               </p:ext>
             </p:extLst>
           </p:nvPr>
         </p:nvGraphicFramePr>
         <p:xfrm>
-          <a:off x="1585519" y="1825625"/>
-          <a:ext cx="4681059" cy="2219960"/>
+          <a:off x="1434517" y="1825625"/>
+          <a:ext cx="6054589" cy="2489200"/>
         </p:xfrm>
         <a:graphic>
           <a:graphicData uri="http://schemas.openxmlformats.org/drawingml/2006/table">
@@ -4772,21 +12464,21 @@
                 <a:tableStyleId>{5C22544A-7EE6-4342-B048-85BDC9FD1C3A}</a:tableStyleId>
               </a:tblPr>
               <a:tblGrid>
-                <a:gridCol w="1560353">
+                <a:gridCol w="2102997">
                   <a:extLst>
                     <a:ext uri="{9D8B030D-6E8A-4147-A177-3AD203B41FA5}">
                       <a16:colId xmlns:a16="http://schemas.microsoft.com/office/drawing/2014/main" val="1826691757"/>
                     </a:ext>
                   </a:extLst>
                 </a:gridCol>
-                <a:gridCol w="1560353">
+                <a:gridCol w="1975796">
                   <a:extLst>
                     <a:ext uri="{9D8B030D-6E8A-4147-A177-3AD203B41FA5}">
                       <a16:colId xmlns:a16="http://schemas.microsoft.com/office/drawing/2014/main" val="3907154597"/>
                     </a:ext>
                   </a:extLst>
                 </a:gridCol>
-                <a:gridCol w="1560353">
+                <a:gridCol w="1975796">
                   <a:extLst>
                     <a:ext uri="{9D8B030D-6E8A-4147-A177-3AD203B41FA5}">
                       <a16:colId xmlns:a16="http://schemas.microsoft.com/office/drawing/2014/main" val="3821074072"/>
@@ -4800,6 +12492,7 @@
                     <a:bodyPr/>
                     <a:lstStyle/>
                     <a:p>
+                      <a:pPr algn="ctr"/>
                       <a:r>
                         <a:rPr lang="pt-BR" dirty="0">
                           <a:ln>
@@ -4822,6 +12515,7 @@
                     <a:bodyPr/>
                     <a:lstStyle/>
                     <a:p>
+                      <a:pPr algn="ctr"/>
                       <a:r>
                         <a:rPr lang="pt-BR" dirty="0">
                           <a:ln>
@@ -4844,14 +12538,33 @@
                     <a:bodyPr/>
                     <a:lstStyle/>
                     <a:p>
+                      <a:pPr algn="ctr"/>
                       <a:r>
-                        <a:rPr lang="pt-BR">
+                        <a:rPr lang="pt-BR" dirty="0">
                           <a:solidFill>
                             <a:schemeClr val="tx1"/>
                           </a:solidFill>
                         </a:rPr>
-                        <a:t>% Total</a:t>
+                        <a:t>% </a:t>
                       </a:r>
+                      <a:r>
+                        <a:rPr lang="pt-BR" dirty="0">
+                          <a:ln>
+                            <a:solidFill>
+                              <a:schemeClr val="tx1"/>
+                            </a:solidFill>
+                          </a:ln>
+                          <a:solidFill>
+                            <a:schemeClr val="tx1"/>
+                          </a:solidFill>
+                        </a:rPr>
+                        <a:t>Total</a:t>
+                      </a:r>
+                      <a:endParaRPr lang="pt-BR" dirty="0">
+                        <a:solidFill>
+                          <a:schemeClr val="tx1"/>
+                        </a:solidFill>
+                      </a:endParaRPr>
                     </a:p>
                   </a:txBody>
                   <a:tcPr/>
@@ -4868,7 +12581,10 @@
                     <a:bodyPr/>
                     <a:lstStyle/>
                     <a:p>
-                      <a:endParaRPr lang="pt-BR"/>
+                      <a:r>
+                        <a:rPr lang="pt-BR" dirty="0"/>
+                        <a:t>Fundos Tributáveis</a:t>
+                      </a:r>
                     </a:p>
                   </a:txBody>
                   <a:tcPr/>
@@ -4878,7 +12594,11 @@
                     <a:bodyPr/>
                     <a:lstStyle/>
                     <a:p>
-                      <a:endParaRPr lang="pt-BR"/>
+                      <a:pPr algn="ctr"/>
+                      <a:r>
+                        <a:rPr lang="pt-BR" dirty="0"/>
+                        <a:t>1.890</a:t>
+                      </a:r>
                     </a:p>
                   </a:txBody>
                   <a:tcPr/>
@@ -4888,7 +12608,11 @@
                     <a:bodyPr/>
                     <a:lstStyle/>
                     <a:p>
-                      <a:endParaRPr lang="pt-BR"/>
+                      <a:pPr algn="ctr"/>
+                      <a:r>
+                        <a:rPr lang="pt-BR" dirty="0"/>
+                        <a:t>11%</a:t>
+                      </a:r>
                     </a:p>
                   </a:txBody>
                   <a:tcPr/>
@@ -4905,7 +12629,10 @@
                     <a:bodyPr/>
                     <a:lstStyle/>
                     <a:p>
-                      <a:endParaRPr lang="pt-BR"/>
+                      <a:r>
+                        <a:rPr lang="pt-BR" dirty="0"/>
+                        <a:t>Fundos Isentos</a:t>
+                      </a:r>
                     </a:p>
                   </a:txBody>
                   <a:tcPr/>
@@ -4915,7 +12642,11 @@
                     <a:bodyPr/>
                     <a:lstStyle/>
                     <a:p>
-                      <a:endParaRPr lang="pt-BR"/>
+                      <a:pPr algn="ctr"/>
+                      <a:r>
+                        <a:rPr lang="pt-BR" dirty="0"/>
+                        <a:t>3.560,00</a:t>
+                      </a:r>
                     </a:p>
                   </a:txBody>
                   <a:tcPr/>
@@ -4925,7 +12656,11 @@
                     <a:bodyPr/>
                     <a:lstStyle/>
                     <a:p>
-                      <a:endParaRPr lang="pt-BR"/>
+                      <a:pPr algn="ctr"/>
+                      <a:r>
+                        <a:rPr lang="pt-BR" dirty="0"/>
+                        <a:t>21%</a:t>
+                      </a:r>
                     </a:p>
                   </a:txBody>
                   <a:tcPr/>
@@ -4942,7 +12677,10 @@
                     <a:bodyPr/>
                     <a:lstStyle/>
                     <a:p>
-                      <a:endParaRPr lang="pt-BR"/>
+                      <a:r>
+                        <a:rPr lang="pt-BR" dirty="0"/>
+                        <a:t>Ações e Dividendos</a:t>
+                      </a:r>
                     </a:p>
                   </a:txBody>
                   <a:tcPr/>
@@ -4952,7 +12690,11 @@
                     <a:bodyPr/>
                     <a:lstStyle/>
                     <a:p>
-                      <a:endParaRPr lang="pt-BR"/>
+                      <a:pPr algn="ctr"/>
+                      <a:r>
+                        <a:rPr lang="pt-BR" dirty="0"/>
+                        <a:t>4580,60</a:t>
+                      </a:r>
                     </a:p>
                   </a:txBody>
                   <a:tcPr/>
@@ -4962,7 +12704,11 @@
                     <a:bodyPr/>
                     <a:lstStyle/>
                     <a:p>
-                      <a:endParaRPr lang="pt-BR"/>
+                      <a:pPr algn="ctr"/>
+                      <a:r>
+                        <a:rPr lang="pt-BR" dirty="0"/>
+                        <a:t>3%</a:t>
+                      </a:r>
                     </a:p>
                   </a:txBody>
                   <a:tcPr/>
@@ -4973,13 +12719,16 @@
                   </a:ext>
                 </a:extLst>
               </a:tr>
-              <a:tr h="370840">
+              <a:tr h="142019">
                 <a:tc>
                   <a:txBody>
                     <a:bodyPr/>
                     <a:lstStyle/>
                     <a:p>
-                      <a:endParaRPr lang="pt-BR"/>
+                      <a:r>
+                        <a:rPr lang="pt-BR" dirty="0"/>
+                        <a:t>Equivalente em caixa</a:t>
+                      </a:r>
                     </a:p>
                   </a:txBody>
                   <a:tcPr/>
@@ -4989,7 +12738,11 @@
                     <a:bodyPr/>
                     <a:lstStyle/>
                     <a:p>
-                      <a:endParaRPr lang="pt-BR"/>
+                      <a:pPr algn="ctr"/>
+                      <a:r>
+                        <a:rPr lang="pt-BR" dirty="0"/>
+                        <a:t>10.890,00</a:t>
+                      </a:r>
                     </a:p>
                   </a:txBody>
                   <a:tcPr/>
@@ -4999,7 +12752,11 @@
                     <a:bodyPr/>
                     <a:lstStyle/>
                     <a:p>
-                      <a:endParaRPr lang="pt-BR"/>
+                      <a:pPr algn="ctr"/>
+                      <a:r>
+                        <a:rPr lang="pt-BR" dirty="0"/>
+                        <a:t>65%</a:t>
+                      </a:r>
                     </a:p>
                   </a:txBody>
                   <a:tcPr/>
@@ -5016,7 +12773,20 @@
                     <a:bodyPr/>
                     <a:lstStyle/>
                     <a:p>
-                      <a:endParaRPr lang="pt-BR"/>
+                      <a:pPr algn="ctr"/>
+                      <a:r>
+                        <a:rPr lang="pt-BR" dirty="0">
+                          <a:ln>
+                            <a:solidFill>
+                              <a:schemeClr val="tx1"/>
+                            </a:solidFill>
+                          </a:ln>
+                          <a:solidFill>
+                            <a:schemeClr val="tx1"/>
+                          </a:solidFill>
+                        </a:rPr>
+                        <a:t>Totais</a:t>
+                      </a:r>
                     </a:p>
                   </a:txBody>
                   <a:tcPr/>
@@ -5026,7 +12796,17 @@
                     <a:bodyPr/>
                     <a:lstStyle/>
                     <a:p>
-                      <a:endParaRPr lang="pt-BR"/>
+                      <a:pPr algn="ctr"/>
+                      <a:r>
+                        <a:rPr lang="pt-BR" dirty="0">
+                          <a:ln>
+                            <a:solidFill>
+                              <a:schemeClr val="tx1"/>
+                            </a:solidFill>
+                          </a:ln>
+                        </a:rPr>
+                        <a:t>16.798,60</a:t>
+                      </a:r>
                     </a:p>
                   </a:txBody>
                   <a:tcPr/>
@@ -5036,7 +12816,17 @@
                     <a:bodyPr/>
                     <a:lstStyle/>
                     <a:p>
-                      <a:endParaRPr lang="pt-BR" dirty="0"/>
+                      <a:pPr algn="ctr"/>
+                      <a:r>
+                        <a:rPr lang="pt-BR" dirty="0">
+                          <a:ln>
+                            <a:solidFill>
+                              <a:schemeClr val="tx1"/>
+                            </a:solidFill>
+                          </a:ln>
+                        </a:rPr>
+                        <a:t>100%</a:t>
+                      </a:r>
                     </a:p>
                   </a:txBody>
                   <a:tcPr/>
@@ -5055,6 +12845,184 @@
     <p:extLst>
       <p:ext uri="{BB962C8B-B14F-4D97-AF65-F5344CB8AC3E}">
         <p14:creationId xmlns:p14="http://schemas.microsoft.com/office/powerpoint/2010/main" val="527845463"/>
+      </p:ext>
+    </p:extLst>
+  </p:cSld>
+  <p:clrMapOvr>
+    <a:masterClrMapping/>
+  </p:clrMapOvr>
+</p:sld>
+</file>
+
+<file path=ppt/slides/slide6.xml><?xml version="1.0" encoding="utf-8"?>
+<p:sld xmlns:a="http://schemas.openxmlformats.org/drawingml/2006/main" xmlns:r="http://schemas.openxmlformats.org/officeDocument/2006/relationships" xmlns:p="http://schemas.openxmlformats.org/presentationml/2006/main">
+  <p:cSld>
+    <p:spTree>
+      <p:nvGrpSpPr>
+        <p:cNvPr id="1" name=""/>
+        <p:cNvGrpSpPr/>
+        <p:nvPr/>
+      </p:nvGrpSpPr>
+      <p:grpSpPr>
+        <a:xfrm>
+          <a:off x="0" y="0"/>
+          <a:ext cx="0" cy="0"/>
+          <a:chOff x="0" y="0"/>
+          <a:chExt cx="0" cy="0"/>
+        </a:xfrm>
+      </p:grpSpPr>
+      <p:sp>
+        <p:nvSpPr>
+          <p:cNvPr id="2" name="Título 1">
+            <a:extLst>
+              <a:ext uri="{FF2B5EF4-FFF2-40B4-BE49-F238E27FC236}">
+                <a16:creationId xmlns:a16="http://schemas.microsoft.com/office/drawing/2014/main" id="{DB3043B4-0E79-B421-148C-E0A7C177A18C}"/>
+              </a:ext>
+            </a:extLst>
+          </p:cNvPr>
+          <p:cNvSpPr>
+            <a:spLocks noGrp="1"/>
+          </p:cNvSpPr>
+          <p:nvPr>
+            <p:ph type="title"/>
+          </p:nvPr>
+        </p:nvSpPr>
+        <p:spPr/>
+        <p:txBody>
+          <a:bodyPr/>
+          <a:lstStyle/>
+          <a:p>
+            <a:r>
+              <a:rPr lang="pt-BR" dirty="0"/>
+              <a:t>Processo de Seleção de Investimento.</a:t>
+            </a:r>
+          </a:p>
+        </p:txBody>
+      </p:sp>
+      <p:graphicFrame>
+        <p:nvGraphicFramePr>
+          <p:cNvPr id="4" name="Espaço Reservado para Conteúdo 3">
+            <a:extLst>
+              <a:ext uri="{FF2B5EF4-FFF2-40B4-BE49-F238E27FC236}">
+                <a16:creationId xmlns:a16="http://schemas.microsoft.com/office/drawing/2014/main" id="{BFCF0272-191C-B00E-45D8-1A03BDDBE684}"/>
+              </a:ext>
+            </a:extLst>
+          </p:cNvPr>
+          <p:cNvGraphicFramePr>
+            <a:graphicFrameLocks noGrp="1"/>
+          </p:cNvGraphicFramePr>
+          <p:nvPr>
+            <p:ph idx="1"/>
+            <p:extLst>
+              <p:ext uri="{D42A27DB-BD31-4B8C-83A1-F6EECF244321}">
+                <p14:modId xmlns:p14="http://schemas.microsoft.com/office/powerpoint/2010/main" val="3742014206"/>
+              </p:ext>
+            </p:extLst>
+          </p:nvPr>
+        </p:nvGraphicFramePr>
+        <p:xfrm>
+          <a:off x="838200" y="2097247"/>
+          <a:ext cx="10515600" cy="4079715"/>
+        </p:xfrm>
+        <a:graphic>
+          <a:graphicData uri="http://schemas.openxmlformats.org/drawingml/2006/diagram">
+            <dgm:relIds xmlns:dgm="http://schemas.openxmlformats.org/drawingml/2006/diagram" xmlns:r="http://schemas.openxmlformats.org/officeDocument/2006/relationships" r:dm="rId2" r:lo="rId3" r:qs="rId4" r:cs="rId5"/>
+          </a:graphicData>
+        </a:graphic>
+      </p:graphicFrame>
+    </p:spTree>
+    <p:extLst>
+      <p:ext uri="{BB962C8B-B14F-4D97-AF65-F5344CB8AC3E}">
+        <p14:creationId xmlns:p14="http://schemas.microsoft.com/office/powerpoint/2010/main" val="475528565"/>
+      </p:ext>
+    </p:extLst>
+  </p:cSld>
+  <p:clrMapOvr>
+    <a:masterClrMapping/>
+  </p:clrMapOvr>
+</p:sld>
+</file>
+
+<file path=ppt/slides/slide7.xml><?xml version="1.0" encoding="utf-8"?>
+<p:sld xmlns:a="http://schemas.openxmlformats.org/drawingml/2006/main" xmlns:r="http://schemas.openxmlformats.org/officeDocument/2006/relationships" xmlns:p="http://schemas.openxmlformats.org/presentationml/2006/main">
+  <p:cSld>
+    <p:spTree>
+      <p:nvGrpSpPr>
+        <p:cNvPr id="1" name=""/>
+        <p:cNvGrpSpPr/>
+        <p:nvPr/>
+      </p:nvGrpSpPr>
+      <p:grpSpPr>
+        <a:xfrm>
+          <a:off x="0" y="0"/>
+          <a:ext cx="0" cy="0"/>
+          <a:chOff x="0" y="0"/>
+          <a:chExt cx="0" cy="0"/>
+        </a:xfrm>
+      </p:grpSpPr>
+      <p:sp>
+        <p:nvSpPr>
+          <p:cNvPr id="2" name="Título 1">
+            <a:extLst>
+              <a:ext uri="{FF2B5EF4-FFF2-40B4-BE49-F238E27FC236}">
+                <a16:creationId xmlns:a16="http://schemas.microsoft.com/office/drawing/2014/main" id="{9D0B5141-ACA7-5B07-E14F-DD9D5F430753}"/>
+              </a:ext>
+            </a:extLst>
+          </p:cNvPr>
+          <p:cNvSpPr>
+            <a:spLocks noGrp="1"/>
+          </p:cNvSpPr>
+          <p:nvPr>
+            <p:ph type="title"/>
+          </p:nvPr>
+        </p:nvSpPr>
+        <p:spPr/>
+        <p:txBody>
+          <a:bodyPr/>
+          <a:lstStyle/>
+          <a:p>
+            <a:r>
+              <a:rPr lang="pt-BR" dirty="0"/>
+              <a:t>Introdução à Informática – Windows e Office.</a:t>
+            </a:r>
+          </a:p>
+        </p:txBody>
+      </p:sp>
+      <p:graphicFrame>
+        <p:nvGraphicFramePr>
+          <p:cNvPr id="4" name="Espaço Reservado para Conteúdo 3">
+            <a:extLst>
+              <a:ext uri="{FF2B5EF4-FFF2-40B4-BE49-F238E27FC236}">
+                <a16:creationId xmlns:a16="http://schemas.microsoft.com/office/drawing/2014/main" id="{592C8ADE-8CAC-A979-C547-D0B8C1EC6EF8}"/>
+              </a:ext>
+            </a:extLst>
+          </p:cNvPr>
+          <p:cNvGraphicFramePr>
+            <a:graphicFrameLocks noGrp="1"/>
+          </p:cNvGraphicFramePr>
+          <p:nvPr>
+            <p:ph idx="1"/>
+            <p:extLst>
+              <p:ext uri="{D42A27DB-BD31-4B8C-83A1-F6EECF244321}">
+                <p14:modId xmlns:p14="http://schemas.microsoft.com/office/powerpoint/2010/main" val="2838580869"/>
+              </p:ext>
+            </p:extLst>
+          </p:nvPr>
+        </p:nvGraphicFramePr>
+        <p:xfrm>
+          <a:off x="838200" y="1825625"/>
+          <a:ext cx="10515600" cy="4351338"/>
+        </p:xfrm>
+        <a:graphic>
+          <a:graphicData uri="http://schemas.openxmlformats.org/drawingml/2006/diagram">
+            <dgm:relIds xmlns:dgm="http://schemas.openxmlformats.org/drawingml/2006/diagram" xmlns:r="http://schemas.openxmlformats.org/officeDocument/2006/relationships" r:dm="rId2" r:lo="rId3" r:qs="rId4" r:cs="rId5"/>
+          </a:graphicData>
+        </a:graphic>
+      </p:graphicFrame>
+    </p:spTree>
+    <p:extLst>
+      <p:ext uri="{BB962C8B-B14F-4D97-AF65-F5344CB8AC3E}">
+        <p14:creationId xmlns:p14="http://schemas.microsoft.com/office/powerpoint/2010/main" val="1211790570"/>
       </p:ext>
     </p:extLst>
   </p:cSld>
